--- a/Documentation/TACM.pptx
+++ b/Documentation/TACM.pptx
@@ -6470,7 +6470,7 @@
         </p:nvSpPr>
         <p:spPr>
           <a:xfrm>
-            <a:off x="440967" y="1458686"/>
+            <a:off x="10736035" y="163695"/>
             <a:ext cx="1014041" cy="954107"/>
           </a:xfrm>
           <a:prstGeom prst="rect">
@@ -6742,8 +6742,8 @@
         </p:nvSpPr>
         <p:spPr>
           <a:xfrm>
-            <a:off x="2453028" y="3077026"/>
-            <a:ext cx="1014041" cy="830997"/>
+            <a:off x="3804161" y="3912911"/>
+            <a:ext cx="1616787" cy="1384995"/>
           </a:xfrm>
           <a:prstGeom prst="rect">
             <a:avLst/>
@@ -6779,7 +6779,7 @@
               <a:defRPr/>
             </a:pPr>
             <a:r>
-              <a:rPr kumimoji="0" lang="en-US" sz="800" b="0" i="0" u="none" strike="noStrike" kern="0" cap="none" spc="0" normalizeH="0" baseline="0" noProof="0" dirty="0">
+              <a:rPr kumimoji="0" lang="en-US" sz="1400" b="0" i="0" u="none" strike="noStrike" kern="0" cap="none" spc="0" normalizeH="0" baseline="0" noProof="0" dirty="0">
                 <a:ln>
                   <a:noFill/>
                 </a:ln>
@@ -6813,7 +6813,7 @@
               <a:defRPr/>
             </a:pPr>
             <a:r>
-              <a:rPr kumimoji="0" lang="en-US" sz="800" b="0" i="0" u="none" strike="noStrike" kern="0" cap="none" spc="0" normalizeH="0" baseline="0" noProof="0" dirty="0">
+              <a:rPr kumimoji="0" lang="en-US" sz="1400" b="0" i="0" u="none" strike="noStrike" kern="0" cap="none" spc="0" normalizeH="0" baseline="0" noProof="0" dirty="0">
                 <a:ln>
                   <a:noFill/>
                 </a:ln>
@@ -6847,7 +6847,7 @@
               <a:defRPr/>
             </a:pPr>
             <a:r>
-              <a:rPr kumimoji="0" lang="en-US" sz="800" b="0" i="0" u="none" strike="noStrike" kern="0" cap="none" spc="0" normalizeH="0" baseline="0" noProof="0" dirty="0">
+              <a:rPr kumimoji="0" lang="en-US" sz="1400" b="0" i="0" u="none" strike="noStrike" kern="0" cap="none" spc="0" normalizeH="0" baseline="0" noProof="0" dirty="0">
                 <a:ln>
                   <a:noFill/>
                 </a:ln>
@@ -6881,7 +6881,7 @@
               <a:defRPr/>
             </a:pPr>
             <a:r>
-              <a:rPr kumimoji="0" lang="en-US" sz="800" b="0" i="0" u="none" strike="noStrike" kern="0" cap="none" spc="0" normalizeH="0" baseline="0" noProof="0" dirty="0">
+              <a:rPr kumimoji="0" lang="en-US" sz="1400" b="0" i="0" u="none" strike="noStrike" kern="0" cap="none" spc="0" normalizeH="0" baseline="0" noProof="0" dirty="0">
                 <a:ln>
                   <a:noFill/>
                 </a:ln>
@@ -6915,7 +6915,7 @@
               <a:defRPr/>
             </a:pPr>
             <a:r>
-              <a:rPr kumimoji="0" lang="en-US" sz="800" b="0" i="0" u="none" strike="noStrike" kern="0" cap="none" spc="0" normalizeH="0" baseline="0" noProof="0" dirty="0">
+              <a:rPr kumimoji="0" lang="en-US" sz="1400" b="0" i="0" u="none" strike="noStrike" kern="0" cap="none" spc="0" normalizeH="0" baseline="0" noProof="0" dirty="0">
                 <a:ln>
                   <a:noFill/>
                 </a:ln>
@@ -6949,7 +6949,7 @@
               <a:defRPr/>
             </a:pPr>
             <a:r>
-              <a:rPr kumimoji="0" lang="en-US" sz="800" b="0" i="0" u="none" strike="noStrike" kern="0" cap="none" spc="0" normalizeH="0" baseline="0" noProof="0" dirty="0">
+              <a:rPr kumimoji="0" lang="en-US" sz="1400" b="0" i="0" u="none" strike="noStrike" kern="0" cap="none" spc="0" normalizeH="0" baseline="0" noProof="0" dirty="0">
                 <a:ln>
                   <a:noFill/>
                 </a:ln>
@@ -6980,8 +6980,8 @@
         </p:nvSpPr>
         <p:spPr>
           <a:xfrm>
-            <a:off x="893776" y="3075055"/>
-            <a:ext cx="1014041" cy="954107"/>
+            <a:off x="767011" y="3962616"/>
+            <a:ext cx="1616787" cy="1600438"/>
           </a:xfrm>
           <a:prstGeom prst="rect">
             <a:avLst/>
@@ -7017,7 +7017,7 @@
               <a:defRPr/>
             </a:pPr>
             <a:r>
-              <a:rPr kumimoji="0" lang="en-US" sz="800" b="0" i="0" u="none" strike="noStrike" kern="0" cap="none" spc="0" normalizeH="0" baseline="0" noProof="0" dirty="0">
+              <a:rPr kumimoji="0" lang="en-US" sz="1400" b="0" i="0" u="none" strike="noStrike" kern="0" cap="none" spc="0" normalizeH="0" baseline="0" noProof="0" dirty="0">
                 <a:ln>
                   <a:noFill/>
                 </a:ln>
@@ -7051,7 +7051,7 @@
               <a:defRPr/>
             </a:pPr>
             <a:r>
-              <a:rPr kumimoji="0" lang="en-US" sz="800" b="0" i="0" u="none" strike="noStrike" kern="0" cap="none" spc="0" normalizeH="0" baseline="0" noProof="0" dirty="0">
+              <a:rPr kumimoji="0" lang="en-US" sz="1400" b="0" i="0" u="none" strike="noStrike" kern="0" cap="none" spc="0" normalizeH="0" baseline="0" noProof="0" dirty="0">
                 <a:ln>
                   <a:noFill/>
                 </a:ln>
@@ -7085,7 +7085,7 @@
               <a:defRPr/>
             </a:pPr>
             <a:r>
-              <a:rPr kumimoji="0" lang="en-US" sz="800" b="0" i="0" u="none" strike="noStrike" kern="0" cap="none" spc="0" normalizeH="0" baseline="0" noProof="0" dirty="0">
+              <a:rPr kumimoji="0" lang="en-US" sz="1400" b="0" i="0" u="none" strike="noStrike" kern="0" cap="none" spc="0" normalizeH="0" baseline="0" noProof="0" dirty="0">
                 <a:ln>
                   <a:noFill/>
                 </a:ln>
@@ -7119,7 +7119,7 @@
               <a:defRPr/>
             </a:pPr>
             <a:r>
-              <a:rPr kumimoji="0" lang="en-US" sz="800" b="0" i="0" u="none" strike="noStrike" kern="0" cap="none" spc="0" normalizeH="0" baseline="0" noProof="0" dirty="0" err="1">
+              <a:rPr kumimoji="0" lang="en-US" sz="1400" b="0" i="0" u="none" strike="noStrike" kern="0" cap="none" spc="0" normalizeH="0" baseline="0" noProof="0" dirty="0" err="1">
                 <a:ln>
                   <a:noFill/>
                 </a:ln>
@@ -7133,7 +7133,7 @@
               </a:rPr>
               <a:t>TaskArray:Task</a:t>
             </a:r>
-            <a:endParaRPr kumimoji="0" lang="en-US" sz="800" b="0" i="0" u="none" strike="noStrike" kern="0" cap="none" spc="0" normalizeH="0" baseline="0" noProof="0" dirty="0">
+            <a:endParaRPr kumimoji="0" lang="en-US" sz="1400" b="0" i="0" u="none" strike="noStrike" kern="0" cap="none" spc="0" normalizeH="0" baseline="0" noProof="0" dirty="0">
               <a:ln>
                 <a:noFill/>
               </a:ln>
@@ -7165,7 +7165,7 @@
               <a:defRPr/>
             </a:pPr>
             <a:r>
-              <a:rPr kumimoji="0" lang="en-US" sz="800" b="0" i="0" u="none" strike="noStrike" kern="0" cap="none" spc="0" normalizeH="0" baseline="0" noProof="0" dirty="0">
+              <a:rPr kumimoji="0" lang="en-US" sz="1400" b="0" i="0" u="none" strike="noStrike" kern="0" cap="none" spc="0" normalizeH="0" baseline="0" noProof="0" dirty="0">
                 <a:ln>
                   <a:noFill/>
                 </a:ln>
@@ -7199,7 +7199,7 @@
               <a:defRPr/>
             </a:pPr>
             <a:r>
-              <a:rPr kumimoji="0" lang="en-US" sz="800" b="0" i="0" u="none" strike="noStrike" kern="0" cap="none" spc="0" normalizeH="0" baseline="0" noProof="0" dirty="0">
+              <a:rPr kumimoji="0" lang="en-US" sz="1400" b="0" i="0" u="none" strike="noStrike" kern="0" cap="none" spc="0" normalizeH="0" baseline="0" noProof="0" dirty="0">
                 <a:ln>
                   <a:noFill/>
                 </a:ln>
@@ -7233,7 +7233,7 @@
               <a:defRPr/>
             </a:pPr>
             <a:r>
-              <a:rPr kumimoji="0" lang="en-US" sz="800" b="0" i="0" u="none" strike="noStrike" kern="0" cap="none" spc="0" normalizeH="0" baseline="0" noProof="0" dirty="0">
+              <a:rPr kumimoji="0" lang="en-US" sz="1400" b="0" i="0" u="none" strike="noStrike" kern="0" cap="none" spc="0" normalizeH="0" baseline="0" noProof="0" dirty="0">
                 <a:ln>
                   <a:noFill/>
                 </a:ln>
@@ -7264,8 +7264,8 @@
         </p:nvSpPr>
         <p:spPr>
           <a:xfrm>
-            <a:off x="1731101" y="1117802"/>
-            <a:ext cx="1014041" cy="1200329"/>
+            <a:off x="2383798" y="856304"/>
+            <a:ext cx="1616787" cy="2031325"/>
           </a:xfrm>
           <a:prstGeom prst="rect">
             <a:avLst/>
@@ -7301,7 +7301,7 @@
               <a:defRPr/>
             </a:pPr>
             <a:r>
-              <a:rPr kumimoji="0" lang="en-US" sz="800" b="0" i="0" u="none" strike="noStrike" kern="0" cap="none" spc="0" normalizeH="0" baseline="0" noProof="0" dirty="0">
+              <a:rPr kumimoji="0" lang="en-US" sz="1400" b="0" i="0" u="none" strike="noStrike" kern="0" cap="none" spc="0" normalizeH="0" baseline="0" noProof="0" dirty="0">
                 <a:ln>
                   <a:noFill/>
                 </a:ln>
@@ -7335,7 +7335,7 @@
               <a:defRPr/>
             </a:pPr>
             <a:r>
-              <a:rPr kumimoji="0" lang="en-US" sz="800" b="0" i="0" u="none" strike="noStrike" kern="0" cap="none" spc="0" normalizeH="0" baseline="0" noProof="0" dirty="0">
+              <a:rPr kumimoji="0" lang="en-US" sz="1400" b="0" i="0" u="none" strike="noStrike" kern="0" cap="none" spc="0" normalizeH="0" baseline="0" noProof="0" dirty="0">
                 <a:ln>
                   <a:noFill/>
                 </a:ln>
@@ -7369,7 +7369,7 @@
               <a:defRPr/>
             </a:pPr>
             <a:r>
-              <a:rPr lang="en-US" sz="800" kern="0" dirty="0">
+              <a:rPr lang="en-US" sz="1400" kern="0" dirty="0">
                 <a:solidFill>
                   <a:prstClr val="black"/>
                 </a:solidFill>
@@ -7397,7 +7397,7 @@
               <a:defRPr/>
             </a:pPr>
             <a:r>
-              <a:rPr kumimoji="0" lang="en-US" sz="800" b="0" i="0" u="none" strike="noStrike" kern="0" cap="none" spc="0" normalizeH="0" baseline="0" noProof="0" dirty="0">
+              <a:rPr kumimoji="0" lang="en-US" sz="1400" b="0" i="0" u="none" strike="noStrike" kern="0" cap="none" spc="0" normalizeH="0" baseline="0" noProof="0" dirty="0">
                 <a:ln>
                   <a:noFill/>
                 </a:ln>
@@ -7431,7 +7431,7 @@
               <a:defRPr/>
             </a:pPr>
             <a:r>
-              <a:rPr lang="en-US" sz="800" kern="0" dirty="0">
+              <a:rPr lang="en-US" sz="1400" kern="0" dirty="0">
                 <a:solidFill>
                   <a:prstClr val="black"/>
                 </a:solidFill>
@@ -7439,7 +7439,7 @@
               </a:rPr>
               <a:t>Description: String</a:t>
             </a:r>
-            <a:endParaRPr kumimoji="0" lang="en-US" sz="800" b="0" i="0" u="none" strike="noStrike" kern="0" cap="none" spc="0" normalizeH="0" baseline="0" noProof="0" dirty="0">
+            <a:endParaRPr kumimoji="0" lang="en-US" sz="1400" b="0" i="0" u="none" strike="noStrike" kern="0" cap="none" spc="0" normalizeH="0" baseline="0" noProof="0" dirty="0">
               <a:ln>
                 <a:noFill/>
               </a:ln>
@@ -7471,7 +7471,7 @@
               <a:defRPr/>
             </a:pPr>
             <a:r>
-              <a:rPr kumimoji="0" lang="en-US" sz="800" b="0" i="0" u="none" strike="noStrike" kern="0" cap="none" spc="0" normalizeH="0" baseline="0" noProof="0" dirty="0">
+              <a:rPr kumimoji="0" lang="en-US" sz="1400" b="0" i="0" u="none" strike="noStrike" kern="0" cap="none" spc="0" normalizeH="0" baseline="0" noProof="0" dirty="0">
                 <a:ln>
                   <a:noFill/>
                 </a:ln>
@@ -7505,7 +7505,7 @@
               <a:defRPr/>
             </a:pPr>
             <a:r>
-              <a:rPr kumimoji="0" lang="en-US" sz="800" b="0" i="0" u="none" strike="noStrike" kern="0" cap="none" spc="0" normalizeH="0" baseline="0" noProof="0" dirty="0">
+              <a:rPr kumimoji="0" lang="en-US" sz="1400" b="0" i="0" u="none" strike="noStrike" kern="0" cap="none" spc="0" normalizeH="0" baseline="0" noProof="0" dirty="0">
                 <a:ln>
                   <a:noFill/>
                 </a:ln>
@@ -7539,7 +7539,7 @@
               <a:defRPr/>
             </a:pPr>
             <a:r>
-              <a:rPr kumimoji="0" lang="en-US" sz="800" b="0" i="0" u="none" strike="noStrike" kern="0" cap="none" spc="0" normalizeH="0" baseline="0" noProof="0" dirty="0">
+              <a:rPr kumimoji="0" lang="en-US" sz="1400" b="0" i="0" u="none" strike="noStrike" kern="0" cap="none" spc="0" normalizeH="0" baseline="0" noProof="0" dirty="0">
                 <a:ln>
                   <a:noFill/>
                 </a:ln>
@@ -7573,7 +7573,7 @@
               <a:defRPr/>
             </a:pPr>
             <a:r>
-              <a:rPr kumimoji="0" lang="en-US" sz="800" b="0" i="0" u="none" strike="noStrike" kern="0" cap="none" spc="0" normalizeH="0" baseline="0" noProof="0" dirty="0">
+              <a:rPr kumimoji="0" lang="en-US" sz="1400" b="0" i="0" u="none" strike="noStrike" kern="0" cap="none" spc="0" normalizeH="0" baseline="0" noProof="0" dirty="0">
                 <a:ln>
                   <a:noFill/>
                 </a:ln>
@@ -7604,8 +7604,8 @@
         </p:nvSpPr>
         <p:spPr>
           <a:xfrm>
-            <a:off x="4084766" y="2890390"/>
-            <a:ext cx="1014041" cy="1323439"/>
+            <a:off x="7172210" y="3051137"/>
+            <a:ext cx="1616787" cy="2246769"/>
           </a:xfrm>
           <a:prstGeom prst="rect">
             <a:avLst/>
@@ -7641,7 +7641,7 @@
               <a:defRPr/>
             </a:pPr>
             <a:r>
-              <a:rPr kumimoji="0" lang="en-US" sz="800" b="0" i="0" u="none" strike="noStrike" kern="0" cap="none" spc="0" normalizeH="0" baseline="0" noProof="0" dirty="0">
+              <a:rPr kumimoji="0" lang="en-US" sz="1400" b="0" i="0" u="none" strike="noStrike" kern="0" cap="none" spc="0" normalizeH="0" baseline="0" noProof="0" dirty="0">
                 <a:ln>
                   <a:noFill/>
                 </a:ln>
@@ -7675,7 +7675,7 @@
               <a:defRPr/>
             </a:pPr>
             <a:r>
-              <a:rPr kumimoji="0" lang="en-US" sz="800" b="0" i="0" u="none" strike="noStrike" kern="0" cap="none" spc="0" normalizeH="0" baseline="0" noProof="0" dirty="0">
+              <a:rPr kumimoji="0" lang="en-US" sz="1400" b="0" i="0" u="none" strike="noStrike" kern="0" cap="none" spc="0" normalizeH="0" baseline="0" noProof="0" dirty="0">
                 <a:ln>
                   <a:noFill/>
                 </a:ln>
@@ -7709,7 +7709,7 @@
               <a:defRPr/>
             </a:pPr>
             <a:r>
-              <a:rPr kumimoji="0" lang="en-US" sz="800" b="0" i="0" u="none" strike="noStrike" kern="0" cap="none" spc="0" normalizeH="0" baseline="0" noProof="0" dirty="0" err="1">
+              <a:rPr kumimoji="0" lang="en-US" sz="1400" b="0" i="0" u="none" strike="noStrike" kern="0" cap="none" spc="0" normalizeH="0" baseline="0" noProof="0" dirty="0" err="1">
                 <a:ln>
                   <a:noFill/>
                 </a:ln>
@@ -7723,7 +7723,7 @@
               </a:rPr>
               <a:t>Name:String</a:t>
             </a:r>
-            <a:endParaRPr kumimoji="0" lang="en-US" sz="800" b="0" i="0" u="none" strike="noStrike" kern="0" cap="none" spc="0" normalizeH="0" baseline="0" noProof="0" dirty="0">
+            <a:endParaRPr kumimoji="0" lang="en-US" sz="1400" b="0" i="0" u="none" strike="noStrike" kern="0" cap="none" spc="0" normalizeH="0" baseline="0" noProof="0" dirty="0">
               <a:ln>
                 <a:noFill/>
               </a:ln>
@@ -7755,7 +7755,7 @@
               <a:defRPr/>
             </a:pPr>
             <a:r>
-              <a:rPr lang="en-US" sz="800" kern="0" dirty="0" err="1">
+              <a:rPr lang="en-US" sz="1400" kern="0" dirty="0" err="1">
                 <a:solidFill>
                   <a:prstClr val="black"/>
                 </a:solidFill>
@@ -7763,7 +7763,7 @@
               </a:rPr>
               <a:t>Description:String</a:t>
             </a:r>
-            <a:endParaRPr lang="en-US" sz="800" kern="0" dirty="0">
+            <a:endParaRPr lang="en-US" sz="1400" kern="0" dirty="0">
               <a:solidFill>
                 <a:prstClr val="black"/>
               </a:solidFill>
@@ -7789,7 +7789,7 @@
               <a:defRPr/>
             </a:pPr>
             <a:r>
-              <a:rPr lang="en-US" sz="800" kern="0" dirty="0" err="1">
+              <a:rPr lang="en-US" sz="1400" kern="0" dirty="0" err="1">
                 <a:solidFill>
                   <a:prstClr val="black"/>
                 </a:solidFill>
@@ -7797,7 +7797,7 @@
               </a:rPr>
               <a:t>ChargeCode:String</a:t>
             </a:r>
-            <a:endParaRPr lang="en-US" sz="800" kern="0" dirty="0">
+            <a:endParaRPr lang="en-US" sz="1400" kern="0" dirty="0">
               <a:solidFill>
                 <a:prstClr val="black"/>
               </a:solidFill>
@@ -7823,7 +7823,7 @@
               <a:defRPr/>
             </a:pPr>
             <a:r>
-              <a:rPr kumimoji="0" lang="en-US" sz="800" b="0" i="0" u="none" strike="noStrike" kern="0" cap="none" spc="0" normalizeH="0" baseline="0" noProof="0" dirty="0" err="1">
+              <a:rPr kumimoji="0" lang="en-US" sz="1400" b="0" i="0" u="none" strike="noStrike" kern="0" cap="none" spc="0" normalizeH="0" baseline="0" noProof="0" dirty="0" err="1">
                 <a:ln>
                   <a:noFill/>
                 </a:ln>
@@ -7837,7 +7837,7 @@
               </a:rPr>
               <a:t>Comments:String</a:t>
             </a:r>
-            <a:endParaRPr kumimoji="0" lang="en-US" sz="800" b="0" i="0" u="none" strike="noStrike" kern="0" cap="none" spc="0" normalizeH="0" baseline="0" noProof="0" dirty="0">
+            <a:endParaRPr kumimoji="0" lang="en-US" sz="1400" b="0" i="0" u="none" strike="noStrike" kern="0" cap="none" spc="0" normalizeH="0" baseline="0" noProof="0" dirty="0">
               <a:ln>
                 <a:noFill/>
               </a:ln>
@@ -7869,7 +7869,7 @@
               <a:defRPr/>
             </a:pPr>
             <a:r>
-              <a:rPr kumimoji="0" lang="en-US" sz="800" b="0" i="0" u="none" strike="noStrike" kern="0" cap="none" spc="0" normalizeH="0" baseline="0" noProof="0" dirty="0">
+              <a:rPr kumimoji="0" lang="en-US" sz="1400" b="0" i="0" u="none" strike="noStrike" kern="0" cap="none" spc="0" normalizeH="0" baseline="0" noProof="0" dirty="0">
                 <a:ln>
                   <a:noFill/>
                 </a:ln>
@@ -7903,7 +7903,7 @@
               <a:defRPr/>
             </a:pPr>
             <a:r>
-              <a:rPr kumimoji="0" lang="en-US" sz="800" b="0" i="0" u="none" strike="noStrike" kern="0" cap="none" spc="0" normalizeH="0" baseline="0" noProof="0" dirty="0">
+              <a:rPr kumimoji="0" lang="en-US" sz="1400" b="0" i="0" u="none" strike="noStrike" kern="0" cap="none" spc="0" normalizeH="0" baseline="0" noProof="0" dirty="0">
                 <a:ln>
                   <a:noFill/>
                 </a:ln>
@@ -7937,7 +7937,7 @@
               <a:defRPr/>
             </a:pPr>
             <a:r>
-              <a:rPr kumimoji="0" lang="en-US" sz="800" b="0" i="0" u="none" strike="noStrike" kern="0" cap="none" spc="0" normalizeH="0" baseline="0" noProof="0" dirty="0">
+              <a:rPr kumimoji="0" lang="en-US" sz="1400" b="0" i="0" u="none" strike="noStrike" kern="0" cap="none" spc="0" normalizeH="0" baseline="0" noProof="0" dirty="0">
                 <a:ln>
                   <a:noFill/>
                 </a:ln>
@@ -7971,7 +7971,7 @@
               <a:defRPr/>
             </a:pPr>
             <a:r>
-              <a:rPr kumimoji="0" lang="en-US" sz="800" b="0" i="0" u="none" strike="noStrike" kern="0" cap="none" spc="0" normalizeH="0" baseline="0" noProof="0" dirty="0">
+              <a:rPr kumimoji="0" lang="en-US" sz="1400" b="0" i="0" u="none" strike="noStrike" kern="0" cap="none" spc="0" normalizeH="0" baseline="0" noProof="0" dirty="0">
                 <a:ln>
                   <a:noFill/>
                 </a:ln>
@@ -8004,8 +8004,8 @@
         </p:nvCxnSpPr>
         <p:spPr>
           <a:xfrm>
-            <a:off x="3499883" y="3338191"/>
-            <a:ext cx="584883" cy="0"/>
+            <a:off x="5629731" y="4456986"/>
+            <a:ext cx="1542479" cy="0"/>
           </a:xfrm>
           <a:prstGeom prst="straightConnector1">
             <a:avLst/>
@@ -8043,8 +8043,8 @@
         </p:nvSpPr>
         <p:spPr>
           <a:xfrm rot="5400000">
-            <a:off x="1929898" y="2076795"/>
-            <a:ext cx="626979" cy="1335964"/>
+            <a:off x="2662519" y="2428823"/>
+            <a:ext cx="862918" cy="2130061"/>
           </a:xfrm>
           <a:prstGeom prst="leftBrace">
             <a:avLst>
@@ -8072,7 +8072,7 @@
           <a:lstStyle/>
           <a:p>
             <a:pPr algn="ctr"/>
-            <a:endParaRPr lang="en-US"/>
+            <a:endParaRPr lang="en-US" sz="4000"/>
           </a:p>
         </p:txBody>
       </p:sp>
@@ -8090,8 +8090,8 @@
         </p:nvSpPr>
         <p:spPr>
           <a:xfrm>
-            <a:off x="2158747" y="2355850"/>
-            <a:ext cx="158750" cy="75437"/>
+            <a:off x="2967422" y="2921266"/>
+            <a:ext cx="253111" cy="103825"/>
           </a:xfrm>
           <a:prstGeom prst="triangle">
             <a:avLst/>
@@ -8118,7 +8118,7 @@
           <a:lstStyle/>
           <a:p>
             <a:pPr algn="ctr"/>
-            <a:endParaRPr lang="en-US"/>
+            <a:endParaRPr lang="en-US" sz="4000"/>
           </a:p>
         </p:txBody>
       </p:sp>
@@ -8138,8 +8138,8 @@
         </p:nvCxnSpPr>
         <p:spPr>
           <a:xfrm>
-            <a:off x="1877442" y="3338191"/>
-            <a:ext cx="542772" cy="0"/>
+            <a:off x="2482492" y="4661381"/>
+            <a:ext cx="1222975" cy="0"/>
           </a:xfrm>
           <a:prstGeom prst="straightConnector1">
             <a:avLst/>

--- a/Documentation/TACM.pptx
+++ b/Documentation/TACM.pptx
@@ -6743,7 +6743,7 @@
         <p:spPr>
           <a:xfrm>
             <a:off x="3804161" y="3912911"/>
-            <a:ext cx="1616787" cy="1384995"/>
+            <a:ext cx="1616787" cy="1600438"/>
           </a:xfrm>
           <a:prstGeom prst="rect">
             <a:avLst/>
@@ -6863,6 +6863,32 @@
             </a:r>
           </a:p>
           <a:p>
+            <a:pPr defTabSz="914400">
+              <a:defRPr/>
+            </a:pPr>
+            <a:r>
+              <a:rPr lang="en-US" sz="1400" kern="0" dirty="0">
+                <a:solidFill>
+                  <a:prstClr val="black"/>
+                </a:solidFill>
+                <a:latin typeface="Calibri" panose="020F0502020204030204"/>
+              </a:rPr>
+              <a:t>Description: String</a:t>
+            </a:r>
+            <a:endParaRPr kumimoji="0" lang="en-US" sz="1400" b="0" i="0" u="none" strike="noStrike" kern="0" cap="none" spc="0" normalizeH="0" baseline="0" noProof="0">
+              <a:ln>
+                <a:noFill/>
+              </a:ln>
+              <a:solidFill>
+                <a:prstClr val="black"/>
+              </a:solidFill>
+              <a:effectLst/>
+              <a:uLnTx/>
+              <a:uFillTx/>
+              <a:latin typeface="Calibri" panose="020F0502020204030204"/>
+            </a:endParaRPr>
+          </a:p>
+          <a:p>
             <a:pPr marL="0" marR="0" lvl="0" indent="0" defTabSz="914400" eaLnBrk="1" fontAlgn="auto" latinLnBrk="0" hangingPunct="1">
               <a:lnSpc>
                 <a:spcPct val="100000"/>
@@ -6881,7 +6907,7 @@
               <a:defRPr/>
             </a:pPr>
             <a:r>
-              <a:rPr kumimoji="0" lang="en-US" sz="1400" b="0" i="0" u="none" strike="noStrike" kern="0" cap="none" spc="0" normalizeH="0" baseline="0" noProof="0" dirty="0">
+              <a:rPr kumimoji="0" lang="en-US" sz="1400" b="0" i="0" u="none" strike="noStrike" kern="0" cap="none" spc="0" normalizeH="0" baseline="0" noProof="0">
                 <a:ln>
                   <a:noFill/>
                 </a:ln>
@@ -6895,6 +6921,18 @@
               </a:rPr>
               <a:t>------------------------</a:t>
             </a:r>
+            <a:endParaRPr kumimoji="0" lang="en-US" sz="1400" b="0" i="0" u="none" strike="noStrike" kern="0" cap="none" spc="0" normalizeH="0" baseline="0" noProof="0" dirty="0">
+              <a:ln>
+                <a:noFill/>
+              </a:ln>
+              <a:solidFill>
+                <a:prstClr val="black"/>
+              </a:solidFill>
+              <a:effectLst/>
+              <a:uLnTx/>
+              <a:uFillTx/>
+              <a:latin typeface="Calibri" panose="020F0502020204030204"/>
+            </a:endParaRPr>
           </a:p>
           <a:p>
             <a:pPr marL="0" marR="0" lvl="0" indent="0" defTabSz="914400" eaLnBrk="1" fontAlgn="auto" latinLnBrk="0" hangingPunct="1">
@@ -7265,7 +7303,7 @@
         <p:spPr>
           <a:xfrm>
             <a:off x="2383798" y="856304"/>
-            <a:ext cx="1616787" cy="2031325"/>
+            <a:ext cx="1616787" cy="1815882"/>
           </a:xfrm>
           <a:prstGeom prst="rect">
             <a:avLst/>
@@ -7411,46 +7449,6 @@
               </a:rPr>
               <a:t>End: Time</a:t>
             </a:r>
-          </a:p>
-          <a:p>
-            <a:pPr marL="0" marR="0" lvl="0" indent="0" defTabSz="914400" eaLnBrk="1" fontAlgn="auto" latinLnBrk="0" hangingPunct="1">
-              <a:lnSpc>
-                <a:spcPct val="100000"/>
-              </a:lnSpc>
-              <a:spcBef>
-                <a:spcPts val="0"/>
-              </a:spcBef>
-              <a:spcAft>
-                <a:spcPts val="0"/>
-              </a:spcAft>
-              <a:buClrTx/>
-              <a:buSzTx/>
-              <a:buFontTx/>
-              <a:buNone/>
-              <a:tabLst/>
-              <a:defRPr/>
-            </a:pPr>
-            <a:r>
-              <a:rPr lang="en-US" sz="1400" kern="0" dirty="0">
-                <a:solidFill>
-                  <a:prstClr val="black"/>
-                </a:solidFill>
-                <a:latin typeface="Calibri" panose="020F0502020204030204"/>
-              </a:rPr>
-              <a:t>Description: String</a:t>
-            </a:r>
-            <a:endParaRPr kumimoji="0" lang="en-US" sz="1400" b="0" i="0" u="none" strike="noStrike" kern="0" cap="none" spc="0" normalizeH="0" baseline="0" noProof="0" dirty="0">
-              <a:ln>
-                <a:noFill/>
-              </a:ln>
-              <a:solidFill>
-                <a:prstClr val="black"/>
-              </a:solidFill>
-              <a:effectLst/>
-              <a:uLnTx/>
-              <a:uFillTx/>
-              <a:latin typeface="Calibri" panose="020F0502020204030204"/>
-            </a:endParaRPr>
           </a:p>
           <a:p>
             <a:pPr marL="0" marR="0" lvl="0" indent="0" defTabSz="914400" eaLnBrk="1" fontAlgn="auto" latinLnBrk="0" hangingPunct="1">

--- a/Documentation/TACM.pptx
+++ b/Documentation/TACM.pptx
@@ -521,7 +521,7 @@
           <a:p>
             <a:fld id="{7DA136FC-6D7B-49F1-84AE-FB6923A0CB74}" type="datetimeFigureOut">
               <a:rPr lang="en-US" smtClean="0"/>
-              <a:t>7/9/2021</a:t>
+              <a:t>7/27/2021</a:t>
             </a:fld>
             <a:endParaRPr lang="en-US"/>
           </a:p>
@@ -700,7 +700,7 @@
           <a:p>
             <a:fld id="{7DA136FC-6D7B-49F1-84AE-FB6923A0CB74}" type="datetimeFigureOut">
               <a:rPr lang="en-US" smtClean="0"/>
-              <a:t>7/9/2021</a:t>
+              <a:t>7/27/2021</a:t>
             </a:fld>
             <a:endParaRPr lang="en-US"/>
           </a:p>
@@ -880,7 +880,7 @@
           <a:p>
             <a:fld id="{7DA136FC-6D7B-49F1-84AE-FB6923A0CB74}" type="datetimeFigureOut">
               <a:rPr lang="en-US" smtClean="0"/>
-              <a:t>7/9/2021</a:t>
+              <a:t>7/27/2021</a:t>
             </a:fld>
             <a:endParaRPr lang="en-US"/>
           </a:p>
@@ -1050,7 +1050,7 @@
           <a:p>
             <a:fld id="{7DA136FC-6D7B-49F1-84AE-FB6923A0CB74}" type="datetimeFigureOut">
               <a:rPr lang="en-US" smtClean="0"/>
-              <a:t>7/9/2021</a:t>
+              <a:t>7/27/2021</a:t>
             </a:fld>
             <a:endParaRPr lang="en-US"/>
           </a:p>
@@ -1363,7 +1363,7 @@
           <a:p>
             <a:fld id="{7DA136FC-6D7B-49F1-84AE-FB6923A0CB74}" type="datetimeFigureOut">
               <a:rPr lang="en-US" smtClean="0"/>
-              <a:t>7/9/2021</a:t>
+              <a:t>7/27/2021</a:t>
             </a:fld>
             <a:endParaRPr lang="en-US"/>
           </a:p>
@@ -1749,7 +1749,7 @@
           <a:p>
             <a:fld id="{7DA136FC-6D7B-49F1-84AE-FB6923A0CB74}" type="datetimeFigureOut">
               <a:rPr lang="en-US" smtClean="0"/>
-              <a:t>7/9/2021</a:t>
+              <a:t>7/27/2021</a:t>
             </a:fld>
             <a:endParaRPr lang="en-US"/>
           </a:p>
@@ -2183,7 +2183,7 @@
           <a:p>
             <a:fld id="{7DA136FC-6D7B-49F1-84AE-FB6923A0CB74}" type="datetimeFigureOut">
               <a:rPr lang="en-US" smtClean="0"/>
-              <a:t>7/9/2021</a:t>
+              <a:t>7/27/2021</a:t>
             </a:fld>
             <a:endParaRPr lang="en-US"/>
           </a:p>
@@ -2301,7 +2301,7 @@
           <a:p>
             <a:fld id="{7DA136FC-6D7B-49F1-84AE-FB6923A0CB74}" type="datetimeFigureOut">
               <a:rPr lang="en-US" smtClean="0"/>
-              <a:t>7/9/2021</a:t>
+              <a:t>7/27/2021</a:t>
             </a:fld>
             <a:endParaRPr lang="en-US"/>
           </a:p>
@@ -2396,7 +2396,7 @@
           <a:p>
             <a:fld id="{7DA136FC-6D7B-49F1-84AE-FB6923A0CB74}" type="datetimeFigureOut">
               <a:rPr lang="en-US" smtClean="0"/>
-              <a:t>7/9/2021</a:t>
+              <a:t>7/27/2021</a:t>
             </a:fld>
             <a:endParaRPr lang="en-US"/>
           </a:p>
@@ -2746,7 +2746,7 @@
           <a:p>
             <a:fld id="{7DA136FC-6D7B-49F1-84AE-FB6923A0CB74}" type="datetimeFigureOut">
               <a:rPr lang="en-US" smtClean="0"/>
-              <a:t>7/9/2021</a:t>
+              <a:t>7/27/2021</a:t>
             </a:fld>
             <a:endParaRPr lang="en-US"/>
           </a:p>
@@ -3171,7 +3171,7 @@
           <a:p>
             <a:fld id="{7DA136FC-6D7B-49F1-84AE-FB6923A0CB74}" type="datetimeFigureOut">
               <a:rPr lang="en-US" smtClean="0"/>
-              <a:t>7/9/2021</a:t>
+              <a:t>7/27/2021</a:t>
             </a:fld>
             <a:endParaRPr lang="en-US"/>
           </a:p>
@@ -3452,7 +3452,7 @@
           <a:p>
             <a:fld id="{7DA136FC-6D7B-49F1-84AE-FB6923A0CB74}" type="datetimeFigureOut">
               <a:rPr lang="en-US" smtClean="0"/>
-              <a:t>7/9/2021</a:t>
+              <a:t>7/27/2021</a:t>
             </a:fld>
             <a:endParaRPr lang="en-US"/>
           </a:p>
@@ -8161,6 +8161,533 @@
           </a:fontRef>
         </p:style>
       </p:cxnSp>
+      <p:sp>
+        <p:nvSpPr>
+          <p:cNvPr id="12" name="TextBox 11">
+            <a:extLst>
+              <a:ext uri="{FF2B5EF4-FFF2-40B4-BE49-F238E27FC236}">
+                <a16:creationId xmlns:a16="http://schemas.microsoft.com/office/drawing/2014/main" id="{262E24F8-6D3A-431B-8D87-4EADB1AD604D}"/>
+              </a:ext>
+            </a:extLst>
+          </p:cNvPr>
+          <p:cNvSpPr txBox="1"/>
+          <p:nvPr/>
+        </p:nvSpPr>
+        <p:spPr>
+          <a:xfrm>
+            <a:off x="5751522" y="436709"/>
+            <a:ext cx="1616787" cy="2246769"/>
+          </a:xfrm>
+          <a:prstGeom prst="rect">
+            <a:avLst/>
+          </a:prstGeom>
+          <a:noFill/>
+          <a:ln>
+            <a:solidFill>
+              <a:sysClr val="windowText" lastClr="000000"/>
+            </a:solidFill>
+          </a:ln>
+        </p:spPr>
+        <p:txBody>
+          <a:bodyPr wrap="square" rtlCol="0">
+            <a:spAutoFit/>
+          </a:bodyPr>
+          <a:lstStyle/>
+          <a:p>
+            <a:pPr marL="0" marR="0" lvl="0" indent="0" defTabSz="914400" eaLnBrk="1" fontAlgn="auto" latinLnBrk="0" hangingPunct="1">
+              <a:lnSpc>
+                <a:spcPct val="100000"/>
+              </a:lnSpc>
+              <a:spcBef>
+                <a:spcPts val="0"/>
+              </a:spcBef>
+              <a:spcAft>
+                <a:spcPts val="0"/>
+              </a:spcAft>
+              <a:buClrTx/>
+              <a:buSzTx/>
+              <a:buFontTx/>
+              <a:buNone/>
+              <a:tabLst/>
+              <a:defRPr/>
+            </a:pPr>
+            <a:r>
+              <a:rPr lang="en-US" sz="1400" kern="0" dirty="0">
+                <a:solidFill>
+                  <a:prstClr val="black"/>
+                </a:solidFill>
+                <a:latin typeface="Calibri" panose="020F0502020204030204"/>
+              </a:rPr>
+              <a:t>Main</a:t>
+            </a:r>
+            <a:endParaRPr kumimoji="0" lang="en-US" sz="1400" b="0" i="0" u="none" strike="noStrike" kern="0" cap="none" spc="0" normalizeH="0" baseline="0" noProof="0" dirty="0">
+              <a:ln>
+                <a:noFill/>
+              </a:ln>
+              <a:solidFill>
+                <a:prstClr val="black"/>
+              </a:solidFill>
+              <a:effectLst/>
+              <a:uLnTx/>
+              <a:uFillTx/>
+              <a:latin typeface="Calibri" panose="020F0502020204030204"/>
+            </a:endParaRPr>
+          </a:p>
+          <a:p>
+            <a:pPr marL="0" marR="0" lvl="0" indent="0" defTabSz="914400" eaLnBrk="1" fontAlgn="auto" latinLnBrk="0" hangingPunct="1">
+              <a:lnSpc>
+                <a:spcPct val="100000"/>
+              </a:lnSpc>
+              <a:spcBef>
+                <a:spcPts val="0"/>
+              </a:spcBef>
+              <a:spcAft>
+                <a:spcPts val="0"/>
+              </a:spcAft>
+              <a:buClrTx/>
+              <a:buSzTx/>
+              <a:buFontTx/>
+              <a:buNone/>
+              <a:tabLst/>
+              <a:defRPr/>
+            </a:pPr>
+            <a:r>
+              <a:rPr kumimoji="0" lang="en-US" sz="1400" b="0" i="0" u="none" strike="noStrike" kern="0" cap="none" spc="0" normalizeH="0" baseline="0" noProof="0" dirty="0">
+                <a:ln>
+                  <a:noFill/>
+                </a:ln>
+                <a:solidFill>
+                  <a:prstClr val="black"/>
+                </a:solidFill>
+                <a:effectLst/>
+                <a:uLnTx/>
+                <a:uFillTx/>
+                <a:latin typeface="Calibri" panose="020F0502020204030204"/>
+              </a:rPr>
+              <a:t>------------------------</a:t>
+            </a:r>
+          </a:p>
+          <a:p>
+            <a:pPr marL="0" marR="0" lvl="0" indent="0" defTabSz="914400" eaLnBrk="1" fontAlgn="auto" latinLnBrk="0" hangingPunct="1">
+              <a:lnSpc>
+                <a:spcPct val="100000"/>
+              </a:lnSpc>
+              <a:spcBef>
+                <a:spcPts val="0"/>
+              </a:spcBef>
+              <a:spcAft>
+                <a:spcPts val="0"/>
+              </a:spcAft>
+              <a:buClrTx/>
+              <a:buSzTx/>
+              <a:buFontTx/>
+              <a:buNone/>
+              <a:tabLst/>
+              <a:defRPr/>
+            </a:pPr>
+            <a:r>
+              <a:rPr kumimoji="0" lang="en-US" sz="1400" b="0" i="0" u="none" strike="noStrike" kern="0" cap="none" spc="0" normalizeH="0" baseline="0" noProof="0" dirty="0" err="1">
+                <a:ln>
+                  <a:noFill/>
+                </a:ln>
+                <a:solidFill>
+                  <a:prstClr val="black"/>
+                </a:solidFill>
+                <a:effectLst/>
+                <a:uLnTx/>
+                <a:uFillTx/>
+                <a:latin typeface="Calibri" panose="020F0502020204030204"/>
+              </a:rPr>
+              <a:t>Name:String</a:t>
+            </a:r>
+            <a:endParaRPr kumimoji="0" lang="en-US" sz="1400" b="0" i="0" u="none" strike="noStrike" kern="0" cap="none" spc="0" normalizeH="0" baseline="0" noProof="0" dirty="0">
+              <a:ln>
+                <a:noFill/>
+              </a:ln>
+              <a:solidFill>
+                <a:prstClr val="black"/>
+              </a:solidFill>
+              <a:effectLst/>
+              <a:uLnTx/>
+              <a:uFillTx/>
+              <a:latin typeface="Calibri" panose="020F0502020204030204"/>
+            </a:endParaRPr>
+          </a:p>
+          <a:p>
+            <a:pPr marL="0" marR="0" lvl="0" indent="0" defTabSz="914400" eaLnBrk="1" fontAlgn="auto" latinLnBrk="0" hangingPunct="1">
+              <a:lnSpc>
+                <a:spcPct val="100000"/>
+              </a:lnSpc>
+              <a:spcBef>
+                <a:spcPts val="0"/>
+              </a:spcBef>
+              <a:spcAft>
+                <a:spcPts val="0"/>
+              </a:spcAft>
+              <a:buClrTx/>
+              <a:buSzTx/>
+              <a:buFontTx/>
+              <a:buNone/>
+              <a:tabLst/>
+              <a:defRPr/>
+            </a:pPr>
+            <a:r>
+              <a:rPr lang="en-US" sz="1400" kern="0" dirty="0" err="1">
+                <a:solidFill>
+                  <a:prstClr val="black"/>
+                </a:solidFill>
+                <a:latin typeface="Calibri" panose="020F0502020204030204"/>
+              </a:rPr>
+              <a:t>Description:String</a:t>
+            </a:r>
+            <a:endParaRPr lang="en-US" sz="1400" kern="0" dirty="0">
+              <a:solidFill>
+                <a:prstClr val="black"/>
+              </a:solidFill>
+              <a:latin typeface="Calibri" panose="020F0502020204030204"/>
+            </a:endParaRPr>
+          </a:p>
+          <a:p>
+            <a:pPr marL="0" marR="0" lvl="0" indent="0" defTabSz="914400" eaLnBrk="1" fontAlgn="auto" latinLnBrk="0" hangingPunct="1">
+              <a:lnSpc>
+                <a:spcPct val="100000"/>
+              </a:lnSpc>
+              <a:spcBef>
+                <a:spcPts val="0"/>
+              </a:spcBef>
+              <a:spcAft>
+                <a:spcPts val="0"/>
+              </a:spcAft>
+              <a:buClrTx/>
+              <a:buSzTx/>
+              <a:buFontTx/>
+              <a:buNone/>
+              <a:tabLst/>
+              <a:defRPr/>
+            </a:pPr>
+            <a:r>
+              <a:rPr lang="en-US" sz="1400" kern="0" dirty="0" err="1">
+                <a:solidFill>
+                  <a:prstClr val="black"/>
+                </a:solidFill>
+                <a:latin typeface="Calibri" panose="020F0502020204030204"/>
+              </a:rPr>
+              <a:t>ChargeCode:String</a:t>
+            </a:r>
+            <a:endParaRPr lang="en-US" sz="1400" kern="0" dirty="0">
+              <a:solidFill>
+                <a:prstClr val="black"/>
+              </a:solidFill>
+              <a:latin typeface="Calibri" panose="020F0502020204030204"/>
+            </a:endParaRPr>
+          </a:p>
+          <a:p>
+            <a:pPr marL="0" marR="0" lvl="0" indent="0" defTabSz="914400" eaLnBrk="1" fontAlgn="auto" latinLnBrk="0" hangingPunct="1">
+              <a:lnSpc>
+                <a:spcPct val="100000"/>
+              </a:lnSpc>
+              <a:spcBef>
+                <a:spcPts val="0"/>
+              </a:spcBef>
+              <a:spcAft>
+                <a:spcPts val="0"/>
+              </a:spcAft>
+              <a:buClrTx/>
+              <a:buSzTx/>
+              <a:buFontTx/>
+              <a:buNone/>
+              <a:tabLst/>
+              <a:defRPr/>
+            </a:pPr>
+            <a:r>
+              <a:rPr kumimoji="0" lang="en-US" sz="1400" b="0" i="0" u="none" strike="noStrike" kern="0" cap="none" spc="0" normalizeH="0" baseline="0" noProof="0" dirty="0" err="1">
+                <a:ln>
+                  <a:noFill/>
+                </a:ln>
+                <a:solidFill>
+                  <a:prstClr val="black"/>
+                </a:solidFill>
+                <a:effectLst/>
+                <a:uLnTx/>
+                <a:uFillTx/>
+                <a:latin typeface="Calibri" panose="020F0502020204030204"/>
+              </a:rPr>
+              <a:t>Comments:String</a:t>
+            </a:r>
+            <a:endParaRPr kumimoji="0" lang="en-US" sz="1400" b="0" i="0" u="none" strike="noStrike" kern="0" cap="none" spc="0" normalizeH="0" baseline="0" noProof="0" dirty="0">
+              <a:ln>
+                <a:noFill/>
+              </a:ln>
+              <a:solidFill>
+                <a:prstClr val="black"/>
+              </a:solidFill>
+              <a:effectLst/>
+              <a:uLnTx/>
+              <a:uFillTx/>
+              <a:latin typeface="Calibri" panose="020F0502020204030204"/>
+            </a:endParaRPr>
+          </a:p>
+          <a:p>
+            <a:pPr marL="0" marR="0" lvl="0" indent="0" defTabSz="914400" eaLnBrk="1" fontAlgn="auto" latinLnBrk="0" hangingPunct="1">
+              <a:lnSpc>
+                <a:spcPct val="100000"/>
+              </a:lnSpc>
+              <a:spcBef>
+                <a:spcPts val="0"/>
+              </a:spcBef>
+              <a:spcAft>
+                <a:spcPts val="0"/>
+              </a:spcAft>
+              <a:buClrTx/>
+              <a:buSzTx/>
+              <a:buFontTx/>
+              <a:buNone/>
+              <a:tabLst/>
+              <a:defRPr/>
+            </a:pPr>
+            <a:r>
+              <a:rPr kumimoji="0" lang="en-US" sz="1400" b="0" i="0" u="none" strike="noStrike" kern="0" cap="none" spc="0" normalizeH="0" baseline="0" noProof="0" dirty="0">
+                <a:ln>
+                  <a:noFill/>
+                </a:ln>
+                <a:solidFill>
+                  <a:prstClr val="black"/>
+                </a:solidFill>
+                <a:effectLst/>
+                <a:uLnTx/>
+                <a:uFillTx/>
+                <a:latin typeface="Calibri" panose="020F0502020204030204"/>
+              </a:rPr>
+              <a:t>------------------------</a:t>
+            </a:r>
+          </a:p>
+          <a:p>
+            <a:pPr marL="0" marR="0" lvl="0" indent="0" defTabSz="914400" eaLnBrk="1" fontAlgn="auto" latinLnBrk="0" hangingPunct="1">
+              <a:lnSpc>
+                <a:spcPct val="100000"/>
+              </a:lnSpc>
+              <a:spcBef>
+                <a:spcPts val="0"/>
+              </a:spcBef>
+              <a:spcAft>
+                <a:spcPts val="0"/>
+              </a:spcAft>
+              <a:buClrTx/>
+              <a:buSzTx/>
+              <a:buFontTx/>
+              <a:buNone/>
+              <a:tabLst/>
+              <a:defRPr/>
+            </a:pPr>
+            <a:r>
+              <a:rPr kumimoji="0" lang="en-US" sz="1400" b="0" i="0" u="none" strike="noStrike" kern="0" cap="none" spc="0" normalizeH="0" baseline="0" noProof="0" dirty="0">
+                <a:ln>
+                  <a:noFill/>
+                </a:ln>
+                <a:solidFill>
+                  <a:prstClr val="black"/>
+                </a:solidFill>
+                <a:effectLst/>
+                <a:uLnTx/>
+                <a:uFillTx/>
+                <a:latin typeface="Calibri" panose="020F0502020204030204"/>
+              </a:rPr>
+              <a:t>+#-Operations()</a:t>
+            </a:r>
+          </a:p>
+          <a:p>
+            <a:pPr marL="0" marR="0" lvl="0" indent="0" defTabSz="914400" eaLnBrk="1" fontAlgn="auto" latinLnBrk="0" hangingPunct="1">
+              <a:lnSpc>
+                <a:spcPct val="100000"/>
+              </a:lnSpc>
+              <a:spcBef>
+                <a:spcPts val="0"/>
+              </a:spcBef>
+              <a:spcAft>
+                <a:spcPts val="0"/>
+              </a:spcAft>
+              <a:buClrTx/>
+              <a:buSzTx/>
+              <a:buFontTx/>
+              <a:buNone/>
+              <a:tabLst/>
+              <a:defRPr/>
+            </a:pPr>
+            <a:r>
+              <a:rPr kumimoji="0" lang="en-US" sz="1400" b="0" i="0" u="none" strike="noStrike" kern="0" cap="none" spc="0" normalizeH="0" baseline="0" noProof="0" dirty="0">
+                <a:ln>
+                  <a:noFill/>
+                </a:ln>
+                <a:solidFill>
+                  <a:prstClr val="black"/>
+                </a:solidFill>
+                <a:effectLst/>
+                <a:uLnTx/>
+                <a:uFillTx/>
+                <a:latin typeface="Calibri" panose="020F0502020204030204"/>
+              </a:rPr>
+              <a:t>------------------------</a:t>
+            </a:r>
+          </a:p>
+          <a:p>
+            <a:pPr marL="0" marR="0" lvl="0" indent="0" defTabSz="914400" eaLnBrk="1" fontAlgn="auto" latinLnBrk="0" hangingPunct="1">
+              <a:lnSpc>
+                <a:spcPct val="100000"/>
+              </a:lnSpc>
+              <a:spcBef>
+                <a:spcPts val="0"/>
+              </a:spcBef>
+              <a:spcAft>
+                <a:spcPts val="0"/>
+              </a:spcAft>
+              <a:buClrTx/>
+              <a:buSzTx/>
+              <a:buFontTx/>
+              <a:buNone/>
+              <a:tabLst/>
+              <a:defRPr/>
+            </a:pPr>
+            <a:r>
+              <a:rPr kumimoji="0" lang="en-US" sz="1400" b="0" i="0" u="none" strike="noStrike" kern="0" cap="none" spc="0" normalizeH="0" baseline="0" noProof="0" dirty="0">
+                <a:ln>
+                  <a:noFill/>
+                </a:ln>
+                <a:solidFill>
+                  <a:prstClr val="black"/>
+                </a:solidFill>
+                <a:effectLst/>
+                <a:uLnTx/>
+                <a:uFillTx/>
+                <a:latin typeface="Calibri" panose="020F0502020204030204"/>
+              </a:rPr>
+              <a:t>Comments</a:t>
+            </a:r>
+          </a:p>
+        </p:txBody>
+      </p:sp>
+      <p:cxnSp>
+        <p:nvCxnSpPr>
+          <p:cNvPr id="15" name="Straight Arrow Connector 14">
+            <a:extLst>
+              <a:ext uri="{FF2B5EF4-FFF2-40B4-BE49-F238E27FC236}">
+                <a16:creationId xmlns:a16="http://schemas.microsoft.com/office/drawing/2014/main" id="{A59B8ED7-BD4E-419F-9DD9-9BB6BA1E4D1A}"/>
+              </a:ext>
+            </a:extLst>
+          </p:cNvPr>
+          <p:cNvCxnSpPr>
+            <a:cxnSpLocks/>
+          </p:cNvCxnSpPr>
+          <p:nvPr/>
+        </p:nvCxnSpPr>
+        <p:spPr>
+          <a:xfrm flipV="1">
+            <a:off x="2482489" y="1764245"/>
+            <a:ext cx="2938459" cy="2198371"/>
+          </a:xfrm>
+          <a:prstGeom prst="straightConnector1">
+            <a:avLst/>
+          </a:prstGeom>
+          <a:ln>
+            <a:tailEnd type="triangle"/>
+          </a:ln>
+        </p:spPr>
+        <p:style>
+          <a:lnRef idx="1">
+            <a:schemeClr val="accent1"/>
+          </a:lnRef>
+          <a:fillRef idx="0">
+            <a:schemeClr val="accent1"/>
+          </a:fillRef>
+          <a:effectRef idx="0">
+            <a:schemeClr val="accent1"/>
+          </a:effectRef>
+          <a:fontRef idx="minor">
+            <a:schemeClr val="tx1"/>
+          </a:fontRef>
+        </p:style>
+      </p:cxnSp>
+      <p:cxnSp>
+        <p:nvCxnSpPr>
+          <p:cNvPr id="16" name="Straight Arrow Connector 15">
+            <a:extLst>
+              <a:ext uri="{FF2B5EF4-FFF2-40B4-BE49-F238E27FC236}">
+                <a16:creationId xmlns:a16="http://schemas.microsoft.com/office/drawing/2014/main" id="{925F3C8C-E246-43EA-8E18-2845FBE23A6C}"/>
+              </a:ext>
+            </a:extLst>
+          </p:cNvPr>
+          <p:cNvCxnSpPr>
+            <a:cxnSpLocks/>
+          </p:cNvCxnSpPr>
+          <p:nvPr/>
+        </p:nvCxnSpPr>
+        <p:spPr>
+          <a:xfrm flipV="1">
+            <a:off x="5395678" y="2834719"/>
+            <a:ext cx="355844" cy="1070474"/>
+          </a:xfrm>
+          <a:prstGeom prst="straightConnector1">
+            <a:avLst/>
+          </a:prstGeom>
+          <a:ln>
+            <a:tailEnd type="triangle"/>
+          </a:ln>
+        </p:spPr>
+        <p:style>
+          <a:lnRef idx="1">
+            <a:schemeClr val="accent1"/>
+          </a:lnRef>
+          <a:fillRef idx="0">
+            <a:schemeClr val="accent1"/>
+          </a:fillRef>
+          <a:effectRef idx="0">
+            <a:schemeClr val="accent1"/>
+          </a:effectRef>
+          <a:fontRef idx="minor">
+            <a:schemeClr val="tx1"/>
+          </a:fontRef>
+        </p:style>
+      </p:cxnSp>
+      <p:cxnSp>
+        <p:nvCxnSpPr>
+          <p:cNvPr id="17" name="Straight Arrow Connector 16">
+            <a:extLst>
+              <a:ext uri="{FF2B5EF4-FFF2-40B4-BE49-F238E27FC236}">
+                <a16:creationId xmlns:a16="http://schemas.microsoft.com/office/drawing/2014/main" id="{248D63EA-573F-4A74-99E5-3972E5431BA8}"/>
+              </a:ext>
+            </a:extLst>
+          </p:cNvPr>
+          <p:cNvCxnSpPr>
+            <a:cxnSpLocks/>
+          </p:cNvCxnSpPr>
+          <p:nvPr/>
+        </p:nvCxnSpPr>
+        <p:spPr>
+          <a:xfrm flipH="1" flipV="1">
+            <a:off x="7587916" y="1909011"/>
+            <a:ext cx="309696" cy="1041171"/>
+          </a:xfrm>
+          <a:prstGeom prst="straightConnector1">
+            <a:avLst/>
+          </a:prstGeom>
+          <a:ln>
+            <a:tailEnd type="triangle"/>
+          </a:ln>
+        </p:spPr>
+        <p:style>
+          <a:lnRef idx="1">
+            <a:schemeClr val="accent1"/>
+          </a:lnRef>
+          <a:fillRef idx="0">
+            <a:schemeClr val="accent1"/>
+          </a:fillRef>
+          <a:effectRef idx="0">
+            <a:schemeClr val="accent1"/>
+          </a:effectRef>
+          <a:fontRef idx="minor">
+            <a:schemeClr val="tx1"/>
+          </a:fontRef>
+        </p:style>
+      </p:cxnSp>
     </p:spTree>
     <p:extLst>
       <p:ext uri="{BB962C8B-B14F-4D97-AF65-F5344CB8AC3E}">

--- a/Documentation/TACM.pptx
+++ b/Documentation/TACM.pptx
@@ -9,9 +9,11 @@
     <p:sldId id="258" r:id="rId3"/>
     <p:sldId id="257" r:id="rId4"/>
     <p:sldId id="260" r:id="rId5"/>
-    <p:sldId id="261" r:id="rId6"/>
-    <p:sldId id="259" r:id="rId7"/>
-    <p:sldId id="262" r:id="rId8"/>
+    <p:sldId id="263" r:id="rId6"/>
+    <p:sldId id="261" r:id="rId7"/>
+    <p:sldId id="264" r:id="rId8"/>
+    <p:sldId id="259" r:id="rId9"/>
+    <p:sldId id="262" r:id="rId10"/>
   </p:sldIdLst>
   <p:sldSz cx="12192000" cy="6858000"/>
   <p:notesSz cx="6858000" cy="9144000"/>
@@ -521,7 +523,7 @@
           <a:p>
             <a:fld id="{7DA136FC-6D7B-49F1-84AE-FB6923A0CB74}" type="datetimeFigureOut">
               <a:rPr lang="en-US" smtClean="0"/>
-              <a:t>7/27/2021</a:t>
+              <a:t>8/21/2021</a:t>
             </a:fld>
             <a:endParaRPr lang="en-US"/>
           </a:p>
@@ -700,7 +702,7 @@
           <a:p>
             <a:fld id="{7DA136FC-6D7B-49F1-84AE-FB6923A0CB74}" type="datetimeFigureOut">
               <a:rPr lang="en-US" smtClean="0"/>
-              <a:t>7/27/2021</a:t>
+              <a:t>8/21/2021</a:t>
             </a:fld>
             <a:endParaRPr lang="en-US"/>
           </a:p>
@@ -880,7 +882,7 @@
           <a:p>
             <a:fld id="{7DA136FC-6D7B-49F1-84AE-FB6923A0CB74}" type="datetimeFigureOut">
               <a:rPr lang="en-US" smtClean="0"/>
-              <a:t>7/27/2021</a:t>
+              <a:t>8/21/2021</a:t>
             </a:fld>
             <a:endParaRPr lang="en-US"/>
           </a:p>
@@ -1050,7 +1052,7 @@
           <a:p>
             <a:fld id="{7DA136FC-6D7B-49F1-84AE-FB6923A0CB74}" type="datetimeFigureOut">
               <a:rPr lang="en-US" smtClean="0"/>
-              <a:t>7/27/2021</a:t>
+              <a:t>8/21/2021</a:t>
             </a:fld>
             <a:endParaRPr lang="en-US"/>
           </a:p>
@@ -1363,7 +1365,7 @@
           <a:p>
             <a:fld id="{7DA136FC-6D7B-49F1-84AE-FB6923A0CB74}" type="datetimeFigureOut">
               <a:rPr lang="en-US" smtClean="0"/>
-              <a:t>7/27/2021</a:t>
+              <a:t>8/21/2021</a:t>
             </a:fld>
             <a:endParaRPr lang="en-US"/>
           </a:p>
@@ -1749,7 +1751,7 @@
           <a:p>
             <a:fld id="{7DA136FC-6D7B-49F1-84AE-FB6923A0CB74}" type="datetimeFigureOut">
               <a:rPr lang="en-US" smtClean="0"/>
-              <a:t>7/27/2021</a:t>
+              <a:t>8/21/2021</a:t>
             </a:fld>
             <a:endParaRPr lang="en-US"/>
           </a:p>
@@ -2183,7 +2185,7 @@
           <a:p>
             <a:fld id="{7DA136FC-6D7B-49F1-84AE-FB6923A0CB74}" type="datetimeFigureOut">
               <a:rPr lang="en-US" smtClean="0"/>
-              <a:t>7/27/2021</a:t>
+              <a:t>8/21/2021</a:t>
             </a:fld>
             <a:endParaRPr lang="en-US"/>
           </a:p>
@@ -2301,7 +2303,7 @@
           <a:p>
             <a:fld id="{7DA136FC-6D7B-49F1-84AE-FB6923A0CB74}" type="datetimeFigureOut">
               <a:rPr lang="en-US" smtClean="0"/>
-              <a:t>7/27/2021</a:t>
+              <a:t>8/21/2021</a:t>
             </a:fld>
             <a:endParaRPr lang="en-US"/>
           </a:p>
@@ -2396,7 +2398,7 @@
           <a:p>
             <a:fld id="{7DA136FC-6D7B-49F1-84AE-FB6923A0CB74}" type="datetimeFigureOut">
               <a:rPr lang="en-US" smtClean="0"/>
-              <a:t>7/27/2021</a:t>
+              <a:t>8/21/2021</a:t>
             </a:fld>
             <a:endParaRPr lang="en-US"/>
           </a:p>
@@ -2746,7 +2748,7 @@
           <a:p>
             <a:fld id="{7DA136FC-6D7B-49F1-84AE-FB6923A0CB74}" type="datetimeFigureOut">
               <a:rPr lang="en-US" smtClean="0"/>
-              <a:t>7/27/2021</a:t>
+              <a:t>8/21/2021</a:t>
             </a:fld>
             <a:endParaRPr lang="en-US"/>
           </a:p>
@@ -3171,7 +3173,7 @@
           <a:p>
             <a:fld id="{7DA136FC-6D7B-49F1-84AE-FB6923A0CB74}" type="datetimeFigureOut">
               <a:rPr lang="en-US" smtClean="0"/>
-              <a:t>7/27/2021</a:t>
+              <a:t>8/21/2021</a:t>
             </a:fld>
             <a:endParaRPr lang="en-US"/>
           </a:p>
@@ -3452,7 +3454,7 @@
           <a:p>
             <a:fld id="{7DA136FC-6D7B-49F1-84AE-FB6923A0CB74}" type="datetimeFigureOut">
               <a:rPr lang="en-US" smtClean="0"/>
-              <a:t>7/27/2021</a:t>
+              <a:t>8/21/2021</a:t>
             </a:fld>
             <a:endParaRPr lang="en-US"/>
           </a:p>
@@ -4576,7 +4578,7 @@
         </p:nvSpPr>
         <p:spPr>
           <a:xfrm>
-            <a:off x="1876926" y="1277693"/>
+            <a:off x="1876926" y="1299203"/>
             <a:ext cx="5880678" cy="3968076"/>
           </a:xfrm>
           <a:prstGeom prst="rect">
@@ -4672,7 +4674,7 @@
         </p:nvSpPr>
         <p:spPr>
           <a:xfrm>
-            <a:off x="5736171" y="2659972"/>
+            <a:off x="4010815" y="4676155"/>
             <a:ext cx="1612900" cy="369332"/>
           </a:xfrm>
           <a:prstGeom prst="rect">
@@ -4738,7 +4740,7 @@
         </p:nvSpPr>
         <p:spPr>
           <a:xfrm>
-            <a:off x="5745622" y="3155882"/>
+            <a:off x="5745622" y="2510417"/>
             <a:ext cx="1612900" cy="369332"/>
           </a:xfrm>
           <a:prstGeom prst="rect">
@@ -4804,7 +4806,7 @@
         </p:nvSpPr>
         <p:spPr>
           <a:xfrm>
-            <a:off x="5745622" y="3683356"/>
+            <a:off x="5745622" y="3037891"/>
             <a:ext cx="1612900" cy="369332"/>
           </a:xfrm>
           <a:prstGeom prst="rect">
@@ -5005,7 +5007,7 @@
         </p:blipFill>
         <p:spPr>
           <a:xfrm>
-            <a:off x="2226975" y="2584501"/>
+            <a:off x="2117265" y="2221266"/>
             <a:ext cx="3210373" cy="2238564"/>
           </a:xfrm>
           <a:prstGeom prst="rect">
@@ -5354,154 +5356,12 @@
           </a:p>
         </p:txBody>
       </p:sp>
-    </p:spTree>
-    <p:extLst>
-      <p:ext uri="{BB962C8B-B14F-4D97-AF65-F5344CB8AC3E}">
-        <p14:creationId xmlns:p14="http://schemas.microsoft.com/office/powerpoint/2010/main" val="2262855833"/>
-      </p:ext>
-    </p:extLst>
-  </p:cSld>
-  <p:clrMapOvr>
-    <a:masterClrMapping/>
-  </p:clrMapOvr>
-</p:sld>
-</file>
-
-<file path=ppt/slides/slide5.xml><?xml version="1.0" encoding="utf-8"?>
-<p:sld xmlns:a="http://schemas.openxmlformats.org/drawingml/2006/main" xmlns:r="http://schemas.openxmlformats.org/officeDocument/2006/relationships" xmlns:p="http://schemas.openxmlformats.org/presentationml/2006/main">
-  <p:cSld>
-    <p:spTree>
-      <p:nvGrpSpPr>
-        <p:cNvPr id="1" name=""/>
-        <p:cNvGrpSpPr/>
-        <p:nvPr/>
-      </p:nvGrpSpPr>
-      <p:grpSpPr>
-        <a:xfrm>
-          <a:off x="0" y="0"/>
-          <a:ext cx="0" cy="0"/>
-          <a:chOff x="0" y="0"/>
-          <a:chExt cx="0" cy="0"/>
-        </a:xfrm>
-      </p:grpSpPr>
-      <p:sp>
-        <p:nvSpPr>
-          <p:cNvPr id="5" name="Title 1">
-            <a:extLst>
-              <a:ext uri="{FF2B5EF4-FFF2-40B4-BE49-F238E27FC236}">
-                <a16:creationId xmlns:a16="http://schemas.microsoft.com/office/drawing/2014/main" id="{FC894ABA-FA54-4F3A-B5B6-3D229426E91F}"/>
-              </a:ext>
-            </a:extLst>
-          </p:cNvPr>
-          <p:cNvSpPr txBox="1">
-            <a:spLocks/>
-          </p:cNvSpPr>
-          <p:nvPr/>
-        </p:nvSpPr>
-        <p:spPr>
-          <a:xfrm>
-            <a:off x="0" y="0"/>
-            <a:ext cx="10058400" cy="856304"/>
-          </a:xfrm>
-          <a:prstGeom prst="rect">
-            <a:avLst/>
-          </a:prstGeom>
-        </p:spPr>
-        <p:txBody>
-          <a:bodyPr vert="horz" lIns="91440" tIns="45720" rIns="91440" bIns="45720" rtlCol="0" anchor="ctr">
-            <a:normAutofit/>
-          </a:bodyPr>
-          <a:lstStyle>
-            <a:lvl1pPr algn="l" defTabSz="914400" rtl="0" eaLnBrk="1" latinLnBrk="0" hangingPunct="1">
-              <a:lnSpc>
-                <a:spcPct val="90000"/>
-              </a:lnSpc>
-              <a:spcBef>
-                <a:spcPct val="0"/>
-              </a:spcBef>
-              <a:buNone/>
-              <a:defRPr sz="5400" kern="1200" cap="all" baseline="0">
-                <a:blipFill>
-                  <a:blip r:embed="rId2">
-                    <a:extLst>
-                      <a:ext uri="{28A0092B-C50C-407E-A947-70E740481C1C}">
-                        <a14:useLocalDpi xmlns:a14="http://schemas.microsoft.com/office/drawing/2010/main" val="0"/>
-                      </a:ext>
-                    </a:extLst>
-                  </a:blip>
-                  <a:tile tx="6350" ty="-127000" sx="65000" sy="64000" flip="none" algn="tl"/>
-                </a:blipFill>
-                <a:latin typeface="+mj-lt"/>
-                <a:ea typeface="+mj-ea"/>
-                <a:cs typeface="+mj-cs"/>
-              </a:defRPr>
-            </a:lvl1pPr>
-          </a:lstStyle>
-          <a:p>
-            <a:r>
-              <a:rPr lang="en-US" dirty="0"/>
-              <a:t>Mockup</a:t>
-            </a:r>
-          </a:p>
-        </p:txBody>
-      </p:sp>
-      <p:sp>
-        <p:nvSpPr>
-          <p:cNvPr id="6" name="Rectangle 5">
-            <a:extLst>
-              <a:ext uri="{FF2B5EF4-FFF2-40B4-BE49-F238E27FC236}">
-                <a16:creationId xmlns:a16="http://schemas.microsoft.com/office/drawing/2014/main" id="{E9D231B2-49CB-43D0-B59F-137D4612EAD9}"/>
-              </a:ext>
-            </a:extLst>
-          </p:cNvPr>
-          <p:cNvSpPr/>
-          <p:nvPr/>
-        </p:nvSpPr>
-        <p:spPr>
-          <a:xfrm>
-            <a:off x="161013" y="1187382"/>
-            <a:ext cx="5880678" cy="3968076"/>
-          </a:xfrm>
-          <a:prstGeom prst="rect">
-            <a:avLst/>
-          </a:prstGeom>
-          <a:solidFill>
-            <a:schemeClr val="bg1">
-              <a:lumMod val="95000"/>
-            </a:schemeClr>
-          </a:solidFill>
-        </p:spPr>
-        <p:style>
-          <a:lnRef idx="2">
-            <a:schemeClr val="accent1">
-              <a:shade val="50000"/>
-            </a:schemeClr>
-          </a:lnRef>
-          <a:fillRef idx="1">
-            <a:schemeClr val="accent1"/>
-          </a:fillRef>
-          <a:effectRef idx="0">
-            <a:schemeClr val="accent1"/>
-          </a:effectRef>
-          <a:fontRef idx="minor">
-            <a:schemeClr val="lt1"/>
-          </a:fontRef>
-        </p:style>
-        <p:txBody>
-          <a:bodyPr rtlCol="0" anchor="ctr"/>
-          <a:lstStyle/>
-          <a:p>
-            <a:pPr algn="ctr"/>
-            <a:endParaRPr lang="en-US"/>
-          </a:p>
-        </p:txBody>
-      </p:sp>
-      <p:sp>
-        <p:nvSpPr>
-          <p:cNvPr id="8" name="TextBox 7">
-            <a:extLst>
-              <a:ext uri="{FF2B5EF4-FFF2-40B4-BE49-F238E27FC236}">
-                <a16:creationId xmlns:a16="http://schemas.microsoft.com/office/drawing/2014/main" id="{A2832347-2B00-4DCB-A00A-0079C5199813}"/>
+      <p:sp>
+        <p:nvSpPr>
+          <p:cNvPr id="18" name="TextBox 17">
+            <a:extLst>
+              <a:ext uri="{FF2B5EF4-FFF2-40B4-BE49-F238E27FC236}">
+                <a16:creationId xmlns:a16="http://schemas.microsoft.com/office/drawing/2014/main" id="{158346E4-2BF1-4022-B706-79F3AE323E44}"/>
               </a:ext>
             </a:extLst>
           </p:cNvPr>
@@ -5510,115 +5370,8 @@
         </p:nvSpPr>
         <p:spPr>
           <a:xfrm>
-            <a:off x="161013" y="1202636"/>
-            <a:ext cx="5893376" cy="369332"/>
-          </a:xfrm>
-          <a:prstGeom prst="rect">
-            <a:avLst/>
-          </a:prstGeom>
-          <a:solidFill>
-            <a:schemeClr val="tx2">
-              <a:lumMod val="40000"/>
-              <a:lumOff val="60000"/>
-            </a:schemeClr>
-          </a:solidFill>
-          <a:ln>
-            <a:solidFill>
-              <a:schemeClr val="tx1"/>
-            </a:solidFill>
-          </a:ln>
-        </p:spPr>
-        <p:txBody>
-          <a:bodyPr wrap="square" rtlCol="0">
-            <a:spAutoFit/>
-          </a:bodyPr>
-          <a:lstStyle/>
-          <a:p>
-            <a:r>
-              <a:rPr lang="en-US" dirty="0"/>
-              <a:t>TACM: Task and Charging Manager</a:t>
-            </a:r>
-          </a:p>
-        </p:txBody>
-      </p:sp>
-      <p:sp>
-        <p:nvSpPr>
-          <p:cNvPr id="13" name="TextBox 12">
-            <a:extLst>
-              <a:ext uri="{FF2B5EF4-FFF2-40B4-BE49-F238E27FC236}">
-                <a16:creationId xmlns:a16="http://schemas.microsoft.com/office/drawing/2014/main" id="{5490B115-92A8-45D6-835C-08D46B8C109E}"/>
-              </a:ext>
-            </a:extLst>
-          </p:cNvPr>
-          <p:cNvSpPr txBox="1"/>
-          <p:nvPr/>
-        </p:nvSpPr>
-        <p:spPr>
-          <a:xfrm>
-            <a:off x="5736889" y="1202636"/>
-            <a:ext cx="304802" cy="369332"/>
-          </a:xfrm>
-          <a:prstGeom prst="rect">
-            <a:avLst/>
-          </a:prstGeom>
-          <a:gradFill flip="none" rotWithShape="1">
-            <a:gsLst>
-              <a:gs pos="83000">
-                <a:schemeClr val="bg1">
-                  <a:lumMod val="95000"/>
-                </a:schemeClr>
-              </a:gs>
-              <a:gs pos="57000">
-                <a:srgbClr val="FF94A1"/>
-              </a:gs>
-              <a:gs pos="100000">
-                <a:srgbClr val="FF94A1"/>
-              </a:gs>
-            </a:gsLst>
-            <a:lin ang="16200000" scaled="1"/>
-            <a:tileRect/>
-          </a:gradFill>
-          <a:effectLst>
-            <a:softEdge rad="0"/>
-          </a:effectLst>
-          <a:scene3d>
-            <a:camera prst="orthographicFront"/>
-            <a:lightRig rig="threePt" dir="t"/>
-          </a:scene3d>
-          <a:sp3d>
-            <a:bevelT/>
-          </a:sp3d>
-        </p:spPr>
-        <p:txBody>
-          <a:bodyPr wrap="square" rtlCol="0">
-            <a:spAutoFit/>
-          </a:bodyPr>
-          <a:lstStyle/>
-          <a:p>
-            <a:pPr algn="ctr"/>
-            <a:r>
-              <a:rPr lang="en-US" dirty="0"/>
-              <a:t>X</a:t>
-            </a:r>
-          </a:p>
-        </p:txBody>
-      </p:sp>
-      <p:sp>
-        <p:nvSpPr>
-          <p:cNvPr id="14" name="TextBox 13">
-            <a:extLst>
-              <a:ext uri="{FF2B5EF4-FFF2-40B4-BE49-F238E27FC236}">
-                <a16:creationId xmlns:a16="http://schemas.microsoft.com/office/drawing/2014/main" id="{375F22A3-DF50-4CF1-96D0-1D67923AF678}"/>
-              </a:ext>
-            </a:extLst>
-          </p:cNvPr>
-          <p:cNvSpPr txBox="1"/>
-          <p:nvPr/>
-        </p:nvSpPr>
-        <p:spPr>
-          <a:xfrm>
-            <a:off x="5432087" y="1202636"/>
-            <a:ext cx="304802" cy="369332"/>
+            <a:off x="5745622" y="3484369"/>
+            <a:ext cx="1612900" cy="369332"/>
           </a:xfrm>
           <a:prstGeom prst="rect">
             <a:avLst/>
@@ -5664,160 +5417,39 @@
             <a:pPr algn="ctr"/>
             <a:r>
               <a:rPr lang="en-US" dirty="0"/>
-              <a:t>_</a:t>
-            </a:r>
-          </a:p>
-        </p:txBody>
-      </p:sp>
-      <p:pic>
-        <p:nvPicPr>
-          <p:cNvPr id="20" name="Picture 19">
-            <a:extLst>
-              <a:ext uri="{FF2B5EF4-FFF2-40B4-BE49-F238E27FC236}">
-                <a16:creationId xmlns:a16="http://schemas.microsoft.com/office/drawing/2014/main" id="{DDD02FB1-A8EA-487F-A69F-DD0FA6E27FC0}"/>
-              </a:ext>
-            </a:extLst>
-          </p:cNvPr>
-          <p:cNvPicPr>
-            <a:picLocks noChangeAspect="1"/>
-          </p:cNvPicPr>
-          <p:nvPr/>
-        </p:nvPicPr>
-        <p:blipFill rotWithShape="1">
-          <a:blip r:embed="rId3">
-            <a:duotone>
-              <a:schemeClr val="bg2">
-                <a:shade val="45000"/>
-                <a:satMod val="135000"/>
-              </a:schemeClr>
-              <a:prstClr val="white"/>
-            </a:duotone>
-          </a:blip>
-          <a:srcRect b="41546"/>
-          <a:stretch/>
-        </p:blipFill>
-        <p:spPr>
-          <a:xfrm>
-            <a:off x="511062" y="2494190"/>
-            <a:ext cx="3210373" cy="2238564"/>
+              <a:t>Exit</a:t>
+            </a:r>
+          </a:p>
+        </p:txBody>
+      </p:sp>
+      <p:sp>
+        <p:nvSpPr>
+          <p:cNvPr id="2" name="Rectangle 1">
+            <a:extLst>
+              <a:ext uri="{FF2B5EF4-FFF2-40B4-BE49-F238E27FC236}">
+                <a16:creationId xmlns:a16="http://schemas.microsoft.com/office/drawing/2014/main" id="{73B92A44-59F8-4C2A-9C1F-7E1CE590B062}"/>
+              </a:ext>
+            </a:extLst>
+          </p:cNvPr>
+          <p:cNvSpPr/>
+          <p:nvPr/>
+        </p:nvSpPr>
+        <p:spPr>
+          <a:xfrm>
+            <a:off x="5327638" y="2221266"/>
+            <a:ext cx="137247" cy="2244820"/>
           </a:xfrm>
           <a:prstGeom prst="rect">
             <a:avLst/>
           </a:prstGeom>
+          <a:solidFill>
+            <a:srgbClr val="F2F2F2"/>
+          </a:solidFill>
           <a:ln>
             <a:solidFill>
               <a:schemeClr val="tx1"/>
             </a:solidFill>
           </a:ln>
-        </p:spPr>
-      </p:pic>
-      <p:sp>
-        <p:nvSpPr>
-          <p:cNvPr id="21" name="TextBox 20">
-            <a:extLst>
-              <a:ext uri="{FF2B5EF4-FFF2-40B4-BE49-F238E27FC236}">
-                <a16:creationId xmlns:a16="http://schemas.microsoft.com/office/drawing/2014/main" id="{5A97E61E-2135-4A34-A99A-39FBF7163FE4}"/>
-              </a:ext>
-            </a:extLst>
-          </p:cNvPr>
-          <p:cNvSpPr txBox="1"/>
-          <p:nvPr/>
-        </p:nvSpPr>
-        <p:spPr>
-          <a:xfrm>
-            <a:off x="161013" y="1576076"/>
-            <a:ext cx="5893376" cy="338554"/>
-          </a:xfrm>
-          <a:prstGeom prst="rect">
-            <a:avLst/>
-          </a:prstGeom>
-          <a:noFill/>
-          <a:ln>
-            <a:solidFill>
-              <a:schemeClr val="tx1"/>
-            </a:solidFill>
-          </a:ln>
-        </p:spPr>
-        <p:txBody>
-          <a:bodyPr wrap="square" rtlCol="0">
-            <a:spAutoFit/>
-          </a:bodyPr>
-          <a:lstStyle/>
-          <a:p>
-            <a:r>
-              <a:rPr lang="en-US" sz="1600" dirty="0"/>
-              <a:t>File  Edit   Help</a:t>
-            </a:r>
-          </a:p>
-        </p:txBody>
-      </p:sp>
-      <p:pic>
-        <p:nvPicPr>
-          <p:cNvPr id="3" name="Picture 2">
-            <a:extLst>
-              <a:ext uri="{FF2B5EF4-FFF2-40B4-BE49-F238E27FC236}">
-                <a16:creationId xmlns:a16="http://schemas.microsoft.com/office/drawing/2014/main" id="{70390C14-DAF8-42F9-8756-DC71574D9E73}"/>
-              </a:ext>
-            </a:extLst>
-          </p:cNvPr>
-          <p:cNvPicPr>
-            <a:picLocks noChangeAspect="1"/>
-          </p:cNvPicPr>
-          <p:nvPr/>
-        </p:nvPicPr>
-        <p:blipFill rotWithShape="1">
-          <a:blip r:embed="rId4">
-            <a:duotone>
-              <a:schemeClr val="bg2">
-                <a:shade val="45000"/>
-                <a:satMod val="135000"/>
-              </a:schemeClr>
-              <a:prstClr val="white"/>
-            </a:duotone>
-          </a:blip>
-          <a:srcRect b="12341"/>
-          <a:stretch/>
-        </p:blipFill>
-        <p:spPr>
-          <a:xfrm>
-            <a:off x="504666" y="2723066"/>
-            <a:ext cx="3210373" cy="2017105"/>
-          </a:xfrm>
-          <a:prstGeom prst="rect">
-            <a:avLst/>
-          </a:prstGeom>
-          <a:ln>
-            <a:solidFill>
-              <a:schemeClr val="tx1"/>
-            </a:solidFill>
-          </a:ln>
-        </p:spPr>
-      </p:pic>
-      <p:sp>
-        <p:nvSpPr>
-          <p:cNvPr id="28" name="Rectangle 27">
-            <a:extLst>
-              <a:ext uri="{FF2B5EF4-FFF2-40B4-BE49-F238E27FC236}">
-                <a16:creationId xmlns:a16="http://schemas.microsoft.com/office/drawing/2014/main" id="{8CC9708E-8CC4-45F7-A278-59F0CE636E30}"/>
-              </a:ext>
-            </a:extLst>
-          </p:cNvPr>
-          <p:cNvSpPr/>
-          <p:nvPr/>
-        </p:nvSpPr>
-        <p:spPr>
-          <a:xfrm>
-            <a:off x="6164565" y="1187382"/>
-            <a:ext cx="5880678" cy="3968076"/>
-          </a:xfrm>
-          <a:prstGeom prst="rect">
-            <a:avLst/>
-          </a:prstGeom>
-          <a:solidFill>
-            <a:schemeClr val="bg1">
-              <a:lumMod val="95000"/>
-            </a:schemeClr>
-          </a:solidFill>
         </p:spPr>
         <p:style>
           <a:lnRef idx="2">
@@ -5846,10 +5478,94 @@
       </p:sp>
       <p:sp>
         <p:nvSpPr>
-          <p:cNvPr id="29" name="TextBox 28">
-            <a:extLst>
-              <a:ext uri="{FF2B5EF4-FFF2-40B4-BE49-F238E27FC236}">
-                <a16:creationId xmlns:a16="http://schemas.microsoft.com/office/drawing/2014/main" id="{7E2ABC58-74C7-4C8C-828C-EE3211B0ACCF}"/>
+          <p:cNvPr id="3" name="Rectangle 2">
+            <a:extLst>
+              <a:ext uri="{FF2B5EF4-FFF2-40B4-BE49-F238E27FC236}">
+                <a16:creationId xmlns:a16="http://schemas.microsoft.com/office/drawing/2014/main" id="{9008E02D-D5D5-4546-802E-621617930C8C}"/>
+              </a:ext>
+            </a:extLst>
+          </p:cNvPr>
+          <p:cNvSpPr/>
+          <p:nvPr/>
+        </p:nvSpPr>
+        <p:spPr>
+          <a:xfrm>
+            <a:off x="5327638" y="2221266"/>
+            <a:ext cx="137247" cy="1632435"/>
+          </a:xfrm>
+          <a:prstGeom prst="rect">
+            <a:avLst/>
+          </a:prstGeom>
+          <a:solidFill>
+            <a:srgbClr val="C3C1C1"/>
+          </a:solidFill>
+          <a:ln>
+            <a:solidFill>
+              <a:schemeClr val="tx1"/>
+            </a:solidFill>
+          </a:ln>
+        </p:spPr>
+        <p:style>
+          <a:lnRef idx="2">
+            <a:schemeClr val="accent1">
+              <a:shade val="50000"/>
+            </a:schemeClr>
+          </a:lnRef>
+          <a:fillRef idx="1">
+            <a:schemeClr val="accent1"/>
+          </a:fillRef>
+          <a:effectRef idx="0">
+            <a:schemeClr val="accent1"/>
+          </a:effectRef>
+          <a:fontRef idx="minor">
+            <a:schemeClr val="lt1"/>
+          </a:fontRef>
+        </p:style>
+        <p:txBody>
+          <a:bodyPr rtlCol="0" anchor="ctr"/>
+          <a:lstStyle/>
+          <a:p>
+            <a:pPr algn="ctr"/>
+            <a:endParaRPr lang="en-US"/>
+          </a:p>
+        </p:txBody>
+      </p:sp>
+    </p:spTree>
+    <p:extLst>
+      <p:ext uri="{BB962C8B-B14F-4D97-AF65-F5344CB8AC3E}">
+        <p14:creationId xmlns:p14="http://schemas.microsoft.com/office/powerpoint/2010/main" val="2262855833"/>
+      </p:ext>
+    </p:extLst>
+  </p:cSld>
+  <p:clrMapOvr>
+    <a:masterClrMapping/>
+  </p:clrMapOvr>
+</p:sld>
+</file>
+
+<file path=ppt/slides/slide5.xml><?xml version="1.0" encoding="utf-8"?>
+<p:sld xmlns:a="http://schemas.openxmlformats.org/drawingml/2006/main" xmlns:r="http://schemas.openxmlformats.org/officeDocument/2006/relationships" xmlns:p="http://schemas.openxmlformats.org/presentationml/2006/main">
+  <p:cSld>
+    <p:spTree>
+      <p:nvGrpSpPr>
+        <p:cNvPr id="1" name=""/>
+        <p:cNvGrpSpPr/>
+        <p:nvPr/>
+      </p:nvGrpSpPr>
+      <p:grpSpPr>
+        <a:xfrm>
+          <a:off x="0" y="0"/>
+          <a:ext cx="0" cy="0"/>
+          <a:chOff x="0" y="0"/>
+          <a:chExt cx="0" cy="0"/>
+        </a:xfrm>
+      </p:grpSpPr>
+      <p:sp>
+        <p:nvSpPr>
+          <p:cNvPr id="4" name="TextBox 3">
+            <a:extLst>
+              <a:ext uri="{FF2B5EF4-FFF2-40B4-BE49-F238E27FC236}">
+                <a16:creationId xmlns:a16="http://schemas.microsoft.com/office/drawing/2014/main" id="{0F44C4F8-E693-49EA-95AA-AC45FF98EB79}"/>
               </a:ext>
             </a:extLst>
           </p:cNvPr>
@@ -5858,7 +5574,502 @@
         </p:nvSpPr>
         <p:spPr>
           <a:xfrm>
-            <a:off x="6164565" y="1202636"/>
+            <a:off x="2840020" y="1355465"/>
+            <a:ext cx="2936836" cy="1200329"/>
+          </a:xfrm>
+          <a:prstGeom prst="rect">
+            <a:avLst/>
+          </a:prstGeom>
+          <a:noFill/>
+          <a:ln>
+            <a:solidFill>
+              <a:schemeClr val="accent1"/>
+            </a:solidFill>
+          </a:ln>
+        </p:spPr>
+        <p:txBody>
+          <a:bodyPr wrap="square" rtlCol="0">
+            <a:spAutoFit/>
+          </a:bodyPr>
+          <a:lstStyle/>
+          <a:p>
+            <a:r>
+              <a:rPr lang="en-US" dirty="0"/>
+              <a:t>Frame 0,0</a:t>
+            </a:r>
+          </a:p>
+          <a:p>
+            <a:endParaRPr lang="en-US" dirty="0"/>
+          </a:p>
+          <a:p>
+            <a:endParaRPr lang="en-US" dirty="0"/>
+          </a:p>
+          <a:p>
+            <a:endParaRPr lang="en-US" dirty="0"/>
+          </a:p>
+        </p:txBody>
+      </p:sp>
+      <p:sp>
+        <p:nvSpPr>
+          <p:cNvPr id="5" name="TextBox 4">
+            <a:extLst>
+              <a:ext uri="{FF2B5EF4-FFF2-40B4-BE49-F238E27FC236}">
+                <a16:creationId xmlns:a16="http://schemas.microsoft.com/office/drawing/2014/main" id="{C471E2D9-7A38-4E42-94A7-B30405E0B818}"/>
+              </a:ext>
+            </a:extLst>
+          </p:cNvPr>
+          <p:cNvSpPr txBox="1"/>
+          <p:nvPr/>
+        </p:nvSpPr>
+        <p:spPr>
+          <a:xfrm>
+            <a:off x="3313355" y="1807285"/>
+            <a:ext cx="2065469" cy="369332"/>
+          </a:xfrm>
+          <a:prstGeom prst="rect">
+            <a:avLst/>
+          </a:prstGeom>
+          <a:noFill/>
+          <a:ln>
+            <a:solidFill>
+              <a:schemeClr val="accent1"/>
+            </a:solidFill>
+          </a:ln>
+        </p:spPr>
+        <p:txBody>
+          <a:bodyPr wrap="square" rtlCol="0">
+            <a:spAutoFit/>
+          </a:bodyPr>
+          <a:lstStyle/>
+          <a:p>
+            <a:r>
+              <a:rPr lang="en-US" dirty="0"/>
+              <a:t>Task Table 0,0 -&gt; tsk</a:t>
+            </a:r>
+          </a:p>
+        </p:txBody>
+      </p:sp>
+      <p:sp>
+        <p:nvSpPr>
+          <p:cNvPr id="6" name="TextBox 5">
+            <a:extLst>
+              <a:ext uri="{FF2B5EF4-FFF2-40B4-BE49-F238E27FC236}">
+                <a16:creationId xmlns:a16="http://schemas.microsoft.com/office/drawing/2014/main" id="{993C3AB5-7661-4279-8D42-D718A22A7250}"/>
+              </a:ext>
+            </a:extLst>
+          </p:cNvPr>
+          <p:cNvSpPr txBox="1"/>
+          <p:nvPr/>
+        </p:nvSpPr>
+        <p:spPr>
+          <a:xfrm>
+            <a:off x="1996440" y="682134"/>
+            <a:ext cx="7767021" cy="4247317"/>
+          </a:xfrm>
+          <a:prstGeom prst="rect">
+            <a:avLst/>
+          </a:prstGeom>
+          <a:noFill/>
+          <a:ln>
+            <a:solidFill>
+              <a:schemeClr val="accent1"/>
+            </a:solidFill>
+          </a:ln>
+        </p:spPr>
+        <p:txBody>
+          <a:bodyPr wrap="square" rtlCol="0">
+            <a:spAutoFit/>
+          </a:bodyPr>
+          <a:lstStyle/>
+          <a:p>
+            <a:r>
+              <a:rPr lang="en-US" dirty="0"/>
+              <a:t>window</a:t>
+            </a:r>
+          </a:p>
+          <a:p>
+            <a:endParaRPr lang="en-US" dirty="0"/>
+          </a:p>
+          <a:p>
+            <a:endParaRPr lang="en-US" dirty="0"/>
+          </a:p>
+          <a:p>
+            <a:endParaRPr lang="en-US" dirty="0"/>
+          </a:p>
+          <a:p>
+            <a:endParaRPr lang="en-US" dirty="0"/>
+          </a:p>
+          <a:p>
+            <a:endParaRPr lang="en-US" dirty="0"/>
+          </a:p>
+          <a:p>
+            <a:endParaRPr lang="en-US" dirty="0"/>
+          </a:p>
+          <a:p>
+            <a:endParaRPr lang="en-US" dirty="0"/>
+          </a:p>
+          <a:p>
+            <a:endParaRPr lang="en-US" dirty="0"/>
+          </a:p>
+          <a:p>
+            <a:endParaRPr lang="en-US" dirty="0"/>
+          </a:p>
+          <a:p>
+            <a:endParaRPr lang="en-US" dirty="0"/>
+          </a:p>
+          <a:p>
+            <a:endParaRPr lang="en-US" dirty="0"/>
+          </a:p>
+          <a:p>
+            <a:endParaRPr lang="en-US" dirty="0"/>
+          </a:p>
+          <a:p>
+            <a:endParaRPr lang="en-US" dirty="0"/>
+          </a:p>
+          <a:p>
+            <a:endParaRPr lang="en-US" dirty="0"/>
+          </a:p>
+        </p:txBody>
+      </p:sp>
+      <p:sp>
+        <p:nvSpPr>
+          <p:cNvPr id="7" name="TextBox 6">
+            <a:extLst>
+              <a:ext uri="{FF2B5EF4-FFF2-40B4-BE49-F238E27FC236}">
+                <a16:creationId xmlns:a16="http://schemas.microsoft.com/office/drawing/2014/main" id="{3E4AAD80-B110-462A-BDB7-021267144E87}"/>
+              </a:ext>
+            </a:extLst>
+          </p:cNvPr>
+          <p:cNvSpPr txBox="1"/>
+          <p:nvPr/>
+        </p:nvSpPr>
+        <p:spPr>
+          <a:xfrm>
+            <a:off x="5983046" y="1355464"/>
+            <a:ext cx="2936836" cy="1200329"/>
+          </a:xfrm>
+          <a:prstGeom prst="rect">
+            <a:avLst/>
+          </a:prstGeom>
+          <a:noFill/>
+          <a:ln>
+            <a:solidFill>
+              <a:schemeClr val="accent1"/>
+            </a:solidFill>
+          </a:ln>
+        </p:spPr>
+        <p:txBody>
+          <a:bodyPr wrap="square" rtlCol="0">
+            <a:spAutoFit/>
+          </a:bodyPr>
+          <a:lstStyle/>
+          <a:p>
+            <a:r>
+              <a:rPr lang="en-US" dirty="0"/>
+              <a:t>Frame2 0,1</a:t>
+            </a:r>
+          </a:p>
+          <a:p>
+            <a:endParaRPr lang="en-US" dirty="0"/>
+          </a:p>
+          <a:p>
+            <a:endParaRPr lang="en-US" dirty="0"/>
+          </a:p>
+          <a:p>
+            <a:endParaRPr lang="en-US" dirty="0"/>
+          </a:p>
+        </p:txBody>
+      </p:sp>
+      <p:sp>
+        <p:nvSpPr>
+          <p:cNvPr id="8" name="TextBox 7">
+            <a:extLst>
+              <a:ext uri="{FF2B5EF4-FFF2-40B4-BE49-F238E27FC236}">
+                <a16:creationId xmlns:a16="http://schemas.microsoft.com/office/drawing/2014/main" id="{DE21694A-59F4-42BA-8930-7B065A1D28E1}"/>
+              </a:ext>
+            </a:extLst>
+          </p:cNvPr>
+          <p:cNvSpPr txBox="1"/>
+          <p:nvPr/>
+        </p:nvSpPr>
+        <p:spPr>
+          <a:xfrm>
+            <a:off x="2840020" y="2643204"/>
+            <a:ext cx="6079862" cy="1200329"/>
+          </a:xfrm>
+          <a:prstGeom prst="rect">
+            <a:avLst/>
+          </a:prstGeom>
+          <a:noFill/>
+          <a:ln>
+            <a:solidFill>
+              <a:schemeClr val="accent1"/>
+            </a:solidFill>
+          </a:ln>
+        </p:spPr>
+        <p:txBody>
+          <a:bodyPr wrap="square" rtlCol="0">
+            <a:spAutoFit/>
+          </a:bodyPr>
+          <a:lstStyle/>
+          <a:p>
+            <a:r>
+              <a:rPr lang="en-US" dirty="0"/>
+              <a:t>Frame3 2,0 (</a:t>
+            </a:r>
+            <a:r>
+              <a:rPr lang="en-US" dirty="0" err="1"/>
+              <a:t>colspan</a:t>
+            </a:r>
+            <a:r>
+              <a:rPr lang="en-US" dirty="0"/>
+              <a:t> 2)</a:t>
+            </a:r>
+          </a:p>
+          <a:p>
+            <a:endParaRPr lang="en-US" dirty="0"/>
+          </a:p>
+          <a:p>
+            <a:endParaRPr lang="en-US" dirty="0"/>
+          </a:p>
+          <a:p>
+            <a:endParaRPr lang="en-US" dirty="0"/>
+          </a:p>
+        </p:txBody>
+      </p:sp>
+      <p:sp>
+        <p:nvSpPr>
+          <p:cNvPr id="10" name="TextBox 9">
+            <a:extLst>
+              <a:ext uri="{FF2B5EF4-FFF2-40B4-BE49-F238E27FC236}">
+                <a16:creationId xmlns:a16="http://schemas.microsoft.com/office/drawing/2014/main" id="{D88D223B-8E10-48D4-8560-C942DE021F3F}"/>
+              </a:ext>
+            </a:extLst>
+          </p:cNvPr>
+          <p:cNvSpPr txBox="1"/>
+          <p:nvPr/>
+        </p:nvSpPr>
+        <p:spPr>
+          <a:xfrm>
+            <a:off x="6368527" y="1807285"/>
+            <a:ext cx="1247887" cy="646331"/>
+          </a:xfrm>
+          <a:prstGeom prst="rect">
+            <a:avLst/>
+          </a:prstGeom>
+          <a:noFill/>
+        </p:spPr>
+        <p:txBody>
+          <a:bodyPr wrap="square" rtlCol="0">
+            <a:spAutoFit/>
+          </a:bodyPr>
+          <a:lstStyle/>
+          <a:p>
+            <a:r>
+              <a:rPr lang="en-US" dirty="0"/>
+              <a:t>Button 0,0</a:t>
+            </a:r>
+          </a:p>
+          <a:p>
+            <a:r>
+              <a:rPr lang="en-US" dirty="0"/>
+              <a:t>Button 1,0</a:t>
+            </a:r>
+          </a:p>
+        </p:txBody>
+      </p:sp>
+      <p:sp>
+        <p:nvSpPr>
+          <p:cNvPr id="11" name="TextBox 10">
+            <a:extLst>
+              <a:ext uri="{FF2B5EF4-FFF2-40B4-BE49-F238E27FC236}">
+                <a16:creationId xmlns:a16="http://schemas.microsoft.com/office/drawing/2014/main" id="{AE2DC23E-2F66-46FB-ABDF-F8A37962FCDF}"/>
+              </a:ext>
+            </a:extLst>
+          </p:cNvPr>
+          <p:cNvSpPr txBox="1"/>
+          <p:nvPr/>
+        </p:nvSpPr>
+        <p:spPr>
+          <a:xfrm>
+            <a:off x="3498028" y="3007614"/>
+            <a:ext cx="1247887" cy="369332"/>
+          </a:xfrm>
+          <a:prstGeom prst="rect">
+            <a:avLst/>
+          </a:prstGeom>
+          <a:noFill/>
+        </p:spPr>
+        <p:txBody>
+          <a:bodyPr wrap="square" rtlCol="0">
+            <a:spAutoFit/>
+          </a:bodyPr>
+          <a:lstStyle/>
+          <a:p>
+            <a:r>
+              <a:rPr lang="en-US" dirty="0"/>
+              <a:t>Button 0,0</a:t>
+            </a:r>
+          </a:p>
+        </p:txBody>
+      </p:sp>
+    </p:spTree>
+    <p:extLst>
+      <p:ext uri="{BB962C8B-B14F-4D97-AF65-F5344CB8AC3E}">
+        <p14:creationId xmlns:p14="http://schemas.microsoft.com/office/powerpoint/2010/main" val="656649913"/>
+      </p:ext>
+    </p:extLst>
+  </p:cSld>
+  <p:clrMapOvr>
+    <a:masterClrMapping/>
+  </p:clrMapOvr>
+</p:sld>
+</file>
+
+<file path=ppt/slides/slide6.xml><?xml version="1.0" encoding="utf-8"?>
+<p:sld xmlns:a="http://schemas.openxmlformats.org/drawingml/2006/main" xmlns:r="http://schemas.openxmlformats.org/officeDocument/2006/relationships" xmlns:p="http://schemas.openxmlformats.org/presentationml/2006/main">
+  <p:cSld>
+    <p:spTree>
+      <p:nvGrpSpPr>
+        <p:cNvPr id="1" name=""/>
+        <p:cNvGrpSpPr/>
+        <p:nvPr/>
+      </p:nvGrpSpPr>
+      <p:grpSpPr>
+        <a:xfrm>
+          <a:off x="0" y="0"/>
+          <a:ext cx="0" cy="0"/>
+          <a:chOff x="0" y="0"/>
+          <a:chExt cx="0" cy="0"/>
+        </a:xfrm>
+      </p:grpSpPr>
+      <p:sp>
+        <p:nvSpPr>
+          <p:cNvPr id="5" name="Title 1">
+            <a:extLst>
+              <a:ext uri="{FF2B5EF4-FFF2-40B4-BE49-F238E27FC236}">
+                <a16:creationId xmlns:a16="http://schemas.microsoft.com/office/drawing/2014/main" id="{FC894ABA-FA54-4F3A-B5B6-3D229426E91F}"/>
+              </a:ext>
+            </a:extLst>
+          </p:cNvPr>
+          <p:cNvSpPr txBox="1">
+            <a:spLocks/>
+          </p:cNvSpPr>
+          <p:nvPr/>
+        </p:nvSpPr>
+        <p:spPr>
+          <a:xfrm>
+            <a:off x="0" y="0"/>
+            <a:ext cx="10058400" cy="856304"/>
+          </a:xfrm>
+          <a:prstGeom prst="rect">
+            <a:avLst/>
+          </a:prstGeom>
+        </p:spPr>
+        <p:txBody>
+          <a:bodyPr vert="horz" lIns="91440" tIns="45720" rIns="91440" bIns="45720" rtlCol="0" anchor="ctr">
+            <a:normAutofit/>
+          </a:bodyPr>
+          <a:lstStyle>
+            <a:lvl1pPr algn="l" defTabSz="914400" rtl="0" eaLnBrk="1" latinLnBrk="0" hangingPunct="1">
+              <a:lnSpc>
+                <a:spcPct val="90000"/>
+              </a:lnSpc>
+              <a:spcBef>
+                <a:spcPct val="0"/>
+              </a:spcBef>
+              <a:buNone/>
+              <a:defRPr sz="5400" kern="1200" cap="all" baseline="0">
+                <a:blipFill>
+                  <a:blip r:embed="rId2">
+                    <a:extLst>
+                      <a:ext uri="{28A0092B-C50C-407E-A947-70E740481C1C}">
+                        <a14:useLocalDpi xmlns:a14="http://schemas.microsoft.com/office/drawing/2010/main" val="0"/>
+                      </a:ext>
+                    </a:extLst>
+                  </a:blip>
+                  <a:tile tx="6350" ty="-127000" sx="65000" sy="64000" flip="none" algn="tl"/>
+                </a:blipFill>
+                <a:latin typeface="+mj-lt"/>
+                <a:ea typeface="+mj-ea"/>
+                <a:cs typeface="+mj-cs"/>
+              </a:defRPr>
+            </a:lvl1pPr>
+          </a:lstStyle>
+          <a:p>
+            <a:r>
+              <a:rPr lang="en-US" dirty="0"/>
+              <a:t>Mockup</a:t>
+            </a:r>
+          </a:p>
+        </p:txBody>
+      </p:sp>
+      <p:sp>
+        <p:nvSpPr>
+          <p:cNvPr id="6" name="Rectangle 5">
+            <a:extLst>
+              <a:ext uri="{FF2B5EF4-FFF2-40B4-BE49-F238E27FC236}">
+                <a16:creationId xmlns:a16="http://schemas.microsoft.com/office/drawing/2014/main" id="{E9D231B2-49CB-43D0-B59F-137D4612EAD9}"/>
+              </a:ext>
+            </a:extLst>
+          </p:cNvPr>
+          <p:cNvSpPr/>
+          <p:nvPr/>
+        </p:nvSpPr>
+        <p:spPr>
+          <a:xfrm>
+            <a:off x="161013" y="1187382"/>
+            <a:ext cx="5880678" cy="3968076"/>
+          </a:xfrm>
+          <a:prstGeom prst="rect">
+            <a:avLst/>
+          </a:prstGeom>
+          <a:solidFill>
+            <a:schemeClr val="bg1">
+              <a:lumMod val="95000"/>
+            </a:schemeClr>
+          </a:solidFill>
+        </p:spPr>
+        <p:style>
+          <a:lnRef idx="2">
+            <a:schemeClr val="accent1">
+              <a:shade val="50000"/>
+            </a:schemeClr>
+          </a:lnRef>
+          <a:fillRef idx="1">
+            <a:schemeClr val="accent1"/>
+          </a:fillRef>
+          <a:effectRef idx="0">
+            <a:schemeClr val="accent1"/>
+          </a:effectRef>
+          <a:fontRef idx="minor">
+            <a:schemeClr val="lt1"/>
+          </a:fontRef>
+        </p:style>
+        <p:txBody>
+          <a:bodyPr rtlCol="0" anchor="ctr"/>
+          <a:lstStyle/>
+          <a:p>
+            <a:pPr algn="ctr"/>
+            <a:endParaRPr lang="en-US"/>
+          </a:p>
+        </p:txBody>
+      </p:sp>
+      <p:sp>
+        <p:nvSpPr>
+          <p:cNvPr id="8" name="TextBox 7">
+            <a:extLst>
+              <a:ext uri="{FF2B5EF4-FFF2-40B4-BE49-F238E27FC236}">
+                <a16:creationId xmlns:a16="http://schemas.microsoft.com/office/drawing/2014/main" id="{A2832347-2B00-4DCB-A00A-0079C5199813}"/>
+              </a:ext>
+            </a:extLst>
+          </p:cNvPr>
+          <p:cNvSpPr txBox="1"/>
+          <p:nvPr/>
+        </p:nvSpPr>
+        <p:spPr>
+          <a:xfrm>
+            <a:off x="161013" y="1202636"/>
             <a:ext cx="5893376" cy="369332"/>
           </a:xfrm>
           <a:prstGeom prst="rect">
@@ -5891,10 +6102,10 @@
       </p:sp>
       <p:sp>
         <p:nvSpPr>
-          <p:cNvPr id="30" name="TextBox 29">
-            <a:extLst>
-              <a:ext uri="{FF2B5EF4-FFF2-40B4-BE49-F238E27FC236}">
-                <a16:creationId xmlns:a16="http://schemas.microsoft.com/office/drawing/2014/main" id="{E7322B37-2956-4C19-A726-4F9BB26C2A98}"/>
+          <p:cNvPr id="13" name="TextBox 12">
+            <a:extLst>
+              <a:ext uri="{FF2B5EF4-FFF2-40B4-BE49-F238E27FC236}">
+                <a16:creationId xmlns:a16="http://schemas.microsoft.com/office/drawing/2014/main" id="{5490B115-92A8-45D6-835C-08D46B8C109E}"/>
               </a:ext>
             </a:extLst>
           </p:cNvPr>
@@ -5903,7 +6114,7 @@
         </p:nvSpPr>
         <p:spPr>
           <a:xfrm>
-            <a:off x="11740441" y="1202636"/>
+            <a:off x="5736889" y="1202636"/>
             <a:ext cx="304802" cy="369332"/>
           </a:xfrm>
           <a:prstGeom prst="rect">
@@ -5953,10 +6164,10 @@
       </p:sp>
       <p:sp>
         <p:nvSpPr>
-          <p:cNvPr id="31" name="TextBox 30">
-            <a:extLst>
-              <a:ext uri="{FF2B5EF4-FFF2-40B4-BE49-F238E27FC236}">
-                <a16:creationId xmlns:a16="http://schemas.microsoft.com/office/drawing/2014/main" id="{6767A2DB-B81B-41D3-8519-036E662E9D2C}"/>
+          <p:cNvPr id="14" name="TextBox 13">
+            <a:extLst>
+              <a:ext uri="{FF2B5EF4-FFF2-40B4-BE49-F238E27FC236}">
+                <a16:creationId xmlns:a16="http://schemas.microsoft.com/office/drawing/2014/main" id="{375F22A3-DF50-4CF1-96D0-1D67923AF678}"/>
               </a:ext>
             </a:extLst>
           </p:cNvPr>
@@ -5965,7 +6176,7 @@
         </p:nvSpPr>
         <p:spPr>
           <a:xfrm>
-            <a:off x="11435639" y="1202636"/>
+            <a:off x="5432087" y="1202636"/>
             <a:ext cx="304802" cy="369332"/>
           </a:xfrm>
           <a:prstGeom prst="rect">
@@ -6017,12 +6228,54 @@
           </a:p>
         </p:txBody>
       </p:sp>
-      <p:sp>
-        <p:nvSpPr>
-          <p:cNvPr id="32" name="TextBox 31">
-            <a:extLst>
-              <a:ext uri="{FF2B5EF4-FFF2-40B4-BE49-F238E27FC236}">
-                <a16:creationId xmlns:a16="http://schemas.microsoft.com/office/drawing/2014/main" id="{0AC0011B-FC60-4F16-9ABA-AB486250B8FA}"/>
+      <p:pic>
+        <p:nvPicPr>
+          <p:cNvPr id="20" name="Picture 19">
+            <a:extLst>
+              <a:ext uri="{FF2B5EF4-FFF2-40B4-BE49-F238E27FC236}">
+                <a16:creationId xmlns:a16="http://schemas.microsoft.com/office/drawing/2014/main" id="{DDD02FB1-A8EA-487F-A69F-DD0FA6E27FC0}"/>
+              </a:ext>
+            </a:extLst>
+          </p:cNvPr>
+          <p:cNvPicPr>
+            <a:picLocks noChangeAspect="1"/>
+          </p:cNvPicPr>
+          <p:nvPr/>
+        </p:nvPicPr>
+        <p:blipFill rotWithShape="1">
+          <a:blip r:embed="rId3">
+            <a:duotone>
+              <a:schemeClr val="bg2">
+                <a:shade val="45000"/>
+                <a:satMod val="135000"/>
+              </a:schemeClr>
+              <a:prstClr val="white"/>
+            </a:duotone>
+          </a:blip>
+          <a:srcRect b="41546"/>
+          <a:stretch/>
+        </p:blipFill>
+        <p:spPr>
+          <a:xfrm>
+            <a:off x="511062" y="2494190"/>
+            <a:ext cx="3210373" cy="2238564"/>
+          </a:xfrm>
+          <a:prstGeom prst="rect">
+            <a:avLst/>
+          </a:prstGeom>
+          <a:ln>
+            <a:solidFill>
+              <a:schemeClr val="tx1"/>
+            </a:solidFill>
+          </a:ln>
+        </p:spPr>
+      </p:pic>
+      <p:sp>
+        <p:nvSpPr>
+          <p:cNvPr id="21" name="TextBox 20">
+            <a:extLst>
+              <a:ext uri="{FF2B5EF4-FFF2-40B4-BE49-F238E27FC236}">
+                <a16:creationId xmlns:a16="http://schemas.microsoft.com/office/drawing/2014/main" id="{5A97E61E-2135-4A34-A99A-39FBF7163FE4}"/>
               </a:ext>
             </a:extLst>
           </p:cNvPr>
@@ -6031,7 +6284,7 @@
         </p:nvSpPr>
         <p:spPr>
           <a:xfrm>
-            <a:off x="6164565" y="1576076"/>
+            <a:off x="161013" y="1576076"/>
             <a:ext cx="5893376" cy="338554"/>
           </a:xfrm>
           <a:prstGeom prst="rect">
@@ -6057,59 +6310,105 @@
           </a:p>
         </p:txBody>
       </p:sp>
-      <p:sp>
-        <p:nvSpPr>
-          <p:cNvPr id="33" name="TextBox 32">
-            <a:extLst>
-              <a:ext uri="{FF2B5EF4-FFF2-40B4-BE49-F238E27FC236}">
-                <a16:creationId xmlns:a16="http://schemas.microsoft.com/office/drawing/2014/main" id="{C90F8FE2-E177-4E81-8DD8-BF1307BEB633}"/>
-              </a:ext>
-            </a:extLst>
-          </p:cNvPr>
-          <p:cNvSpPr txBox="1"/>
-          <p:nvPr/>
-        </p:nvSpPr>
-        <p:spPr>
-          <a:xfrm>
-            <a:off x="7890357" y="3155361"/>
-            <a:ext cx="2269643" cy="338554"/>
+      <p:pic>
+        <p:nvPicPr>
+          <p:cNvPr id="3" name="Picture 2">
+            <a:extLst>
+              <a:ext uri="{FF2B5EF4-FFF2-40B4-BE49-F238E27FC236}">
+                <a16:creationId xmlns:a16="http://schemas.microsoft.com/office/drawing/2014/main" id="{70390C14-DAF8-42F9-8756-DC71574D9E73}"/>
+              </a:ext>
+            </a:extLst>
+          </p:cNvPr>
+          <p:cNvPicPr>
+            <a:picLocks noChangeAspect="1"/>
+          </p:cNvPicPr>
+          <p:nvPr/>
+        </p:nvPicPr>
+        <p:blipFill rotWithShape="1">
+          <a:blip r:embed="rId4">
+            <a:duotone>
+              <a:schemeClr val="bg2">
+                <a:shade val="45000"/>
+                <a:satMod val="135000"/>
+              </a:schemeClr>
+              <a:prstClr val="white"/>
+            </a:duotone>
+          </a:blip>
+          <a:srcRect b="12341"/>
+          <a:stretch/>
+        </p:blipFill>
+        <p:spPr>
+          <a:xfrm>
+            <a:off x="504666" y="2723066"/>
+            <a:ext cx="3210373" cy="2017105"/>
           </a:xfrm>
           <a:prstGeom prst="rect">
             <a:avLst/>
           </a:prstGeom>
-          <a:noFill/>
           <a:ln>
             <a:solidFill>
               <a:schemeClr val="tx1"/>
             </a:solidFill>
           </a:ln>
         </p:spPr>
-        <p:txBody>
-          <a:bodyPr wrap="square" rtlCol="0">
-            <a:spAutoFit/>
-          </a:bodyPr>
-          <a:lstStyle/>
-          <a:p>
-            <a:r>
-              <a:rPr lang="en-US" sz="1600" dirty="0">
-                <a:solidFill>
-                  <a:schemeClr val="tx2">
-                    <a:lumMod val="60000"/>
-                    <a:lumOff val="40000"/>
-                  </a:schemeClr>
-                </a:solidFill>
-              </a:rPr>
-              <a:t>Password</a:t>
-            </a:r>
-          </a:p>
-        </p:txBody>
-      </p:sp>
-      <p:sp>
-        <p:nvSpPr>
-          <p:cNvPr id="34" name="TextBox 33">
-            <a:extLst>
-              <a:ext uri="{FF2B5EF4-FFF2-40B4-BE49-F238E27FC236}">
-                <a16:creationId xmlns:a16="http://schemas.microsoft.com/office/drawing/2014/main" id="{FFEC671F-B769-40F5-9729-E786804747BE}"/>
+      </p:pic>
+      <p:sp>
+        <p:nvSpPr>
+          <p:cNvPr id="28" name="Rectangle 27">
+            <a:extLst>
+              <a:ext uri="{FF2B5EF4-FFF2-40B4-BE49-F238E27FC236}">
+                <a16:creationId xmlns:a16="http://schemas.microsoft.com/office/drawing/2014/main" id="{8CC9708E-8CC4-45F7-A278-59F0CE636E30}"/>
+              </a:ext>
+            </a:extLst>
+          </p:cNvPr>
+          <p:cNvSpPr/>
+          <p:nvPr/>
+        </p:nvSpPr>
+        <p:spPr>
+          <a:xfrm>
+            <a:off x="6164565" y="1187382"/>
+            <a:ext cx="5880678" cy="3968076"/>
+          </a:xfrm>
+          <a:prstGeom prst="rect">
+            <a:avLst/>
+          </a:prstGeom>
+          <a:solidFill>
+            <a:schemeClr val="bg1">
+              <a:lumMod val="95000"/>
+            </a:schemeClr>
+          </a:solidFill>
+        </p:spPr>
+        <p:style>
+          <a:lnRef idx="2">
+            <a:schemeClr val="accent1">
+              <a:shade val="50000"/>
+            </a:schemeClr>
+          </a:lnRef>
+          <a:fillRef idx="1">
+            <a:schemeClr val="accent1"/>
+          </a:fillRef>
+          <a:effectRef idx="0">
+            <a:schemeClr val="accent1"/>
+          </a:effectRef>
+          <a:fontRef idx="minor">
+            <a:schemeClr val="lt1"/>
+          </a:fontRef>
+        </p:style>
+        <p:txBody>
+          <a:bodyPr rtlCol="0" anchor="ctr"/>
+          <a:lstStyle/>
+          <a:p>
+            <a:pPr algn="ctr"/>
+            <a:endParaRPr lang="en-US"/>
+          </a:p>
+        </p:txBody>
+      </p:sp>
+      <p:sp>
+        <p:nvSpPr>
+          <p:cNvPr id="29" name="TextBox 28">
+            <a:extLst>
+              <a:ext uri="{FF2B5EF4-FFF2-40B4-BE49-F238E27FC236}">
+                <a16:creationId xmlns:a16="http://schemas.microsoft.com/office/drawing/2014/main" id="{7E2ABC58-74C7-4C8C-828C-EE3211B0ACCF}"/>
               </a:ext>
             </a:extLst>
           </p:cNvPr>
@@ -6118,13 +6417,18 @@
         </p:nvSpPr>
         <p:spPr>
           <a:xfrm>
-            <a:off x="7890357" y="2697251"/>
-            <a:ext cx="2269643" cy="338554"/>
+            <a:off x="6164565" y="1202636"/>
+            <a:ext cx="5893376" cy="369332"/>
           </a:xfrm>
           <a:prstGeom prst="rect">
             <a:avLst/>
           </a:prstGeom>
-          <a:noFill/>
+          <a:solidFill>
+            <a:schemeClr val="tx2">
+              <a:lumMod val="40000"/>
+              <a:lumOff val="60000"/>
+            </a:schemeClr>
+          </a:solidFill>
           <a:ln>
             <a:solidFill>
               <a:schemeClr val="tx1"/>
@@ -6138,25 +6442,18 @@
           <a:lstStyle/>
           <a:p>
             <a:r>
-              <a:rPr lang="en-US" sz="1600" dirty="0">
-                <a:solidFill>
-                  <a:schemeClr val="tx2">
-                    <a:lumMod val="60000"/>
-                    <a:lumOff val="40000"/>
-                  </a:schemeClr>
-                </a:solidFill>
-              </a:rPr>
-              <a:t>Username</a:t>
-            </a:r>
-          </a:p>
-        </p:txBody>
-      </p:sp>
-      <p:sp>
-        <p:nvSpPr>
-          <p:cNvPr id="35" name="TextBox 34">
-            <a:extLst>
-              <a:ext uri="{FF2B5EF4-FFF2-40B4-BE49-F238E27FC236}">
-                <a16:creationId xmlns:a16="http://schemas.microsoft.com/office/drawing/2014/main" id="{3CBCA75F-EC6A-4989-BAFC-4330ADE0E1B6}"/>
+              <a:rPr lang="en-US" dirty="0"/>
+              <a:t>TACM: Task and Charging Manager</a:t>
+            </a:r>
+          </a:p>
+        </p:txBody>
+      </p:sp>
+      <p:sp>
+        <p:nvSpPr>
+          <p:cNvPr id="30" name="TextBox 29">
+            <a:extLst>
+              <a:ext uri="{FF2B5EF4-FFF2-40B4-BE49-F238E27FC236}">
+                <a16:creationId xmlns:a16="http://schemas.microsoft.com/office/drawing/2014/main" id="{E7322B37-2956-4C19-A726-4F9BB26C2A98}"/>
               </a:ext>
             </a:extLst>
           </p:cNvPr>
@@ -6165,8 +6462,70 @@
         </p:nvSpPr>
         <p:spPr>
           <a:xfrm>
-            <a:off x="7492004" y="3681910"/>
-            <a:ext cx="1612900" cy="307777"/>
+            <a:off x="11740441" y="1202636"/>
+            <a:ext cx="304802" cy="369332"/>
+          </a:xfrm>
+          <a:prstGeom prst="rect">
+            <a:avLst/>
+          </a:prstGeom>
+          <a:gradFill flip="none" rotWithShape="1">
+            <a:gsLst>
+              <a:gs pos="83000">
+                <a:schemeClr val="bg1">
+                  <a:lumMod val="95000"/>
+                </a:schemeClr>
+              </a:gs>
+              <a:gs pos="57000">
+                <a:srgbClr val="FF94A1"/>
+              </a:gs>
+              <a:gs pos="100000">
+                <a:srgbClr val="FF94A1"/>
+              </a:gs>
+            </a:gsLst>
+            <a:lin ang="16200000" scaled="1"/>
+            <a:tileRect/>
+          </a:gradFill>
+          <a:effectLst>
+            <a:softEdge rad="0"/>
+          </a:effectLst>
+          <a:scene3d>
+            <a:camera prst="orthographicFront"/>
+            <a:lightRig rig="threePt" dir="t"/>
+          </a:scene3d>
+          <a:sp3d>
+            <a:bevelT/>
+          </a:sp3d>
+        </p:spPr>
+        <p:txBody>
+          <a:bodyPr wrap="square" rtlCol="0">
+            <a:spAutoFit/>
+          </a:bodyPr>
+          <a:lstStyle/>
+          <a:p>
+            <a:pPr algn="ctr"/>
+            <a:r>
+              <a:rPr lang="en-US" dirty="0"/>
+              <a:t>X</a:t>
+            </a:r>
+          </a:p>
+        </p:txBody>
+      </p:sp>
+      <p:sp>
+        <p:nvSpPr>
+          <p:cNvPr id="31" name="TextBox 30">
+            <a:extLst>
+              <a:ext uri="{FF2B5EF4-FFF2-40B4-BE49-F238E27FC236}">
+                <a16:creationId xmlns:a16="http://schemas.microsoft.com/office/drawing/2014/main" id="{6767A2DB-B81B-41D3-8519-036E662E9D2C}"/>
+              </a:ext>
+            </a:extLst>
+          </p:cNvPr>
+          <p:cNvSpPr txBox="1"/>
+          <p:nvPr/>
+        </p:nvSpPr>
+        <p:spPr>
+          <a:xfrm>
+            <a:off x="11435639" y="1202636"/>
+            <a:ext cx="304802" cy="369332"/>
           </a:xfrm>
           <a:prstGeom prst="rect">
             <a:avLst/>
@@ -6211,18 +6570,18 @@
           <a:p>
             <a:pPr algn="ctr"/>
             <a:r>
-              <a:rPr lang="en-US" sz="1400" dirty="0"/>
-              <a:t>Login</a:t>
-            </a:r>
-          </a:p>
-        </p:txBody>
-      </p:sp>
-      <p:sp>
-        <p:nvSpPr>
-          <p:cNvPr id="36" name="TextBox 35">
-            <a:extLst>
-              <a:ext uri="{FF2B5EF4-FFF2-40B4-BE49-F238E27FC236}">
-                <a16:creationId xmlns:a16="http://schemas.microsoft.com/office/drawing/2014/main" id="{012B3943-0A61-4B85-9921-2830E7A319FD}"/>
+              <a:rPr lang="en-US" dirty="0"/>
+              <a:t>_</a:t>
+            </a:r>
+          </a:p>
+        </p:txBody>
+      </p:sp>
+      <p:sp>
+        <p:nvSpPr>
+          <p:cNvPr id="32" name="TextBox 31">
+            <a:extLst>
+              <a:ext uri="{FF2B5EF4-FFF2-40B4-BE49-F238E27FC236}">
+                <a16:creationId xmlns:a16="http://schemas.microsoft.com/office/drawing/2014/main" id="{0AC0011B-FC60-4F16-9ABA-AB486250B8FA}"/>
               </a:ext>
             </a:extLst>
           </p:cNvPr>
@@ -6231,7 +6590,141 @@
         </p:nvSpPr>
         <p:spPr>
           <a:xfrm>
-            <a:off x="9231725" y="3681910"/>
+            <a:off x="6164565" y="1576076"/>
+            <a:ext cx="5893376" cy="338554"/>
+          </a:xfrm>
+          <a:prstGeom prst="rect">
+            <a:avLst/>
+          </a:prstGeom>
+          <a:noFill/>
+          <a:ln>
+            <a:solidFill>
+              <a:schemeClr val="tx1"/>
+            </a:solidFill>
+          </a:ln>
+        </p:spPr>
+        <p:txBody>
+          <a:bodyPr wrap="square" rtlCol="0">
+            <a:spAutoFit/>
+          </a:bodyPr>
+          <a:lstStyle/>
+          <a:p>
+            <a:r>
+              <a:rPr lang="en-US" sz="1600" dirty="0"/>
+              <a:t>File  Edit   Help</a:t>
+            </a:r>
+          </a:p>
+        </p:txBody>
+      </p:sp>
+      <p:sp>
+        <p:nvSpPr>
+          <p:cNvPr id="33" name="TextBox 32">
+            <a:extLst>
+              <a:ext uri="{FF2B5EF4-FFF2-40B4-BE49-F238E27FC236}">
+                <a16:creationId xmlns:a16="http://schemas.microsoft.com/office/drawing/2014/main" id="{C90F8FE2-E177-4E81-8DD8-BF1307BEB633}"/>
+              </a:ext>
+            </a:extLst>
+          </p:cNvPr>
+          <p:cNvSpPr txBox="1"/>
+          <p:nvPr/>
+        </p:nvSpPr>
+        <p:spPr>
+          <a:xfrm>
+            <a:off x="7890357" y="3155361"/>
+            <a:ext cx="2269643" cy="338554"/>
+          </a:xfrm>
+          <a:prstGeom prst="rect">
+            <a:avLst/>
+          </a:prstGeom>
+          <a:noFill/>
+          <a:ln>
+            <a:solidFill>
+              <a:schemeClr val="tx1"/>
+            </a:solidFill>
+          </a:ln>
+        </p:spPr>
+        <p:txBody>
+          <a:bodyPr wrap="square" rtlCol="0">
+            <a:spAutoFit/>
+          </a:bodyPr>
+          <a:lstStyle/>
+          <a:p>
+            <a:r>
+              <a:rPr lang="en-US" sz="1600" dirty="0">
+                <a:solidFill>
+                  <a:schemeClr val="tx2">
+                    <a:lumMod val="60000"/>
+                    <a:lumOff val="40000"/>
+                  </a:schemeClr>
+                </a:solidFill>
+              </a:rPr>
+              <a:t>Password</a:t>
+            </a:r>
+          </a:p>
+        </p:txBody>
+      </p:sp>
+      <p:sp>
+        <p:nvSpPr>
+          <p:cNvPr id="34" name="TextBox 33">
+            <a:extLst>
+              <a:ext uri="{FF2B5EF4-FFF2-40B4-BE49-F238E27FC236}">
+                <a16:creationId xmlns:a16="http://schemas.microsoft.com/office/drawing/2014/main" id="{FFEC671F-B769-40F5-9729-E786804747BE}"/>
+              </a:ext>
+            </a:extLst>
+          </p:cNvPr>
+          <p:cNvSpPr txBox="1"/>
+          <p:nvPr/>
+        </p:nvSpPr>
+        <p:spPr>
+          <a:xfrm>
+            <a:off x="7890357" y="2697251"/>
+            <a:ext cx="2269643" cy="338554"/>
+          </a:xfrm>
+          <a:prstGeom prst="rect">
+            <a:avLst/>
+          </a:prstGeom>
+          <a:noFill/>
+          <a:ln>
+            <a:solidFill>
+              <a:schemeClr val="tx1"/>
+            </a:solidFill>
+          </a:ln>
+        </p:spPr>
+        <p:txBody>
+          <a:bodyPr wrap="square" rtlCol="0">
+            <a:spAutoFit/>
+          </a:bodyPr>
+          <a:lstStyle/>
+          <a:p>
+            <a:r>
+              <a:rPr lang="en-US" sz="1600" dirty="0">
+                <a:solidFill>
+                  <a:schemeClr val="tx2">
+                    <a:lumMod val="60000"/>
+                    <a:lumOff val="40000"/>
+                  </a:schemeClr>
+                </a:solidFill>
+              </a:rPr>
+              <a:t>Username</a:t>
+            </a:r>
+          </a:p>
+        </p:txBody>
+      </p:sp>
+      <p:sp>
+        <p:nvSpPr>
+          <p:cNvPr id="35" name="TextBox 34">
+            <a:extLst>
+              <a:ext uri="{FF2B5EF4-FFF2-40B4-BE49-F238E27FC236}">
+                <a16:creationId xmlns:a16="http://schemas.microsoft.com/office/drawing/2014/main" id="{3CBCA75F-EC6A-4989-BAFC-4330ADE0E1B6}"/>
+              </a:ext>
+            </a:extLst>
+          </p:cNvPr>
+          <p:cNvSpPr txBox="1"/>
+          <p:nvPr/>
+        </p:nvSpPr>
+        <p:spPr>
+          <a:xfrm>
+            <a:off x="7492004" y="3681910"/>
             <a:ext cx="1612900" cy="307777"/>
           </a:xfrm>
           <a:prstGeom prst="rect">
@@ -6278,17 +6771,17 @@
             <a:pPr algn="ctr"/>
             <a:r>
               <a:rPr lang="en-US" sz="1400" dirty="0"/>
-              <a:t>Create Account</a:t>
-            </a:r>
-          </a:p>
-        </p:txBody>
-      </p:sp>
-      <p:sp>
-        <p:nvSpPr>
-          <p:cNvPr id="37" name="TextBox 36">
-            <a:extLst>
-              <a:ext uri="{FF2B5EF4-FFF2-40B4-BE49-F238E27FC236}">
-                <a16:creationId xmlns:a16="http://schemas.microsoft.com/office/drawing/2014/main" id="{B98CD95C-3DAE-41F2-9F6B-5E2C99E9DFC9}"/>
+              <a:t>Login</a:t>
+            </a:r>
+          </a:p>
+        </p:txBody>
+      </p:sp>
+      <p:sp>
+        <p:nvSpPr>
+          <p:cNvPr id="36" name="TextBox 35">
+            <a:extLst>
+              <a:ext uri="{FF2B5EF4-FFF2-40B4-BE49-F238E27FC236}">
+                <a16:creationId xmlns:a16="http://schemas.microsoft.com/office/drawing/2014/main" id="{012B3943-0A61-4B85-9921-2830E7A319FD}"/>
               </a:ext>
             </a:extLst>
           </p:cNvPr>
@@ -6297,52 +6790,8 @@
         </p:nvSpPr>
         <p:spPr>
           <a:xfrm>
-            <a:off x="8570392" y="3989687"/>
-            <a:ext cx="2269643" cy="276999"/>
-          </a:xfrm>
-          <a:prstGeom prst="rect">
-            <a:avLst/>
-          </a:prstGeom>
-          <a:noFill/>
-          <a:ln>
-            <a:noFill/>
-          </a:ln>
-        </p:spPr>
-        <p:txBody>
-          <a:bodyPr wrap="square" rtlCol="0">
-            <a:spAutoFit/>
-          </a:bodyPr>
-          <a:lstStyle/>
-          <a:p>
-            <a:r>
-              <a:rPr lang="en-US" sz="1200" u="sng" dirty="0">
-                <a:solidFill>
-                  <a:schemeClr val="tx2">
-                    <a:lumMod val="50000"/>
-                  </a:schemeClr>
-                </a:solidFill>
-              </a:rPr>
-              <a:t>Forgot Password</a:t>
-            </a:r>
-          </a:p>
-        </p:txBody>
-      </p:sp>
-      <p:sp>
-        <p:nvSpPr>
-          <p:cNvPr id="38" name="TextBox 37">
-            <a:extLst>
-              <a:ext uri="{FF2B5EF4-FFF2-40B4-BE49-F238E27FC236}">
-                <a16:creationId xmlns:a16="http://schemas.microsoft.com/office/drawing/2014/main" id="{4EBB47FE-4727-4AAD-B90D-B90794E4E623}"/>
-              </a:ext>
-            </a:extLst>
-          </p:cNvPr>
-          <p:cNvSpPr txBox="1"/>
-          <p:nvPr/>
-        </p:nvSpPr>
-        <p:spPr>
-          <a:xfrm>
-            <a:off x="4123989" y="3089587"/>
-            <a:ext cx="1612900" cy="338554"/>
+            <a:off x="9231725" y="3681910"/>
+            <a:ext cx="1612900" cy="307777"/>
           </a:xfrm>
           <a:prstGeom prst="rect">
             <a:avLst/>
@@ -6387,6 +6836,116 @@
           <a:p>
             <a:pPr algn="ctr"/>
             <a:r>
+              <a:rPr lang="en-US" sz="1400" dirty="0"/>
+              <a:t>Create Account</a:t>
+            </a:r>
+          </a:p>
+        </p:txBody>
+      </p:sp>
+      <p:sp>
+        <p:nvSpPr>
+          <p:cNvPr id="37" name="TextBox 36">
+            <a:extLst>
+              <a:ext uri="{FF2B5EF4-FFF2-40B4-BE49-F238E27FC236}">
+                <a16:creationId xmlns:a16="http://schemas.microsoft.com/office/drawing/2014/main" id="{B98CD95C-3DAE-41F2-9F6B-5E2C99E9DFC9}"/>
+              </a:ext>
+            </a:extLst>
+          </p:cNvPr>
+          <p:cNvSpPr txBox="1"/>
+          <p:nvPr/>
+        </p:nvSpPr>
+        <p:spPr>
+          <a:xfrm>
+            <a:off x="8570392" y="3989687"/>
+            <a:ext cx="2269643" cy="276999"/>
+          </a:xfrm>
+          <a:prstGeom prst="rect">
+            <a:avLst/>
+          </a:prstGeom>
+          <a:noFill/>
+          <a:ln>
+            <a:noFill/>
+          </a:ln>
+        </p:spPr>
+        <p:txBody>
+          <a:bodyPr wrap="square" rtlCol="0">
+            <a:spAutoFit/>
+          </a:bodyPr>
+          <a:lstStyle/>
+          <a:p>
+            <a:r>
+              <a:rPr lang="en-US" sz="1200" u="sng" dirty="0">
+                <a:solidFill>
+                  <a:schemeClr val="tx2">
+                    <a:lumMod val="50000"/>
+                  </a:schemeClr>
+                </a:solidFill>
+              </a:rPr>
+              <a:t>Forgot Password</a:t>
+            </a:r>
+          </a:p>
+        </p:txBody>
+      </p:sp>
+      <p:sp>
+        <p:nvSpPr>
+          <p:cNvPr id="38" name="TextBox 37">
+            <a:extLst>
+              <a:ext uri="{FF2B5EF4-FFF2-40B4-BE49-F238E27FC236}">
+                <a16:creationId xmlns:a16="http://schemas.microsoft.com/office/drawing/2014/main" id="{4EBB47FE-4727-4AAD-B90D-B90794E4E623}"/>
+              </a:ext>
+            </a:extLst>
+          </p:cNvPr>
+          <p:cNvSpPr txBox="1"/>
+          <p:nvPr/>
+        </p:nvSpPr>
+        <p:spPr>
+          <a:xfrm>
+            <a:off x="4123989" y="3089587"/>
+            <a:ext cx="1612900" cy="338554"/>
+          </a:xfrm>
+          <a:prstGeom prst="rect">
+            <a:avLst/>
+          </a:prstGeom>
+          <a:gradFill flip="none" rotWithShape="1">
+            <a:gsLst>
+              <a:gs pos="93000">
+                <a:schemeClr val="bg1">
+                  <a:lumMod val="95000"/>
+                </a:schemeClr>
+              </a:gs>
+              <a:gs pos="81000">
+                <a:schemeClr val="bg2">
+                  <a:lumMod val="90000"/>
+                </a:schemeClr>
+              </a:gs>
+              <a:gs pos="100000">
+                <a:schemeClr val="bg2">
+                  <a:lumMod val="90000"/>
+                </a:schemeClr>
+              </a:gs>
+            </a:gsLst>
+            <a:lin ang="16200000" scaled="1"/>
+            <a:tileRect/>
+          </a:gradFill>
+          <a:effectLst>
+            <a:softEdge rad="0"/>
+          </a:effectLst>
+          <a:scene3d>
+            <a:camera prst="orthographicFront"/>
+            <a:lightRig rig="threePt" dir="t"/>
+          </a:scene3d>
+          <a:sp3d>
+            <a:bevelT/>
+          </a:sp3d>
+        </p:spPr>
+        <p:txBody>
+          <a:bodyPr wrap="square" rtlCol="0">
+            <a:spAutoFit/>
+          </a:bodyPr>
+          <a:lstStyle/>
+          <a:p>
+            <a:pPr algn="ctr"/>
+            <a:r>
               <a:rPr lang="en-US" sz="1600" dirty="0"/>
               <a:t>New Day</a:t>
             </a:r>
@@ -6406,7 +6965,3921 @@
 </p:sld>
 </file>
 
-<file path=ppt/slides/slide6.xml><?xml version="1.0" encoding="utf-8"?>
+<file path=ppt/slides/slide7.xml><?xml version="1.0" encoding="utf-8"?>
+<p:sld xmlns:a="http://schemas.openxmlformats.org/drawingml/2006/main" xmlns:r="http://schemas.openxmlformats.org/officeDocument/2006/relationships" xmlns:p="http://schemas.openxmlformats.org/presentationml/2006/main">
+  <p:cSld>
+    <p:spTree>
+      <p:nvGrpSpPr>
+        <p:cNvPr id="1" name=""/>
+        <p:cNvGrpSpPr/>
+        <p:nvPr/>
+      </p:nvGrpSpPr>
+      <p:grpSpPr>
+        <a:xfrm>
+          <a:off x="0" y="0"/>
+          <a:ext cx="0" cy="0"/>
+          <a:chOff x="0" y="0"/>
+          <a:chExt cx="0" cy="0"/>
+        </a:xfrm>
+      </p:grpSpPr>
+      <p:sp>
+        <p:nvSpPr>
+          <p:cNvPr id="69" name="Rectangle 68">
+            <a:extLst>
+              <a:ext uri="{FF2B5EF4-FFF2-40B4-BE49-F238E27FC236}">
+                <a16:creationId xmlns:a16="http://schemas.microsoft.com/office/drawing/2014/main" id="{B426382A-94F4-4AAC-A29A-4C6058705D63}"/>
+              </a:ext>
+            </a:extLst>
+          </p:cNvPr>
+          <p:cNvSpPr/>
+          <p:nvPr/>
+        </p:nvSpPr>
+        <p:spPr>
+          <a:xfrm>
+            <a:off x="105377" y="1233860"/>
+            <a:ext cx="5907630" cy="4210775"/>
+          </a:xfrm>
+          <a:prstGeom prst="rect">
+            <a:avLst/>
+          </a:prstGeom>
+          <a:solidFill>
+            <a:schemeClr val="bg1">
+              <a:lumMod val="95000"/>
+            </a:schemeClr>
+          </a:solidFill>
+          <a:ln>
+            <a:solidFill>
+              <a:schemeClr val="tx1"/>
+            </a:solidFill>
+          </a:ln>
+        </p:spPr>
+        <p:style>
+          <a:lnRef idx="2">
+            <a:schemeClr val="accent1">
+              <a:shade val="50000"/>
+            </a:schemeClr>
+          </a:lnRef>
+          <a:fillRef idx="1">
+            <a:schemeClr val="accent1"/>
+          </a:fillRef>
+          <a:effectRef idx="0">
+            <a:schemeClr val="accent1"/>
+          </a:effectRef>
+          <a:fontRef idx="minor">
+            <a:schemeClr val="lt1"/>
+          </a:fontRef>
+        </p:style>
+        <p:txBody>
+          <a:bodyPr rtlCol="0" anchor="ctr"/>
+          <a:lstStyle/>
+          <a:p>
+            <a:pPr algn="ctr"/>
+            <a:endParaRPr lang="en-US"/>
+          </a:p>
+        </p:txBody>
+      </p:sp>
+      <p:sp>
+        <p:nvSpPr>
+          <p:cNvPr id="5" name="Title 1">
+            <a:extLst>
+              <a:ext uri="{FF2B5EF4-FFF2-40B4-BE49-F238E27FC236}">
+                <a16:creationId xmlns:a16="http://schemas.microsoft.com/office/drawing/2014/main" id="{FC894ABA-FA54-4F3A-B5B6-3D229426E91F}"/>
+              </a:ext>
+            </a:extLst>
+          </p:cNvPr>
+          <p:cNvSpPr txBox="1">
+            <a:spLocks/>
+          </p:cNvSpPr>
+          <p:nvPr/>
+        </p:nvSpPr>
+        <p:spPr>
+          <a:xfrm>
+            <a:off x="0" y="0"/>
+            <a:ext cx="10058400" cy="856304"/>
+          </a:xfrm>
+          <a:prstGeom prst="rect">
+            <a:avLst/>
+          </a:prstGeom>
+        </p:spPr>
+        <p:txBody>
+          <a:bodyPr vert="horz" lIns="91440" tIns="45720" rIns="91440" bIns="45720" rtlCol="0" anchor="ctr">
+            <a:normAutofit/>
+          </a:bodyPr>
+          <a:lstStyle>
+            <a:lvl1pPr algn="l" defTabSz="914400" rtl="0" eaLnBrk="1" latinLnBrk="0" hangingPunct="1">
+              <a:lnSpc>
+                <a:spcPct val="90000"/>
+              </a:lnSpc>
+              <a:spcBef>
+                <a:spcPct val="0"/>
+              </a:spcBef>
+              <a:buNone/>
+              <a:defRPr sz="5400" kern="1200" cap="all" baseline="0">
+                <a:blipFill>
+                  <a:blip r:embed="rId2">
+                    <a:extLst>
+                      <a:ext uri="{28A0092B-C50C-407E-A947-70E740481C1C}">
+                        <a14:useLocalDpi xmlns:a14="http://schemas.microsoft.com/office/drawing/2010/main" val="0"/>
+                      </a:ext>
+                    </a:extLst>
+                  </a:blip>
+                  <a:tile tx="6350" ty="-127000" sx="65000" sy="64000" flip="none" algn="tl"/>
+                </a:blipFill>
+                <a:latin typeface="+mj-lt"/>
+                <a:ea typeface="+mj-ea"/>
+                <a:cs typeface="+mj-cs"/>
+              </a:defRPr>
+            </a:lvl1pPr>
+          </a:lstStyle>
+          <a:p>
+            <a:r>
+              <a:rPr lang="en-US" dirty="0"/>
+              <a:t>Mockup</a:t>
+            </a:r>
+          </a:p>
+        </p:txBody>
+      </p:sp>
+      <p:sp>
+        <p:nvSpPr>
+          <p:cNvPr id="28" name="Rectangle 27">
+            <a:extLst>
+              <a:ext uri="{FF2B5EF4-FFF2-40B4-BE49-F238E27FC236}">
+                <a16:creationId xmlns:a16="http://schemas.microsoft.com/office/drawing/2014/main" id="{8CC9708E-8CC4-45F7-A278-59F0CE636E30}"/>
+              </a:ext>
+            </a:extLst>
+          </p:cNvPr>
+          <p:cNvSpPr/>
+          <p:nvPr/>
+        </p:nvSpPr>
+        <p:spPr>
+          <a:xfrm>
+            <a:off x="6137613" y="1211078"/>
+            <a:ext cx="5907630" cy="4210775"/>
+          </a:xfrm>
+          <a:prstGeom prst="rect">
+            <a:avLst/>
+          </a:prstGeom>
+          <a:solidFill>
+            <a:schemeClr val="bg1">
+              <a:lumMod val="95000"/>
+            </a:schemeClr>
+          </a:solidFill>
+          <a:ln>
+            <a:solidFill>
+              <a:schemeClr val="tx1"/>
+            </a:solidFill>
+          </a:ln>
+        </p:spPr>
+        <p:style>
+          <a:lnRef idx="2">
+            <a:schemeClr val="accent1">
+              <a:shade val="50000"/>
+            </a:schemeClr>
+          </a:lnRef>
+          <a:fillRef idx="1">
+            <a:schemeClr val="accent1"/>
+          </a:fillRef>
+          <a:effectRef idx="0">
+            <a:schemeClr val="accent1"/>
+          </a:effectRef>
+          <a:fontRef idx="minor">
+            <a:schemeClr val="lt1"/>
+          </a:fontRef>
+        </p:style>
+        <p:txBody>
+          <a:bodyPr rtlCol="0" anchor="ctr"/>
+          <a:lstStyle/>
+          <a:p>
+            <a:pPr algn="ctr"/>
+            <a:endParaRPr lang="en-US"/>
+          </a:p>
+        </p:txBody>
+      </p:sp>
+      <p:sp>
+        <p:nvSpPr>
+          <p:cNvPr id="29" name="TextBox 28">
+            <a:extLst>
+              <a:ext uri="{FF2B5EF4-FFF2-40B4-BE49-F238E27FC236}">
+                <a16:creationId xmlns:a16="http://schemas.microsoft.com/office/drawing/2014/main" id="{7E2ABC58-74C7-4C8C-828C-EE3211B0ACCF}"/>
+              </a:ext>
+            </a:extLst>
+          </p:cNvPr>
+          <p:cNvSpPr txBox="1"/>
+          <p:nvPr/>
+        </p:nvSpPr>
+        <p:spPr>
+          <a:xfrm>
+            <a:off x="6164565" y="1202636"/>
+            <a:ext cx="5893376" cy="369332"/>
+          </a:xfrm>
+          <a:prstGeom prst="rect">
+            <a:avLst/>
+          </a:prstGeom>
+          <a:solidFill>
+            <a:schemeClr val="tx2">
+              <a:lumMod val="40000"/>
+              <a:lumOff val="60000"/>
+            </a:schemeClr>
+          </a:solidFill>
+          <a:ln>
+            <a:solidFill>
+              <a:schemeClr val="tx1"/>
+            </a:solidFill>
+          </a:ln>
+        </p:spPr>
+        <p:txBody>
+          <a:bodyPr wrap="square" rtlCol="0">
+            <a:spAutoFit/>
+          </a:bodyPr>
+          <a:lstStyle/>
+          <a:p>
+            <a:r>
+              <a:rPr lang="en-US" dirty="0"/>
+              <a:t>TACM: Task and Charging Manager</a:t>
+            </a:r>
+          </a:p>
+        </p:txBody>
+      </p:sp>
+      <p:sp>
+        <p:nvSpPr>
+          <p:cNvPr id="30" name="TextBox 29">
+            <a:extLst>
+              <a:ext uri="{FF2B5EF4-FFF2-40B4-BE49-F238E27FC236}">
+                <a16:creationId xmlns:a16="http://schemas.microsoft.com/office/drawing/2014/main" id="{E7322B37-2956-4C19-A726-4F9BB26C2A98}"/>
+              </a:ext>
+            </a:extLst>
+          </p:cNvPr>
+          <p:cNvSpPr txBox="1"/>
+          <p:nvPr/>
+        </p:nvSpPr>
+        <p:spPr>
+          <a:xfrm>
+            <a:off x="11740441" y="1202636"/>
+            <a:ext cx="304802" cy="369332"/>
+          </a:xfrm>
+          <a:prstGeom prst="rect">
+            <a:avLst/>
+          </a:prstGeom>
+          <a:gradFill flip="none" rotWithShape="1">
+            <a:gsLst>
+              <a:gs pos="83000">
+                <a:schemeClr val="bg1">
+                  <a:lumMod val="95000"/>
+                </a:schemeClr>
+              </a:gs>
+              <a:gs pos="57000">
+                <a:srgbClr val="FF94A1"/>
+              </a:gs>
+              <a:gs pos="100000">
+                <a:srgbClr val="FF94A1"/>
+              </a:gs>
+            </a:gsLst>
+            <a:lin ang="16200000" scaled="1"/>
+            <a:tileRect/>
+          </a:gradFill>
+          <a:effectLst>
+            <a:softEdge rad="0"/>
+          </a:effectLst>
+          <a:scene3d>
+            <a:camera prst="orthographicFront"/>
+            <a:lightRig rig="threePt" dir="t"/>
+          </a:scene3d>
+          <a:sp3d>
+            <a:bevelT/>
+          </a:sp3d>
+        </p:spPr>
+        <p:txBody>
+          <a:bodyPr wrap="square" rtlCol="0">
+            <a:spAutoFit/>
+          </a:bodyPr>
+          <a:lstStyle/>
+          <a:p>
+            <a:pPr algn="ctr"/>
+            <a:r>
+              <a:rPr lang="en-US" dirty="0"/>
+              <a:t>X</a:t>
+            </a:r>
+          </a:p>
+        </p:txBody>
+      </p:sp>
+      <p:sp>
+        <p:nvSpPr>
+          <p:cNvPr id="31" name="TextBox 30">
+            <a:extLst>
+              <a:ext uri="{FF2B5EF4-FFF2-40B4-BE49-F238E27FC236}">
+                <a16:creationId xmlns:a16="http://schemas.microsoft.com/office/drawing/2014/main" id="{6767A2DB-B81B-41D3-8519-036E662E9D2C}"/>
+              </a:ext>
+            </a:extLst>
+          </p:cNvPr>
+          <p:cNvSpPr txBox="1"/>
+          <p:nvPr/>
+        </p:nvSpPr>
+        <p:spPr>
+          <a:xfrm>
+            <a:off x="11435639" y="1202636"/>
+            <a:ext cx="304802" cy="369332"/>
+          </a:xfrm>
+          <a:prstGeom prst="rect">
+            <a:avLst/>
+          </a:prstGeom>
+          <a:gradFill flip="none" rotWithShape="1">
+            <a:gsLst>
+              <a:gs pos="93000">
+                <a:schemeClr val="bg1">
+                  <a:lumMod val="95000"/>
+                </a:schemeClr>
+              </a:gs>
+              <a:gs pos="81000">
+                <a:schemeClr val="bg2">
+                  <a:lumMod val="90000"/>
+                </a:schemeClr>
+              </a:gs>
+              <a:gs pos="100000">
+                <a:schemeClr val="bg2">
+                  <a:lumMod val="90000"/>
+                </a:schemeClr>
+              </a:gs>
+            </a:gsLst>
+            <a:lin ang="16200000" scaled="1"/>
+            <a:tileRect/>
+          </a:gradFill>
+          <a:effectLst>
+            <a:softEdge rad="0"/>
+          </a:effectLst>
+          <a:scene3d>
+            <a:camera prst="orthographicFront"/>
+            <a:lightRig rig="threePt" dir="t"/>
+          </a:scene3d>
+          <a:sp3d>
+            <a:bevelT/>
+          </a:sp3d>
+        </p:spPr>
+        <p:txBody>
+          <a:bodyPr wrap="square" rtlCol="0">
+            <a:spAutoFit/>
+          </a:bodyPr>
+          <a:lstStyle/>
+          <a:p>
+            <a:pPr algn="ctr"/>
+            <a:r>
+              <a:rPr lang="en-US" dirty="0"/>
+              <a:t>_</a:t>
+            </a:r>
+          </a:p>
+        </p:txBody>
+      </p:sp>
+      <p:sp>
+        <p:nvSpPr>
+          <p:cNvPr id="32" name="TextBox 31">
+            <a:extLst>
+              <a:ext uri="{FF2B5EF4-FFF2-40B4-BE49-F238E27FC236}">
+                <a16:creationId xmlns:a16="http://schemas.microsoft.com/office/drawing/2014/main" id="{0AC0011B-FC60-4F16-9ABA-AB486250B8FA}"/>
+              </a:ext>
+            </a:extLst>
+          </p:cNvPr>
+          <p:cNvSpPr txBox="1"/>
+          <p:nvPr/>
+        </p:nvSpPr>
+        <p:spPr>
+          <a:xfrm>
+            <a:off x="6164565" y="1576076"/>
+            <a:ext cx="5893376" cy="338554"/>
+          </a:xfrm>
+          <a:prstGeom prst="rect">
+            <a:avLst/>
+          </a:prstGeom>
+          <a:noFill/>
+          <a:ln>
+            <a:solidFill>
+              <a:schemeClr val="tx1"/>
+            </a:solidFill>
+          </a:ln>
+        </p:spPr>
+        <p:txBody>
+          <a:bodyPr wrap="square" rtlCol="0">
+            <a:spAutoFit/>
+          </a:bodyPr>
+          <a:lstStyle/>
+          <a:p>
+            <a:r>
+              <a:rPr lang="en-US" sz="1600" dirty="0"/>
+              <a:t>File  Edit   Help</a:t>
+            </a:r>
+          </a:p>
+        </p:txBody>
+      </p:sp>
+      <p:sp>
+        <p:nvSpPr>
+          <p:cNvPr id="33" name="TextBox 32">
+            <a:extLst>
+              <a:ext uri="{FF2B5EF4-FFF2-40B4-BE49-F238E27FC236}">
+                <a16:creationId xmlns:a16="http://schemas.microsoft.com/office/drawing/2014/main" id="{C90F8FE2-E177-4E81-8DD8-BF1307BEB633}"/>
+              </a:ext>
+            </a:extLst>
+          </p:cNvPr>
+          <p:cNvSpPr txBox="1"/>
+          <p:nvPr/>
+        </p:nvSpPr>
+        <p:spPr>
+          <a:xfrm>
+            <a:off x="8208086" y="3000694"/>
+            <a:ext cx="2269643" cy="338554"/>
+          </a:xfrm>
+          <a:prstGeom prst="rect">
+            <a:avLst/>
+          </a:prstGeom>
+          <a:noFill/>
+          <a:ln>
+            <a:solidFill>
+              <a:schemeClr val="tx1"/>
+            </a:solidFill>
+          </a:ln>
+        </p:spPr>
+        <p:txBody>
+          <a:bodyPr wrap="square" rtlCol="0">
+            <a:spAutoFit/>
+          </a:bodyPr>
+          <a:lstStyle/>
+          <a:p>
+            <a:r>
+              <a:rPr lang="en-US" sz="1600" dirty="0">
+                <a:solidFill>
+                  <a:schemeClr val="tx2">
+                    <a:lumMod val="60000"/>
+                    <a:lumOff val="40000"/>
+                  </a:schemeClr>
+                </a:solidFill>
+              </a:rPr>
+              <a:t>Type</a:t>
+            </a:r>
+          </a:p>
+        </p:txBody>
+      </p:sp>
+      <p:sp>
+        <p:nvSpPr>
+          <p:cNvPr id="34" name="TextBox 33">
+            <a:extLst>
+              <a:ext uri="{FF2B5EF4-FFF2-40B4-BE49-F238E27FC236}">
+                <a16:creationId xmlns:a16="http://schemas.microsoft.com/office/drawing/2014/main" id="{FFEC671F-B769-40F5-9729-E786804747BE}"/>
+              </a:ext>
+            </a:extLst>
+          </p:cNvPr>
+          <p:cNvSpPr txBox="1"/>
+          <p:nvPr/>
+        </p:nvSpPr>
+        <p:spPr>
+          <a:xfrm>
+            <a:off x="8208086" y="2553789"/>
+            <a:ext cx="3166462" cy="338554"/>
+          </a:xfrm>
+          <a:prstGeom prst="rect">
+            <a:avLst/>
+          </a:prstGeom>
+          <a:noFill/>
+          <a:ln>
+            <a:solidFill>
+              <a:schemeClr val="tx1"/>
+            </a:solidFill>
+          </a:ln>
+        </p:spPr>
+        <p:txBody>
+          <a:bodyPr wrap="square" rtlCol="0">
+            <a:spAutoFit/>
+          </a:bodyPr>
+          <a:lstStyle/>
+          <a:p>
+            <a:r>
+              <a:rPr lang="en-US" sz="1600" dirty="0">
+                <a:solidFill>
+                  <a:schemeClr val="tx2">
+                    <a:lumMod val="60000"/>
+                    <a:lumOff val="40000"/>
+                  </a:schemeClr>
+                </a:solidFill>
+              </a:rPr>
+              <a:t>Description</a:t>
+            </a:r>
+          </a:p>
+        </p:txBody>
+      </p:sp>
+      <p:sp>
+        <p:nvSpPr>
+          <p:cNvPr id="35" name="TextBox 34">
+            <a:extLst>
+              <a:ext uri="{FF2B5EF4-FFF2-40B4-BE49-F238E27FC236}">
+                <a16:creationId xmlns:a16="http://schemas.microsoft.com/office/drawing/2014/main" id="{3CBCA75F-EC6A-4989-BAFC-4330ADE0E1B6}"/>
+              </a:ext>
+            </a:extLst>
+          </p:cNvPr>
+          <p:cNvSpPr txBox="1"/>
+          <p:nvPr/>
+        </p:nvSpPr>
+        <p:spPr>
+          <a:xfrm>
+            <a:off x="7513389" y="4950022"/>
+            <a:ext cx="1612900" cy="307777"/>
+          </a:xfrm>
+          <a:prstGeom prst="rect">
+            <a:avLst/>
+          </a:prstGeom>
+          <a:gradFill flip="none" rotWithShape="1">
+            <a:gsLst>
+              <a:gs pos="93000">
+                <a:schemeClr val="bg1">
+                  <a:lumMod val="95000"/>
+                </a:schemeClr>
+              </a:gs>
+              <a:gs pos="81000">
+                <a:schemeClr val="bg2">
+                  <a:lumMod val="90000"/>
+                </a:schemeClr>
+              </a:gs>
+              <a:gs pos="100000">
+                <a:schemeClr val="bg2">
+                  <a:lumMod val="90000"/>
+                </a:schemeClr>
+              </a:gs>
+            </a:gsLst>
+            <a:lin ang="16200000" scaled="1"/>
+            <a:tileRect/>
+          </a:gradFill>
+          <a:effectLst>
+            <a:softEdge rad="0"/>
+          </a:effectLst>
+          <a:scene3d>
+            <a:camera prst="orthographicFront"/>
+            <a:lightRig rig="threePt" dir="t"/>
+          </a:scene3d>
+          <a:sp3d>
+            <a:bevelT/>
+          </a:sp3d>
+        </p:spPr>
+        <p:txBody>
+          <a:bodyPr wrap="square" rtlCol="0">
+            <a:spAutoFit/>
+          </a:bodyPr>
+          <a:lstStyle/>
+          <a:p>
+            <a:pPr algn="ctr"/>
+            <a:r>
+              <a:rPr lang="en-US" sz="1400" dirty="0"/>
+              <a:t>Create Task</a:t>
+            </a:r>
+          </a:p>
+        </p:txBody>
+      </p:sp>
+      <p:sp>
+        <p:nvSpPr>
+          <p:cNvPr id="36" name="TextBox 35">
+            <a:extLst>
+              <a:ext uri="{FF2B5EF4-FFF2-40B4-BE49-F238E27FC236}">
+                <a16:creationId xmlns:a16="http://schemas.microsoft.com/office/drawing/2014/main" id="{012B3943-0A61-4B85-9921-2830E7A319FD}"/>
+              </a:ext>
+            </a:extLst>
+          </p:cNvPr>
+          <p:cNvSpPr txBox="1"/>
+          <p:nvPr/>
+        </p:nvSpPr>
+        <p:spPr>
+          <a:xfrm>
+            <a:off x="9218849" y="4959162"/>
+            <a:ext cx="1612900" cy="307777"/>
+          </a:xfrm>
+          <a:prstGeom prst="rect">
+            <a:avLst/>
+          </a:prstGeom>
+          <a:gradFill flip="none" rotWithShape="1">
+            <a:gsLst>
+              <a:gs pos="93000">
+                <a:schemeClr val="bg1">
+                  <a:lumMod val="95000"/>
+                </a:schemeClr>
+              </a:gs>
+              <a:gs pos="81000">
+                <a:schemeClr val="bg2">
+                  <a:lumMod val="90000"/>
+                </a:schemeClr>
+              </a:gs>
+              <a:gs pos="100000">
+                <a:schemeClr val="bg2">
+                  <a:lumMod val="90000"/>
+                </a:schemeClr>
+              </a:gs>
+            </a:gsLst>
+            <a:lin ang="16200000" scaled="1"/>
+            <a:tileRect/>
+          </a:gradFill>
+          <a:effectLst>
+            <a:softEdge rad="0"/>
+          </a:effectLst>
+          <a:scene3d>
+            <a:camera prst="orthographicFront"/>
+            <a:lightRig rig="threePt" dir="t"/>
+          </a:scene3d>
+          <a:sp3d>
+            <a:bevelT/>
+          </a:sp3d>
+        </p:spPr>
+        <p:txBody>
+          <a:bodyPr wrap="square" rtlCol="0">
+            <a:spAutoFit/>
+          </a:bodyPr>
+          <a:lstStyle/>
+          <a:p>
+            <a:pPr algn="ctr"/>
+            <a:r>
+              <a:rPr lang="en-US" sz="1400" dirty="0"/>
+              <a:t>Cancel</a:t>
+            </a:r>
+          </a:p>
+        </p:txBody>
+      </p:sp>
+      <p:sp>
+        <p:nvSpPr>
+          <p:cNvPr id="37" name="TextBox 36">
+            <a:extLst>
+              <a:ext uri="{FF2B5EF4-FFF2-40B4-BE49-F238E27FC236}">
+                <a16:creationId xmlns:a16="http://schemas.microsoft.com/office/drawing/2014/main" id="{B98CD95C-3DAE-41F2-9F6B-5E2C99E9DFC9}"/>
+              </a:ext>
+            </a:extLst>
+          </p:cNvPr>
+          <p:cNvSpPr txBox="1"/>
+          <p:nvPr/>
+        </p:nvSpPr>
+        <p:spPr>
+          <a:xfrm>
+            <a:off x="6841610" y="2565697"/>
+            <a:ext cx="2269643" cy="276999"/>
+          </a:xfrm>
+          <a:prstGeom prst="rect">
+            <a:avLst/>
+          </a:prstGeom>
+          <a:noFill/>
+          <a:ln>
+            <a:noFill/>
+          </a:ln>
+        </p:spPr>
+        <p:txBody>
+          <a:bodyPr wrap="square" rtlCol="0">
+            <a:spAutoFit/>
+          </a:bodyPr>
+          <a:lstStyle/>
+          <a:p>
+            <a:r>
+              <a:rPr lang="en-US" sz="1200" dirty="0">
+                <a:solidFill>
+                  <a:schemeClr val="tx2">
+                    <a:lumMod val="50000"/>
+                  </a:schemeClr>
+                </a:solidFill>
+              </a:rPr>
+              <a:t>Description:</a:t>
+            </a:r>
+          </a:p>
+        </p:txBody>
+      </p:sp>
+      <p:sp>
+        <p:nvSpPr>
+          <p:cNvPr id="2" name="Rectangle 1">
+            <a:extLst>
+              <a:ext uri="{FF2B5EF4-FFF2-40B4-BE49-F238E27FC236}">
+                <a16:creationId xmlns:a16="http://schemas.microsoft.com/office/drawing/2014/main" id="{FB5C1E1D-C30F-4213-A985-32488D1D92C9}"/>
+              </a:ext>
+            </a:extLst>
+          </p:cNvPr>
+          <p:cNvSpPr/>
+          <p:nvPr/>
+        </p:nvSpPr>
+        <p:spPr>
+          <a:xfrm>
+            <a:off x="10171008" y="3000694"/>
+            <a:ext cx="306721" cy="338554"/>
+          </a:xfrm>
+          <a:prstGeom prst="rect">
+            <a:avLst/>
+          </a:prstGeom>
+          <a:solidFill>
+            <a:srgbClr val="C3C1C1"/>
+          </a:solidFill>
+          <a:ln>
+            <a:solidFill>
+              <a:schemeClr val="tx1"/>
+            </a:solidFill>
+          </a:ln>
+        </p:spPr>
+        <p:style>
+          <a:lnRef idx="2">
+            <a:schemeClr val="accent1">
+              <a:shade val="50000"/>
+            </a:schemeClr>
+          </a:lnRef>
+          <a:fillRef idx="1">
+            <a:schemeClr val="accent1"/>
+          </a:fillRef>
+          <a:effectRef idx="0">
+            <a:schemeClr val="accent1"/>
+          </a:effectRef>
+          <a:fontRef idx="minor">
+            <a:schemeClr val="lt1"/>
+          </a:fontRef>
+        </p:style>
+        <p:txBody>
+          <a:bodyPr rtlCol="0" anchor="ctr"/>
+          <a:lstStyle/>
+          <a:p>
+            <a:pPr algn="ctr"/>
+            <a:endParaRPr lang="en-US"/>
+          </a:p>
+        </p:txBody>
+      </p:sp>
+      <p:sp>
+        <p:nvSpPr>
+          <p:cNvPr id="4" name="Isosceles Triangle 3">
+            <a:extLst>
+              <a:ext uri="{FF2B5EF4-FFF2-40B4-BE49-F238E27FC236}">
+                <a16:creationId xmlns:a16="http://schemas.microsoft.com/office/drawing/2014/main" id="{34184956-8BAB-4178-9754-C8AAB68132F8}"/>
+              </a:ext>
+            </a:extLst>
+          </p:cNvPr>
+          <p:cNvSpPr/>
+          <p:nvPr/>
+        </p:nvSpPr>
+        <p:spPr>
+          <a:xfrm rot="10800000">
+            <a:off x="10234376" y="3121914"/>
+            <a:ext cx="179984" cy="128441"/>
+          </a:xfrm>
+          <a:prstGeom prst="triangle">
+            <a:avLst/>
+          </a:prstGeom>
+          <a:solidFill>
+            <a:schemeClr val="tx1"/>
+          </a:solidFill>
+          <a:ln>
+            <a:solidFill>
+              <a:schemeClr val="tx1"/>
+            </a:solidFill>
+          </a:ln>
+        </p:spPr>
+        <p:style>
+          <a:lnRef idx="2">
+            <a:schemeClr val="accent1">
+              <a:shade val="50000"/>
+            </a:schemeClr>
+          </a:lnRef>
+          <a:fillRef idx="1">
+            <a:schemeClr val="accent1"/>
+          </a:fillRef>
+          <a:effectRef idx="0">
+            <a:schemeClr val="accent1"/>
+          </a:effectRef>
+          <a:fontRef idx="minor">
+            <a:schemeClr val="lt1"/>
+          </a:fontRef>
+        </p:style>
+        <p:txBody>
+          <a:bodyPr rtlCol="0" anchor="ctr"/>
+          <a:lstStyle/>
+          <a:p>
+            <a:pPr algn="ctr"/>
+            <a:endParaRPr lang="en-US"/>
+          </a:p>
+        </p:txBody>
+      </p:sp>
+      <p:sp>
+        <p:nvSpPr>
+          <p:cNvPr id="23" name="TextBox 22">
+            <a:extLst>
+              <a:ext uri="{FF2B5EF4-FFF2-40B4-BE49-F238E27FC236}">
+                <a16:creationId xmlns:a16="http://schemas.microsoft.com/office/drawing/2014/main" id="{2D5B27B0-35E0-4CCE-8D65-1FB0E6B2B84D}"/>
+              </a:ext>
+            </a:extLst>
+          </p:cNvPr>
+          <p:cNvSpPr txBox="1"/>
+          <p:nvPr/>
+        </p:nvSpPr>
+        <p:spPr>
+          <a:xfrm>
+            <a:off x="10714243" y="3004802"/>
+            <a:ext cx="873797" cy="523220"/>
+          </a:xfrm>
+          <a:prstGeom prst="rect">
+            <a:avLst/>
+          </a:prstGeom>
+          <a:gradFill flip="none" rotWithShape="1">
+            <a:gsLst>
+              <a:gs pos="93000">
+                <a:schemeClr val="bg1">
+                  <a:lumMod val="95000"/>
+                </a:schemeClr>
+              </a:gs>
+              <a:gs pos="81000">
+                <a:schemeClr val="bg2">
+                  <a:lumMod val="90000"/>
+                </a:schemeClr>
+              </a:gs>
+              <a:gs pos="100000">
+                <a:schemeClr val="bg2">
+                  <a:lumMod val="90000"/>
+                </a:schemeClr>
+              </a:gs>
+            </a:gsLst>
+            <a:lin ang="16200000" scaled="1"/>
+            <a:tileRect/>
+          </a:gradFill>
+          <a:effectLst>
+            <a:softEdge rad="0"/>
+          </a:effectLst>
+          <a:scene3d>
+            <a:camera prst="orthographicFront"/>
+            <a:lightRig rig="threePt" dir="t"/>
+          </a:scene3d>
+          <a:sp3d>
+            <a:bevelT/>
+          </a:sp3d>
+        </p:spPr>
+        <p:txBody>
+          <a:bodyPr wrap="square" rtlCol="0">
+            <a:spAutoFit/>
+          </a:bodyPr>
+          <a:lstStyle/>
+          <a:p>
+            <a:pPr algn="ctr"/>
+            <a:r>
+              <a:rPr lang="en-US" sz="1400" dirty="0"/>
+              <a:t>New Type</a:t>
+            </a:r>
+          </a:p>
+        </p:txBody>
+      </p:sp>
+      <p:sp>
+        <p:nvSpPr>
+          <p:cNvPr id="24" name="TextBox 23">
+            <a:extLst>
+              <a:ext uri="{FF2B5EF4-FFF2-40B4-BE49-F238E27FC236}">
+                <a16:creationId xmlns:a16="http://schemas.microsoft.com/office/drawing/2014/main" id="{4A1871C7-6B91-45C0-86C1-36E8C04F8682}"/>
+              </a:ext>
+            </a:extLst>
+          </p:cNvPr>
+          <p:cNvSpPr txBox="1"/>
+          <p:nvPr/>
+        </p:nvSpPr>
+        <p:spPr>
+          <a:xfrm>
+            <a:off x="6881535" y="3063080"/>
+            <a:ext cx="2269643" cy="276999"/>
+          </a:xfrm>
+          <a:prstGeom prst="rect">
+            <a:avLst/>
+          </a:prstGeom>
+          <a:noFill/>
+          <a:ln>
+            <a:noFill/>
+          </a:ln>
+        </p:spPr>
+        <p:txBody>
+          <a:bodyPr wrap="square" rtlCol="0">
+            <a:spAutoFit/>
+          </a:bodyPr>
+          <a:lstStyle/>
+          <a:p>
+            <a:r>
+              <a:rPr lang="en-US" sz="1200" dirty="0">
+                <a:solidFill>
+                  <a:schemeClr val="tx2">
+                    <a:lumMod val="50000"/>
+                  </a:schemeClr>
+                </a:solidFill>
+              </a:rPr>
+              <a:t>Type:</a:t>
+            </a:r>
+          </a:p>
+        </p:txBody>
+      </p:sp>
+      <p:sp>
+        <p:nvSpPr>
+          <p:cNvPr id="7" name="TextBox 6">
+            <a:extLst>
+              <a:ext uri="{FF2B5EF4-FFF2-40B4-BE49-F238E27FC236}">
+                <a16:creationId xmlns:a16="http://schemas.microsoft.com/office/drawing/2014/main" id="{014FA56E-AF2B-4AAC-BE68-878655DD60E5}"/>
+              </a:ext>
+            </a:extLst>
+          </p:cNvPr>
+          <p:cNvSpPr txBox="1"/>
+          <p:nvPr/>
+        </p:nvSpPr>
+        <p:spPr>
+          <a:xfrm>
+            <a:off x="6964750" y="4150514"/>
+            <a:ext cx="438598" cy="369332"/>
+          </a:xfrm>
+          <a:prstGeom prst="rect">
+            <a:avLst/>
+          </a:prstGeom>
+          <a:solidFill>
+            <a:schemeClr val="bg1"/>
+          </a:solidFill>
+          <a:ln>
+            <a:solidFill>
+              <a:schemeClr val="tx1"/>
+            </a:solidFill>
+          </a:ln>
+        </p:spPr>
+        <p:txBody>
+          <a:bodyPr wrap="square" rtlCol="0">
+            <a:spAutoFit/>
+          </a:bodyPr>
+          <a:lstStyle/>
+          <a:p>
+            <a:r>
+              <a:rPr lang="en-US" dirty="0"/>
+              <a:t>03</a:t>
+            </a:r>
+          </a:p>
+        </p:txBody>
+      </p:sp>
+      <p:sp>
+        <p:nvSpPr>
+          <p:cNvPr id="26" name="TextBox 25">
+            <a:extLst>
+              <a:ext uri="{FF2B5EF4-FFF2-40B4-BE49-F238E27FC236}">
+                <a16:creationId xmlns:a16="http://schemas.microsoft.com/office/drawing/2014/main" id="{A0631829-EDA0-416F-ACB9-E808FAB083C4}"/>
+              </a:ext>
+            </a:extLst>
+          </p:cNvPr>
+          <p:cNvSpPr txBox="1"/>
+          <p:nvPr/>
+        </p:nvSpPr>
+        <p:spPr>
+          <a:xfrm>
+            <a:off x="7506001" y="4150514"/>
+            <a:ext cx="438598" cy="369332"/>
+          </a:xfrm>
+          <a:prstGeom prst="rect">
+            <a:avLst/>
+          </a:prstGeom>
+          <a:solidFill>
+            <a:schemeClr val="bg1"/>
+          </a:solidFill>
+          <a:ln>
+            <a:solidFill>
+              <a:schemeClr val="tx1"/>
+            </a:solidFill>
+          </a:ln>
+        </p:spPr>
+        <p:txBody>
+          <a:bodyPr wrap="square" rtlCol="0">
+            <a:spAutoFit/>
+          </a:bodyPr>
+          <a:lstStyle/>
+          <a:p>
+            <a:r>
+              <a:rPr lang="en-US" dirty="0"/>
+              <a:t>55</a:t>
+            </a:r>
+          </a:p>
+        </p:txBody>
+      </p:sp>
+      <p:sp>
+        <p:nvSpPr>
+          <p:cNvPr id="39" name="TextBox 38">
+            <a:extLst>
+              <a:ext uri="{FF2B5EF4-FFF2-40B4-BE49-F238E27FC236}">
+                <a16:creationId xmlns:a16="http://schemas.microsoft.com/office/drawing/2014/main" id="{6C2FEA82-3BFD-45DB-A1D3-E31537CC5880}"/>
+              </a:ext>
+            </a:extLst>
+          </p:cNvPr>
+          <p:cNvSpPr txBox="1"/>
+          <p:nvPr/>
+        </p:nvSpPr>
+        <p:spPr>
+          <a:xfrm>
+            <a:off x="8038213" y="4150445"/>
+            <a:ext cx="438598" cy="369332"/>
+          </a:xfrm>
+          <a:prstGeom prst="rect">
+            <a:avLst/>
+          </a:prstGeom>
+          <a:solidFill>
+            <a:schemeClr val="bg1"/>
+          </a:solidFill>
+          <a:ln>
+            <a:solidFill>
+              <a:schemeClr val="tx1"/>
+            </a:solidFill>
+          </a:ln>
+        </p:spPr>
+        <p:txBody>
+          <a:bodyPr wrap="square" rtlCol="0">
+            <a:spAutoFit/>
+          </a:bodyPr>
+          <a:lstStyle/>
+          <a:p>
+            <a:r>
+              <a:rPr lang="en-US" dirty="0"/>
+              <a:t>05</a:t>
+            </a:r>
+          </a:p>
+        </p:txBody>
+      </p:sp>
+      <p:sp>
+        <p:nvSpPr>
+          <p:cNvPr id="9" name="TextBox 8">
+            <a:extLst>
+              <a:ext uri="{FF2B5EF4-FFF2-40B4-BE49-F238E27FC236}">
+                <a16:creationId xmlns:a16="http://schemas.microsoft.com/office/drawing/2014/main" id="{885AB1FA-1414-4133-B32D-3C29EC9920FA}"/>
+              </a:ext>
+            </a:extLst>
+          </p:cNvPr>
+          <p:cNvSpPr txBox="1"/>
+          <p:nvPr/>
+        </p:nvSpPr>
+        <p:spPr>
+          <a:xfrm>
+            <a:off x="7345609" y="4135990"/>
+            <a:ext cx="379691" cy="369332"/>
+          </a:xfrm>
+          <a:prstGeom prst="rect">
+            <a:avLst/>
+          </a:prstGeom>
+          <a:noFill/>
+        </p:spPr>
+        <p:txBody>
+          <a:bodyPr wrap="square" rtlCol="0">
+            <a:spAutoFit/>
+          </a:bodyPr>
+          <a:lstStyle/>
+          <a:p>
+            <a:r>
+              <a:rPr lang="en-US" dirty="0"/>
+              <a:t>:</a:t>
+            </a:r>
+          </a:p>
+        </p:txBody>
+      </p:sp>
+      <p:sp>
+        <p:nvSpPr>
+          <p:cNvPr id="40" name="TextBox 39">
+            <a:extLst>
+              <a:ext uri="{FF2B5EF4-FFF2-40B4-BE49-F238E27FC236}">
+                <a16:creationId xmlns:a16="http://schemas.microsoft.com/office/drawing/2014/main" id="{946EF574-6F94-4195-8163-36ADD0318128}"/>
+              </a:ext>
+            </a:extLst>
+          </p:cNvPr>
+          <p:cNvSpPr txBox="1"/>
+          <p:nvPr/>
+        </p:nvSpPr>
+        <p:spPr>
+          <a:xfrm>
+            <a:off x="7873324" y="4154212"/>
+            <a:ext cx="379691" cy="369332"/>
+          </a:xfrm>
+          <a:prstGeom prst="rect">
+            <a:avLst/>
+          </a:prstGeom>
+          <a:noFill/>
+        </p:spPr>
+        <p:txBody>
+          <a:bodyPr wrap="square" rtlCol="0">
+            <a:spAutoFit/>
+          </a:bodyPr>
+          <a:lstStyle/>
+          <a:p>
+            <a:r>
+              <a:rPr lang="en-US" dirty="0"/>
+              <a:t>:</a:t>
+            </a:r>
+          </a:p>
+        </p:txBody>
+      </p:sp>
+      <p:sp>
+        <p:nvSpPr>
+          <p:cNvPr id="10" name="Isosceles Triangle 9">
+            <a:extLst>
+              <a:ext uri="{FF2B5EF4-FFF2-40B4-BE49-F238E27FC236}">
+                <a16:creationId xmlns:a16="http://schemas.microsoft.com/office/drawing/2014/main" id="{5F4501A9-3ED3-4829-A202-57D0FBDE0080}"/>
+              </a:ext>
+            </a:extLst>
+          </p:cNvPr>
+          <p:cNvSpPr/>
+          <p:nvPr/>
+        </p:nvSpPr>
+        <p:spPr>
+          <a:xfrm>
+            <a:off x="7024260" y="3896899"/>
+            <a:ext cx="298749" cy="196691"/>
+          </a:xfrm>
+          <a:prstGeom prst="triangle">
+            <a:avLst/>
+          </a:prstGeom>
+        </p:spPr>
+        <p:style>
+          <a:lnRef idx="2">
+            <a:schemeClr val="accent1">
+              <a:shade val="50000"/>
+            </a:schemeClr>
+          </a:lnRef>
+          <a:fillRef idx="1">
+            <a:schemeClr val="accent1"/>
+          </a:fillRef>
+          <a:effectRef idx="0">
+            <a:schemeClr val="accent1"/>
+          </a:effectRef>
+          <a:fontRef idx="minor">
+            <a:schemeClr val="lt1"/>
+          </a:fontRef>
+        </p:style>
+        <p:txBody>
+          <a:bodyPr rtlCol="0" anchor="ctr"/>
+          <a:lstStyle/>
+          <a:p>
+            <a:pPr algn="ctr"/>
+            <a:endParaRPr lang="en-US"/>
+          </a:p>
+        </p:txBody>
+      </p:sp>
+      <p:sp>
+        <p:nvSpPr>
+          <p:cNvPr id="41" name="Isosceles Triangle 40">
+            <a:extLst>
+              <a:ext uri="{FF2B5EF4-FFF2-40B4-BE49-F238E27FC236}">
+                <a16:creationId xmlns:a16="http://schemas.microsoft.com/office/drawing/2014/main" id="{D20DCCC4-860E-41A1-AA5B-4AF1E0562601}"/>
+              </a:ext>
+            </a:extLst>
+          </p:cNvPr>
+          <p:cNvSpPr/>
+          <p:nvPr/>
+        </p:nvSpPr>
+        <p:spPr>
+          <a:xfrm>
+            <a:off x="7587462" y="3896899"/>
+            <a:ext cx="298749" cy="196691"/>
+          </a:xfrm>
+          <a:prstGeom prst="triangle">
+            <a:avLst/>
+          </a:prstGeom>
+        </p:spPr>
+        <p:style>
+          <a:lnRef idx="2">
+            <a:schemeClr val="accent1">
+              <a:shade val="50000"/>
+            </a:schemeClr>
+          </a:lnRef>
+          <a:fillRef idx="1">
+            <a:schemeClr val="accent1"/>
+          </a:fillRef>
+          <a:effectRef idx="0">
+            <a:schemeClr val="accent1"/>
+          </a:effectRef>
+          <a:fontRef idx="minor">
+            <a:schemeClr val="lt1"/>
+          </a:fontRef>
+        </p:style>
+        <p:txBody>
+          <a:bodyPr rtlCol="0" anchor="ctr"/>
+          <a:lstStyle/>
+          <a:p>
+            <a:pPr algn="ctr"/>
+            <a:endParaRPr lang="en-US"/>
+          </a:p>
+        </p:txBody>
+      </p:sp>
+      <p:sp>
+        <p:nvSpPr>
+          <p:cNvPr id="42" name="Isosceles Triangle 41">
+            <a:extLst>
+              <a:ext uri="{FF2B5EF4-FFF2-40B4-BE49-F238E27FC236}">
+                <a16:creationId xmlns:a16="http://schemas.microsoft.com/office/drawing/2014/main" id="{0C174A01-A615-45EE-A9A4-82A750B149CC}"/>
+              </a:ext>
+            </a:extLst>
+          </p:cNvPr>
+          <p:cNvSpPr/>
+          <p:nvPr/>
+        </p:nvSpPr>
+        <p:spPr>
+          <a:xfrm>
+            <a:off x="8085264" y="3899471"/>
+            <a:ext cx="298749" cy="196691"/>
+          </a:xfrm>
+          <a:prstGeom prst="triangle">
+            <a:avLst/>
+          </a:prstGeom>
+        </p:spPr>
+        <p:style>
+          <a:lnRef idx="2">
+            <a:schemeClr val="accent1">
+              <a:shade val="50000"/>
+            </a:schemeClr>
+          </a:lnRef>
+          <a:fillRef idx="1">
+            <a:schemeClr val="accent1"/>
+          </a:fillRef>
+          <a:effectRef idx="0">
+            <a:schemeClr val="accent1"/>
+          </a:effectRef>
+          <a:fontRef idx="minor">
+            <a:schemeClr val="lt1"/>
+          </a:fontRef>
+        </p:style>
+        <p:txBody>
+          <a:bodyPr rtlCol="0" anchor="ctr"/>
+          <a:lstStyle/>
+          <a:p>
+            <a:pPr algn="ctr"/>
+            <a:endParaRPr lang="en-US"/>
+          </a:p>
+        </p:txBody>
+      </p:sp>
+      <p:sp>
+        <p:nvSpPr>
+          <p:cNvPr id="43" name="Isosceles Triangle 42">
+            <a:extLst>
+              <a:ext uri="{FF2B5EF4-FFF2-40B4-BE49-F238E27FC236}">
+                <a16:creationId xmlns:a16="http://schemas.microsoft.com/office/drawing/2014/main" id="{64EACB03-DB2F-4B5D-8542-5A9975ADC203}"/>
+              </a:ext>
+            </a:extLst>
+          </p:cNvPr>
+          <p:cNvSpPr/>
+          <p:nvPr/>
+        </p:nvSpPr>
+        <p:spPr>
+          <a:xfrm rot="10800000">
+            <a:off x="7036808" y="4608696"/>
+            <a:ext cx="298749" cy="196691"/>
+          </a:xfrm>
+          <a:prstGeom prst="triangle">
+            <a:avLst/>
+          </a:prstGeom>
+        </p:spPr>
+        <p:style>
+          <a:lnRef idx="2">
+            <a:schemeClr val="accent1">
+              <a:shade val="50000"/>
+            </a:schemeClr>
+          </a:lnRef>
+          <a:fillRef idx="1">
+            <a:schemeClr val="accent1"/>
+          </a:fillRef>
+          <a:effectRef idx="0">
+            <a:schemeClr val="accent1"/>
+          </a:effectRef>
+          <a:fontRef idx="minor">
+            <a:schemeClr val="lt1"/>
+          </a:fontRef>
+        </p:style>
+        <p:txBody>
+          <a:bodyPr rtlCol="0" anchor="ctr"/>
+          <a:lstStyle/>
+          <a:p>
+            <a:pPr algn="ctr"/>
+            <a:endParaRPr lang="en-US"/>
+          </a:p>
+        </p:txBody>
+      </p:sp>
+      <p:sp>
+        <p:nvSpPr>
+          <p:cNvPr id="44" name="Isosceles Triangle 43">
+            <a:extLst>
+              <a:ext uri="{FF2B5EF4-FFF2-40B4-BE49-F238E27FC236}">
+                <a16:creationId xmlns:a16="http://schemas.microsoft.com/office/drawing/2014/main" id="{19119301-1F6D-43B5-BB7D-B28179174586}"/>
+              </a:ext>
+            </a:extLst>
+          </p:cNvPr>
+          <p:cNvSpPr/>
+          <p:nvPr/>
+        </p:nvSpPr>
+        <p:spPr>
+          <a:xfrm rot="10800000">
+            <a:off x="7600010" y="4608696"/>
+            <a:ext cx="298749" cy="196691"/>
+          </a:xfrm>
+          <a:prstGeom prst="triangle">
+            <a:avLst/>
+          </a:prstGeom>
+        </p:spPr>
+        <p:style>
+          <a:lnRef idx="2">
+            <a:schemeClr val="accent1">
+              <a:shade val="50000"/>
+            </a:schemeClr>
+          </a:lnRef>
+          <a:fillRef idx="1">
+            <a:schemeClr val="accent1"/>
+          </a:fillRef>
+          <a:effectRef idx="0">
+            <a:schemeClr val="accent1"/>
+          </a:effectRef>
+          <a:fontRef idx="minor">
+            <a:schemeClr val="lt1"/>
+          </a:fontRef>
+        </p:style>
+        <p:txBody>
+          <a:bodyPr rtlCol="0" anchor="ctr"/>
+          <a:lstStyle/>
+          <a:p>
+            <a:pPr algn="ctr"/>
+            <a:endParaRPr lang="en-US"/>
+          </a:p>
+        </p:txBody>
+      </p:sp>
+      <p:sp>
+        <p:nvSpPr>
+          <p:cNvPr id="45" name="Isosceles Triangle 44">
+            <a:extLst>
+              <a:ext uri="{FF2B5EF4-FFF2-40B4-BE49-F238E27FC236}">
+                <a16:creationId xmlns:a16="http://schemas.microsoft.com/office/drawing/2014/main" id="{7F821937-7CA0-4916-B3AA-9548E1B42A6B}"/>
+              </a:ext>
+            </a:extLst>
+          </p:cNvPr>
+          <p:cNvSpPr/>
+          <p:nvPr/>
+        </p:nvSpPr>
+        <p:spPr>
+          <a:xfrm rot="10800000">
+            <a:off x="8097812" y="4611268"/>
+            <a:ext cx="298749" cy="196691"/>
+          </a:xfrm>
+          <a:prstGeom prst="triangle">
+            <a:avLst/>
+          </a:prstGeom>
+        </p:spPr>
+        <p:style>
+          <a:lnRef idx="2">
+            <a:schemeClr val="accent1">
+              <a:shade val="50000"/>
+            </a:schemeClr>
+          </a:lnRef>
+          <a:fillRef idx="1">
+            <a:schemeClr val="accent1"/>
+          </a:fillRef>
+          <a:effectRef idx="0">
+            <a:schemeClr val="accent1"/>
+          </a:effectRef>
+          <a:fontRef idx="minor">
+            <a:schemeClr val="lt1"/>
+          </a:fontRef>
+        </p:style>
+        <p:txBody>
+          <a:bodyPr rtlCol="0" anchor="ctr"/>
+          <a:lstStyle/>
+          <a:p>
+            <a:pPr algn="ctr"/>
+            <a:endParaRPr lang="en-US"/>
+          </a:p>
+        </p:txBody>
+      </p:sp>
+      <p:sp>
+        <p:nvSpPr>
+          <p:cNvPr id="11" name="Oval 10">
+            <a:extLst>
+              <a:ext uri="{FF2B5EF4-FFF2-40B4-BE49-F238E27FC236}">
+                <a16:creationId xmlns:a16="http://schemas.microsoft.com/office/drawing/2014/main" id="{618B1A1C-FAF7-44C2-9357-01275E271EDB}"/>
+              </a:ext>
+            </a:extLst>
+          </p:cNvPr>
+          <p:cNvSpPr/>
+          <p:nvPr/>
+        </p:nvSpPr>
+        <p:spPr>
+          <a:xfrm>
+            <a:off x="8519426" y="4113056"/>
+            <a:ext cx="224244" cy="159799"/>
+          </a:xfrm>
+          <a:prstGeom prst="ellipse">
+            <a:avLst/>
+          </a:prstGeom>
+          <a:solidFill>
+            <a:schemeClr val="bg1"/>
+          </a:solidFill>
+          <a:ln>
+            <a:solidFill>
+              <a:schemeClr val="tx1"/>
+            </a:solidFill>
+          </a:ln>
+        </p:spPr>
+        <p:style>
+          <a:lnRef idx="2">
+            <a:schemeClr val="accent1">
+              <a:shade val="50000"/>
+            </a:schemeClr>
+          </a:lnRef>
+          <a:fillRef idx="1">
+            <a:schemeClr val="accent1"/>
+          </a:fillRef>
+          <a:effectRef idx="0">
+            <a:schemeClr val="accent1"/>
+          </a:effectRef>
+          <a:fontRef idx="minor">
+            <a:schemeClr val="lt1"/>
+          </a:fontRef>
+        </p:style>
+        <p:txBody>
+          <a:bodyPr rtlCol="0" anchor="ctr"/>
+          <a:lstStyle/>
+          <a:p>
+            <a:pPr algn="ctr"/>
+            <a:endParaRPr lang="en-US"/>
+          </a:p>
+        </p:txBody>
+      </p:sp>
+      <p:sp>
+        <p:nvSpPr>
+          <p:cNvPr id="46" name="Oval 45">
+            <a:extLst>
+              <a:ext uri="{FF2B5EF4-FFF2-40B4-BE49-F238E27FC236}">
+                <a16:creationId xmlns:a16="http://schemas.microsoft.com/office/drawing/2014/main" id="{7EF08CD8-46AA-4B95-9AA9-309B86B42577}"/>
+              </a:ext>
+            </a:extLst>
+          </p:cNvPr>
+          <p:cNvSpPr/>
+          <p:nvPr/>
+        </p:nvSpPr>
+        <p:spPr>
+          <a:xfrm>
+            <a:off x="8519426" y="4424204"/>
+            <a:ext cx="224244" cy="159799"/>
+          </a:xfrm>
+          <a:prstGeom prst="ellipse">
+            <a:avLst/>
+          </a:prstGeom>
+          <a:solidFill>
+            <a:schemeClr val="bg1"/>
+          </a:solidFill>
+          <a:ln>
+            <a:solidFill>
+              <a:schemeClr val="tx1"/>
+            </a:solidFill>
+          </a:ln>
+        </p:spPr>
+        <p:style>
+          <a:lnRef idx="2">
+            <a:schemeClr val="accent1">
+              <a:shade val="50000"/>
+            </a:schemeClr>
+          </a:lnRef>
+          <a:fillRef idx="1">
+            <a:schemeClr val="accent1"/>
+          </a:fillRef>
+          <a:effectRef idx="0">
+            <a:schemeClr val="accent1"/>
+          </a:effectRef>
+          <a:fontRef idx="minor">
+            <a:schemeClr val="lt1"/>
+          </a:fontRef>
+        </p:style>
+        <p:txBody>
+          <a:bodyPr rtlCol="0" anchor="ctr"/>
+          <a:lstStyle/>
+          <a:p>
+            <a:pPr algn="ctr"/>
+            <a:endParaRPr lang="en-US"/>
+          </a:p>
+        </p:txBody>
+      </p:sp>
+      <p:sp>
+        <p:nvSpPr>
+          <p:cNvPr id="12" name="TextBox 11">
+            <a:extLst>
+              <a:ext uri="{FF2B5EF4-FFF2-40B4-BE49-F238E27FC236}">
+                <a16:creationId xmlns:a16="http://schemas.microsoft.com/office/drawing/2014/main" id="{32D08B57-6821-472C-876C-94BD2355A5B2}"/>
+              </a:ext>
+            </a:extLst>
+          </p:cNvPr>
+          <p:cNvSpPr txBox="1"/>
+          <p:nvPr/>
+        </p:nvSpPr>
+        <p:spPr>
+          <a:xfrm>
+            <a:off x="6863783" y="3622514"/>
+            <a:ext cx="1415628" cy="307777"/>
+          </a:xfrm>
+          <a:prstGeom prst="rect">
+            <a:avLst/>
+          </a:prstGeom>
+          <a:noFill/>
+        </p:spPr>
+        <p:txBody>
+          <a:bodyPr wrap="square" rtlCol="0">
+            <a:spAutoFit/>
+          </a:bodyPr>
+          <a:lstStyle/>
+          <a:p>
+            <a:r>
+              <a:rPr lang="en-US" sz="1400" dirty="0"/>
+              <a:t>Start Time</a:t>
+            </a:r>
+          </a:p>
+        </p:txBody>
+      </p:sp>
+      <p:sp>
+        <p:nvSpPr>
+          <p:cNvPr id="47" name="TextBox 46">
+            <a:extLst>
+              <a:ext uri="{FF2B5EF4-FFF2-40B4-BE49-F238E27FC236}">
+                <a16:creationId xmlns:a16="http://schemas.microsoft.com/office/drawing/2014/main" id="{A94B43D3-F3D7-434C-B87F-013D2811C730}"/>
+              </a:ext>
+            </a:extLst>
+          </p:cNvPr>
+          <p:cNvSpPr txBox="1"/>
+          <p:nvPr/>
+        </p:nvSpPr>
+        <p:spPr>
+          <a:xfrm>
+            <a:off x="9185239" y="3625678"/>
+            <a:ext cx="1415628" cy="307777"/>
+          </a:xfrm>
+          <a:prstGeom prst="rect">
+            <a:avLst/>
+          </a:prstGeom>
+          <a:noFill/>
+        </p:spPr>
+        <p:txBody>
+          <a:bodyPr wrap="square" rtlCol="0">
+            <a:spAutoFit/>
+          </a:bodyPr>
+          <a:lstStyle>
+            <a:defPPr>
+              <a:defRPr lang="en-US"/>
+            </a:defPPr>
+            <a:lvl1pPr>
+              <a:defRPr sz="1400"/>
+            </a:lvl1pPr>
+          </a:lstStyle>
+          <a:p>
+            <a:r>
+              <a:rPr lang="en-US" dirty="0"/>
+              <a:t>End Time</a:t>
+            </a:r>
+          </a:p>
+        </p:txBody>
+      </p:sp>
+      <p:sp>
+        <p:nvSpPr>
+          <p:cNvPr id="50" name="TextBox 49">
+            <a:extLst>
+              <a:ext uri="{FF2B5EF4-FFF2-40B4-BE49-F238E27FC236}">
+                <a16:creationId xmlns:a16="http://schemas.microsoft.com/office/drawing/2014/main" id="{35FB08E6-2F29-4D2A-9E27-E90DC0542A86}"/>
+              </a:ext>
+            </a:extLst>
+          </p:cNvPr>
+          <p:cNvSpPr txBox="1"/>
+          <p:nvPr/>
+        </p:nvSpPr>
+        <p:spPr>
+          <a:xfrm>
+            <a:off x="3647267" y="4154740"/>
+            <a:ext cx="1415628" cy="369332"/>
+          </a:xfrm>
+          <a:prstGeom prst="rect">
+            <a:avLst/>
+          </a:prstGeom>
+          <a:noFill/>
+        </p:spPr>
+        <p:txBody>
+          <a:bodyPr wrap="square" rtlCol="0">
+            <a:spAutoFit/>
+          </a:bodyPr>
+          <a:lstStyle/>
+          <a:p>
+            <a:r>
+              <a:rPr lang="en-US" dirty="0"/>
+              <a:t>End Time?</a:t>
+            </a:r>
+          </a:p>
+        </p:txBody>
+      </p:sp>
+      <p:sp>
+        <p:nvSpPr>
+          <p:cNvPr id="51" name="TextBox 50">
+            <a:extLst>
+              <a:ext uri="{FF2B5EF4-FFF2-40B4-BE49-F238E27FC236}">
+                <a16:creationId xmlns:a16="http://schemas.microsoft.com/office/drawing/2014/main" id="{624DAE97-9C83-4CDA-8727-3A24780F5D7C}"/>
+              </a:ext>
+            </a:extLst>
+          </p:cNvPr>
+          <p:cNvSpPr txBox="1"/>
+          <p:nvPr/>
+        </p:nvSpPr>
+        <p:spPr>
+          <a:xfrm>
+            <a:off x="8692902" y="4372699"/>
+            <a:ext cx="559790" cy="276999"/>
+          </a:xfrm>
+          <a:prstGeom prst="rect">
+            <a:avLst/>
+          </a:prstGeom>
+          <a:noFill/>
+        </p:spPr>
+        <p:txBody>
+          <a:bodyPr wrap="square" rtlCol="0">
+            <a:spAutoFit/>
+          </a:bodyPr>
+          <a:lstStyle/>
+          <a:p>
+            <a:r>
+              <a:rPr lang="en-US" sz="1200" dirty="0"/>
+              <a:t>PM</a:t>
+            </a:r>
+          </a:p>
+        </p:txBody>
+      </p:sp>
+      <p:sp>
+        <p:nvSpPr>
+          <p:cNvPr id="52" name="TextBox 51">
+            <a:extLst>
+              <a:ext uri="{FF2B5EF4-FFF2-40B4-BE49-F238E27FC236}">
+                <a16:creationId xmlns:a16="http://schemas.microsoft.com/office/drawing/2014/main" id="{F8A53457-0887-4208-A854-8614C8182ECD}"/>
+              </a:ext>
+            </a:extLst>
+          </p:cNvPr>
+          <p:cNvSpPr txBox="1"/>
+          <p:nvPr/>
+        </p:nvSpPr>
+        <p:spPr>
+          <a:xfrm>
+            <a:off x="8682144" y="4049628"/>
+            <a:ext cx="622488" cy="276999"/>
+          </a:xfrm>
+          <a:prstGeom prst="rect">
+            <a:avLst/>
+          </a:prstGeom>
+          <a:noFill/>
+        </p:spPr>
+        <p:txBody>
+          <a:bodyPr wrap="square" rtlCol="0">
+            <a:spAutoFit/>
+          </a:bodyPr>
+          <a:lstStyle/>
+          <a:p>
+            <a:r>
+              <a:rPr lang="en-US" sz="1200" dirty="0"/>
+              <a:t>AM</a:t>
+            </a:r>
+          </a:p>
+        </p:txBody>
+      </p:sp>
+      <p:sp>
+        <p:nvSpPr>
+          <p:cNvPr id="15" name="Oval 14">
+            <a:extLst>
+              <a:ext uri="{FF2B5EF4-FFF2-40B4-BE49-F238E27FC236}">
+                <a16:creationId xmlns:a16="http://schemas.microsoft.com/office/drawing/2014/main" id="{C2DEF7A4-356F-4F56-8900-ED744A272417}"/>
+              </a:ext>
+            </a:extLst>
+          </p:cNvPr>
+          <p:cNvSpPr/>
+          <p:nvPr/>
+        </p:nvSpPr>
+        <p:spPr>
+          <a:xfrm>
+            <a:off x="8555238" y="4142586"/>
+            <a:ext cx="169938" cy="97993"/>
+          </a:xfrm>
+          <a:prstGeom prst="ellipse">
+            <a:avLst/>
+          </a:prstGeom>
+          <a:solidFill>
+            <a:schemeClr val="tx2"/>
+          </a:solidFill>
+          <a:ln>
+            <a:noFill/>
+          </a:ln>
+        </p:spPr>
+        <p:style>
+          <a:lnRef idx="2">
+            <a:schemeClr val="accent1">
+              <a:shade val="50000"/>
+            </a:schemeClr>
+          </a:lnRef>
+          <a:fillRef idx="1">
+            <a:schemeClr val="accent1"/>
+          </a:fillRef>
+          <a:effectRef idx="0">
+            <a:schemeClr val="accent1"/>
+          </a:effectRef>
+          <a:fontRef idx="minor">
+            <a:schemeClr val="lt1"/>
+          </a:fontRef>
+        </p:style>
+        <p:txBody>
+          <a:bodyPr rtlCol="0" anchor="ctr"/>
+          <a:lstStyle/>
+          <a:p>
+            <a:pPr algn="ctr"/>
+            <a:endParaRPr lang="en-US"/>
+          </a:p>
+        </p:txBody>
+      </p:sp>
+      <p:sp>
+        <p:nvSpPr>
+          <p:cNvPr id="53" name="TextBox 52">
+            <a:extLst>
+              <a:ext uri="{FF2B5EF4-FFF2-40B4-BE49-F238E27FC236}">
+                <a16:creationId xmlns:a16="http://schemas.microsoft.com/office/drawing/2014/main" id="{D10B142C-C4D9-4A6E-A59A-23D1034CD3A6}"/>
+              </a:ext>
+            </a:extLst>
+          </p:cNvPr>
+          <p:cNvSpPr txBox="1"/>
+          <p:nvPr/>
+        </p:nvSpPr>
+        <p:spPr>
+          <a:xfrm>
+            <a:off x="9307072" y="4183643"/>
+            <a:ext cx="438598" cy="369332"/>
+          </a:xfrm>
+          <a:prstGeom prst="rect">
+            <a:avLst/>
+          </a:prstGeom>
+          <a:solidFill>
+            <a:schemeClr val="bg1"/>
+          </a:solidFill>
+          <a:ln>
+            <a:solidFill>
+              <a:schemeClr val="tx1"/>
+            </a:solidFill>
+          </a:ln>
+        </p:spPr>
+        <p:txBody>
+          <a:bodyPr wrap="square" rtlCol="0">
+            <a:spAutoFit/>
+          </a:bodyPr>
+          <a:lstStyle/>
+          <a:p>
+            <a:r>
+              <a:rPr lang="en-US" dirty="0"/>
+              <a:t>03</a:t>
+            </a:r>
+          </a:p>
+        </p:txBody>
+      </p:sp>
+      <p:sp>
+        <p:nvSpPr>
+          <p:cNvPr id="54" name="TextBox 53">
+            <a:extLst>
+              <a:ext uri="{FF2B5EF4-FFF2-40B4-BE49-F238E27FC236}">
+                <a16:creationId xmlns:a16="http://schemas.microsoft.com/office/drawing/2014/main" id="{B55838A0-B94A-4ED8-ACD8-0B90A642BD6F}"/>
+              </a:ext>
+            </a:extLst>
+          </p:cNvPr>
+          <p:cNvSpPr txBox="1"/>
+          <p:nvPr/>
+        </p:nvSpPr>
+        <p:spPr>
+          <a:xfrm>
+            <a:off x="9848323" y="4183643"/>
+            <a:ext cx="438598" cy="369332"/>
+          </a:xfrm>
+          <a:prstGeom prst="rect">
+            <a:avLst/>
+          </a:prstGeom>
+          <a:solidFill>
+            <a:schemeClr val="bg1"/>
+          </a:solidFill>
+          <a:ln>
+            <a:solidFill>
+              <a:schemeClr val="tx1"/>
+            </a:solidFill>
+          </a:ln>
+        </p:spPr>
+        <p:txBody>
+          <a:bodyPr wrap="square" rtlCol="0">
+            <a:spAutoFit/>
+          </a:bodyPr>
+          <a:lstStyle/>
+          <a:p>
+            <a:r>
+              <a:rPr lang="en-US" dirty="0"/>
+              <a:t>55</a:t>
+            </a:r>
+          </a:p>
+        </p:txBody>
+      </p:sp>
+      <p:sp>
+        <p:nvSpPr>
+          <p:cNvPr id="55" name="TextBox 54">
+            <a:extLst>
+              <a:ext uri="{FF2B5EF4-FFF2-40B4-BE49-F238E27FC236}">
+                <a16:creationId xmlns:a16="http://schemas.microsoft.com/office/drawing/2014/main" id="{A00DFE60-F705-4E1C-AE1B-5B7F122B9D98}"/>
+              </a:ext>
+            </a:extLst>
+          </p:cNvPr>
+          <p:cNvSpPr txBox="1"/>
+          <p:nvPr/>
+        </p:nvSpPr>
+        <p:spPr>
+          <a:xfrm>
+            <a:off x="10380535" y="4183574"/>
+            <a:ext cx="438598" cy="369332"/>
+          </a:xfrm>
+          <a:prstGeom prst="rect">
+            <a:avLst/>
+          </a:prstGeom>
+          <a:solidFill>
+            <a:schemeClr val="bg1"/>
+          </a:solidFill>
+          <a:ln>
+            <a:solidFill>
+              <a:schemeClr val="tx1"/>
+            </a:solidFill>
+          </a:ln>
+        </p:spPr>
+        <p:txBody>
+          <a:bodyPr wrap="square" rtlCol="0">
+            <a:spAutoFit/>
+          </a:bodyPr>
+          <a:lstStyle/>
+          <a:p>
+            <a:r>
+              <a:rPr lang="en-US" dirty="0"/>
+              <a:t>05</a:t>
+            </a:r>
+          </a:p>
+        </p:txBody>
+      </p:sp>
+      <p:sp>
+        <p:nvSpPr>
+          <p:cNvPr id="56" name="TextBox 55">
+            <a:extLst>
+              <a:ext uri="{FF2B5EF4-FFF2-40B4-BE49-F238E27FC236}">
+                <a16:creationId xmlns:a16="http://schemas.microsoft.com/office/drawing/2014/main" id="{48E1B910-1DE2-45CE-B499-2B5C5237E28D}"/>
+              </a:ext>
+            </a:extLst>
+          </p:cNvPr>
+          <p:cNvSpPr txBox="1"/>
+          <p:nvPr/>
+        </p:nvSpPr>
+        <p:spPr>
+          <a:xfrm>
+            <a:off x="9687931" y="4169119"/>
+            <a:ext cx="379691" cy="369332"/>
+          </a:xfrm>
+          <a:prstGeom prst="rect">
+            <a:avLst/>
+          </a:prstGeom>
+          <a:noFill/>
+        </p:spPr>
+        <p:txBody>
+          <a:bodyPr wrap="square" rtlCol="0">
+            <a:spAutoFit/>
+          </a:bodyPr>
+          <a:lstStyle/>
+          <a:p>
+            <a:r>
+              <a:rPr lang="en-US" dirty="0"/>
+              <a:t>:</a:t>
+            </a:r>
+          </a:p>
+        </p:txBody>
+      </p:sp>
+      <p:sp>
+        <p:nvSpPr>
+          <p:cNvPr id="57" name="TextBox 56">
+            <a:extLst>
+              <a:ext uri="{FF2B5EF4-FFF2-40B4-BE49-F238E27FC236}">
+                <a16:creationId xmlns:a16="http://schemas.microsoft.com/office/drawing/2014/main" id="{AE7BE4D5-AAC2-41F6-B321-6C82CD3120D4}"/>
+              </a:ext>
+            </a:extLst>
+          </p:cNvPr>
+          <p:cNvSpPr txBox="1"/>
+          <p:nvPr/>
+        </p:nvSpPr>
+        <p:spPr>
+          <a:xfrm>
+            <a:off x="10215646" y="4187341"/>
+            <a:ext cx="379691" cy="369332"/>
+          </a:xfrm>
+          <a:prstGeom prst="rect">
+            <a:avLst/>
+          </a:prstGeom>
+          <a:noFill/>
+        </p:spPr>
+        <p:txBody>
+          <a:bodyPr wrap="square" rtlCol="0">
+            <a:spAutoFit/>
+          </a:bodyPr>
+          <a:lstStyle/>
+          <a:p>
+            <a:r>
+              <a:rPr lang="en-US" dirty="0"/>
+              <a:t>:</a:t>
+            </a:r>
+          </a:p>
+        </p:txBody>
+      </p:sp>
+      <p:sp>
+        <p:nvSpPr>
+          <p:cNvPr id="58" name="Isosceles Triangle 57">
+            <a:extLst>
+              <a:ext uri="{FF2B5EF4-FFF2-40B4-BE49-F238E27FC236}">
+                <a16:creationId xmlns:a16="http://schemas.microsoft.com/office/drawing/2014/main" id="{E0B16EE9-EC77-402C-9428-66F290703AA8}"/>
+              </a:ext>
+            </a:extLst>
+          </p:cNvPr>
+          <p:cNvSpPr/>
+          <p:nvPr/>
+        </p:nvSpPr>
+        <p:spPr>
+          <a:xfrm>
+            <a:off x="9366582" y="3930028"/>
+            <a:ext cx="298749" cy="196691"/>
+          </a:xfrm>
+          <a:prstGeom prst="triangle">
+            <a:avLst/>
+          </a:prstGeom>
+        </p:spPr>
+        <p:style>
+          <a:lnRef idx="2">
+            <a:schemeClr val="accent1">
+              <a:shade val="50000"/>
+            </a:schemeClr>
+          </a:lnRef>
+          <a:fillRef idx="1">
+            <a:schemeClr val="accent1"/>
+          </a:fillRef>
+          <a:effectRef idx="0">
+            <a:schemeClr val="accent1"/>
+          </a:effectRef>
+          <a:fontRef idx="minor">
+            <a:schemeClr val="lt1"/>
+          </a:fontRef>
+        </p:style>
+        <p:txBody>
+          <a:bodyPr rtlCol="0" anchor="ctr"/>
+          <a:lstStyle/>
+          <a:p>
+            <a:pPr algn="ctr"/>
+            <a:endParaRPr lang="en-US"/>
+          </a:p>
+        </p:txBody>
+      </p:sp>
+      <p:sp>
+        <p:nvSpPr>
+          <p:cNvPr id="59" name="Isosceles Triangle 58">
+            <a:extLst>
+              <a:ext uri="{FF2B5EF4-FFF2-40B4-BE49-F238E27FC236}">
+                <a16:creationId xmlns:a16="http://schemas.microsoft.com/office/drawing/2014/main" id="{6F3C5731-CA0F-4969-BF03-18F292775BA1}"/>
+              </a:ext>
+            </a:extLst>
+          </p:cNvPr>
+          <p:cNvSpPr/>
+          <p:nvPr/>
+        </p:nvSpPr>
+        <p:spPr>
+          <a:xfrm>
+            <a:off x="9929784" y="3930028"/>
+            <a:ext cx="298749" cy="196691"/>
+          </a:xfrm>
+          <a:prstGeom prst="triangle">
+            <a:avLst/>
+          </a:prstGeom>
+        </p:spPr>
+        <p:style>
+          <a:lnRef idx="2">
+            <a:schemeClr val="accent1">
+              <a:shade val="50000"/>
+            </a:schemeClr>
+          </a:lnRef>
+          <a:fillRef idx="1">
+            <a:schemeClr val="accent1"/>
+          </a:fillRef>
+          <a:effectRef idx="0">
+            <a:schemeClr val="accent1"/>
+          </a:effectRef>
+          <a:fontRef idx="minor">
+            <a:schemeClr val="lt1"/>
+          </a:fontRef>
+        </p:style>
+        <p:txBody>
+          <a:bodyPr rtlCol="0" anchor="ctr"/>
+          <a:lstStyle/>
+          <a:p>
+            <a:pPr algn="ctr"/>
+            <a:endParaRPr lang="en-US"/>
+          </a:p>
+        </p:txBody>
+      </p:sp>
+      <p:sp>
+        <p:nvSpPr>
+          <p:cNvPr id="60" name="Isosceles Triangle 59">
+            <a:extLst>
+              <a:ext uri="{FF2B5EF4-FFF2-40B4-BE49-F238E27FC236}">
+                <a16:creationId xmlns:a16="http://schemas.microsoft.com/office/drawing/2014/main" id="{8D919285-B611-464B-BD6A-E9CB78CE391B}"/>
+              </a:ext>
+            </a:extLst>
+          </p:cNvPr>
+          <p:cNvSpPr/>
+          <p:nvPr/>
+        </p:nvSpPr>
+        <p:spPr>
+          <a:xfrm>
+            <a:off x="10427586" y="3932600"/>
+            <a:ext cx="298749" cy="196691"/>
+          </a:xfrm>
+          <a:prstGeom prst="triangle">
+            <a:avLst/>
+          </a:prstGeom>
+        </p:spPr>
+        <p:style>
+          <a:lnRef idx="2">
+            <a:schemeClr val="accent1">
+              <a:shade val="50000"/>
+            </a:schemeClr>
+          </a:lnRef>
+          <a:fillRef idx="1">
+            <a:schemeClr val="accent1"/>
+          </a:fillRef>
+          <a:effectRef idx="0">
+            <a:schemeClr val="accent1"/>
+          </a:effectRef>
+          <a:fontRef idx="minor">
+            <a:schemeClr val="lt1"/>
+          </a:fontRef>
+        </p:style>
+        <p:txBody>
+          <a:bodyPr rtlCol="0" anchor="ctr"/>
+          <a:lstStyle/>
+          <a:p>
+            <a:pPr algn="ctr"/>
+            <a:endParaRPr lang="en-US"/>
+          </a:p>
+        </p:txBody>
+      </p:sp>
+      <p:sp>
+        <p:nvSpPr>
+          <p:cNvPr id="61" name="Isosceles Triangle 60">
+            <a:extLst>
+              <a:ext uri="{FF2B5EF4-FFF2-40B4-BE49-F238E27FC236}">
+                <a16:creationId xmlns:a16="http://schemas.microsoft.com/office/drawing/2014/main" id="{8BABF70F-3B6F-46F4-A4CC-18CCF151A6E0}"/>
+              </a:ext>
+            </a:extLst>
+          </p:cNvPr>
+          <p:cNvSpPr/>
+          <p:nvPr/>
+        </p:nvSpPr>
+        <p:spPr>
+          <a:xfrm rot="10800000">
+            <a:off x="9379130" y="4641825"/>
+            <a:ext cx="298749" cy="196691"/>
+          </a:xfrm>
+          <a:prstGeom prst="triangle">
+            <a:avLst/>
+          </a:prstGeom>
+        </p:spPr>
+        <p:style>
+          <a:lnRef idx="2">
+            <a:schemeClr val="accent1">
+              <a:shade val="50000"/>
+            </a:schemeClr>
+          </a:lnRef>
+          <a:fillRef idx="1">
+            <a:schemeClr val="accent1"/>
+          </a:fillRef>
+          <a:effectRef idx="0">
+            <a:schemeClr val="accent1"/>
+          </a:effectRef>
+          <a:fontRef idx="minor">
+            <a:schemeClr val="lt1"/>
+          </a:fontRef>
+        </p:style>
+        <p:txBody>
+          <a:bodyPr rtlCol="0" anchor="ctr"/>
+          <a:lstStyle/>
+          <a:p>
+            <a:pPr algn="ctr"/>
+            <a:endParaRPr lang="en-US"/>
+          </a:p>
+        </p:txBody>
+      </p:sp>
+      <p:sp>
+        <p:nvSpPr>
+          <p:cNvPr id="62" name="Isosceles Triangle 61">
+            <a:extLst>
+              <a:ext uri="{FF2B5EF4-FFF2-40B4-BE49-F238E27FC236}">
+                <a16:creationId xmlns:a16="http://schemas.microsoft.com/office/drawing/2014/main" id="{2EBB160A-46EC-4C9F-9F89-C48C7DF44B72}"/>
+              </a:ext>
+            </a:extLst>
+          </p:cNvPr>
+          <p:cNvSpPr/>
+          <p:nvPr/>
+        </p:nvSpPr>
+        <p:spPr>
+          <a:xfrm rot="10800000">
+            <a:off x="9942332" y="4641825"/>
+            <a:ext cx="298749" cy="196691"/>
+          </a:xfrm>
+          <a:prstGeom prst="triangle">
+            <a:avLst/>
+          </a:prstGeom>
+        </p:spPr>
+        <p:style>
+          <a:lnRef idx="2">
+            <a:schemeClr val="accent1">
+              <a:shade val="50000"/>
+            </a:schemeClr>
+          </a:lnRef>
+          <a:fillRef idx="1">
+            <a:schemeClr val="accent1"/>
+          </a:fillRef>
+          <a:effectRef idx="0">
+            <a:schemeClr val="accent1"/>
+          </a:effectRef>
+          <a:fontRef idx="minor">
+            <a:schemeClr val="lt1"/>
+          </a:fontRef>
+        </p:style>
+        <p:txBody>
+          <a:bodyPr rtlCol="0" anchor="ctr"/>
+          <a:lstStyle/>
+          <a:p>
+            <a:pPr algn="ctr"/>
+            <a:endParaRPr lang="en-US"/>
+          </a:p>
+        </p:txBody>
+      </p:sp>
+      <p:sp>
+        <p:nvSpPr>
+          <p:cNvPr id="63" name="Isosceles Triangle 62">
+            <a:extLst>
+              <a:ext uri="{FF2B5EF4-FFF2-40B4-BE49-F238E27FC236}">
+                <a16:creationId xmlns:a16="http://schemas.microsoft.com/office/drawing/2014/main" id="{CE473516-FC92-4D04-8295-DF459694CF87}"/>
+              </a:ext>
+            </a:extLst>
+          </p:cNvPr>
+          <p:cNvSpPr/>
+          <p:nvPr/>
+        </p:nvSpPr>
+        <p:spPr>
+          <a:xfrm rot="10800000">
+            <a:off x="10440134" y="4644397"/>
+            <a:ext cx="298749" cy="196691"/>
+          </a:xfrm>
+          <a:prstGeom prst="triangle">
+            <a:avLst/>
+          </a:prstGeom>
+        </p:spPr>
+        <p:style>
+          <a:lnRef idx="2">
+            <a:schemeClr val="accent1">
+              <a:shade val="50000"/>
+            </a:schemeClr>
+          </a:lnRef>
+          <a:fillRef idx="1">
+            <a:schemeClr val="accent1"/>
+          </a:fillRef>
+          <a:effectRef idx="0">
+            <a:schemeClr val="accent1"/>
+          </a:effectRef>
+          <a:fontRef idx="minor">
+            <a:schemeClr val="lt1"/>
+          </a:fontRef>
+        </p:style>
+        <p:txBody>
+          <a:bodyPr rtlCol="0" anchor="ctr"/>
+          <a:lstStyle/>
+          <a:p>
+            <a:pPr algn="ctr"/>
+            <a:endParaRPr lang="en-US"/>
+          </a:p>
+        </p:txBody>
+      </p:sp>
+      <p:sp>
+        <p:nvSpPr>
+          <p:cNvPr id="64" name="Oval 63">
+            <a:extLst>
+              <a:ext uri="{FF2B5EF4-FFF2-40B4-BE49-F238E27FC236}">
+                <a16:creationId xmlns:a16="http://schemas.microsoft.com/office/drawing/2014/main" id="{0EB43293-A892-47E1-B7A9-94FE8FBB8A3A}"/>
+              </a:ext>
+            </a:extLst>
+          </p:cNvPr>
+          <p:cNvSpPr/>
+          <p:nvPr/>
+        </p:nvSpPr>
+        <p:spPr>
+          <a:xfrm>
+            <a:off x="10861748" y="4146185"/>
+            <a:ext cx="224244" cy="159799"/>
+          </a:xfrm>
+          <a:prstGeom prst="ellipse">
+            <a:avLst/>
+          </a:prstGeom>
+          <a:solidFill>
+            <a:schemeClr val="bg1"/>
+          </a:solidFill>
+          <a:ln>
+            <a:solidFill>
+              <a:schemeClr val="tx1"/>
+            </a:solidFill>
+          </a:ln>
+        </p:spPr>
+        <p:style>
+          <a:lnRef idx="2">
+            <a:schemeClr val="accent1">
+              <a:shade val="50000"/>
+            </a:schemeClr>
+          </a:lnRef>
+          <a:fillRef idx="1">
+            <a:schemeClr val="accent1"/>
+          </a:fillRef>
+          <a:effectRef idx="0">
+            <a:schemeClr val="accent1"/>
+          </a:effectRef>
+          <a:fontRef idx="minor">
+            <a:schemeClr val="lt1"/>
+          </a:fontRef>
+        </p:style>
+        <p:txBody>
+          <a:bodyPr rtlCol="0" anchor="ctr"/>
+          <a:lstStyle/>
+          <a:p>
+            <a:pPr algn="ctr"/>
+            <a:endParaRPr lang="en-US"/>
+          </a:p>
+        </p:txBody>
+      </p:sp>
+      <p:sp>
+        <p:nvSpPr>
+          <p:cNvPr id="65" name="Oval 64">
+            <a:extLst>
+              <a:ext uri="{FF2B5EF4-FFF2-40B4-BE49-F238E27FC236}">
+                <a16:creationId xmlns:a16="http://schemas.microsoft.com/office/drawing/2014/main" id="{7DCD2A6E-DB63-4D56-8A71-6304FC154984}"/>
+              </a:ext>
+            </a:extLst>
+          </p:cNvPr>
+          <p:cNvSpPr/>
+          <p:nvPr/>
+        </p:nvSpPr>
+        <p:spPr>
+          <a:xfrm>
+            <a:off x="10861748" y="4457333"/>
+            <a:ext cx="224244" cy="159799"/>
+          </a:xfrm>
+          <a:prstGeom prst="ellipse">
+            <a:avLst/>
+          </a:prstGeom>
+          <a:solidFill>
+            <a:schemeClr val="bg1"/>
+          </a:solidFill>
+          <a:ln>
+            <a:solidFill>
+              <a:schemeClr val="tx1"/>
+            </a:solidFill>
+          </a:ln>
+        </p:spPr>
+        <p:style>
+          <a:lnRef idx="2">
+            <a:schemeClr val="accent1">
+              <a:shade val="50000"/>
+            </a:schemeClr>
+          </a:lnRef>
+          <a:fillRef idx="1">
+            <a:schemeClr val="accent1"/>
+          </a:fillRef>
+          <a:effectRef idx="0">
+            <a:schemeClr val="accent1"/>
+          </a:effectRef>
+          <a:fontRef idx="minor">
+            <a:schemeClr val="lt1"/>
+          </a:fontRef>
+        </p:style>
+        <p:txBody>
+          <a:bodyPr rtlCol="0" anchor="ctr"/>
+          <a:lstStyle/>
+          <a:p>
+            <a:pPr algn="ctr"/>
+            <a:endParaRPr lang="en-US"/>
+          </a:p>
+        </p:txBody>
+      </p:sp>
+      <p:sp>
+        <p:nvSpPr>
+          <p:cNvPr id="66" name="TextBox 65">
+            <a:extLst>
+              <a:ext uri="{FF2B5EF4-FFF2-40B4-BE49-F238E27FC236}">
+                <a16:creationId xmlns:a16="http://schemas.microsoft.com/office/drawing/2014/main" id="{DECBA1CB-FDF1-40E8-8F7F-C613B4D3165F}"/>
+              </a:ext>
+            </a:extLst>
+          </p:cNvPr>
+          <p:cNvSpPr txBox="1"/>
+          <p:nvPr/>
+        </p:nvSpPr>
+        <p:spPr>
+          <a:xfrm>
+            <a:off x="11035224" y="4405828"/>
+            <a:ext cx="559790" cy="276999"/>
+          </a:xfrm>
+          <a:prstGeom prst="rect">
+            <a:avLst/>
+          </a:prstGeom>
+          <a:noFill/>
+        </p:spPr>
+        <p:txBody>
+          <a:bodyPr wrap="square" rtlCol="0">
+            <a:spAutoFit/>
+          </a:bodyPr>
+          <a:lstStyle/>
+          <a:p>
+            <a:r>
+              <a:rPr lang="en-US" sz="1200" dirty="0"/>
+              <a:t>PM</a:t>
+            </a:r>
+          </a:p>
+        </p:txBody>
+      </p:sp>
+      <p:sp>
+        <p:nvSpPr>
+          <p:cNvPr id="67" name="TextBox 66">
+            <a:extLst>
+              <a:ext uri="{FF2B5EF4-FFF2-40B4-BE49-F238E27FC236}">
+                <a16:creationId xmlns:a16="http://schemas.microsoft.com/office/drawing/2014/main" id="{5BEF5456-103E-4126-9765-7B81616BABA7}"/>
+              </a:ext>
+            </a:extLst>
+          </p:cNvPr>
+          <p:cNvSpPr txBox="1"/>
+          <p:nvPr/>
+        </p:nvSpPr>
+        <p:spPr>
+          <a:xfrm>
+            <a:off x="11024466" y="4082757"/>
+            <a:ext cx="622488" cy="276999"/>
+          </a:xfrm>
+          <a:prstGeom prst="rect">
+            <a:avLst/>
+          </a:prstGeom>
+          <a:noFill/>
+        </p:spPr>
+        <p:txBody>
+          <a:bodyPr wrap="square" rtlCol="0">
+            <a:spAutoFit/>
+          </a:bodyPr>
+          <a:lstStyle/>
+          <a:p>
+            <a:r>
+              <a:rPr lang="en-US" sz="1200" dirty="0"/>
+              <a:t>AM</a:t>
+            </a:r>
+          </a:p>
+        </p:txBody>
+      </p:sp>
+      <p:sp>
+        <p:nvSpPr>
+          <p:cNvPr id="68" name="Oval 67">
+            <a:extLst>
+              <a:ext uri="{FF2B5EF4-FFF2-40B4-BE49-F238E27FC236}">
+                <a16:creationId xmlns:a16="http://schemas.microsoft.com/office/drawing/2014/main" id="{17223102-6B2A-46F1-A1A6-03CB779DEB89}"/>
+              </a:ext>
+            </a:extLst>
+          </p:cNvPr>
+          <p:cNvSpPr/>
+          <p:nvPr/>
+        </p:nvSpPr>
+        <p:spPr>
+          <a:xfrm>
+            <a:off x="10897560" y="4175715"/>
+            <a:ext cx="169938" cy="97993"/>
+          </a:xfrm>
+          <a:prstGeom prst="ellipse">
+            <a:avLst/>
+          </a:prstGeom>
+          <a:solidFill>
+            <a:schemeClr val="tx2"/>
+          </a:solidFill>
+          <a:ln>
+            <a:noFill/>
+          </a:ln>
+        </p:spPr>
+        <p:style>
+          <a:lnRef idx="2">
+            <a:schemeClr val="accent1">
+              <a:shade val="50000"/>
+            </a:schemeClr>
+          </a:lnRef>
+          <a:fillRef idx="1">
+            <a:schemeClr val="accent1"/>
+          </a:fillRef>
+          <a:effectRef idx="0">
+            <a:schemeClr val="accent1"/>
+          </a:effectRef>
+          <a:fontRef idx="minor">
+            <a:schemeClr val="lt1"/>
+          </a:fontRef>
+        </p:style>
+        <p:txBody>
+          <a:bodyPr rtlCol="0" anchor="ctr"/>
+          <a:lstStyle/>
+          <a:p>
+            <a:pPr algn="ctr"/>
+            <a:endParaRPr lang="en-US"/>
+          </a:p>
+        </p:txBody>
+      </p:sp>
+      <p:sp>
+        <p:nvSpPr>
+          <p:cNvPr id="16" name="Rectangle 15">
+            <a:extLst>
+              <a:ext uri="{FF2B5EF4-FFF2-40B4-BE49-F238E27FC236}">
+                <a16:creationId xmlns:a16="http://schemas.microsoft.com/office/drawing/2014/main" id="{02904A15-F36F-44DF-9EC6-EEF067FA87E2}"/>
+              </a:ext>
+            </a:extLst>
+          </p:cNvPr>
+          <p:cNvSpPr/>
+          <p:nvPr/>
+        </p:nvSpPr>
+        <p:spPr>
+          <a:xfrm>
+            <a:off x="3453968" y="4254807"/>
+            <a:ext cx="224244" cy="178804"/>
+          </a:xfrm>
+          <a:prstGeom prst="rect">
+            <a:avLst/>
+          </a:prstGeom>
+          <a:solidFill>
+            <a:schemeClr val="bg1">
+              <a:lumMod val="95000"/>
+            </a:schemeClr>
+          </a:solidFill>
+          <a:ln>
+            <a:solidFill>
+              <a:schemeClr val="tx1"/>
+            </a:solidFill>
+          </a:ln>
+        </p:spPr>
+        <p:style>
+          <a:lnRef idx="2">
+            <a:schemeClr val="accent1">
+              <a:shade val="50000"/>
+            </a:schemeClr>
+          </a:lnRef>
+          <a:fillRef idx="1">
+            <a:schemeClr val="accent1"/>
+          </a:fillRef>
+          <a:effectRef idx="0">
+            <a:schemeClr val="accent1"/>
+          </a:effectRef>
+          <a:fontRef idx="minor">
+            <a:schemeClr val="lt1"/>
+          </a:fontRef>
+        </p:style>
+        <p:txBody>
+          <a:bodyPr rtlCol="0" anchor="ctr"/>
+          <a:lstStyle/>
+          <a:p>
+            <a:pPr algn="ctr"/>
+            <a:endParaRPr lang="en-US"/>
+          </a:p>
+        </p:txBody>
+      </p:sp>
+      <p:sp>
+        <p:nvSpPr>
+          <p:cNvPr id="70" name="TextBox 69">
+            <a:extLst>
+              <a:ext uri="{FF2B5EF4-FFF2-40B4-BE49-F238E27FC236}">
+                <a16:creationId xmlns:a16="http://schemas.microsoft.com/office/drawing/2014/main" id="{EBEAC4AA-BCF4-4B36-AD9C-DF1544D67E29}"/>
+              </a:ext>
+            </a:extLst>
+          </p:cNvPr>
+          <p:cNvSpPr txBox="1"/>
+          <p:nvPr/>
+        </p:nvSpPr>
+        <p:spPr>
+          <a:xfrm>
+            <a:off x="132329" y="1194194"/>
+            <a:ext cx="5893376" cy="369332"/>
+          </a:xfrm>
+          <a:prstGeom prst="rect">
+            <a:avLst/>
+          </a:prstGeom>
+          <a:solidFill>
+            <a:schemeClr val="tx2">
+              <a:lumMod val="40000"/>
+              <a:lumOff val="60000"/>
+            </a:schemeClr>
+          </a:solidFill>
+          <a:ln>
+            <a:solidFill>
+              <a:schemeClr val="tx1"/>
+            </a:solidFill>
+          </a:ln>
+        </p:spPr>
+        <p:txBody>
+          <a:bodyPr wrap="square" rtlCol="0">
+            <a:spAutoFit/>
+          </a:bodyPr>
+          <a:lstStyle/>
+          <a:p>
+            <a:r>
+              <a:rPr lang="en-US" dirty="0"/>
+              <a:t>TACM: Task and Charging Manager</a:t>
+            </a:r>
+          </a:p>
+        </p:txBody>
+      </p:sp>
+      <p:sp>
+        <p:nvSpPr>
+          <p:cNvPr id="71" name="TextBox 70">
+            <a:extLst>
+              <a:ext uri="{FF2B5EF4-FFF2-40B4-BE49-F238E27FC236}">
+                <a16:creationId xmlns:a16="http://schemas.microsoft.com/office/drawing/2014/main" id="{71C3B458-B635-4C72-89F5-099EC92F76D9}"/>
+              </a:ext>
+            </a:extLst>
+          </p:cNvPr>
+          <p:cNvSpPr txBox="1"/>
+          <p:nvPr/>
+        </p:nvSpPr>
+        <p:spPr>
+          <a:xfrm>
+            <a:off x="5708205" y="1194194"/>
+            <a:ext cx="304802" cy="369332"/>
+          </a:xfrm>
+          <a:prstGeom prst="rect">
+            <a:avLst/>
+          </a:prstGeom>
+          <a:gradFill flip="none" rotWithShape="1">
+            <a:gsLst>
+              <a:gs pos="83000">
+                <a:schemeClr val="bg1">
+                  <a:lumMod val="95000"/>
+                </a:schemeClr>
+              </a:gs>
+              <a:gs pos="57000">
+                <a:srgbClr val="FF94A1"/>
+              </a:gs>
+              <a:gs pos="100000">
+                <a:srgbClr val="FF94A1"/>
+              </a:gs>
+            </a:gsLst>
+            <a:lin ang="16200000" scaled="1"/>
+            <a:tileRect/>
+          </a:gradFill>
+          <a:effectLst>
+            <a:softEdge rad="0"/>
+          </a:effectLst>
+          <a:scene3d>
+            <a:camera prst="orthographicFront"/>
+            <a:lightRig rig="threePt" dir="t"/>
+          </a:scene3d>
+          <a:sp3d>
+            <a:bevelT/>
+          </a:sp3d>
+        </p:spPr>
+        <p:txBody>
+          <a:bodyPr wrap="square" rtlCol="0">
+            <a:spAutoFit/>
+          </a:bodyPr>
+          <a:lstStyle/>
+          <a:p>
+            <a:pPr algn="ctr"/>
+            <a:r>
+              <a:rPr lang="en-US" dirty="0"/>
+              <a:t>X</a:t>
+            </a:r>
+          </a:p>
+        </p:txBody>
+      </p:sp>
+      <p:sp>
+        <p:nvSpPr>
+          <p:cNvPr id="72" name="TextBox 71">
+            <a:extLst>
+              <a:ext uri="{FF2B5EF4-FFF2-40B4-BE49-F238E27FC236}">
+                <a16:creationId xmlns:a16="http://schemas.microsoft.com/office/drawing/2014/main" id="{2B298684-B88F-449D-A4FF-8AA1E9E0093C}"/>
+              </a:ext>
+            </a:extLst>
+          </p:cNvPr>
+          <p:cNvSpPr txBox="1"/>
+          <p:nvPr/>
+        </p:nvSpPr>
+        <p:spPr>
+          <a:xfrm>
+            <a:off x="5403403" y="1194194"/>
+            <a:ext cx="304802" cy="369332"/>
+          </a:xfrm>
+          <a:prstGeom prst="rect">
+            <a:avLst/>
+          </a:prstGeom>
+          <a:gradFill flip="none" rotWithShape="1">
+            <a:gsLst>
+              <a:gs pos="93000">
+                <a:schemeClr val="bg1">
+                  <a:lumMod val="95000"/>
+                </a:schemeClr>
+              </a:gs>
+              <a:gs pos="81000">
+                <a:schemeClr val="bg2">
+                  <a:lumMod val="90000"/>
+                </a:schemeClr>
+              </a:gs>
+              <a:gs pos="100000">
+                <a:schemeClr val="bg2">
+                  <a:lumMod val="90000"/>
+                </a:schemeClr>
+              </a:gs>
+            </a:gsLst>
+            <a:lin ang="16200000" scaled="1"/>
+            <a:tileRect/>
+          </a:gradFill>
+          <a:effectLst>
+            <a:softEdge rad="0"/>
+          </a:effectLst>
+          <a:scene3d>
+            <a:camera prst="orthographicFront"/>
+            <a:lightRig rig="threePt" dir="t"/>
+          </a:scene3d>
+          <a:sp3d>
+            <a:bevelT/>
+          </a:sp3d>
+        </p:spPr>
+        <p:txBody>
+          <a:bodyPr wrap="square" rtlCol="0">
+            <a:spAutoFit/>
+          </a:bodyPr>
+          <a:lstStyle/>
+          <a:p>
+            <a:pPr algn="ctr"/>
+            <a:r>
+              <a:rPr lang="en-US" dirty="0"/>
+              <a:t>_</a:t>
+            </a:r>
+          </a:p>
+        </p:txBody>
+      </p:sp>
+      <p:sp>
+        <p:nvSpPr>
+          <p:cNvPr id="73" name="TextBox 72">
+            <a:extLst>
+              <a:ext uri="{FF2B5EF4-FFF2-40B4-BE49-F238E27FC236}">
+                <a16:creationId xmlns:a16="http://schemas.microsoft.com/office/drawing/2014/main" id="{86F49AF7-B55D-4256-9320-9ECC7110CB89}"/>
+              </a:ext>
+            </a:extLst>
+          </p:cNvPr>
+          <p:cNvSpPr txBox="1"/>
+          <p:nvPr/>
+        </p:nvSpPr>
+        <p:spPr>
+          <a:xfrm>
+            <a:off x="132329" y="1567634"/>
+            <a:ext cx="5893376" cy="338554"/>
+          </a:xfrm>
+          <a:prstGeom prst="rect">
+            <a:avLst/>
+          </a:prstGeom>
+          <a:noFill/>
+          <a:ln>
+            <a:solidFill>
+              <a:schemeClr val="tx1"/>
+            </a:solidFill>
+          </a:ln>
+        </p:spPr>
+        <p:txBody>
+          <a:bodyPr wrap="square" rtlCol="0">
+            <a:spAutoFit/>
+          </a:bodyPr>
+          <a:lstStyle/>
+          <a:p>
+            <a:r>
+              <a:rPr lang="en-US" sz="1600" dirty="0"/>
+              <a:t>File  Edit   Help</a:t>
+            </a:r>
+          </a:p>
+        </p:txBody>
+      </p:sp>
+      <p:sp>
+        <p:nvSpPr>
+          <p:cNvPr id="74" name="TextBox 73">
+            <a:extLst>
+              <a:ext uri="{FF2B5EF4-FFF2-40B4-BE49-F238E27FC236}">
+                <a16:creationId xmlns:a16="http://schemas.microsoft.com/office/drawing/2014/main" id="{889C5F2F-FC8D-446D-85D6-A666014C7792}"/>
+              </a:ext>
+            </a:extLst>
+          </p:cNvPr>
+          <p:cNvSpPr txBox="1"/>
+          <p:nvPr/>
+        </p:nvSpPr>
+        <p:spPr>
+          <a:xfrm>
+            <a:off x="2175850" y="2992252"/>
+            <a:ext cx="2269643" cy="338554"/>
+          </a:xfrm>
+          <a:prstGeom prst="rect">
+            <a:avLst/>
+          </a:prstGeom>
+          <a:noFill/>
+          <a:ln>
+            <a:solidFill>
+              <a:schemeClr val="tx1"/>
+            </a:solidFill>
+          </a:ln>
+        </p:spPr>
+        <p:txBody>
+          <a:bodyPr wrap="square" rtlCol="0">
+            <a:spAutoFit/>
+          </a:bodyPr>
+          <a:lstStyle/>
+          <a:p>
+            <a:r>
+              <a:rPr lang="en-US" sz="1600" dirty="0">
+                <a:solidFill>
+                  <a:schemeClr val="tx2">
+                    <a:lumMod val="60000"/>
+                    <a:lumOff val="40000"/>
+                  </a:schemeClr>
+                </a:solidFill>
+              </a:rPr>
+              <a:t>Type</a:t>
+            </a:r>
+          </a:p>
+        </p:txBody>
+      </p:sp>
+      <p:sp>
+        <p:nvSpPr>
+          <p:cNvPr id="75" name="TextBox 74">
+            <a:extLst>
+              <a:ext uri="{FF2B5EF4-FFF2-40B4-BE49-F238E27FC236}">
+                <a16:creationId xmlns:a16="http://schemas.microsoft.com/office/drawing/2014/main" id="{E4232DE9-15F0-45B6-9C41-8AFEED4B795D}"/>
+              </a:ext>
+            </a:extLst>
+          </p:cNvPr>
+          <p:cNvSpPr txBox="1"/>
+          <p:nvPr/>
+        </p:nvSpPr>
+        <p:spPr>
+          <a:xfrm>
+            <a:off x="2175850" y="2545347"/>
+            <a:ext cx="3166462" cy="338554"/>
+          </a:xfrm>
+          <a:prstGeom prst="rect">
+            <a:avLst/>
+          </a:prstGeom>
+          <a:noFill/>
+          <a:ln>
+            <a:solidFill>
+              <a:schemeClr val="tx1"/>
+            </a:solidFill>
+          </a:ln>
+        </p:spPr>
+        <p:txBody>
+          <a:bodyPr wrap="square" rtlCol="0">
+            <a:spAutoFit/>
+          </a:bodyPr>
+          <a:lstStyle/>
+          <a:p>
+            <a:r>
+              <a:rPr lang="en-US" sz="1600" dirty="0">
+                <a:solidFill>
+                  <a:schemeClr val="tx2">
+                    <a:lumMod val="60000"/>
+                    <a:lumOff val="40000"/>
+                  </a:schemeClr>
+                </a:solidFill>
+              </a:rPr>
+              <a:t>Description</a:t>
+            </a:r>
+          </a:p>
+        </p:txBody>
+      </p:sp>
+      <p:sp>
+        <p:nvSpPr>
+          <p:cNvPr id="76" name="TextBox 75">
+            <a:extLst>
+              <a:ext uri="{FF2B5EF4-FFF2-40B4-BE49-F238E27FC236}">
+                <a16:creationId xmlns:a16="http://schemas.microsoft.com/office/drawing/2014/main" id="{27E296EB-B7EA-4AFE-B521-9208FC8729B0}"/>
+              </a:ext>
+            </a:extLst>
+          </p:cNvPr>
+          <p:cNvSpPr txBox="1"/>
+          <p:nvPr/>
+        </p:nvSpPr>
+        <p:spPr>
+          <a:xfrm>
+            <a:off x="1481153" y="4941580"/>
+            <a:ext cx="1612900" cy="307777"/>
+          </a:xfrm>
+          <a:prstGeom prst="rect">
+            <a:avLst/>
+          </a:prstGeom>
+          <a:gradFill flip="none" rotWithShape="1">
+            <a:gsLst>
+              <a:gs pos="93000">
+                <a:schemeClr val="bg1">
+                  <a:lumMod val="95000"/>
+                </a:schemeClr>
+              </a:gs>
+              <a:gs pos="81000">
+                <a:schemeClr val="bg2">
+                  <a:lumMod val="90000"/>
+                </a:schemeClr>
+              </a:gs>
+              <a:gs pos="100000">
+                <a:schemeClr val="bg2">
+                  <a:lumMod val="90000"/>
+                </a:schemeClr>
+              </a:gs>
+            </a:gsLst>
+            <a:lin ang="16200000" scaled="1"/>
+            <a:tileRect/>
+          </a:gradFill>
+          <a:effectLst>
+            <a:softEdge rad="0"/>
+          </a:effectLst>
+          <a:scene3d>
+            <a:camera prst="orthographicFront"/>
+            <a:lightRig rig="threePt" dir="t"/>
+          </a:scene3d>
+          <a:sp3d>
+            <a:bevelT/>
+          </a:sp3d>
+        </p:spPr>
+        <p:txBody>
+          <a:bodyPr wrap="square" rtlCol="0">
+            <a:spAutoFit/>
+          </a:bodyPr>
+          <a:lstStyle/>
+          <a:p>
+            <a:pPr algn="ctr"/>
+            <a:r>
+              <a:rPr lang="en-US" sz="1400" dirty="0"/>
+              <a:t>Create Task</a:t>
+            </a:r>
+          </a:p>
+        </p:txBody>
+      </p:sp>
+      <p:sp>
+        <p:nvSpPr>
+          <p:cNvPr id="77" name="TextBox 76">
+            <a:extLst>
+              <a:ext uri="{FF2B5EF4-FFF2-40B4-BE49-F238E27FC236}">
+                <a16:creationId xmlns:a16="http://schemas.microsoft.com/office/drawing/2014/main" id="{5D9639DF-BAD1-46AB-8BDA-42AA3177AC88}"/>
+              </a:ext>
+            </a:extLst>
+          </p:cNvPr>
+          <p:cNvSpPr txBox="1"/>
+          <p:nvPr/>
+        </p:nvSpPr>
+        <p:spPr>
+          <a:xfrm>
+            <a:off x="3186613" y="4950720"/>
+            <a:ext cx="1612900" cy="307777"/>
+          </a:xfrm>
+          <a:prstGeom prst="rect">
+            <a:avLst/>
+          </a:prstGeom>
+          <a:gradFill flip="none" rotWithShape="1">
+            <a:gsLst>
+              <a:gs pos="93000">
+                <a:schemeClr val="bg1">
+                  <a:lumMod val="95000"/>
+                </a:schemeClr>
+              </a:gs>
+              <a:gs pos="81000">
+                <a:schemeClr val="bg2">
+                  <a:lumMod val="90000"/>
+                </a:schemeClr>
+              </a:gs>
+              <a:gs pos="100000">
+                <a:schemeClr val="bg2">
+                  <a:lumMod val="90000"/>
+                </a:schemeClr>
+              </a:gs>
+            </a:gsLst>
+            <a:lin ang="16200000" scaled="1"/>
+            <a:tileRect/>
+          </a:gradFill>
+          <a:effectLst>
+            <a:softEdge rad="0"/>
+          </a:effectLst>
+          <a:scene3d>
+            <a:camera prst="orthographicFront"/>
+            <a:lightRig rig="threePt" dir="t"/>
+          </a:scene3d>
+          <a:sp3d>
+            <a:bevelT/>
+          </a:sp3d>
+        </p:spPr>
+        <p:txBody>
+          <a:bodyPr wrap="square" rtlCol="0">
+            <a:spAutoFit/>
+          </a:bodyPr>
+          <a:lstStyle/>
+          <a:p>
+            <a:pPr algn="ctr"/>
+            <a:r>
+              <a:rPr lang="en-US" sz="1400" dirty="0"/>
+              <a:t>Cancel</a:t>
+            </a:r>
+          </a:p>
+        </p:txBody>
+      </p:sp>
+      <p:sp>
+        <p:nvSpPr>
+          <p:cNvPr id="78" name="TextBox 77">
+            <a:extLst>
+              <a:ext uri="{FF2B5EF4-FFF2-40B4-BE49-F238E27FC236}">
+                <a16:creationId xmlns:a16="http://schemas.microsoft.com/office/drawing/2014/main" id="{2E65768A-C8C8-484E-AA3B-D230DF018DEB}"/>
+              </a:ext>
+            </a:extLst>
+          </p:cNvPr>
+          <p:cNvSpPr txBox="1"/>
+          <p:nvPr/>
+        </p:nvSpPr>
+        <p:spPr>
+          <a:xfrm>
+            <a:off x="809374" y="2557255"/>
+            <a:ext cx="2269643" cy="276999"/>
+          </a:xfrm>
+          <a:prstGeom prst="rect">
+            <a:avLst/>
+          </a:prstGeom>
+          <a:noFill/>
+          <a:ln>
+            <a:noFill/>
+          </a:ln>
+        </p:spPr>
+        <p:txBody>
+          <a:bodyPr wrap="square" rtlCol="0">
+            <a:spAutoFit/>
+          </a:bodyPr>
+          <a:lstStyle/>
+          <a:p>
+            <a:r>
+              <a:rPr lang="en-US" sz="1200" dirty="0">
+                <a:solidFill>
+                  <a:schemeClr val="tx2">
+                    <a:lumMod val="50000"/>
+                  </a:schemeClr>
+                </a:solidFill>
+              </a:rPr>
+              <a:t>Description:</a:t>
+            </a:r>
+          </a:p>
+        </p:txBody>
+      </p:sp>
+      <p:sp>
+        <p:nvSpPr>
+          <p:cNvPr id="79" name="Rectangle 78">
+            <a:extLst>
+              <a:ext uri="{FF2B5EF4-FFF2-40B4-BE49-F238E27FC236}">
+                <a16:creationId xmlns:a16="http://schemas.microsoft.com/office/drawing/2014/main" id="{414B03B1-DEBD-4CB0-A00F-1387B290DB1A}"/>
+              </a:ext>
+            </a:extLst>
+          </p:cNvPr>
+          <p:cNvSpPr/>
+          <p:nvPr/>
+        </p:nvSpPr>
+        <p:spPr>
+          <a:xfrm>
+            <a:off x="4138772" y="2992252"/>
+            <a:ext cx="306721" cy="338554"/>
+          </a:xfrm>
+          <a:prstGeom prst="rect">
+            <a:avLst/>
+          </a:prstGeom>
+          <a:solidFill>
+            <a:srgbClr val="C3C1C1"/>
+          </a:solidFill>
+          <a:ln>
+            <a:solidFill>
+              <a:schemeClr val="tx1"/>
+            </a:solidFill>
+          </a:ln>
+        </p:spPr>
+        <p:style>
+          <a:lnRef idx="2">
+            <a:schemeClr val="accent1">
+              <a:shade val="50000"/>
+            </a:schemeClr>
+          </a:lnRef>
+          <a:fillRef idx="1">
+            <a:schemeClr val="accent1"/>
+          </a:fillRef>
+          <a:effectRef idx="0">
+            <a:schemeClr val="accent1"/>
+          </a:effectRef>
+          <a:fontRef idx="minor">
+            <a:schemeClr val="lt1"/>
+          </a:fontRef>
+        </p:style>
+        <p:txBody>
+          <a:bodyPr rtlCol="0" anchor="ctr"/>
+          <a:lstStyle/>
+          <a:p>
+            <a:pPr algn="ctr"/>
+            <a:endParaRPr lang="en-US"/>
+          </a:p>
+        </p:txBody>
+      </p:sp>
+      <p:sp>
+        <p:nvSpPr>
+          <p:cNvPr id="80" name="Isosceles Triangle 79">
+            <a:extLst>
+              <a:ext uri="{FF2B5EF4-FFF2-40B4-BE49-F238E27FC236}">
+                <a16:creationId xmlns:a16="http://schemas.microsoft.com/office/drawing/2014/main" id="{B14EB904-4F23-495F-BAD4-995AD4F6D46B}"/>
+              </a:ext>
+            </a:extLst>
+          </p:cNvPr>
+          <p:cNvSpPr/>
+          <p:nvPr/>
+        </p:nvSpPr>
+        <p:spPr>
+          <a:xfrm rot="10800000">
+            <a:off x="4202140" y="3113472"/>
+            <a:ext cx="179984" cy="128441"/>
+          </a:xfrm>
+          <a:prstGeom prst="triangle">
+            <a:avLst/>
+          </a:prstGeom>
+          <a:solidFill>
+            <a:schemeClr val="tx1"/>
+          </a:solidFill>
+          <a:ln>
+            <a:solidFill>
+              <a:schemeClr val="tx1"/>
+            </a:solidFill>
+          </a:ln>
+        </p:spPr>
+        <p:style>
+          <a:lnRef idx="2">
+            <a:schemeClr val="accent1">
+              <a:shade val="50000"/>
+            </a:schemeClr>
+          </a:lnRef>
+          <a:fillRef idx="1">
+            <a:schemeClr val="accent1"/>
+          </a:fillRef>
+          <a:effectRef idx="0">
+            <a:schemeClr val="accent1"/>
+          </a:effectRef>
+          <a:fontRef idx="minor">
+            <a:schemeClr val="lt1"/>
+          </a:fontRef>
+        </p:style>
+        <p:txBody>
+          <a:bodyPr rtlCol="0" anchor="ctr"/>
+          <a:lstStyle/>
+          <a:p>
+            <a:pPr algn="ctr"/>
+            <a:endParaRPr lang="en-US"/>
+          </a:p>
+        </p:txBody>
+      </p:sp>
+      <p:sp>
+        <p:nvSpPr>
+          <p:cNvPr id="81" name="TextBox 80">
+            <a:extLst>
+              <a:ext uri="{FF2B5EF4-FFF2-40B4-BE49-F238E27FC236}">
+                <a16:creationId xmlns:a16="http://schemas.microsoft.com/office/drawing/2014/main" id="{97C78715-8328-4532-A4E3-0C11D38FBF35}"/>
+              </a:ext>
+            </a:extLst>
+          </p:cNvPr>
+          <p:cNvSpPr txBox="1"/>
+          <p:nvPr/>
+        </p:nvSpPr>
+        <p:spPr>
+          <a:xfrm>
+            <a:off x="4682007" y="2996360"/>
+            <a:ext cx="873797" cy="523220"/>
+          </a:xfrm>
+          <a:prstGeom prst="rect">
+            <a:avLst/>
+          </a:prstGeom>
+          <a:gradFill flip="none" rotWithShape="1">
+            <a:gsLst>
+              <a:gs pos="93000">
+                <a:schemeClr val="bg1">
+                  <a:lumMod val="95000"/>
+                </a:schemeClr>
+              </a:gs>
+              <a:gs pos="81000">
+                <a:schemeClr val="bg2">
+                  <a:lumMod val="90000"/>
+                </a:schemeClr>
+              </a:gs>
+              <a:gs pos="100000">
+                <a:schemeClr val="bg2">
+                  <a:lumMod val="90000"/>
+                </a:schemeClr>
+              </a:gs>
+            </a:gsLst>
+            <a:lin ang="16200000" scaled="1"/>
+            <a:tileRect/>
+          </a:gradFill>
+          <a:effectLst>
+            <a:softEdge rad="0"/>
+          </a:effectLst>
+          <a:scene3d>
+            <a:camera prst="orthographicFront"/>
+            <a:lightRig rig="threePt" dir="t"/>
+          </a:scene3d>
+          <a:sp3d>
+            <a:bevelT/>
+          </a:sp3d>
+        </p:spPr>
+        <p:txBody>
+          <a:bodyPr wrap="square" rtlCol="0">
+            <a:spAutoFit/>
+          </a:bodyPr>
+          <a:lstStyle/>
+          <a:p>
+            <a:pPr algn="ctr"/>
+            <a:r>
+              <a:rPr lang="en-US" sz="1400" dirty="0"/>
+              <a:t>New Type</a:t>
+            </a:r>
+          </a:p>
+        </p:txBody>
+      </p:sp>
+      <p:sp>
+        <p:nvSpPr>
+          <p:cNvPr id="82" name="TextBox 81">
+            <a:extLst>
+              <a:ext uri="{FF2B5EF4-FFF2-40B4-BE49-F238E27FC236}">
+                <a16:creationId xmlns:a16="http://schemas.microsoft.com/office/drawing/2014/main" id="{B325F131-E942-4724-B56D-5D649A0CE7CE}"/>
+              </a:ext>
+            </a:extLst>
+          </p:cNvPr>
+          <p:cNvSpPr txBox="1"/>
+          <p:nvPr/>
+        </p:nvSpPr>
+        <p:spPr>
+          <a:xfrm>
+            <a:off x="849299" y="3054638"/>
+            <a:ext cx="2269643" cy="276999"/>
+          </a:xfrm>
+          <a:prstGeom prst="rect">
+            <a:avLst/>
+          </a:prstGeom>
+          <a:noFill/>
+          <a:ln>
+            <a:noFill/>
+          </a:ln>
+        </p:spPr>
+        <p:txBody>
+          <a:bodyPr wrap="square" rtlCol="0">
+            <a:spAutoFit/>
+          </a:bodyPr>
+          <a:lstStyle/>
+          <a:p>
+            <a:r>
+              <a:rPr lang="en-US" sz="1200" dirty="0">
+                <a:solidFill>
+                  <a:schemeClr val="tx2">
+                    <a:lumMod val="50000"/>
+                  </a:schemeClr>
+                </a:solidFill>
+              </a:rPr>
+              <a:t>Type:</a:t>
+            </a:r>
+          </a:p>
+        </p:txBody>
+      </p:sp>
+      <p:sp>
+        <p:nvSpPr>
+          <p:cNvPr id="83" name="TextBox 82">
+            <a:extLst>
+              <a:ext uri="{FF2B5EF4-FFF2-40B4-BE49-F238E27FC236}">
+                <a16:creationId xmlns:a16="http://schemas.microsoft.com/office/drawing/2014/main" id="{E5E25B0F-9B96-4792-A152-84963339D633}"/>
+              </a:ext>
+            </a:extLst>
+          </p:cNvPr>
+          <p:cNvSpPr txBox="1"/>
+          <p:nvPr/>
+        </p:nvSpPr>
+        <p:spPr>
+          <a:xfrm>
+            <a:off x="932514" y="4142072"/>
+            <a:ext cx="438598" cy="369332"/>
+          </a:xfrm>
+          <a:prstGeom prst="rect">
+            <a:avLst/>
+          </a:prstGeom>
+          <a:solidFill>
+            <a:schemeClr val="bg1"/>
+          </a:solidFill>
+          <a:ln>
+            <a:solidFill>
+              <a:schemeClr val="tx1"/>
+            </a:solidFill>
+          </a:ln>
+        </p:spPr>
+        <p:txBody>
+          <a:bodyPr wrap="square" rtlCol="0">
+            <a:spAutoFit/>
+          </a:bodyPr>
+          <a:lstStyle/>
+          <a:p>
+            <a:r>
+              <a:rPr lang="en-US" dirty="0"/>
+              <a:t>03</a:t>
+            </a:r>
+          </a:p>
+        </p:txBody>
+      </p:sp>
+      <p:sp>
+        <p:nvSpPr>
+          <p:cNvPr id="84" name="TextBox 83">
+            <a:extLst>
+              <a:ext uri="{FF2B5EF4-FFF2-40B4-BE49-F238E27FC236}">
+                <a16:creationId xmlns:a16="http://schemas.microsoft.com/office/drawing/2014/main" id="{D6E69385-CFC2-4AE4-A75C-D34D93204780}"/>
+              </a:ext>
+            </a:extLst>
+          </p:cNvPr>
+          <p:cNvSpPr txBox="1"/>
+          <p:nvPr/>
+        </p:nvSpPr>
+        <p:spPr>
+          <a:xfrm>
+            <a:off x="1473765" y="4142072"/>
+            <a:ext cx="438598" cy="369332"/>
+          </a:xfrm>
+          <a:prstGeom prst="rect">
+            <a:avLst/>
+          </a:prstGeom>
+          <a:solidFill>
+            <a:schemeClr val="bg1"/>
+          </a:solidFill>
+          <a:ln>
+            <a:solidFill>
+              <a:schemeClr val="tx1"/>
+            </a:solidFill>
+          </a:ln>
+        </p:spPr>
+        <p:txBody>
+          <a:bodyPr wrap="square" rtlCol="0">
+            <a:spAutoFit/>
+          </a:bodyPr>
+          <a:lstStyle/>
+          <a:p>
+            <a:r>
+              <a:rPr lang="en-US" dirty="0"/>
+              <a:t>55</a:t>
+            </a:r>
+          </a:p>
+        </p:txBody>
+      </p:sp>
+      <p:sp>
+        <p:nvSpPr>
+          <p:cNvPr id="85" name="TextBox 84">
+            <a:extLst>
+              <a:ext uri="{FF2B5EF4-FFF2-40B4-BE49-F238E27FC236}">
+                <a16:creationId xmlns:a16="http://schemas.microsoft.com/office/drawing/2014/main" id="{7A941657-DAB4-4B8F-A9BF-72787447BE3E}"/>
+              </a:ext>
+            </a:extLst>
+          </p:cNvPr>
+          <p:cNvSpPr txBox="1"/>
+          <p:nvPr/>
+        </p:nvSpPr>
+        <p:spPr>
+          <a:xfrm>
+            <a:off x="2005977" y="4142003"/>
+            <a:ext cx="438598" cy="369332"/>
+          </a:xfrm>
+          <a:prstGeom prst="rect">
+            <a:avLst/>
+          </a:prstGeom>
+          <a:solidFill>
+            <a:schemeClr val="bg1"/>
+          </a:solidFill>
+          <a:ln>
+            <a:solidFill>
+              <a:schemeClr val="tx1"/>
+            </a:solidFill>
+          </a:ln>
+        </p:spPr>
+        <p:txBody>
+          <a:bodyPr wrap="square" rtlCol="0">
+            <a:spAutoFit/>
+          </a:bodyPr>
+          <a:lstStyle/>
+          <a:p>
+            <a:r>
+              <a:rPr lang="en-US" dirty="0"/>
+              <a:t>05</a:t>
+            </a:r>
+          </a:p>
+        </p:txBody>
+      </p:sp>
+      <p:sp>
+        <p:nvSpPr>
+          <p:cNvPr id="86" name="TextBox 85">
+            <a:extLst>
+              <a:ext uri="{FF2B5EF4-FFF2-40B4-BE49-F238E27FC236}">
+                <a16:creationId xmlns:a16="http://schemas.microsoft.com/office/drawing/2014/main" id="{7E6D2AA7-DC88-4850-8631-A35391EFB640}"/>
+              </a:ext>
+            </a:extLst>
+          </p:cNvPr>
+          <p:cNvSpPr txBox="1"/>
+          <p:nvPr/>
+        </p:nvSpPr>
+        <p:spPr>
+          <a:xfrm>
+            <a:off x="1313373" y="4127548"/>
+            <a:ext cx="379691" cy="369332"/>
+          </a:xfrm>
+          <a:prstGeom prst="rect">
+            <a:avLst/>
+          </a:prstGeom>
+          <a:noFill/>
+        </p:spPr>
+        <p:txBody>
+          <a:bodyPr wrap="square" rtlCol="0">
+            <a:spAutoFit/>
+          </a:bodyPr>
+          <a:lstStyle/>
+          <a:p>
+            <a:r>
+              <a:rPr lang="en-US" dirty="0"/>
+              <a:t>:</a:t>
+            </a:r>
+          </a:p>
+        </p:txBody>
+      </p:sp>
+      <p:sp>
+        <p:nvSpPr>
+          <p:cNvPr id="87" name="TextBox 86">
+            <a:extLst>
+              <a:ext uri="{FF2B5EF4-FFF2-40B4-BE49-F238E27FC236}">
+                <a16:creationId xmlns:a16="http://schemas.microsoft.com/office/drawing/2014/main" id="{B5064EDC-B1A1-4DA2-B898-B4DDE3EB0750}"/>
+              </a:ext>
+            </a:extLst>
+          </p:cNvPr>
+          <p:cNvSpPr txBox="1"/>
+          <p:nvPr/>
+        </p:nvSpPr>
+        <p:spPr>
+          <a:xfrm>
+            <a:off x="1841088" y="4145770"/>
+            <a:ext cx="379691" cy="369332"/>
+          </a:xfrm>
+          <a:prstGeom prst="rect">
+            <a:avLst/>
+          </a:prstGeom>
+          <a:noFill/>
+        </p:spPr>
+        <p:txBody>
+          <a:bodyPr wrap="square" rtlCol="0">
+            <a:spAutoFit/>
+          </a:bodyPr>
+          <a:lstStyle/>
+          <a:p>
+            <a:r>
+              <a:rPr lang="en-US" dirty="0"/>
+              <a:t>:</a:t>
+            </a:r>
+          </a:p>
+        </p:txBody>
+      </p:sp>
+      <p:sp>
+        <p:nvSpPr>
+          <p:cNvPr id="88" name="Isosceles Triangle 87">
+            <a:extLst>
+              <a:ext uri="{FF2B5EF4-FFF2-40B4-BE49-F238E27FC236}">
+                <a16:creationId xmlns:a16="http://schemas.microsoft.com/office/drawing/2014/main" id="{9C8D2196-14EE-4097-A329-A57F988342B5}"/>
+              </a:ext>
+            </a:extLst>
+          </p:cNvPr>
+          <p:cNvSpPr/>
+          <p:nvPr/>
+        </p:nvSpPr>
+        <p:spPr>
+          <a:xfrm>
+            <a:off x="992024" y="3888457"/>
+            <a:ext cx="298749" cy="196691"/>
+          </a:xfrm>
+          <a:prstGeom prst="triangle">
+            <a:avLst/>
+          </a:prstGeom>
+        </p:spPr>
+        <p:style>
+          <a:lnRef idx="2">
+            <a:schemeClr val="accent1">
+              <a:shade val="50000"/>
+            </a:schemeClr>
+          </a:lnRef>
+          <a:fillRef idx="1">
+            <a:schemeClr val="accent1"/>
+          </a:fillRef>
+          <a:effectRef idx="0">
+            <a:schemeClr val="accent1"/>
+          </a:effectRef>
+          <a:fontRef idx="minor">
+            <a:schemeClr val="lt1"/>
+          </a:fontRef>
+        </p:style>
+        <p:txBody>
+          <a:bodyPr rtlCol="0" anchor="ctr"/>
+          <a:lstStyle/>
+          <a:p>
+            <a:pPr algn="ctr"/>
+            <a:endParaRPr lang="en-US"/>
+          </a:p>
+        </p:txBody>
+      </p:sp>
+      <p:sp>
+        <p:nvSpPr>
+          <p:cNvPr id="89" name="Isosceles Triangle 88">
+            <a:extLst>
+              <a:ext uri="{FF2B5EF4-FFF2-40B4-BE49-F238E27FC236}">
+                <a16:creationId xmlns:a16="http://schemas.microsoft.com/office/drawing/2014/main" id="{B9F4A76E-9920-456A-AF0B-F78C48A1CC41}"/>
+              </a:ext>
+            </a:extLst>
+          </p:cNvPr>
+          <p:cNvSpPr/>
+          <p:nvPr/>
+        </p:nvSpPr>
+        <p:spPr>
+          <a:xfrm>
+            <a:off x="1555226" y="3888457"/>
+            <a:ext cx="298749" cy="196691"/>
+          </a:xfrm>
+          <a:prstGeom prst="triangle">
+            <a:avLst/>
+          </a:prstGeom>
+        </p:spPr>
+        <p:style>
+          <a:lnRef idx="2">
+            <a:schemeClr val="accent1">
+              <a:shade val="50000"/>
+            </a:schemeClr>
+          </a:lnRef>
+          <a:fillRef idx="1">
+            <a:schemeClr val="accent1"/>
+          </a:fillRef>
+          <a:effectRef idx="0">
+            <a:schemeClr val="accent1"/>
+          </a:effectRef>
+          <a:fontRef idx="minor">
+            <a:schemeClr val="lt1"/>
+          </a:fontRef>
+        </p:style>
+        <p:txBody>
+          <a:bodyPr rtlCol="0" anchor="ctr"/>
+          <a:lstStyle/>
+          <a:p>
+            <a:pPr algn="ctr"/>
+            <a:endParaRPr lang="en-US"/>
+          </a:p>
+        </p:txBody>
+      </p:sp>
+      <p:sp>
+        <p:nvSpPr>
+          <p:cNvPr id="90" name="Isosceles Triangle 89">
+            <a:extLst>
+              <a:ext uri="{FF2B5EF4-FFF2-40B4-BE49-F238E27FC236}">
+                <a16:creationId xmlns:a16="http://schemas.microsoft.com/office/drawing/2014/main" id="{7A4AE68B-4720-465D-A882-81000A853725}"/>
+              </a:ext>
+            </a:extLst>
+          </p:cNvPr>
+          <p:cNvSpPr/>
+          <p:nvPr/>
+        </p:nvSpPr>
+        <p:spPr>
+          <a:xfrm>
+            <a:off x="2053028" y="3891029"/>
+            <a:ext cx="298749" cy="196691"/>
+          </a:xfrm>
+          <a:prstGeom prst="triangle">
+            <a:avLst/>
+          </a:prstGeom>
+        </p:spPr>
+        <p:style>
+          <a:lnRef idx="2">
+            <a:schemeClr val="accent1">
+              <a:shade val="50000"/>
+            </a:schemeClr>
+          </a:lnRef>
+          <a:fillRef idx="1">
+            <a:schemeClr val="accent1"/>
+          </a:fillRef>
+          <a:effectRef idx="0">
+            <a:schemeClr val="accent1"/>
+          </a:effectRef>
+          <a:fontRef idx="minor">
+            <a:schemeClr val="lt1"/>
+          </a:fontRef>
+        </p:style>
+        <p:txBody>
+          <a:bodyPr rtlCol="0" anchor="ctr"/>
+          <a:lstStyle/>
+          <a:p>
+            <a:pPr algn="ctr"/>
+            <a:endParaRPr lang="en-US"/>
+          </a:p>
+        </p:txBody>
+      </p:sp>
+      <p:sp>
+        <p:nvSpPr>
+          <p:cNvPr id="91" name="Isosceles Triangle 90">
+            <a:extLst>
+              <a:ext uri="{FF2B5EF4-FFF2-40B4-BE49-F238E27FC236}">
+                <a16:creationId xmlns:a16="http://schemas.microsoft.com/office/drawing/2014/main" id="{090F3117-7667-4D6D-91C6-7452E044E053}"/>
+              </a:ext>
+            </a:extLst>
+          </p:cNvPr>
+          <p:cNvSpPr/>
+          <p:nvPr/>
+        </p:nvSpPr>
+        <p:spPr>
+          <a:xfrm rot="10800000">
+            <a:off x="1004572" y="4600254"/>
+            <a:ext cx="298749" cy="196691"/>
+          </a:xfrm>
+          <a:prstGeom prst="triangle">
+            <a:avLst/>
+          </a:prstGeom>
+        </p:spPr>
+        <p:style>
+          <a:lnRef idx="2">
+            <a:schemeClr val="accent1">
+              <a:shade val="50000"/>
+            </a:schemeClr>
+          </a:lnRef>
+          <a:fillRef idx="1">
+            <a:schemeClr val="accent1"/>
+          </a:fillRef>
+          <a:effectRef idx="0">
+            <a:schemeClr val="accent1"/>
+          </a:effectRef>
+          <a:fontRef idx="minor">
+            <a:schemeClr val="lt1"/>
+          </a:fontRef>
+        </p:style>
+        <p:txBody>
+          <a:bodyPr rtlCol="0" anchor="ctr"/>
+          <a:lstStyle/>
+          <a:p>
+            <a:pPr algn="ctr"/>
+            <a:endParaRPr lang="en-US"/>
+          </a:p>
+        </p:txBody>
+      </p:sp>
+      <p:sp>
+        <p:nvSpPr>
+          <p:cNvPr id="92" name="Isosceles Triangle 91">
+            <a:extLst>
+              <a:ext uri="{FF2B5EF4-FFF2-40B4-BE49-F238E27FC236}">
+                <a16:creationId xmlns:a16="http://schemas.microsoft.com/office/drawing/2014/main" id="{8C1219C3-6444-4777-9226-825F00EADE2C}"/>
+              </a:ext>
+            </a:extLst>
+          </p:cNvPr>
+          <p:cNvSpPr/>
+          <p:nvPr/>
+        </p:nvSpPr>
+        <p:spPr>
+          <a:xfrm rot="10800000">
+            <a:off x="1567774" y="4600254"/>
+            <a:ext cx="298749" cy="196691"/>
+          </a:xfrm>
+          <a:prstGeom prst="triangle">
+            <a:avLst/>
+          </a:prstGeom>
+        </p:spPr>
+        <p:style>
+          <a:lnRef idx="2">
+            <a:schemeClr val="accent1">
+              <a:shade val="50000"/>
+            </a:schemeClr>
+          </a:lnRef>
+          <a:fillRef idx="1">
+            <a:schemeClr val="accent1"/>
+          </a:fillRef>
+          <a:effectRef idx="0">
+            <a:schemeClr val="accent1"/>
+          </a:effectRef>
+          <a:fontRef idx="minor">
+            <a:schemeClr val="lt1"/>
+          </a:fontRef>
+        </p:style>
+        <p:txBody>
+          <a:bodyPr rtlCol="0" anchor="ctr"/>
+          <a:lstStyle/>
+          <a:p>
+            <a:pPr algn="ctr"/>
+            <a:endParaRPr lang="en-US"/>
+          </a:p>
+        </p:txBody>
+      </p:sp>
+      <p:sp>
+        <p:nvSpPr>
+          <p:cNvPr id="93" name="Isosceles Triangle 92">
+            <a:extLst>
+              <a:ext uri="{FF2B5EF4-FFF2-40B4-BE49-F238E27FC236}">
+                <a16:creationId xmlns:a16="http://schemas.microsoft.com/office/drawing/2014/main" id="{23DD7E3B-96A8-4BF7-8E98-A8D46E116D89}"/>
+              </a:ext>
+            </a:extLst>
+          </p:cNvPr>
+          <p:cNvSpPr/>
+          <p:nvPr/>
+        </p:nvSpPr>
+        <p:spPr>
+          <a:xfrm rot="10800000">
+            <a:off x="2065576" y="4602826"/>
+            <a:ext cx="298749" cy="196691"/>
+          </a:xfrm>
+          <a:prstGeom prst="triangle">
+            <a:avLst/>
+          </a:prstGeom>
+        </p:spPr>
+        <p:style>
+          <a:lnRef idx="2">
+            <a:schemeClr val="accent1">
+              <a:shade val="50000"/>
+            </a:schemeClr>
+          </a:lnRef>
+          <a:fillRef idx="1">
+            <a:schemeClr val="accent1"/>
+          </a:fillRef>
+          <a:effectRef idx="0">
+            <a:schemeClr val="accent1"/>
+          </a:effectRef>
+          <a:fontRef idx="minor">
+            <a:schemeClr val="lt1"/>
+          </a:fontRef>
+        </p:style>
+        <p:txBody>
+          <a:bodyPr rtlCol="0" anchor="ctr"/>
+          <a:lstStyle/>
+          <a:p>
+            <a:pPr algn="ctr"/>
+            <a:endParaRPr lang="en-US"/>
+          </a:p>
+        </p:txBody>
+      </p:sp>
+      <p:sp>
+        <p:nvSpPr>
+          <p:cNvPr id="94" name="Oval 93">
+            <a:extLst>
+              <a:ext uri="{FF2B5EF4-FFF2-40B4-BE49-F238E27FC236}">
+                <a16:creationId xmlns:a16="http://schemas.microsoft.com/office/drawing/2014/main" id="{AC484E17-F40E-4578-A72A-A7C0D2A8CD29}"/>
+              </a:ext>
+            </a:extLst>
+          </p:cNvPr>
+          <p:cNvSpPr/>
+          <p:nvPr/>
+        </p:nvSpPr>
+        <p:spPr>
+          <a:xfrm>
+            <a:off x="2487190" y="4104614"/>
+            <a:ext cx="224244" cy="159799"/>
+          </a:xfrm>
+          <a:prstGeom prst="ellipse">
+            <a:avLst/>
+          </a:prstGeom>
+          <a:solidFill>
+            <a:schemeClr val="bg1"/>
+          </a:solidFill>
+          <a:ln>
+            <a:solidFill>
+              <a:schemeClr val="tx1"/>
+            </a:solidFill>
+          </a:ln>
+        </p:spPr>
+        <p:style>
+          <a:lnRef idx="2">
+            <a:schemeClr val="accent1">
+              <a:shade val="50000"/>
+            </a:schemeClr>
+          </a:lnRef>
+          <a:fillRef idx="1">
+            <a:schemeClr val="accent1"/>
+          </a:fillRef>
+          <a:effectRef idx="0">
+            <a:schemeClr val="accent1"/>
+          </a:effectRef>
+          <a:fontRef idx="minor">
+            <a:schemeClr val="lt1"/>
+          </a:fontRef>
+        </p:style>
+        <p:txBody>
+          <a:bodyPr rtlCol="0" anchor="ctr"/>
+          <a:lstStyle/>
+          <a:p>
+            <a:pPr algn="ctr"/>
+            <a:endParaRPr lang="en-US"/>
+          </a:p>
+        </p:txBody>
+      </p:sp>
+      <p:sp>
+        <p:nvSpPr>
+          <p:cNvPr id="95" name="Oval 94">
+            <a:extLst>
+              <a:ext uri="{FF2B5EF4-FFF2-40B4-BE49-F238E27FC236}">
+                <a16:creationId xmlns:a16="http://schemas.microsoft.com/office/drawing/2014/main" id="{6009C93A-21E6-4B1C-8F51-92AA17DE7BBD}"/>
+              </a:ext>
+            </a:extLst>
+          </p:cNvPr>
+          <p:cNvSpPr/>
+          <p:nvPr/>
+        </p:nvSpPr>
+        <p:spPr>
+          <a:xfrm>
+            <a:off x="2487190" y="4415762"/>
+            <a:ext cx="224244" cy="159799"/>
+          </a:xfrm>
+          <a:prstGeom prst="ellipse">
+            <a:avLst/>
+          </a:prstGeom>
+          <a:solidFill>
+            <a:schemeClr val="bg1"/>
+          </a:solidFill>
+          <a:ln>
+            <a:solidFill>
+              <a:schemeClr val="tx1"/>
+            </a:solidFill>
+          </a:ln>
+        </p:spPr>
+        <p:style>
+          <a:lnRef idx="2">
+            <a:schemeClr val="accent1">
+              <a:shade val="50000"/>
+            </a:schemeClr>
+          </a:lnRef>
+          <a:fillRef idx="1">
+            <a:schemeClr val="accent1"/>
+          </a:fillRef>
+          <a:effectRef idx="0">
+            <a:schemeClr val="accent1"/>
+          </a:effectRef>
+          <a:fontRef idx="minor">
+            <a:schemeClr val="lt1"/>
+          </a:fontRef>
+        </p:style>
+        <p:txBody>
+          <a:bodyPr rtlCol="0" anchor="ctr"/>
+          <a:lstStyle/>
+          <a:p>
+            <a:pPr algn="ctr"/>
+            <a:endParaRPr lang="en-US"/>
+          </a:p>
+        </p:txBody>
+      </p:sp>
+      <p:sp>
+        <p:nvSpPr>
+          <p:cNvPr id="96" name="TextBox 95">
+            <a:extLst>
+              <a:ext uri="{FF2B5EF4-FFF2-40B4-BE49-F238E27FC236}">
+                <a16:creationId xmlns:a16="http://schemas.microsoft.com/office/drawing/2014/main" id="{FC3058DD-FB40-4BD9-8EAD-7CD9C58B0D2E}"/>
+              </a:ext>
+            </a:extLst>
+          </p:cNvPr>
+          <p:cNvSpPr txBox="1"/>
+          <p:nvPr/>
+        </p:nvSpPr>
+        <p:spPr>
+          <a:xfrm>
+            <a:off x="831547" y="3614072"/>
+            <a:ext cx="1415628" cy="307777"/>
+          </a:xfrm>
+          <a:prstGeom prst="rect">
+            <a:avLst/>
+          </a:prstGeom>
+          <a:noFill/>
+        </p:spPr>
+        <p:txBody>
+          <a:bodyPr wrap="square" rtlCol="0">
+            <a:spAutoFit/>
+          </a:bodyPr>
+          <a:lstStyle/>
+          <a:p>
+            <a:r>
+              <a:rPr lang="en-US" sz="1400" dirty="0"/>
+              <a:t>Start Time</a:t>
+            </a:r>
+          </a:p>
+        </p:txBody>
+      </p:sp>
+      <p:sp>
+        <p:nvSpPr>
+          <p:cNvPr id="97" name="TextBox 96">
+            <a:extLst>
+              <a:ext uri="{FF2B5EF4-FFF2-40B4-BE49-F238E27FC236}">
+                <a16:creationId xmlns:a16="http://schemas.microsoft.com/office/drawing/2014/main" id="{2F134FC6-3972-4C13-AF13-C13DDBFFF84D}"/>
+              </a:ext>
+            </a:extLst>
+          </p:cNvPr>
+          <p:cNvSpPr txBox="1"/>
+          <p:nvPr/>
+        </p:nvSpPr>
+        <p:spPr>
+          <a:xfrm>
+            <a:off x="2660666" y="4364257"/>
+            <a:ext cx="559790" cy="276999"/>
+          </a:xfrm>
+          <a:prstGeom prst="rect">
+            <a:avLst/>
+          </a:prstGeom>
+          <a:noFill/>
+        </p:spPr>
+        <p:txBody>
+          <a:bodyPr wrap="square" rtlCol="0">
+            <a:spAutoFit/>
+          </a:bodyPr>
+          <a:lstStyle/>
+          <a:p>
+            <a:r>
+              <a:rPr lang="en-US" sz="1200" dirty="0"/>
+              <a:t>PM</a:t>
+            </a:r>
+          </a:p>
+        </p:txBody>
+      </p:sp>
+      <p:sp>
+        <p:nvSpPr>
+          <p:cNvPr id="98" name="TextBox 97">
+            <a:extLst>
+              <a:ext uri="{FF2B5EF4-FFF2-40B4-BE49-F238E27FC236}">
+                <a16:creationId xmlns:a16="http://schemas.microsoft.com/office/drawing/2014/main" id="{18FE181F-DF4B-4982-9385-A259EDF7FC8B}"/>
+              </a:ext>
+            </a:extLst>
+          </p:cNvPr>
+          <p:cNvSpPr txBox="1"/>
+          <p:nvPr/>
+        </p:nvSpPr>
+        <p:spPr>
+          <a:xfrm>
+            <a:off x="2649908" y="4041186"/>
+            <a:ext cx="622488" cy="276999"/>
+          </a:xfrm>
+          <a:prstGeom prst="rect">
+            <a:avLst/>
+          </a:prstGeom>
+          <a:noFill/>
+        </p:spPr>
+        <p:txBody>
+          <a:bodyPr wrap="square" rtlCol="0">
+            <a:spAutoFit/>
+          </a:bodyPr>
+          <a:lstStyle/>
+          <a:p>
+            <a:r>
+              <a:rPr lang="en-US" sz="1200" dirty="0"/>
+              <a:t>AM</a:t>
+            </a:r>
+          </a:p>
+        </p:txBody>
+      </p:sp>
+      <p:sp>
+        <p:nvSpPr>
+          <p:cNvPr id="99" name="Oval 98">
+            <a:extLst>
+              <a:ext uri="{FF2B5EF4-FFF2-40B4-BE49-F238E27FC236}">
+                <a16:creationId xmlns:a16="http://schemas.microsoft.com/office/drawing/2014/main" id="{7A7926B5-7D95-4B8A-8FC5-070455F53DBD}"/>
+              </a:ext>
+            </a:extLst>
+          </p:cNvPr>
+          <p:cNvSpPr/>
+          <p:nvPr/>
+        </p:nvSpPr>
+        <p:spPr>
+          <a:xfrm>
+            <a:off x="2523002" y="4134144"/>
+            <a:ext cx="169938" cy="97993"/>
+          </a:xfrm>
+          <a:prstGeom prst="ellipse">
+            <a:avLst/>
+          </a:prstGeom>
+          <a:solidFill>
+            <a:schemeClr val="tx2"/>
+          </a:solidFill>
+          <a:ln>
+            <a:noFill/>
+          </a:ln>
+        </p:spPr>
+        <p:style>
+          <a:lnRef idx="2">
+            <a:schemeClr val="accent1">
+              <a:shade val="50000"/>
+            </a:schemeClr>
+          </a:lnRef>
+          <a:fillRef idx="1">
+            <a:schemeClr val="accent1"/>
+          </a:fillRef>
+          <a:effectRef idx="0">
+            <a:schemeClr val="accent1"/>
+          </a:effectRef>
+          <a:fontRef idx="minor">
+            <a:schemeClr val="lt1"/>
+          </a:fontRef>
+        </p:style>
+        <p:txBody>
+          <a:bodyPr rtlCol="0" anchor="ctr"/>
+          <a:lstStyle/>
+          <a:p>
+            <a:pPr algn="ctr"/>
+            <a:endParaRPr lang="en-US"/>
+          </a:p>
+        </p:txBody>
+      </p:sp>
+    </p:spTree>
+    <p:extLst>
+      <p:ext uri="{BB962C8B-B14F-4D97-AF65-F5344CB8AC3E}">
+        <p14:creationId xmlns:p14="http://schemas.microsoft.com/office/powerpoint/2010/main" val="1466042721"/>
+      </p:ext>
+    </p:extLst>
+  </p:cSld>
+  <p:clrMapOvr>
+    <a:masterClrMapping/>
+  </p:clrMapOvr>
+</p:sld>
+</file>
+
+<file path=ppt/slides/slide8.xml><?xml version="1.0" encoding="utf-8"?>
 <p:sld xmlns:a="http://schemas.openxmlformats.org/drawingml/2006/main" xmlns:r="http://schemas.openxmlformats.org/officeDocument/2006/relationships" xmlns:p="http://schemas.openxmlformats.org/presentationml/2006/main">
   <p:cSld>
     <p:spTree>
@@ -8701,7 +13174,7 @@
 </p:sld>
 </file>
 
-<file path=ppt/slides/slide7.xml><?xml version="1.0" encoding="utf-8"?>
+<file path=ppt/slides/slide9.xml><?xml version="1.0" encoding="utf-8"?>
 <p:sld xmlns:a="http://schemas.openxmlformats.org/drawingml/2006/main" xmlns:r="http://schemas.openxmlformats.org/officeDocument/2006/relationships" xmlns:p="http://schemas.openxmlformats.org/presentationml/2006/main">
   <p:cSld>
     <p:spTree>

--- a/Documentation/TACM.pptx
+++ b/Documentation/TACM.pptx
@@ -8,12 +8,13 @@
     <p:sldId id="256" r:id="rId2"/>
     <p:sldId id="258" r:id="rId3"/>
     <p:sldId id="257" r:id="rId4"/>
-    <p:sldId id="260" r:id="rId5"/>
-    <p:sldId id="263" r:id="rId6"/>
-    <p:sldId id="261" r:id="rId7"/>
-    <p:sldId id="264" r:id="rId8"/>
-    <p:sldId id="259" r:id="rId9"/>
-    <p:sldId id="262" r:id="rId10"/>
+    <p:sldId id="265" r:id="rId5"/>
+    <p:sldId id="260" r:id="rId6"/>
+    <p:sldId id="263" r:id="rId7"/>
+    <p:sldId id="261" r:id="rId8"/>
+    <p:sldId id="264" r:id="rId9"/>
+    <p:sldId id="259" r:id="rId10"/>
+    <p:sldId id="262" r:id="rId11"/>
   </p:sldIdLst>
   <p:sldSz cx="12192000" cy="6858000"/>
   <p:notesSz cx="6858000" cy="9144000"/>
@@ -523,7 +524,7 @@
           <a:p>
             <a:fld id="{7DA136FC-6D7B-49F1-84AE-FB6923A0CB74}" type="datetimeFigureOut">
               <a:rPr lang="en-US" smtClean="0"/>
-              <a:t>8/21/2021</a:t>
+              <a:t>9/25/2021</a:t>
             </a:fld>
             <a:endParaRPr lang="en-US"/>
           </a:p>
@@ -702,7 +703,7 @@
           <a:p>
             <a:fld id="{7DA136FC-6D7B-49F1-84AE-FB6923A0CB74}" type="datetimeFigureOut">
               <a:rPr lang="en-US" smtClean="0"/>
-              <a:t>8/21/2021</a:t>
+              <a:t>9/25/2021</a:t>
             </a:fld>
             <a:endParaRPr lang="en-US"/>
           </a:p>
@@ -882,7 +883,7 @@
           <a:p>
             <a:fld id="{7DA136FC-6D7B-49F1-84AE-FB6923A0CB74}" type="datetimeFigureOut">
               <a:rPr lang="en-US" smtClean="0"/>
-              <a:t>8/21/2021</a:t>
+              <a:t>9/25/2021</a:t>
             </a:fld>
             <a:endParaRPr lang="en-US"/>
           </a:p>
@@ -1052,7 +1053,7 @@
           <a:p>
             <a:fld id="{7DA136FC-6D7B-49F1-84AE-FB6923A0CB74}" type="datetimeFigureOut">
               <a:rPr lang="en-US" smtClean="0"/>
-              <a:t>8/21/2021</a:t>
+              <a:t>9/25/2021</a:t>
             </a:fld>
             <a:endParaRPr lang="en-US"/>
           </a:p>
@@ -1365,7 +1366,7 @@
           <a:p>
             <a:fld id="{7DA136FC-6D7B-49F1-84AE-FB6923A0CB74}" type="datetimeFigureOut">
               <a:rPr lang="en-US" smtClean="0"/>
-              <a:t>8/21/2021</a:t>
+              <a:t>9/25/2021</a:t>
             </a:fld>
             <a:endParaRPr lang="en-US"/>
           </a:p>
@@ -1751,7 +1752,7 @@
           <a:p>
             <a:fld id="{7DA136FC-6D7B-49F1-84AE-FB6923A0CB74}" type="datetimeFigureOut">
               <a:rPr lang="en-US" smtClean="0"/>
-              <a:t>8/21/2021</a:t>
+              <a:t>9/25/2021</a:t>
             </a:fld>
             <a:endParaRPr lang="en-US"/>
           </a:p>
@@ -2185,7 +2186,7 @@
           <a:p>
             <a:fld id="{7DA136FC-6D7B-49F1-84AE-FB6923A0CB74}" type="datetimeFigureOut">
               <a:rPr lang="en-US" smtClean="0"/>
-              <a:t>8/21/2021</a:t>
+              <a:t>9/25/2021</a:t>
             </a:fld>
             <a:endParaRPr lang="en-US"/>
           </a:p>
@@ -2303,7 +2304,7 @@
           <a:p>
             <a:fld id="{7DA136FC-6D7B-49F1-84AE-FB6923A0CB74}" type="datetimeFigureOut">
               <a:rPr lang="en-US" smtClean="0"/>
-              <a:t>8/21/2021</a:t>
+              <a:t>9/25/2021</a:t>
             </a:fld>
             <a:endParaRPr lang="en-US"/>
           </a:p>
@@ -2398,7 +2399,7 @@
           <a:p>
             <a:fld id="{7DA136FC-6D7B-49F1-84AE-FB6923A0CB74}" type="datetimeFigureOut">
               <a:rPr lang="en-US" smtClean="0"/>
-              <a:t>8/21/2021</a:t>
+              <a:t>9/25/2021</a:t>
             </a:fld>
             <a:endParaRPr lang="en-US"/>
           </a:p>
@@ -2748,7 +2749,7 @@
           <a:p>
             <a:fld id="{7DA136FC-6D7B-49F1-84AE-FB6923A0CB74}" type="datetimeFigureOut">
               <a:rPr lang="en-US" smtClean="0"/>
-              <a:t>8/21/2021</a:t>
+              <a:t>9/25/2021</a:t>
             </a:fld>
             <a:endParaRPr lang="en-US"/>
           </a:p>
@@ -3173,7 +3174,7 @@
           <a:p>
             <a:fld id="{7DA136FC-6D7B-49F1-84AE-FB6923A0CB74}" type="datetimeFigureOut">
               <a:rPr lang="en-US" smtClean="0"/>
-              <a:t>8/21/2021</a:t>
+              <a:t>9/25/2021</a:t>
             </a:fld>
             <a:endParaRPr lang="en-US"/>
           </a:p>
@@ -3454,7 +3455,7 @@
           <a:p>
             <a:fld id="{7DA136FC-6D7B-49F1-84AE-FB6923A0CB74}" type="datetimeFigureOut">
               <a:rPr lang="en-US" smtClean="0"/>
-              <a:t>8/21/2021</a:t>
+              <a:t>9/25/2021</a:t>
             </a:fld>
             <a:endParaRPr lang="en-US"/>
           </a:p>
@@ -4099,6 +4100,188 @@
 </p:sld>
 </file>
 
+<file path=ppt/slides/slide10.xml><?xml version="1.0" encoding="utf-8"?>
+<p:sld xmlns:a="http://schemas.openxmlformats.org/drawingml/2006/main" xmlns:r="http://schemas.openxmlformats.org/officeDocument/2006/relationships" xmlns:p="http://schemas.openxmlformats.org/presentationml/2006/main">
+  <p:cSld>
+    <p:spTree>
+      <p:nvGrpSpPr>
+        <p:cNvPr id="1" name=""/>
+        <p:cNvGrpSpPr/>
+        <p:nvPr/>
+      </p:nvGrpSpPr>
+      <p:grpSpPr>
+        <a:xfrm>
+          <a:off x="0" y="0"/>
+          <a:ext cx="0" cy="0"/>
+          <a:chOff x="0" y="0"/>
+          <a:chExt cx="0" cy="0"/>
+        </a:xfrm>
+      </p:grpSpPr>
+      <p:sp>
+        <p:nvSpPr>
+          <p:cNvPr id="5" name="Title 4">
+            <a:extLst>
+              <a:ext uri="{FF2B5EF4-FFF2-40B4-BE49-F238E27FC236}">
+                <a16:creationId xmlns:a16="http://schemas.microsoft.com/office/drawing/2014/main" id="{12A6A74A-4C44-4E05-8E8E-10305038C606}"/>
+              </a:ext>
+            </a:extLst>
+          </p:cNvPr>
+          <p:cNvSpPr>
+            <a:spLocks noGrp="1"/>
+          </p:cNvSpPr>
+          <p:nvPr>
+            <p:ph type="title"/>
+          </p:nvPr>
+        </p:nvSpPr>
+        <p:spPr/>
+        <p:txBody>
+          <a:bodyPr/>
+          <a:lstStyle/>
+          <a:p>
+            <a:r>
+              <a:rPr lang="en-US" dirty="0"/>
+              <a:t>Use Case 1</a:t>
+            </a:r>
+          </a:p>
+        </p:txBody>
+      </p:sp>
+      <p:sp>
+        <p:nvSpPr>
+          <p:cNvPr id="6" name="Content Placeholder 5">
+            <a:extLst>
+              <a:ext uri="{FF2B5EF4-FFF2-40B4-BE49-F238E27FC236}">
+                <a16:creationId xmlns:a16="http://schemas.microsoft.com/office/drawing/2014/main" id="{24ED24CE-E562-4979-9F85-4F46B131C29A}"/>
+              </a:ext>
+            </a:extLst>
+          </p:cNvPr>
+          <p:cNvSpPr>
+            <a:spLocks noGrp="1"/>
+          </p:cNvSpPr>
+          <p:nvPr>
+            <p:ph idx="1"/>
+          </p:nvPr>
+        </p:nvSpPr>
+        <p:spPr>
+          <a:xfrm>
+            <a:off x="1069848" y="2121408"/>
+            <a:ext cx="10058400" cy="4477100"/>
+          </a:xfrm>
+        </p:spPr>
+        <p:txBody>
+          <a:bodyPr>
+            <a:normAutofit fontScale="92500" lnSpcReduction="10000"/>
+          </a:bodyPr>
+          <a:lstStyle/>
+          <a:p>
+            <a:r>
+              <a:rPr lang="en-US" dirty="0"/>
+              <a:t>Login</a:t>
+            </a:r>
+          </a:p>
+          <a:p>
+            <a:pPr lvl="1"/>
+            <a:r>
+              <a:rPr lang="en-US" dirty="0"/>
+              <a:t>Loads User’s data from database (if there is a new day already)</a:t>
+            </a:r>
+          </a:p>
+          <a:p>
+            <a:pPr lvl="2"/>
+            <a:r>
+              <a:rPr lang="en-US" dirty="0"/>
+              <a:t>If no new day then load from temp file (temp file is just 1 days information)</a:t>
+            </a:r>
+          </a:p>
+          <a:p>
+            <a:pPr lvl="2"/>
+            <a:r>
+              <a:rPr lang="en-US" dirty="0"/>
+              <a:t>User data includes type (charge code)</a:t>
+            </a:r>
+          </a:p>
+          <a:p>
+            <a:r>
+              <a:rPr lang="en-US" dirty="0"/>
+              <a:t>Click New Day (if hadn’t already in previous session)</a:t>
+            </a:r>
+          </a:p>
+          <a:p>
+            <a:pPr lvl="1"/>
+            <a:r>
+              <a:rPr lang="en-US" dirty="0"/>
+              <a:t>Creates Day -&gt; object start time</a:t>
+            </a:r>
+          </a:p>
+          <a:p>
+            <a:r>
+              <a:rPr lang="en-US" dirty="0"/>
+              <a:t>Click New Task</a:t>
+            </a:r>
+          </a:p>
+          <a:p>
+            <a:pPr lvl="1"/>
+            <a:r>
+              <a:rPr lang="en-US" dirty="0"/>
+              <a:t>Pop up </a:t>
+            </a:r>
+          </a:p>
+          <a:p>
+            <a:pPr lvl="2"/>
+            <a:r>
+              <a:rPr lang="en-US" dirty="0"/>
+              <a:t>Required Name, Type (optional description, custom start time)</a:t>
+            </a:r>
+          </a:p>
+          <a:p>
+            <a:r>
+              <a:rPr lang="en-US" dirty="0"/>
+              <a:t>Click New Task</a:t>
+            </a:r>
+          </a:p>
+          <a:p>
+            <a:pPr lvl="1"/>
+            <a:r>
+              <a:rPr lang="en-US" dirty="0"/>
+              <a:t>Ends running task before showing popup</a:t>
+            </a:r>
+          </a:p>
+          <a:p>
+            <a:r>
+              <a:rPr lang="en-US" dirty="0"/>
+              <a:t>Click End Day</a:t>
+            </a:r>
+          </a:p>
+          <a:p>
+            <a:pPr lvl="1"/>
+            <a:r>
+              <a:rPr lang="en-US" dirty="0"/>
+              <a:t>End’s task if one open, displays table</a:t>
+            </a:r>
+          </a:p>
+          <a:p>
+            <a:pPr marL="0" indent="0">
+              <a:buNone/>
+            </a:pPr>
+            <a:r>
+              <a:rPr lang="en-US" dirty="0"/>
+              <a:t>Asynchronous thread database backup (if no connection then temp file)</a:t>
+            </a:r>
+          </a:p>
+        </p:txBody>
+      </p:sp>
+    </p:spTree>
+    <p:extLst>
+      <p:ext uri="{BB962C8B-B14F-4D97-AF65-F5344CB8AC3E}">
+        <p14:creationId xmlns:p14="http://schemas.microsoft.com/office/powerpoint/2010/main" val="1442243496"/>
+      </p:ext>
+    </p:extLst>
+  </p:cSld>
+  <p:clrMapOvr>
+    <a:masterClrMapping/>
+  </p:clrMapOvr>
+</p:sld>
+</file>
+
 <file path=ppt/slides/slide2.xml><?xml version="1.0" encoding="utf-8"?>
 <p:sld xmlns:a="http://schemas.openxmlformats.org/drawingml/2006/main" xmlns:r="http://schemas.openxmlformats.org/officeDocument/2006/relationships" xmlns:p="http://schemas.openxmlformats.org/presentationml/2006/main">
   <p:cSld>
@@ -4487,6 +4670,800 @@
 </file>
 
 <file path=ppt/slides/slide4.xml><?xml version="1.0" encoding="utf-8"?>
+<p:sld xmlns:a="http://schemas.openxmlformats.org/drawingml/2006/main" xmlns:r="http://schemas.openxmlformats.org/officeDocument/2006/relationships" xmlns:p="http://schemas.openxmlformats.org/presentationml/2006/main">
+  <p:cSld>
+    <p:spTree>
+      <p:nvGrpSpPr>
+        <p:cNvPr id="1" name=""/>
+        <p:cNvGrpSpPr/>
+        <p:nvPr/>
+      </p:nvGrpSpPr>
+      <p:grpSpPr>
+        <a:xfrm>
+          <a:off x="0" y="0"/>
+          <a:ext cx="0" cy="0"/>
+          <a:chOff x="0" y="0"/>
+          <a:chExt cx="0" cy="0"/>
+        </a:xfrm>
+      </p:grpSpPr>
+      <p:sp>
+        <p:nvSpPr>
+          <p:cNvPr id="5" name="Title 4">
+            <a:extLst>
+              <a:ext uri="{FF2B5EF4-FFF2-40B4-BE49-F238E27FC236}">
+                <a16:creationId xmlns:a16="http://schemas.microsoft.com/office/drawing/2014/main" id="{43E365B1-BD4C-401D-BBE2-B7109853BA8C}"/>
+              </a:ext>
+            </a:extLst>
+          </p:cNvPr>
+          <p:cNvSpPr>
+            <a:spLocks noGrp="1"/>
+          </p:cNvSpPr>
+          <p:nvPr>
+            <p:ph type="title"/>
+          </p:nvPr>
+        </p:nvSpPr>
+        <p:spPr/>
+        <p:txBody>
+          <a:bodyPr/>
+          <a:lstStyle/>
+          <a:p>
+            <a:r>
+              <a:rPr lang="en-US" dirty="0"/>
+              <a:t>Progress</a:t>
+            </a:r>
+          </a:p>
+        </p:txBody>
+      </p:sp>
+      <p:sp>
+        <p:nvSpPr>
+          <p:cNvPr id="6" name="Content Placeholder 5">
+            <a:extLst>
+              <a:ext uri="{FF2B5EF4-FFF2-40B4-BE49-F238E27FC236}">
+                <a16:creationId xmlns:a16="http://schemas.microsoft.com/office/drawing/2014/main" id="{B6817EC2-46C1-4BBC-AA6A-98272EEF9EBC}"/>
+              </a:ext>
+            </a:extLst>
+          </p:cNvPr>
+          <p:cNvSpPr>
+            <a:spLocks noGrp="1"/>
+          </p:cNvSpPr>
+          <p:nvPr>
+            <p:ph idx="1"/>
+          </p:nvPr>
+        </p:nvSpPr>
+        <p:spPr>
+          <a:xfrm>
+            <a:off x="1069848" y="2121408"/>
+            <a:ext cx="3873213" cy="4050792"/>
+          </a:xfrm>
+        </p:spPr>
+        <p:txBody>
+          <a:bodyPr/>
+          <a:lstStyle/>
+          <a:p>
+            <a:r>
+              <a:rPr lang="en-US" dirty="0"/>
+              <a:t>GUI</a:t>
+            </a:r>
+          </a:p>
+          <a:p>
+            <a:pPr lvl="1"/>
+            <a:r>
+              <a:rPr lang="en-US" dirty="0"/>
+              <a:t>Classes DONE</a:t>
+            </a:r>
+          </a:p>
+          <a:p>
+            <a:pPr lvl="1"/>
+            <a:r>
+              <a:rPr lang="en-US"/>
+              <a:t>Test Cases DONE</a:t>
+            </a:r>
+            <a:endParaRPr lang="en-US" dirty="0"/>
+          </a:p>
+          <a:p>
+            <a:pPr lvl="1"/>
+            <a:r>
+              <a:rPr lang="en-US" dirty="0"/>
+              <a:t>Data import and Fill</a:t>
+            </a:r>
+          </a:p>
+          <a:p>
+            <a:pPr lvl="1"/>
+            <a:r>
+              <a:rPr lang="en-US" dirty="0"/>
+              <a:t>Data export</a:t>
+            </a:r>
+          </a:p>
+          <a:p>
+            <a:pPr lvl="1"/>
+            <a:r>
+              <a:rPr lang="en-US" dirty="0"/>
+              <a:t>Database import and Fill</a:t>
+            </a:r>
+          </a:p>
+          <a:p>
+            <a:pPr lvl="1"/>
+            <a:r>
+              <a:rPr lang="en-US" dirty="0"/>
+              <a:t>GUI Table Frame Fill</a:t>
+            </a:r>
+          </a:p>
+          <a:p>
+            <a:pPr lvl="1"/>
+            <a:r>
+              <a:rPr lang="en-US" dirty="0"/>
+              <a:t>GUI task create</a:t>
+            </a:r>
+          </a:p>
+          <a:p>
+            <a:pPr lvl="1"/>
+            <a:r>
+              <a:rPr lang="en-US" dirty="0"/>
+              <a:t>GUI Main Page</a:t>
+            </a:r>
+          </a:p>
+          <a:p>
+            <a:pPr lvl="1"/>
+            <a:r>
+              <a:rPr lang="en-US" dirty="0"/>
+              <a:t>GUI Login</a:t>
+            </a:r>
+          </a:p>
+        </p:txBody>
+      </p:sp>
+      <p:sp>
+        <p:nvSpPr>
+          <p:cNvPr id="7" name="Content Placeholder 5">
+            <a:extLst>
+              <a:ext uri="{FF2B5EF4-FFF2-40B4-BE49-F238E27FC236}">
+                <a16:creationId xmlns:a16="http://schemas.microsoft.com/office/drawing/2014/main" id="{63D59833-0630-4803-836F-180576000573}"/>
+              </a:ext>
+            </a:extLst>
+          </p:cNvPr>
+          <p:cNvSpPr txBox="1">
+            <a:spLocks/>
+          </p:cNvSpPr>
+          <p:nvPr/>
+        </p:nvSpPr>
+        <p:spPr>
+          <a:xfrm>
+            <a:off x="6725173" y="2324728"/>
+            <a:ext cx="3873213" cy="4050792"/>
+          </a:xfrm>
+          <a:prstGeom prst="rect">
+            <a:avLst/>
+          </a:prstGeom>
+        </p:spPr>
+        <p:txBody>
+          <a:bodyPr vert="horz" lIns="91440" tIns="45720" rIns="91440" bIns="45720" rtlCol="0">
+            <a:normAutofit/>
+          </a:bodyPr>
+          <a:lstStyle>
+            <a:lvl1pPr marL="182880" indent="-182880" algn="l" defTabSz="914400" rtl="0" eaLnBrk="1" latinLnBrk="0" hangingPunct="1">
+              <a:lnSpc>
+                <a:spcPct val="90000"/>
+              </a:lnSpc>
+              <a:spcBef>
+                <a:spcPts val="1200"/>
+              </a:spcBef>
+              <a:buClr>
+                <a:schemeClr val="accent1">
+                  <a:lumMod val="75000"/>
+                </a:schemeClr>
+              </a:buClr>
+              <a:buSzPct val="85000"/>
+              <a:buFont typeface="Wingdings" pitchFamily="2" charset="2"/>
+              <a:buChar char="§"/>
+              <a:defRPr sz="2000" kern="1200">
+                <a:solidFill>
+                  <a:schemeClr val="tx1"/>
+                </a:solidFill>
+                <a:latin typeface="+mn-lt"/>
+                <a:ea typeface="+mn-ea"/>
+                <a:cs typeface="+mn-cs"/>
+              </a:defRPr>
+            </a:lvl1pPr>
+            <a:lvl2pPr marL="457200" indent="-182880" algn="l" defTabSz="914400" rtl="0" eaLnBrk="1" latinLnBrk="0" hangingPunct="1">
+              <a:lnSpc>
+                <a:spcPct val="90000"/>
+              </a:lnSpc>
+              <a:spcBef>
+                <a:spcPts val="400"/>
+              </a:spcBef>
+              <a:spcAft>
+                <a:spcPts val="200"/>
+              </a:spcAft>
+              <a:buClr>
+                <a:schemeClr val="accent1">
+                  <a:lumMod val="75000"/>
+                </a:schemeClr>
+              </a:buClr>
+              <a:buSzPct val="85000"/>
+              <a:buFont typeface="Wingdings" pitchFamily="2" charset="2"/>
+              <a:buChar char="§"/>
+              <a:defRPr sz="1800" kern="1200">
+                <a:solidFill>
+                  <a:schemeClr val="tx1"/>
+                </a:solidFill>
+                <a:latin typeface="+mn-lt"/>
+                <a:ea typeface="+mn-ea"/>
+                <a:cs typeface="+mn-cs"/>
+              </a:defRPr>
+            </a:lvl2pPr>
+            <a:lvl3pPr marL="731520" indent="-182880" algn="l" defTabSz="914400" rtl="0" eaLnBrk="1" latinLnBrk="0" hangingPunct="1">
+              <a:lnSpc>
+                <a:spcPct val="90000"/>
+              </a:lnSpc>
+              <a:spcBef>
+                <a:spcPts val="400"/>
+              </a:spcBef>
+              <a:spcAft>
+                <a:spcPts val="200"/>
+              </a:spcAft>
+              <a:buClr>
+                <a:schemeClr val="accent1">
+                  <a:lumMod val="75000"/>
+                </a:schemeClr>
+              </a:buClr>
+              <a:buSzPct val="85000"/>
+              <a:buFont typeface="Wingdings" pitchFamily="2" charset="2"/>
+              <a:buChar char="§"/>
+              <a:defRPr sz="1600" kern="1200">
+                <a:solidFill>
+                  <a:schemeClr val="tx1"/>
+                </a:solidFill>
+                <a:latin typeface="+mn-lt"/>
+                <a:ea typeface="+mn-ea"/>
+                <a:cs typeface="+mn-cs"/>
+              </a:defRPr>
+            </a:lvl3pPr>
+            <a:lvl4pPr marL="1005840" indent="-182880" algn="l" defTabSz="914400" rtl="0" eaLnBrk="1" latinLnBrk="0" hangingPunct="1">
+              <a:lnSpc>
+                <a:spcPct val="90000"/>
+              </a:lnSpc>
+              <a:spcBef>
+                <a:spcPts val="400"/>
+              </a:spcBef>
+              <a:spcAft>
+                <a:spcPts val="200"/>
+              </a:spcAft>
+              <a:buClr>
+                <a:schemeClr val="accent1">
+                  <a:lumMod val="75000"/>
+                </a:schemeClr>
+              </a:buClr>
+              <a:buSzPct val="85000"/>
+              <a:buFont typeface="Wingdings" pitchFamily="2" charset="2"/>
+              <a:buChar char="§"/>
+              <a:defRPr sz="1600" kern="1200">
+                <a:solidFill>
+                  <a:schemeClr val="tx1"/>
+                </a:solidFill>
+                <a:latin typeface="+mn-lt"/>
+                <a:ea typeface="+mn-ea"/>
+                <a:cs typeface="+mn-cs"/>
+              </a:defRPr>
+            </a:lvl4pPr>
+            <a:lvl5pPr marL="1280160" indent="-182880" algn="l" defTabSz="914400" rtl="0" eaLnBrk="1" latinLnBrk="0" hangingPunct="1">
+              <a:lnSpc>
+                <a:spcPct val="90000"/>
+              </a:lnSpc>
+              <a:spcBef>
+                <a:spcPts val="400"/>
+              </a:spcBef>
+              <a:spcAft>
+                <a:spcPts val="200"/>
+              </a:spcAft>
+              <a:buClr>
+                <a:schemeClr val="accent1">
+                  <a:lumMod val="75000"/>
+                </a:schemeClr>
+              </a:buClr>
+              <a:buSzPct val="85000"/>
+              <a:buFont typeface="Wingdings" pitchFamily="2" charset="2"/>
+              <a:buChar char="§"/>
+              <a:defRPr sz="1600" kern="1200">
+                <a:solidFill>
+                  <a:schemeClr val="tx1"/>
+                </a:solidFill>
+                <a:latin typeface="+mn-lt"/>
+                <a:ea typeface="+mn-ea"/>
+                <a:cs typeface="+mn-cs"/>
+              </a:defRPr>
+            </a:lvl5pPr>
+            <a:lvl6pPr marL="1600000" indent="-228600" algn="l" defTabSz="914400" rtl="0" eaLnBrk="1" latinLnBrk="0" hangingPunct="1">
+              <a:lnSpc>
+                <a:spcPct val="90000"/>
+              </a:lnSpc>
+              <a:spcBef>
+                <a:spcPts val="400"/>
+              </a:spcBef>
+              <a:spcAft>
+                <a:spcPts val="200"/>
+              </a:spcAft>
+              <a:buClr>
+                <a:schemeClr val="accent1">
+                  <a:lumMod val="75000"/>
+                </a:schemeClr>
+              </a:buClr>
+              <a:buSzPct val="85000"/>
+              <a:buFont typeface="Wingdings" pitchFamily="2" charset="2"/>
+              <a:buChar char="§"/>
+              <a:defRPr sz="1600" kern="1200">
+                <a:solidFill>
+                  <a:schemeClr val="tx1"/>
+                </a:solidFill>
+                <a:latin typeface="+mn-lt"/>
+                <a:ea typeface="+mn-ea"/>
+                <a:cs typeface="+mn-cs"/>
+              </a:defRPr>
+            </a:lvl6pPr>
+            <a:lvl7pPr marL="1900000" indent="-228600" algn="l" defTabSz="914400" rtl="0" eaLnBrk="1" latinLnBrk="0" hangingPunct="1">
+              <a:lnSpc>
+                <a:spcPct val="90000"/>
+              </a:lnSpc>
+              <a:spcBef>
+                <a:spcPts val="400"/>
+              </a:spcBef>
+              <a:spcAft>
+                <a:spcPts val="200"/>
+              </a:spcAft>
+              <a:buClr>
+                <a:schemeClr val="accent1">
+                  <a:lumMod val="75000"/>
+                </a:schemeClr>
+              </a:buClr>
+              <a:buSzPct val="85000"/>
+              <a:buFont typeface="Wingdings" pitchFamily="2" charset="2"/>
+              <a:buChar char="§"/>
+              <a:defRPr sz="1600" kern="1200">
+                <a:solidFill>
+                  <a:schemeClr val="tx1"/>
+                </a:solidFill>
+                <a:latin typeface="+mn-lt"/>
+                <a:ea typeface="+mn-ea"/>
+                <a:cs typeface="+mn-cs"/>
+              </a:defRPr>
+            </a:lvl7pPr>
+            <a:lvl8pPr marL="2200000" indent="-228600" algn="l" defTabSz="914400" rtl="0" eaLnBrk="1" latinLnBrk="0" hangingPunct="1">
+              <a:lnSpc>
+                <a:spcPct val="90000"/>
+              </a:lnSpc>
+              <a:spcBef>
+                <a:spcPts val="400"/>
+              </a:spcBef>
+              <a:spcAft>
+                <a:spcPts val="200"/>
+              </a:spcAft>
+              <a:buClr>
+                <a:schemeClr val="accent1">
+                  <a:lumMod val="75000"/>
+                </a:schemeClr>
+              </a:buClr>
+              <a:buSzPct val="85000"/>
+              <a:buFont typeface="Wingdings" pitchFamily="2" charset="2"/>
+              <a:buChar char="§"/>
+              <a:defRPr sz="1600" kern="1200">
+                <a:solidFill>
+                  <a:schemeClr val="tx1"/>
+                </a:solidFill>
+                <a:latin typeface="+mn-lt"/>
+                <a:ea typeface="+mn-ea"/>
+                <a:cs typeface="+mn-cs"/>
+              </a:defRPr>
+            </a:lvl8pPr>
+            <a:lvl9pPr marL="2500000" indent="-228600" algn="l" defTabSz="914400" rtl="0" eaLnBrk="1" latinLnBrk="0" hangingPunct="1">
+              <a:lnSpc>
+                <a:spcPct val="90000"/>
+              </a:lnSpc>
+              <a:spcBef>
+                <a:spcPts val="400"/>
+              </a:spcBef>
+              <a:spcAft>
+                <a:spcPts val="200"/>
+              </a:spcAft>
+              <a:buClr>
+                <a:schemeClr val="accent1">
+                  <a:lumMod val="75000"/>
+                </a:schemeClr>
+              </a:buClr>
+              <a:buSzPct val="85000"/>
+              <a:buFont typeface="Wingdings" pitchFamily="2" charset="2"/>
+              <a:buChar char="§"/>
+              <a:defRPr sz="1600" kern="1200">
+                <a:solidFill>
+                  <a:schemeClr val="tx1"/>
+                </a:solidFill>
+                <a:latin typeface="+mn-lt"/>
+                <a:ea typeface="+mn-ea"/>
+                <a:cs typeface="+mn-cs"/>
+              </a:defRPr>
+            </a:lvl9pPr>
+          </a:lstStyle>
+          <a:p>
+            <a:r>
+              <a:rPr lang="en-US" dirty="0"/>
+              <a:t>iOS</a:t>
+            </a:r>
+          </a:p>
+          <a:p>
+            <a:pPr lvl="1"/>
+            <a:r>
+              <a:rPr lang="en-US" dirty="0"/>
+              <a:t>Tutorial</a:t>
+            </a:r>
+          </a:p>
+          <a:p>
+            <a:pPr lvl="1"/>
+            <a:r>
+              <a:rPr lang="en-US" dirty="0"/>
+              <a:t>Port-over/integrate</a:t>
+            </a:r>
+          </a:p>
+          <a:p>
+            <a:pPr lvl="1"/>
+            <a:r>
+              <a:rPr lang="en-US" dirty="0">
+                <a:highlight>
+                  <a:srgbClr val="FFFF00"/>
+                </a:highlight>
+              </a:rPr>
+              <a:t>Ads?</a:t>
+            </a:r>
+          </a:p>
+        </p:txBody>
+      </p:sp>
+      <p:sp>
+        <p:nvSpPr>
+          <p:cNvPr id="8" name="Content Placeholder 5">
+            <a:extLst>
+              <a:ext uri="{FF2B5EF4-FFF2-40B4-BE49-F238E27FC236}">
+                <a16:creationId xmlns:a16="http://schemas.microsoft.com/office/drawing/2014/main" id="{2F8FEC54-8720-43CC-A981-9E3DAC245B06}"/>
+              </a:ext>
+            </a:extLst>
+          </p:cNvPr>
+          <p:cNvSpPr txBox="1">
+            <a:spLocks/>
+          </p:cNvSpPr>
+          <p:nvPr/>
+        </p:nvSpPr>
+        <p:spPr>
+          <a:xfrm>
+            <a:off x="4091343" y="2308926"/>
+            <a:ext cx="3873213" cy="4050792"/>
+          </a:xfrm>
+          <a:prstGeom prst="rect">
+            <a:avLst/>
+          </a:prstGeom>
+        </p:spPr>
+        <p:txBody>
+          <a:bodyPr vert="horz" lIns="91440" tIns="45720" rIns="91440" bIns="45720" rtlCol="0">
+            <a:normAutofit/>
+          </a:bodyPr>
+          <a:lstStyle>
+            <a:lvl1pPr marL="182880" indent="-182880" algn="l" defTabSz="914400" rtl="0" eaLnBrk="1" latinLnBrk="0" hangingPunct="1">
+              <a:lnSpc>
+                <a:spcPct val="90000"/>
+              </a:lnSpc>
+              <a:spcBef>
+                <a:spcPts val="1200"/>
+              </a:spcBef>
+              <a:buClr>
+                <a:schemeClr val="accent1">
+                  <a:lumMod val="75000"/>
+                </a:schemeClr>
+              </a:buClr>
+              <a:buSzPct val="85000"/>
+              <a:buFont typeface="Wingdings" pitchFamily="2" charset="2"/>
+              <a:buChar char="§"/>
+              <a:defRPr sz="2000" kern="1200">
+                <a:solidFill>
+                  <a:schemeClr val="tx1"/>
+                </a:solidFill>
+                <a:latin typeface="+mn-lt"/>
+                <a:ea typeface="+mn-ea"/>
+                <a:cs typeface="+mn-cs"/>
+              </a:defRPr>
+            </a:lvl1pPr>
+            <a:lvl2pPr marL="457200" indent="-182880" algn="l" defTabSz="914400" rtl="0" eaLnBrk="1" latinLnBrk="0" hangingPunct="1">
+              <a:lnSpc>
+                <a:spcPct val="90000"/>
+              </a:lnSpc>
+              <a:spcBef>
+                <a:spcPts val="400"/>
+              </a:spcBef>
+              <a:spcAft>
+                <a:spcPts val="200"/>
+              </a:spcAft>
+              <a:buClr>
+                <a:schemeClr val="accent1">
+                  <a:lumMod val="75000"/>
+                </a:schemeClr>
+              </a:buClr>
+              <a:buSzPct val="85000"/>
+              <a:buFont typeface="Wingdings" pitchFamily="2" charset="2"/>
+              <a:buChar char="§"/>
+              <a:defRPr sz="1800" kern="1200">
+                <a:solidFill>
+                  <a:schemeClr val="tx1"/>
+                </a:solidFill>
+                <a:latin typeface="+mn-lt"/>
+                <a:ea typeface="+mn-ea"/>
+                <a:cs typeface="+mn-cs"/>
+              </a:defRPr>
+            </a:lvl2pPr>
+            <a:lvl3pPr marL="731520" indent="-182880" algn="l" defTabSz="914400" rtl="0" eaLnBrk="1" latinLnBrk="0" hangingPunct="1">
+              <a:lnSpc>
+                <a:spcPct val="90000"/>
+              </a:lnSpc>
+              <a:spcBef>
+                <a:spcPts val="400"/>
+              </a:spcBef>
+              <a:spcAft>
+                <a:spcPts val="200"/>
+              </a:spcAft>
+              <a:buClr>
+                <a:schemeClr val="accent1">
+                  <a:lumMod val="75000"/>
+                </a:schemeClr>
+              </a:buClr>
+              <a:buSzPct val="85000"/>
+              <a:buFont typeface="Wingdings" pitchFamily="2" charset="2"/>
+              <a:buChar char="§"/>
+              <a:defRPr sz="1600" kern="1200">
+                <a:solidFill>
+                  <a:schemeClr val="tx1"/>
+                </a:solidFill>
+                <a:latin typeface="+mn-lt"/>
+                <a:ea typeface="+mn-ea"/>
+                <a:cs typeface="+mn-cs"/>
+              </a:defRPr>
+            </a:lvl3pPr>
+            <a:lvl4pPr marL="1005840" indent="-182880" algn="l" defTabSz="914400" rtl="0" eaLnBrk="1" latinLnBrk="0" hangingPunct="1">
+              <a:lnSpc>
+                <a:spcPct val="90000"/>
+              </a:lnSpc>
+              <a:spcBef>
+                <a:spcPts val="400"/>
+              </a:spcBef>
+              <a:spcAft>
+                <a:spcPts val="200"/>
+              </a:spcAft>
+              <a:buClr>
+                <a:schemeClr val="accent1">
+                  <a:lumMod val="75000"/>
+                </a:schemeClr>
+              </a:buClr>
+              <a:buSzPct val="85000"/>
+              <a:buFont typeface="Wingdings" pitchFamily="2" charset="2"/>
+              <a:buChar char="§"/>
+              <a:defRPr sz="1600" kern="1200">
+                <a:solidFill>
+                  <a:schemeClr val="tx1"/>
+                </a:solidFill>
+                <a:latin typeface="+mn-lt"/>
+                <a:ea typeface="+mn-ea"/>
+                <a:cs typeface="+mn-cs"/>
+              </a:defRPr>
+            </a:lvl4pPr>
+            <a:lvl5pPr marL="1280160" indent="-182880" algn="l" defTabSz="914400" rtl="0" eaLnBrk="1" latinLnBrk="0" hangingPunct="1">
+              <a:lnSpc>
+                <a:spcPct val="90000"/>
+              </a:lnSpc>
+              <a:spcBef>
+                <a:spcPts val="400"/>
+              </a:spcBef>
+              <a:spcAft>
+                <a:spcPts val="200"/>
+              </a:spcAft>
+              <a:buClr>
+                <a:schemeClr val="accent1">
+                  <a:lumMod val="75000"/>
+                </a:schemeClr>
+              </a:buClr>
+              <a:buSzPct val="85000"/>
+              <a:buFont typeface="Wingdings" pitchFamily="2" charset="2"/>
+              <a:buChar char="§"/>
+              <a:defRPr sz="1600" kern="1200">
+                <a:solidFill>
+                  <a:schemeClr val="tx1"/>
+                </a:solidFill>
+                <a:latin typeface="+mn-lt"/>
+                <a:ea typeface="+mn-ea"/>
+                <a:cs typeface="+mn-cs"/>
+              </a:defRPr>
+            </a:lvl5pPr>
+            <a:lvl6pPr marL="1600000" indent="-228600" algn="l" defTabSz="914400" rtl="0" eaLnBrk="1" latinLnBrk="0" hangingPunct="1">
+              <a:lnSpc>
+                <a:spcPct val="90000"/>
+              </a:lnSpc>
+              <a:spcBef>
+                <a:spcPts val="400"/>
+              </a:spcBef>
+              <a:spcAft>
+                <a:spcPts val="200"/>
+              </a:spcAft>
+              <a:buClr>
+                <a:schemeClr val="accent1">
+                  <a:lumMod val="75000"/>
+                </a:schemeClr>
+              </a:buClr>
+              <a:buSzPct val="85000"/>
+              <a:buFont typeface="Wingdings" pitchFamily="2" charset="2"/>
+              <a:buChar char="§"/>
+              <a:defRPr sz="1600" kern="1200">
+                <a:solidFill>
+                  <a:schemeClr val="tx1"/>
+                </a:solidFill>
+                <a:latin typeface="+mn-lt"/>
+                <a:ea typeface="+mn-ea"/>
+                <a:cs typeface="+mn-cs"/>
+              </a:defRPr>
+            </a:lvl6pPr>
+            <a:lvl7pPr marL="1900000" indent="-228600" algn="l" defTabSz="914400" rtl="0" eaLnBrk="1" latinLnBrk="0" hangingPunct="1">
+              <a:lnSpc>
+                <a:spcPct val="90000"/>
+              </a:lnSpc>
+              <a:spcBef>
+                <a:spcPts val="400"/>
+              </a:spcBef>
+              <a:spcAft>
+                <a:spcPts val="200"/>
+              </a:spcAft>
+              <a:buClr>
+                <a:schemeClr val="accent1">
+                  <a:lumMod val="75000"/>
+                </a:schemeClr>
+              </a:buClr>
+              <a:buSzPct val="85000"/>
+              <a:buFont typeface="Wingdings" pitchFamily="2" charset="2"/>
+              <a:buChar char="§"/>
+              <a:defRPr sz="1600" kern="1200">
+                <a:solidFill>
+                  <a:schemeClr val="tx1"/>
+                </a:solidFill>
+                <a:latin typeface="+mn-lt"/>
+                <a:ea typeface="+mn-ea"/>
+                <a:cs typeface="+mn-cs"/>
+              </a:defRPr>
+            </a:lvl7pPr>
+            <a:lvl8pPr marL="2200000" indent="-228600" algn="l" defTabSz="914400" rtl="0" eaLnBrk="1" latinLnBrk="0" hangingPunct="1">
+              <a:lnSpc>
+                <a:spcPct val="90000"/>
+              </a:lnSpc>
+              <a:spcBef>
+                <a:spcPts val="400"/>
+              </a:spcBef>
+              <a:spcAft>
+                <a:spcPts val="200"/>
+              </a:spcAft>
+              <a:buClr>
+                <a:schemeClr val="accent1">
+                  <a:lumMod val="75000"/>
+                </a:schemeClr>
+              </a:buClr>
+              <a:buSzPct val="85000"/>
+              <a:buFont typeface="Wingdings" pitchFamily="2" charset="2"/>
+              <a:buChar char="§"/>
+              <a:defRPr sz="1600" kern="1200">
+                <a:solidFill>
+                  <a:schemeClr val="tx1"/>
+                </a:solidFill>
+                <a:latin typeface="+mn-lt"/>
+                <a:ea typeface="+mn-ea"/>
+                <a:cs typeface="+mn-cs"/>
+              </a:defRPr>
+            </a:lvl8pPr>
+            <a:lvl9pPr marL="2500000" indent="-228600" algn="l" defTabSz="914400" rtl="0" eaLnBrk="1" latinLnBrk="0" hangingPunct="1">
+              <a:lnSpc>
+                <a:spcPct val="90000"/>
+              </a:lnSpc>
+              <a:spcBef>
+                <a:spcPts val="400"/>
+              </a:spcBef>
+              <a:spcAft>
+                <a:spcPts val="200"/>
+              </a:spcAft>
+              <a:buClr>
+                <a:schemeClr val="accent1">
+                  <a:lumMod val="75000"/>
+                </a:schemeClr>
+              </a:buClr>
+              <a:buSzPct val="85000"/>
+              <a:buFont typeface="Wingdings" pitchFamily="2" charset="2"/>
+              <a:buChar char="§"/>
+              <a:defRPr sz="1600" kern="1200">
+                <a:solidFill>
+                  <a:schemeClr val="tx1"/>
+                </a:solidFill>
+                <a:latin typeface="+mn-lt"/>
+                <a:ea typeface="+mn-ea"/>
+                <a:cs typeface="+mn-cs"/>
+              </a:defRPr>
+            </a:lvl9pPr>
+          </a:lstStyle>
+          <a:p>
+            <a:r>
+              <a:rPr lang="en-US" dirty="0"/>
+              <a:t>Website</a:t>
+            </a:r>
+          </a:p>
+          <a:p>
+            <a:pPr lvl="1"/>
+            <a:r>
+              <a:rPr lang="en-US" dirty="0"/>
+              <a:t>Django Tutorial</a:t>
+            </a:r>
+          </a:p>
+          <a:p>
+            <a:pPr lvl="1"/>
+            <a:r>
+              <a:rPr lang="en-US" dirty="0"/>
+              <a:t>HTML Pages</a:t>
+            </a:r>
+          </a:p>
+          <a:p>
+            <a:pPr lvl="1"/>
+            <a:r>
+              <a:rPr lang="en-US" dirty="0"/>
+              <a:t>AWS cloud database</a:t>
+            </a:r>
+          </a:p>
+          <a:p>
+            <a:pPr lvl="1"/>
+            <a:r>
+              <a:rPr lang="en-US" dirty="0"/>
+              <a:t>Integrate</a:t>
+            </a:r>
+          </a:p>
+          <a:p>
+            <a:pPr lvl="1"/>
+            <a:r>
+              <a:rPr lang="en-US" dirty="0"/>
+              <a:t>Live</a:t>
+            </a:r>
+          </a:p>
+          <a:p>
+            <a:pPr lvl="1"/>
+            <a:r>
+              <a:rPr lang="en-US" dirty="0"/>
+              <a:t>Google Analytics</a:t>
+            </a:r>
+          </a:p>
+          <a:p>
+            <a:pPr lvl="1"/>
+            <a:r>
+              <a:rPr lang="en-US" dirty="0"/>
+              <a:t>Phone Version</a:t>
+            </a:r>
+          </a:p>
+          <a:p>
+            <a:pPr lvl="1"/>
+            <a:r>
+              <a:rPr lang="en-US" dirty="0">
+                <a:highlight>
+                  <a:srgbClr val="FFFF00"/>
+                </a:highlight>
+              </a:rPr>
+              <a:t>Ads?</a:t>
+            </a:r>
+          </a:p>
+        </p:txBody>
+      </p:sp>
+    </p:spTree>
+    <p:extLst>
+      <p:ext uri="{BB962C8B-B14F-4D97-AF65-F5344CB8AC3E}">
+        <p14:creationId xmlns:p14="http://schemas.microsoft.com/office/powerpoint/2010/main" val="2745540314"/>
+      </p:ext>
+    </p:extLst>
+  </p:cSld>
+  <p:clrMapOvr>
+    <a:masterClrMapping/>
+  </p:clrMapOvr>
+</p:sld>
+</file>
+
+<file path=ppt/slides/slide5.xml><?xml version="1.0" encoding="utf-8"?>
 <p:sld xmlns:a="http://schemas.openxmlformats.org/drawingml/2006/main" xmlns:r="http://schemas.openxmlformats.org/officeDocument/2006/relationships" xmlns:p="http://schemas.openxmlformats.org/presentationml/2006/main">
   <p:cSld>
     <p:spTree>
@@ -5543,7 +6520,7 @@
 </p:sld>
 </file>
 
-<file path=ppt/slides/slide5.xml><?xml version="1.0" encoding="utf-8"?>
+<file path=ppt/slides/slide6.xml><?xml version="1.0" encoding="utf-8"?>
 <p:sld xmlns:a="http://schemas.openxmlformats.org/drawingml/2006/main" xmlns:r="http://schemas.openxmlformats.org/officeDocument/2006/relationships" xmlns:p="http://schemas.openxmlformats.org/presentationml/2006/main">
   <p:cSld>
     <p:spTree>
@@ -5926,7 +6903,7 @@
 </p:sld>
 </file>
 
-<file path=ppt/slides/slide6.xml><?xml version="1.0" encoding="utf-8"?>
+<file path=ppt/slides/slide7.xml><?xml version="1.0" encoding="utf-8"?>
 <p:sld xmlns:a="http://schemas.openxmlformats.org/drawingml/2006/main" xmlns:r="http://schemas.openxmlformats.org/officeDocument/2006/relationships" xmlns:p="http://schemas.openxmlformats.org/presentationml/2006/main">
   <p:cSld>
     <p:spTree>
@@ -6965,7 +7942,7 @@
 </p:sld>
 </file>
 
-<file path=ppt/slides/slide7.xml><?xml version="1.0" encoding="utf-8"?>
+<file path=ppt/slides/slide8.xml><?xml version="1.0" encoding="utf-8"?>
 <p:sld xmlns:a="http://schemas.openxmlformats.org/drawingml/2006/main" xmlns:r="http://schemas.openxmlformats.org/officeDocument/2006/relationships" xmlns:p="http://schemas.openxmlformats.org/presentationml/2006/main">
   <p:cSld>
     <p:spTree>
@@ -10879,7 +11856,7 @@
 </p:sld>
 </file>
 
-<file path=ppt/slides/slide8.xml><?xml version="1.0" encoding="utf-8"?>
+<file path=ppt/slides/slide9.xml><?xml version="1.0" encoding="utf-8"?>
 <p:sld xmlns:a="http://schemas.openxmlformats.org/drawingml/2006/main" xmlns:r="http://schemas.openxmlformats.org/officeDocument/2006/relationships" xmlns:p="http://schemas.openxmlformats.org/presentationml/2006/main">
   <p:cSld>
     <p:spTree>
@@ -13165,188 +14142,6 @@
     <p:extLst>
       <p:ext uri="{BB962C8B-B14F-4D97-AF65-F5344CB8AC3E}">
         <p14:creationId xmlns:p14="http://schemas.microsoft.com/office/powerpoint/2010/main" val="3745256476"/>
-      </p:ext>
-    </p:extLst>
-  </p:cSld>
-  <p:clrMapOvr>
-    <a:masterClrMapping/>
-  </p:clrMapOvr>
-</p:sld>
-</file>
-
-<file path=ppt/slides/slide9.xml><?xml version="1.0" encoding="utf-8"?>
-<p:sld xmlns:a="http://schemas.openxmlformats.org/drawingml/2006/main" xmlns:r="http://schemas.openxmlformats.org/officeDocument/2006/relationships" xmlns:p="http://schemas.openxmlformats.org/presentationml/2006/main">
-  <p:cSld>
-    <p:spTree>
-      <p:nvGrpSpPr>
-        <p:cNvPr id="1" name=""/>
-        <p:cNvGrpSpPr/>
-        <p:nvPr/>
-      </p:nvGrpSpPr>
-      <p:grpSpPr>
-        <a:xfrm>
-          <a:off x="0" y="0"/>
-          <a:ext cx="0" cy="0"/>
-          <a:chOff x="0" y="0"/>
-          <a:chExt cx="0" cy="0"/>
-        </a:xfrm>
-      </p:grpSpPr>
-      <p:sp>
-        <p:nvSpPr>
-          <p:cNvPr id="5" name="Title 4">
-            <a:extLst>
-              <a:ext uri="{FF2B5EF4-FFF2-40B4-BE49-F238E27FC236}">
-                <a16:creationId xmlns:a16="http://schemas.microsoft.com/office/drawing/2014/main" id="{12A6A74A-4C44-4E05-8E8E-10305038C606}"/>
-              </a:ext>
-            </a:extLst>
-          </p:cNvPr>
-          <p:cNvSpPr>
-            <a:spLocks noGrp="1"/>
-          </p:cNvSpPr>
-          <p:nvPr>
-            <p:ph type="title"/>
-          </p:nvPr>
-        </p:nvSpPr>
-        <p:spPr/>
-        <p:txBody>
-          <a:bodyPr/>
-          <a:lstStyle/>
-          <a:p>
-            <a:r>
-              <a:rPr lang="en-US" dirty="0"/>
-              <a:t>Use Case 1</a:t>
-            </a:r>
-          </a:p>
-        </p:txBody>
-      </p:sp>
-      <p:sp>
-        <p:nvSpPr>
-          <p:cNvPr id="6" name="Content Placeholder 5">
-            <a:extLst>
-              <a:ext uri="{FF2B5EF4-FFF2-40B4-BE49-F238E27FC236}">
-                <a16:creationId xmlns:a16="http://schemas.microsoft.com/office/drawing/2014/main" id="{24ED24CE-E562-4979-9F85-4F46B131C29A}"/>
-              </a:ext>
-            </a:extLst>
-          </p:cNvPr>
-          <p:cNvSpPr>
-            <a:spLocks noGrp="1"/>
-          </p:cNvSpPr>
-          <p:nvPr>
-            <p:ph idx="1"/>
-          </p:nvPr>
-        </p:nvSpPr>
-        <p:spPr>
-          <a:xfrm>
-            <a:off x="1069848" y="2121408"/>
-            <a:ext cx="10058400" cy="4477100"/>
-          </a:xfrm>
-        </p:spPr>
-        <p:txBody>
-          <a:bodyPr>
-            <a:normAutofit fontScale="92500" lnSpcReduction="10000"/>
-          </a:bodyPr>
-          <a:lstStyle/>
-          <a:p>
-            <a:r>
-              <a:rPr lang="en-US" dirty="0"/>
-              <a:t>Login</a:t>
-            </a:r>
-          </a:p>
-          <a:p>
-            <a:pPr lvl="1"/>
-            <a:r>
-              <a:rPr lang="en-US" dirty="0"/>
-              <a:t>Loads User’s data from database (if there is a new day already)</a:t>
-            </a:r>
-          </a:p>
-          <a:p>
-            <a:pPr lvl="2"/>
-            <a:r>
-              <a:rPr lang="en-US" dirty="0"/>
-              <a:t>If no new day then load from temp file (temp file is just 1 days information)</a:t>
-            </a:r>
-          </a:p>
-          <a:p>
-            <a:pPr lvl="2"/>
-            <a:r>
-              <a:rPr lang="en-US" dirty="0"/>
-              <a:t>User data includes type (charge code)</a:t>
-            </a:r>
-          </a:p>
-          <a:p>
-            <a:r>
-              <a:rPr lang="en-US" dirty="0"/>
-              <a:t>Click New Day (if hadn’t already in previous session)</a:t>
-            </a:r>
-          </a:p>
-          <a:p>
-            <a:pPr lvl="1"/>
-            <a:r>
-              <a:rPr lang="en-US" dirty="0"/>
-              <a:t>Creates Day -&gt; object start time</a:t>
-            </a:r>
-          </a:p>
-          <a:p>
-            <a:r>
-              <a:rPr lang="en-US" dirty="0"/>
-              <a:t>Click New Task</a:t>
-            </a:r>
-          </a:p>
-          <a:p>
-            <a:pPr lvl="1"/>
-            <a:r>
-              <a:rPr lang="en-US" dirty="0"/>
-              <a:t>Pop up </a:t>
-            </a:r>
-          </a:p>
-          <a:p>
-            <a:pPr lvl="2"/>
-            <a:r>
-              <a:rPr lang="en-US" dirty="0"/>
-              <a:t>Required Name, Type (optional description, custom start time)</a:t>
-            </a:r>
-          </a:p>
-          <a:p>
-            <a:r>
-              <a:rPr lang="en-US" dirty="0"/>
-              <a:t>Click New Task</a:t>
-            </a:r>
-          </a:p>
-          <a:p>
-            <a:pPr lvl="1"/>
-            <a:r>
-              <a:rPr lang="en-US" dirty="0"/>
-              <a:t>Ends running task before showing popup</a:t>
-            </a:r>
-          </a:p>
-          <a:p>
-            <a:r>
-              <a:rPr lang="en-US" dirty="0"/>
-              <a:t>Click End Day</a:t>
-            </a:r>
-          </a:p>
-          <a:p>
-            <a:pPr lvl="1"/>
-            <a:r>
-              <a:rPr lang="en-US" dirty="0"/>
-              <a:t>End’s task if one open, displays table</a:t>
-            </a:r>
-          </a:p>
-          <a:p>
-            <a:pPr marL="0" indent="0">
-              <a:buNone/>
-            </a:pPr>
-            <a:r>
-              <a:rPr lang="en-US" dirty="0"/>
-              <a:t>Asynchronous thread database backup (if no connection then temp file)</a:t>
-            </a:r>
-          </a:p>
-        </p:txBody>
-      </p:sp>
-    </p:spTree>
-    <p:extLst>
-      <p:ext uri="{BB962C8B-B14F-4D97-AF65-F5344CB8AC3E}">
-        <p14:creationId xmlns:p14="http://schemas.microsoft.com/office/powerpoint/2010/main" val="1442243496"/>
       </p:ext>
     </p:extLst>
   </p:cSld>

--- a/Documentation/TACM.pptx
+++ b/Documentation/TACM.pptx
@@ -15,6 +15,8 @@
     <p:sldId id="264" r:id="rId9"/>
     <p:sldId id="259" r:id="rId10"/>
     <p:sldId id="262" r:id="rId11"/>
+    <p:sldId id="266" r:id="rId12"/>
+    <p:sldId id="267" r:id="rId13"/>
   </p:sldIdLst>
   <p:sldSz cx="12192000" cy="6858000"/>
   <p:notesSz cx="6858000" cy="9144000"/>
@@ -4282,6 +4284,3453 @@
 </p:sld>
 </file>
 
+<file path=ppt/slides/slide11.xml><?xml version="1.0" encoding="utf-8"?>
+<p:sld xmlns:a="http://schemas.openxmlformats.org/drawingml/2006/main" xmlns:r="http://schemas.openxmlformats.org/officeDocument/2006/relationships" xmlns:p="http://schemas.openxmlformats.org/presentationml/2006/main">
+  <p:cSld>
+    <p:spTree>
+      <p:nvGrpSpPr>
+        <p:cNvPr id="1" name=""/>
+        <p:cNvGrpSpPr/>
+        <p:nvPr/>
+      </p:nvGrpSpPr>
+      <p:grpSpPr>
+        <a:xfrm>
+          <a:off x="0" y="0"/>
+          <a:ext cx="0" cy="0"/>
+          <a:chOff x="0" y="0"/>
+          <a:chExt cx="0" cy="0"/>
+        </a:xfrm>
+      </p:grpSpPr>
+      <p:sp>
+        <p:nvSpPr>
+          <p:cNvPr id="2" name="Title 1">
+            <a:extLst>
+              <a:ext uri="{FF2B5EF4-FFF2-40B4-BE49-F238E27FC236}">
+                <a16:creationId xmlns:a16="http://schemas.microsoft.com/office/drawing/2014/main" id="{5709AAEE-EABE-4AC0-8B1D-AE1649BA2632}"/>
+              </a:ext>
+            </a:extLst>
+          </p:cNvPr>
+          <p:cNvSpPr>
+            <a:spLocks noGrp="1"/>
+          </p:cNvSpPr>
+          <p:nvPr>
+            <p:ph type="title"/>
+          </p:nvPr>
+        </p:nvSpPr>
+        <p:spPr/>
+        <p:txBody>
+          <a:bodyPr/>
+          <a:lstStyle/>
+          <a:p>
+            <a:r>
+              <a:rPr lang="en-US" dirty="0"/>
+              <a:t>Database Tables</a:t>
+            </a:r>
+          </a:p>
+        </p:txBody>
+      </p:sp>
+      <p:sp>
+        <p:nvSpPr>
+          <p:cNvPr id="3" name="Content Placeholder 2">
+            <a:extLst>
+              <a:ext uri="{FF2B5EF4-FFF2-40B4-BE49-F238E27FC236}">
+                <a16:creationId xmlns:a16="http://schemas.microsoft.com/office/drawing/2014/main" id="{E604A550-175A-4632-A94B-7CF9A7FFB4C5}"/>
+              </a:ext>
+            </a:extLst>
+          </p:cNvPr>
+          <p:cNvSpPr>
+            <a:spLocks noGrp="1"/>
+          </p:cNvSpPr>
+          <p:nvPr>
+            <p:ph idx="1"/>
+          </p:nvPr>
+        </p:nvSpPr>
+        <p:spPr>
+          <a:xfrm>
+            <a:off x="219994" y="1917013"/>
+            <a:ext cx="4879131" cy="2149378"/>
+          </a:xfrm>
+        </p:spPr>
+        <p:txBody>
+          <a:bodyPr>
+            <a:normAutofit/>
+          </a:bodyPr>
+          <a:lstStyle/>
+          <a:p>
+            <a:pPr marL="0" indent="0">
+              <a:buNone/>
+            </a:pPr>
+            <a:r>
+              <a:rPr lang="en-US" b="1" dirty="0"/>
+              <a:t>User</a:t>
+            </a:r>
+          </a:p>
+          <a:p>
+            <a:pPr marL="0" indent="0">
+              <a:buNone/>
+            </a:pPr>
+            <a:r>
+              <a:rPr lang="en-US" dirty="0"/>
+              <a:t>ID: Int PK</a:t>
+            </a:r>
+          </a:p>
+          <a:p>
+            <a:pPr marL="0" indent="0">
+              <a:buNone/>
+            </a:pPr>
+            <a:r>
+              <a:rPr lang="en-US" dirty="0"/>
+              <a:t>Name: String(?)</a:t>
+            </a:r>
+          </a:p>
+          <a:p>
+            <a:pPr marL="0" indent="0">
+              <a:buNone/>
+            </a:pPr>
+            <a:r>
+              <a:rPr lang="en-US" dirty="0"/>
+              <a:t>Username: SHA256 String(?) </a:t>
+            </a:r>
+          </a:p>
+          <a:p>
+            <a:pPr marL="0" indent="0">
+              <a:buNone/>
+            </a:pPr>
+            <a:r>
+              <a:rPr lang="en-US" dirty="0"/>
+              <a:t>Password: SHA256 String(?)</a:t>
+            </a:r>
+          </a:p>
+        </p:txBody>
+      </p:sp>
+      <p:sp>
+        <p:nvSpPr>
+          <p:cNvPr id="7" name="Content Placeholder 2">
+            <a:extLst>
+              <a:ext uri="{FF2B5EF4-FFF2-40B4-BE49-F238E27FC236}">
+                <a16:creationId xmlns:a16="http://schemas.microsoft.com/office/drawing/2014/main" id="{88223ED7-02C7-4C74-B2B6-D355F824B21F}"/>
+              </a:ext>
+            </a:extLst>
+          </p:cNvPr>
+          <p:cNvSpPr txBox="1">
+            <a:spLocks/>
+          </p:cNvSpPr>
+          <p:nvPr/>
+        </p:nvSpPr>
+        <p:spPr>
+          <a:xfrm>
+            <a:off x="219993" y="4223990"/>
+            <a:ext cx="2394115" cy="2149378"/>
+          </a:xfrm>
+          <a:prstGeom prst="rect">
+            <a:avLst/>
+          </a:prstGeom>
+        </p:spPr>
+        <p:txBody>
+          <a:bodyPr vert="horz" lIns="91440" tIns="45720" rIns="91440" bIns="45720" rtlCol="0">
+            <a:normAutofit fontScale="92500" lnSpcReduction="20000"/>
+          </a:bodyPr>
+          <a:lstStyle>
+            <a:lvl1pPr marL="182880" indent="-182880" algn="l" defTabSz="914400" rtl="0" eaLnBrk="1" latinLnBrk="0" hangingPunct="1">
+              <a:lnSpc>
+                <a:spcPct val="90000"/>
+              </a:lnSpc>
+              <a:spcBef>
+                <a:spcPts val="1200"/>
+              </a:spcBef>
+              <a:buClr>
+                <a:schemeClr val="accent1">
+                  <a:lumMod val="75000"/>
+                </a:schemeClr>
+              </a:buClr>
+              <a:buSzPct val="85000"/>
+              <a:buFont typeface="Wingdings" pitchFamily="2" charset="2"/>
+              <a:buChar char="§"/>
+              <a:defRPr sz="2000" kern="1200">
+                <a:solidFill>
+                  <a:schemeClr val="tx1"/>
+                </a:solidFill>
+                <a:latin typeface="+mn-lt"/>
+                <a:ea typeface="+mn-ea"/>
+                <a:cs typeface="+mn-cs"/>
+              </a:defRPr>
+            </a:lvl1pPr>
+            <a:lvl2pPr marL="457200" indent="-182880" algn="l" defTabSz="914400" rtl="0" eaLnBrk="1" latinLnBrk="0" hangingPunct="1">
+              <a:lnSpc>
+                <a:spcPct val="90000"/>
+              </a:lnSpc>
+              <a:spcBef>
+                <a:spcPts val="400"/>
+              </a:spcBef>
+              <a:spcAft>
+                <a:spcPts val="200"/>
+              </a:spcAft>
+              <a:buClr>
+                <a:schemeClr val="accent1">
+                  <a:lumMod val="75000"/>
+                </a:schemeClr>
+              </a:buClr>
+              <a:buSzPct val="85000"/>
+              <a:buFont typeface="Wingdings" pitchFamily="2" charset="2"/>
+              <a:buChar char="§"/>
+              <a:defRPr sz="1800" kern="1200">
+                <a:solidFill>
+                  <a:schemeClr val="tx1"/>
+                </a:solidFill>
+                <a:latin typeface="+mn-lt"/>
+                <a:ea typeface="+mn-ea"/>
+                <a:cs typeface="+mn-cs"/>
+              </a:defRPr>
+            </a:lvl2pPr>
+            <a:lvl3pPr marL="731520" indent="-182880" algn="l" defTabSz="914400" rtl="0" eaLnBrk="1" latinLnBrk="0" hangingPunct="1">
+              <a:lnSpc>
+                <a:spcPct val="90000"/>
+              </a:lnSpc>
+              <a:spcBef>
+                <a:spcPts val="400"/>
+              </a:spcBef>
+              <a:spcAft>
+                <a:spcPts val="200"/>
+              </a:spcAft>
+              <a:buClr>
+                <a:schemeClr val="accent1">
+                  <a:lumMod val="75000"/>
+                </a:schemeClr>
+              </a:buClr>
+              <a:buSzPct val="85000"/>
+              <a:buFont typeface="Wingdings" pitchFamily="2" charset="2"/>
+              <a:buChar char="§"/>
+              <a:defRPr sz="1600" kern="1200">
+                <a:solidFill>
+                  <a:schemeClr val="tx1"/>
+                </a:solidFill>
+                <a:latin typeface="+mn-lt"/>
+                <a:ea typeface="+mn-ea"/>
+                <a:cs typeface="+mn-cs"/>
+              </a:defRPr>
+            </a:lvl3pPr>
+            <a:lvl4pPr marL="1005840" indent="-182880" algn="l" defTabSz="914400" rtl="0" eaLnBrk="1" latinLnBrk="0" hangingPunct="1">
+              <a:lnSpc>
+                <a:spcPct val="90000"/>
+              </a:lnSpc>
+              <a:spcBef>
+                <a:spcPts val="400"/>
+              </a:spcBef>
+              <a:spcAft>
+                <a:spcPts val="200"/>
+              </a:spcAft>
+              <a:buClr>
+                <a:schemeClr val="accent1">
+                  <a:lumMod val="75000"/>
+                </a:schemeClr>
+              </a:buClr>
+              <a:buSzPct val="85000"/>
+              <a:buFont typeface="Wingdings" pitchFamily="2" charset="2"/>
+              <a:buChar char="§"/>
+              <a:defRPr sz="1600" kern="1200">
+                <a:solidFill>
+                  <a:schemeClr val="tx1"/>
+                </a:solidFill>
+                <a:latin typeface="+mn-lt"/>
+                <a:ea typeface="+mn-ea"/>
+                <a:cs typeface="+mn-cs"/>
+              </a:defRPr>
+            </a:lvl4pPr>
+            <a:lvl5pPr marL="1280160" indent="-182880" algn="l" defTabSz="914400" rtl="0" eaLnBrk="1" latinLnBrk="0" hangingPunct="1">
+              <a:lnSpc>
+                <a:spcPct val="90000"/>
+              </a:lnSpc>
+              <a:spcBef>
+                <a:spcPts val="400"/>
+              </a:spcBef>
+              <a:spcAft>
+                <a:spcPts val="200"/>
+              </a:spcAft>
+              <a:buClr>
+                <a:schemeClr val="accent1">
+                  <a:lumMod val="75000"/>
+                </a:schemeClr>
+              </a:buClr>
+              <a:buSzPct val="85000"/>
+              <a:buFont typeface="Wingdings" pitchFamily="2" charset="2"/>
+              <a:buChar char="§"/>
+              <a:defRPr sz="1600" kern="1200">
+                <a:solidFill>
+                  <a:schemeClr val="tx1"/>
+                </a:solidFill>
+                <a:latin typeface="+mn-lt"/>
+                <a:ea typeface="+mn-ea"/>
+                <a:cs typeface="+mn-cs"/>
+              </a:defRPr>
+            </a:lvl5pPr>
+            <a:lvl6pPr marL="1600000" indent="-228600" algn="l" defTabSz="914400" rtl="0" eaLnBrk="1" latinLnBrk="0" hangingPunct="1">
+              <a:lnSpc>
+                <a:spcPct val="90000"/>
+              </a:lnSpc>
+              <a:spcBef>
+                <a:spcPts val="400"/>
+              </a:spcBef>
+              <a:spcAft>
+                <a:spcPts val="200"/>
+              </a:spcAft>
+              <a:buClr>
+                <a:schemeClr val="accent1">
+                  <a:lumMod val="75000"/>
+                </a:schemeClr>
+              </a:buClr>
+              <a:buSzPct val="85000"/>
+              <a:buFont typeface="Wingdings" pitchFamily="2" charset="2"/>
+              <a:buChar char="§"/>
+              <a:defRPr sz="1600" kern="1200">
+                <a:solidFill>
+                  <a:schemeClr val="tx1"/>
+                </a:solidFill>
+                <a:latin typeface="+mn-lt"/>
+                <a:ea typeface="+mn-ea"/>
+                <a:cs typeface="+mn-cs"/>
+              </a:defRPr>
+            </a:lvl6pPr>
+            <a:lvl7pPr marL="1900000" indent="-228600" algn="l" defTabSz="914400" rtl="0" eaLnBrk="1" latinLnBrk="0" hangingPunct="1">
+              <a:lnSpc>
+                <a:spcPct val="90000"/>
+              </a:lnSpc>
+              <a:spcBef>
+                <a:spcPts val="400"/>
+              </a:spcBef>
+              <a:spcAft>
+                <a:spcPts val="200"/>
+              </a:spcAft>
+              <a:buClr>
+                <a:schemeClr val="accent1">
+                  <a:lumMod val="75000"/>
+                </a:schemeClr>
+              </a:buClr>
+              <a:buSzPct val="85000"/>
+              <a:buFont typeface="Wingdings" pitchFamily="2" charset="2"/>
+              <a:buChar char="§"/>
+              <a:defRPr sz="1600" kern="1200">
+                <a:solidFill>
+                  <a:schemeClr val="tx1"/>
+                </a:solidFill>
+                <a:latin typeface="+mn-lt"/>
+                <a:ea typeface="+mn-ea"/>
+                <a:cs typeface="+mn-cs"/>
+              </a:defRPr>
+            </a:lvl7pPr>
+            <a:lvl8pPr marL="2200000" indent="-228600" algn="l" defTabSz="914400" rtl="0" eaLnBrk="1" latinLnBrk="0" hangingPunct="1">
+              <a:lnSpc>
+                <a:spcPct val="90000"/>
+              </a:lnSpc>
+              <a:spcBef>
+                <a:spcPts val="400"/>
+              </a:spcBef>
+              <a:spcAft>
+                <a:spcPts val="200"/>
+              </a:spcAft>
+              <a:buClr>
+                <a:schemeClr val="accent1">
+                  <a:lumMod val="75000"/>
+                </a:schemeClr>
+              </a:buClr>
+              <a:buSzPct val="85000"/>
+              <a:buFont typeface="Wingdings" pitchFamily="2" charset="2"/>
+              <a:buChar char="§"/>
+              <a:defRPr sz="1600" kern="1200">
+                <a:solidFill>
+                  <a:schemeClr val="tx1"/>
+                </a:solidFill>
+                <a:latin typeface="+mn-lt"/>
+                <a:ea typeface="+mn-ea"/>
+                <a:cs typeface="+mn-cs"/>
+              </a:defRPr>
+            </a:lvl8pPr>
+            <a:lvl9pPr marL="2500000" indent="-228600" algn="l" defTabSz="914400" rtl="0" eaLnBrk="1" latinLnBrk="0" hangingPunct="1">
+              <a:lnSpc>
+                <a:spcPct val="90000"/>
+              </a:lnSpc>
+              <a:spcBef>
+                <a:spcPts val="400"/>
+              </a:spcBef>
+              <a:spcAft>
+                <a:spcPts val="200"/>
+              </a:spcAft>
+              <a:buClr>
+                <a:schemeClr val="accent1">
+                  <a:lumMod val="75000"/>
+                </a:schemeClr>
+              </a:buClr>
+              <a:buSzPct val="85000"/>
+              <a:buFont typeface="Wingdings" pitchFamily="2" charset="2"/>
+              <a:buChar char="§"/>
+              <a:defRPr sz="1600" kern="1200">
+                <a:solidFill>
+                  <a:schemeClr val="tx1"/>
+                </a:solidFill>
+                <a:latin typeface="+mn-lt"/>
+                <a:ea typeface="+mn-ea"/>
+                <a:cs typeface="+mn-cs"/>
+              </a:defRPr>
+            </a:lvl9pPr>
+          </a:lstStyle>
+          <a:p>
+            <a:pPr marL="0" indent="0">
+              <a:buFont typeface="Wingdings" pitchFamily="2" charset="2"/>
+              <a:buNone/>
+            </a:pPr>
+            <a:r>
+              <a:rPr lang="en-US" b="1" dirty="0"/>
+              <a:t>Day</a:t>
+            </a:r>
+          </a:p>
+          <a:p>
+            <a:pPr marL="0" indent="0">
+              <a:buFont typeface="Wingdings" pitchFamily="2" charset="2"/>
+              <a:buNone/>
+            </a:pPr>
+            <a:r>
+              <a:rPr lang="en-US" dirty="0" err="1"/>
+              <a:t>User_ID</a:t>
+            </a:r>
+            <a:r>
+              <a:rPr lang="en-US" dirty="0"/>
+              <a:t>: Int FK</a:t>
+            </a:r>
+          </a:p>
+          <a:p>
+            <a:pPr marL="0" indent="0">
+              <a:buFont typeface="Wingdings" pitchFamily="2" charset="2"/>
+              <a:buNone/>
+            </a:pPr>
+            <a:r>
+              <a:rPr lang="en-US" dirty="0"/>
+              <a:t>Day#: Int PK</a:t>
+            </a:r>
+          </a:p>
+          <a:p>
+            <a:pPr marL="0" indent="0">
+              <a:buFont typeface="Wingdings" pitchFamily="2" charset="2"/>
+              <a:buNone/>
+            </a:pPr>
+            <a:r>
+              <a:rPr lang="en-US" dirty="0"/>
+              <a:t>Date: </a:t>
+            </a:r>
+            <a:r>
+              <a:rPr lang="en-US" dirty="0" err="1"/>
+              <a:t>DateTime</a:t>
+            </a:r>
+            <a:endParaRPr lang="en-US" dirty="0"/>
+          </a:p>
+          <a:p>
+            <a:pPr marL="0" indent="0">
+              <a:buFont typeface="Wingdings" pitchFamily="2" charset="2"/>
+              <a:buNone/>
+            </a:pPr>
+            <a:r>
+              <a:rPr lang="en-US" dirty="0" err="1"/>
+              <a:t>StartTime</a:t>
+            </a:r>
+            <a:endParaRPr lang="en-US" dirty="0"/>
+          </a:p>
+          <a:p>
+            <a:pPr marL="0" indent="0">
+              <a:buFont typeface="Wingdings" pitchFamily="2" charset="2"/>
+              <a:buNone/>
+            </a:pPr>
+            <a:r>
+              <a:rPr lang="en-US" dirty="0" err="1"/>
+              <a:t>EndTime</a:t>
+            </a:r>
+            <a:endParaRPr lang="en-US" dirty="0"/>
+          </a:p>
+        </p:txBody>
+      </p:sp>
+      <p:sp>
+        <p:nvSpPr>
+          <p:cNvPr id="8" name="Content Placeholder 2">
+            <a:extLst>
+              <a:ext uri="{FF2B5EF4-FFF2-40B4-BE49-F238E27FC236}">
+                <a16:creationId xmlns:a16="http://schemas.microsoft.com/office/drawing/2014/main" id="{7C837E44-CF6D-466D-8D36-431FBB641832}"/>
+              </a:ext>
+            </a:extLst>
+          </p:cNvPr>
+          <p:cNvSpPr txBox="1">
+            <a:spLocks/>
+          </p:cNvSpPr>
+          <p:nvPr/>
+        </p:nvSpPr>
+        <p:spPr>
+          <a:xfrm>
+            <a:off x="5224093" y="0"/>
+            <a:ext cx="7104170" cy="2149378"/>
+          </a:xfrm>
+          <a:prstGeom prst="rect">
+            <a:avLst/>
+          </a:prstGeom>
+        </p:spPr>
+        <p:txBody>
+          <a:bodyPr vert="horz" lIns="91440" tIns="45720" rIns="91440" bIns="45720" rtlCol="0">
+            <a:normAutofit fontScale="70000" lnSpcReduction="20000"/>
+          </a:bodyPr>
+          <a:lstStyle>
+            <a:lvl1pPr marL="182880" indent="-182880" algn="l" defTabSz="914400" rtl="0" eaLnBrk="1" latinLnBrk="0" hangingPunct="1">
+              <a:lnSpc>
+                <a:spcPct val="90000"/>
+              </a:lnSpc>
+              <a:spcBef>
+                <a:spcPts val="1200"/>
+              </a:spcBef>
+              <a:buClr>
+                <a:schemeClr val="accent1">
+                  <a:lumMod val="75000"/>
+                </a:schemeClr>
+              </a:buClr>
+              <a:buSzPct val="85000"/>
+              <a:buFont typeface="Wingdings" pitchFamily="2" charset="2"/>
+              <a:buChar char="§"/>
+              <a:defRPr sz="2000" kern="1200">
+                <a:solidFill>
+                  <a:schemeClr val="tx1"/>
+                </a:solidFill>
+                <a:latin typeface="+mn-lt"/>
+                <a:ea typeface="+mn-ea"/>
+                <a:cs typeface="+mn-cs"/>
+              </a:defRPr>
+            </a:lvl1pPr>
+            <a:lvl2pPr marL="457200" indent="-182880" algn="l" defTabSz="914400" rtl="0" eaLnBrk="1" latinLnBrk="0" hangingPunct="1">
+              <a:lnSpc>
+                <a:spcPct val="90000"/>
+              </a:lnSpc>
+              <a:spcBef>
+                <a:spcPts val="400"/>
+              </a:spcBef>
+              <a:spcAft>
+                <a:spcPts val="200"/>
+              </a:spcAft>
+              <a:buClr>
+                <a:schemeClr val="accent1">
+                  <a:lumMod val="75000"/>
+                </a:schemeClr>
+              </a:buClr>
+              <a:buSzPct val="85000"/>
+              <a:buFont typeface="Wingdings" pitchFamily="2" charset="2"/>
+              <a:buChar char="§"/>
+              <a:defRPr sz="1800" kern="1200">
+                <a:solidFill>
+                  <a:schemeClr val="tx1"/>
+                </a:solidFill>
+                <a:latin typeface="+mn-lt"/>
+                <a:ea typeface="+mn-ea"/>
+                <a:cs typeface="+mn-cs"/>
+              </a:defRPr>
+            </a:lvl2pPr>
+            <a:lvl3pPr marL="731520" indent="-182880" algn="l" defTabSz="914400" rtl="0" eaLnBrk="1" latinLnBrk="0" hangingPunct="1">
+              <a:lnSpc>
+                <a:spcPct val="90000"/>
+              </a:lnSpc>
+              <a:spcBef>
+                <a:spcPts val="400"/>
+              </a:spcBef>
+              <a:spcAft>
+                <a:spcPts val="200"/>
+              </a:spcAft>
+              <a:buClr>
+                <a:schemeClr val="accent1">
+                  <a:lumMod val="75000"/>
+                </a:schemeClr>
+              </a:buClr>
+              <a:buSzPct val="85000"/>
+              <a:buFont typeface="Wingdings" pitchFamily="2" charset="2"/>
+              <a:buChar char="§"/>
+              <a:defRPr sz="1600" kern="1200">
+                <a:solidFill>
+                  <a:schemeClr val="tx1"/>
+                </a:solidFill>
+                <a:latin typeface="+mn-lt"/>
+                <a:ea typeface="+mn-ea"/>
+                <a:cs typeface="+mn-cs"/>
+              </a:defRPr>
+            </a:lvl3pPr>
+            <a:lvl4pPr marL="1005840" indent="-182880" algn="l" defTabSz="914400" rtl="0" eaLnBrk="1" latinLnBrk="0" hangingPunct="1">
+              <a:lnSpc>
+                <a:spcPct val="90000"/>
+              </a:lnSpc>
+              <a:spcBef>
+                <a:spcPts val="400"/>
+              </a:spcBef>
+              <a:spcAft>
+                <a:spcPts val="200"/>
+              </a:spcAft>
+              <a:buClr>
+                <a:schemeClr val="accent1">
+                  <a:lumMod val="75000"/>
+                </a:schemeClr>
+              </a:buClr>
+              <a:buSzPct val="85000"/>
+              <a:buFont typeface="Wingdings" pitchFamily="2" charset="2"/>
+              <a:buChar char="§"/>
+              <a:defRPr sz="1600" kern="1200">
+                <a:solidFill>
+                  <a:schemeClr val="tx1"/>
+                </a:solidFill>
+                <a:latin typeface="+mn-lt"/>
+                <a:ea typeface="+mn-ea"/>
+                <a:cs typeface="+mn-cs"/>
+              </a:defRPr>
+            </a:lvl4pPr>
+            <a:lvl5pPr marL="1280160" indent="-182880" algn="l" defTabSz="914400" rtl="0" eaLnBrk="1" latinLnBrk="0" hangingPunct="1">
+              <a:lnSpc>
+                <a:spcPct val="90000"/>
+              </a:lnSpc>
+              <a:spcBef>
+                <a:spcPts val="400"/>
+              </a:spcBef>
+              <a:spcAft>
+                <a:spcPts val="200"/>
+              </a:spcAft>
+              <a:buClr>
+                <a:schemeClr val="accent1">
+                  <a:lumMod val="75000"/>
+                </a:schemeClr>
+              </a:buClr>
+              <a:buSzPct val="85000"/>
+              <a:buFont typeface="Wingdings" pitchFamily="2" charset="2"/>
+              <a:buChar char="§"/>
+              <a:defRPr sz="1600" kern="1200">
+                <a:solidFill>
+                  <a:schemeClr val="tx1"/>
+                </a:solidFill>
+                <a:latin typeface="+mn-lt"/>
+                <a:ea typeface="+mn-ea"/>
+                <a:cs typeface="+mn-cs"/>
+              </a:defRPr>
+            </a:lvl5pPr>
+            <a:lvl6pPr marL="1600000" indent="-228600" algn="l" defTabSz="914400" rtl="0" eaLnBrk="1" latinLnBrk="0" hangingPunct="1">
+              <a:lnSpc>
+                <a:spcPct val="90000"/>
+              </a:lnSpc>
+              <a:spcBef>
+                <a:spcPts val="400"/>
+              </a:spcBef>
+              <a:spcAft>
+                <a:spcPts val="200"/>
+              </a:spcAft>
+              <a:buClr>
+                <a:schemeClr val="accent1">
+                  <a:lumMod val="75000"/>
+                </a:schemeClr>
+              </a:buClr>
+              <a:buSzPct val="85000"/>
+              <a:buFont typeface="Wingdings" pitchFamily="2" charset="2"/>
+              <a:buChar char="§"/>
+              <a:defRPr sz="1600" kern="1200">
+                <a:solidFill>
+                  <a:schemeClr val="tx1"/>
+                </a:solidFill>
+                <a:latin typeface="+mn-lt"/>
+                <a:ea typeface="+mn-ea"/>
+                <a:cs typeface="+mn-cs"/>
+              </a:defRPr>
+            </a:lvl6pPr>
+            <a:lvl7pPr marL="1900000" indent="-228600" algn="l" defTabSz="914400" rtl="0" eaLnBrk="1" latinLnBrk="0" hangingPunct="1">
+              <a:lnSpc>
+                <a:spcPct val="90000"/>
+              </a:lnSpc>
+              <a:spcBef>
+                <a:spcPts val="400"/>
+              </a:spcBef>
+              <a:spcAft>
+                <a:spcPts val="200"/>
+              </a:spcAft>
+              <a:buClr>
+                <a:schemeClr val="accent1">
+                  <a:lumMod val="75000"/>
+                </a:schemeClr>
+              </a:buClr>
+              <a:buSzPct val="85000"/>
+              <a:buFont typeface="Wingdings" pitchFamily="2" charset="2"/>
+              <a:buChar char="§"/>
+              <a:defRPr sz="1600" kern="1200">
+                <a:solidFill>
+                  <a:schemeClr val="tx1"/>
+                </a:solidFill>
+                <a:latin typeface="+mn-lt"/>
+                <a:ea typeface="+mn-ea"/>
+                <a:cs typeface="+mn-cs"/>
+              </a:defRPr>
+            </a:lvl7pPr>
+            <a:lvl8pPr marL="2200000" indent="-228600" algn="l" defTabSz="914400" rtl="0" eaLnBrk="1" latinLnBrk="0" hangingPunct="1">
+              <a:lnSpc>
+                <a:spcPct val="90000"/>
+              </a:lnSpc>
+              <a:spcBef>
+                <a:spcPts val="400"/>
+              </a:spcBef>
+              <a:spcAft>
+                <a:spcPts val="200"/>
+              </a:spcAft>
+              <a:buClr>
+                <a:schemeClr val="accent1">
+                  <a:lumMod val="75000"/>
+                </a:schemeClr>
+              </a:buClr>
+              <a:buSzPct val="85000"/>
+              <a:buFont typeface="Wingdings" pitchFamily="2" charset="2"/>
+              <a:buChar char="§"/>
+              <a:defRPr sz="1600" kern="1200">
+                <a:solidFill>
+                  <a:schemeClr val="tx1"/>
+                </a:solidFill>
+                <a:latin typeface="+mn-lt"/>
+                <a:ea typeface="+mn-ea"/>
+                <a:cs typeface="+mn-cs"/>
+              </a:defRPr>
+            </a:lvl8pPr>
+            <a:lvl9pPr marL="2500000" indent="-228600" algn="l" defTabSz="914400" rtl="0" eaLnBrk="1" latinLnBrk="0" hangingPunct="1">
+              <a:lnSpc>
+                <a:spcPct val="90000"/>
+              </a:lnSpc>
+              <a:spcBef>
+                <a:spcPts val="400"/>
+              </a:spcBef>
+              <a:spcAft>
+                <a:spcPts val="200"/>
+              </a:spcAft>
+              <a:buClr>
+                <a:schemeClr val="accent1">
+                  <a:lumMod val="75000"/>
+                </a:schemeClr>
+              </a:buClr>
+              <a:buSzPct val="85000"/>
+              <a:buFont typeface="Wingdings" pitchFamily="2" charset="2"/>
+              <a:buChar char="§"/>
+              <a:defRPr sz="1600" kern="1200">
+                <a:solidFill>
+                  <a:schemeClr val="tx1"/>
+                </a:solidFill>
+                <a:latin typeface="+mn-lt"/>
+                <a:ea typeface="+mn-ea"/>
+                <a:cs typeface="+mn-cs"/>
+              </a:defRPr>
+            </a:lvl9pPr>
+          </a:lstStyle>
+          <a:p>
+            <a:pPr marL="0" indent="0">
+              <a:buFont typeface="Wingdings" pitchFamily="2" charset="2"/>
+              <a:buNone/>
+            </a:pPr>
+            <a:r>
+              <a:rPr lang="en-US" dirty="0"/>
+              <a:t>Def </a:t>
+            </a:r>
+            <a:r>
+              <a:rPr lang="en-US" dirty="0" err="1"/>
+              <a:t>find_user</a:t>
+            </a:r>
+            <a:r>
+              <a:rPr lang="en-US" dirty="0"/>
+              <a:t> (</a:t>
+            </a:r>
+            <a:r>
+              <a:rPr lang="en-US" dirty="0" err="1"/>
+              <a:t>input_username</a:t>
+            </a:r>
+            <a:r>
+              <a:rPr lang="en-US" dirty="0"/>
+              <a:t>)</a:t>
+            </a:r>
+          </a:p>
+          <a:p>
+            <a:pPr marL="0" indent="0">
+              <a:buFont typeface="Wingdings" pitchFamily="2" charset="2"/>
+              <a:buNone/>
+            </a:pPr>
+            <a:r>
+              <a:rPr lang="en-US" dirty="0"/>
+              <a:t>	encrypt username</a:t>
+            </a:r>
+          </a:p>
+          <a:p>
+            <a:pPr marL="0" indent="0">
+              <a:buFont typeface="Wingdings" pitchFamily="2" charset="2"/>
+              <a:buNone/>
+            </a:pPr>
+            <a:r>
+              <a:rPr lang="en-US" dirty="0"/>
+              <a:t>	strip type and rounds from encrypt string</a:t>
+            </a:r>
+          </a:p>
+          <a:p>
+            <a:pPr marL="0" indent="0">
+              <a:buFont typeface="Wingdings" pitchFamily="2" charset="2"/>
+              <a:buNone/>
+            </a:pPr>
+            <a:r>
+              <a:rPr lang="en-US" dirty="0"/>
+              <a:t>	run query to find if exists:</a:t>
+            </a:r>
+          </a:p>
+          <a:p>
+            <a:pPr marL="0" indent="0">
+              <a:buFont typeface="Wingdings" pitchFamily="2" charset="2"/>
+              <a:buNone/>
+            </a:pPr>
+            <a:r>
+              <a:rPr lang="en-US" dirty="0"/>
+              <a:t>		return user ID</a:t>
+            </a:r>
+          </a:p>
+          <a:p>
+            <a:pPr marL="0" indent="0">
+              <a:buFont typeface="Wingdings" pitchFamily="2" charset="2"/>
+              <a:buNone/>
+            </a:pPr>
+            <a:r>
+              <a:rPr lang="en-US" dirty="0"/>
+              <a:t>	else:</a:t>
+            </a:r>
+          </a:p>
+          <a:p>
+            <a:pPr marL="0" indent="0">
+              <a:buFont typeface="Wingdings" pitchFamily="2" charset="2"/>
+              <a:buNone/>
+            </a:pPr>
+            <a:r>
+              <a:rPr lang="en-US" dirty="0"/>
+              <a:t>		throw error so GUI can handle DNE case</a:t>
+            </a:r>
+          </a:p>
+        </p:txBody>
+      </p:sp>
+      <p:sp>
+        <p:nvSpPr>
+          <p:cNvPr id="9" name="Content Placeholder 2">
+            <a:extLst>
+              <a:ext uri="{FF2B5EF4-FFF2-40B4-BE49-F238E27FC236}">
+                <a16:creationId xmlns:a16="http://schemas.microsoft.com/office/drawing/2014/main" id="{8C791601-391E-48AD-A5BC-575ECA3487AC}"/>
+              </a:ext>
+            </a:extLst>
+          </p:cNvPr>
+          <p:cNvSpPr txBox="1">
+            <a:spLocks/>
+          </p:cNvSpPr>
+          <p:nvPr/>
+        </p:nvSpPr>
+        <p:spPr>
+          <a:xfrm>
+            <a:off x="2583628" y="4263255"/>
+            <a:ext cx="2394115" cy="2352698"/>
+          </a:xfrm>
+          <a:prstGeom prst="rect">
+            <a:avLst/>
+          </a:prstGeom>
+        </p:spPr>
+        <p:txBody>
+          <a:bodyPr vert="horz" lIns="91440" tIns="45720" rIns="91440" bIns="45720" rtlCol="0">
+            <a:normAutofit fontScale="62500" lnSpcReduction="20000"/>
+          </a:bodyPr>
+          <a:lstStyle>
+            <a:lvl1pPr marL="182880" indent="-182880" algn="l" defTabSz="914400" rtl="0" eaLnBrk="1" latinLnBrk="0" hangingPunct="1">
+              <a:lnSpc>
+                <a:spcPct val="90000"/>
+              </a:lnSpc>
+              <a:spcBef>
+                <a:spcPts val="1200"/>
+              </a:spcBef>
+              <a:buClr>
+                <a:schemeClr val="accent1">
+                  <a:lumMod val="75000"/>
+                </a:schemeClr>
+              </a:buClr>
+              <a:buSzPct val="85000"/>
+              <a:buFont typeface="Wingdings" pitchFamily="2" charset="2"/>
+              <a:buChar char="§"/>
+              <a:defRPr sz="2000" kern="1200">
+                <a:solidFill>
+                  <a:schemeClr val="tx1"/>
+                </a:solidFill>
+                <a:latin typeface="+mn-lt"/>
+                <a:ea typeface="+mn-ea"/>
+                <a:cs typeface="+mn-cs"/>
+              </a:defRPr>
+            </a:lvl1pPr>
+            <a:lvl2pPr marL="457200" indent="-182880" algn="l" defTabSz="914400" rtl="0" eaLnBrk="1" latinLnBrk="0" hangingPunct="1">
+              <a:lnSpc>
+                <a:spcPct val="90000"/>
+              </a:lnSpc>
+              <a:spcBef>
+                <a:spcPts val="400"/>
+              </a:spcBef>
+              <a:spcAft>
+                <a:spcPts val="200"/>
+              </a:spcAft>
+              <a:buClr>
+                <a:schemeClr val="accent1">
+                  <a:lumMod val="75000"/>
+                </a:schemeClr>
+              </a:buClr>
+              <a:buSzPct val="85000"/>
+              <a:buFont typeface="Wingdings" pitchFamily="2" charset="2"/>
+              <a:buChar char="§"/>
+              <a:defRPr sz="1800" kern="1200">
+                <a:solidFill>
+                  <a:schemeClr val="tx1"/>
+                </a:solidFill>
+                <a:latin typeface="+mn-lt"/>
+                <a:ea typeface="+mn-ea"/>
+                <a:cs typeface="+mn-cs"/>
+              </a:defRPr>
+            </a:lvl2pPr>
+            <a:lvl3pPr marL="731520" indent="-182880" algn="l" defTabSz="914400" rtl="0" eaLnBrk="1" latinLnBrk="0" hangingPunct="1">
+              <a:lnSpc>
+                <a:spcPct val="90000"/>
+              </a:lnSpc>
+              <a:spcBef>
+                <a:spcPts val="400"/>
+              </a:spcBef>
+              <a:spcAft>
+                <a:spcPts val="200"/>
+              </a:spcAft>
+              <a:buClr>
+                <a:schemeClr val="accent1">
+                  <a:lumMod val="75000"/>
+                </a:schemeClr>
+              </a:buClr>
+              <a:buSzPct val="85000"/>
+              <a:buFont typeface="Wingdings" pitchFamily="2" charset="2"/>
+              <a:buChar char="§"/>
+              <a:defRPr sz="1600" kern="1200">
+                <a:solidFill>
+                  <a:schemeClr val="tx1"/>
+                </a:solidFill>
+                <a:latin typeface="+mn-lt"/>
+                <a:ea typeface="+mn-ea"/>
+                <a:cs typeface="+mn-cs"/>
+              </a:defRPr>
+            </a:lvl3pPr>
+            <a:lvl4pPr marL="1005840" indent="-182880" algn="l" defTabSz="914400" rtl="0" eaLnBrk="1" latinLnBrk="0" hangingPunct="1">
+              <a:lnSpc>
+                <a:spcPct val="90000"/>
+              </a:lnSpc>
+              <a:spcBef>
+                <a:spcPts val="400"/>
+              </a:spcBef>
+              <a:spcAft>
+                <a:spcPts val="200"/>
+              </a:spcAft>
+              <a:buClr>
+                <a:schemeClr val="accent1">
+                  <a:lumMod val="75000"/>
+                </a:schemeClr>
+              </a:buClr>
+              <a:buSzPct val="85000"/>
+              <a:buFont typeface="Wingdings" pitchFamily="2" charset="2"/>
+              <a:buChar char="§"/>
+              <a:defRPr sz="1600" kern="1200">
+                <a:solidFill>
+                  <a:schemeClr val="tx1"/>
+                </a:solidFill>
+                <a:latin typeface="+mn-lt"/>
+                <a:ea typeface="+mn-ea"/>
+                <a:cs typeface="+mn-cs"/>
+              </a:defRPr>
+            </a:lvl4pPr>
+            <a:lvl5pPr marL="1280160" indent="-182880" algn="l" defTabSz="914400" rtl="0" eaLnBrk="1" latinLnBrk="0" hangingPunct="1">
+              <a:lnSpc>
+                <a:spcPct val="90000"/>
+              </a:lnSpc>
+              <a:spcBef>
+                <a:spcPts val="400"/>
+              </a:spcBef>
+              <a:spcAft>
+                <a:spcPts val="200"/>
+              </a:spcAft>
+              <a:buClr>
+                <a:schemeClr val="accent1">
+                  <a:lumMod val="75000"/>
+                </a:schemeClr>
+              </a:buClr>
+              <a:buSzPct val="85000"/>
+              <a:buFont typeface="Wingdings" pitchFamily="2" charset="2"/>
+              <a:buChar char="§"/>
+              <a:defRPr sz="1600" kern="1200">
+                <a:solidFill>
+                  <a:schemeClr val="tx1"/>
+                </a:solidFill>
+                <a:latin typeface="+mn-lt"/>
+                <a:ea typeface="+mn-ea"/>
+                <a:cs typeface="+mn-cs"/>
+              </a:defRPr>
+            </a:lvl5pPr>
+            <a:lvl6pPr marL="1600000" indent="-228600" algn="l" defTabSz="914400" rtl="0" eaLnBrk="1" latinLnBrk="0" hangingPunct="1">
+              <a:lnSpc>
+                <a:spcPct val="90000"/>
+              </a:lnSpc>
+              <a:spcBef>
+                <a:spcPts val="400"/>
+              </a:spcBef>
+              <a:spcAft>
+                <a:spcPts val="200"/>
+              </a:spcAft>
+              <a:buClr>
+                <a:schemeClr val="accent1">
+                  <a:lumMod val="75000"/>
+                </a:schemeClr>
+              </a:buClr>
+              <a:buSzPct val="85000"/>
+              <a:buFont typeface="Wingdings" pitchFamily="2" charset="2"/>
+              <a:buChar char="§"/>
+              <a:defRPr sz="1600" kern="1200">
+                <a:solidFill>
+                  <a:schemeClr val="tx1"/>
+                </a:solidFill>
+                <a:latin typeface="+mn-lt"/>
+                <a:ea typeface="+mn-ea"/>
+                <a:cs typeface="+mn-cs"/>
+              </a:defRPr>
+            </a:lvl6pPr>
+            <a:lvl7pPr marL="1900000" indent="-228600" algn="l" defTabSz="914400" rtl="0" eaLnBrk="1" latinLnBrk="0" hangingPunct="1">
+              <a:lnSpc>
+                <a:spcPct val="90000"/>
+              </a:lnSpc>
+              <a:spcBef>
+                <a:spcPts val="400"/>
+              </a:spcBef>
+              <a:spcAft>
+                <a:spcPts val="200"/>
+              </a:spcAft>
+              <a:buClr>
+                <a:schemeClr val="accent1">
+                  <a:lumMod val="75000"/>
+                </a:schemeClr>
+              </a:buClr>
+              <a:buSzPct val="85000"/>
+              <a:buFont typeface="Wingdings" pitchFamily="2" charset="2"/>
+              <a:buChar char="§"/>
+              <a:defRPr sz="1600" kern="1200">
+                <a:solidFill>
+                  <a:schemeClr val="tx1"/>
+                </a:solidFill>
+                <a:latin typeface="+mn-lt"/>
+                <a:ea typeface="+mn-ea"/>
+                <a:cs typeface="+mn-cs"/>
+              </a:defRPr>
+            </a:lvl7pPr>
+            <a:lvl8pPr marL="2200000" indent="-228600" algn="l" defTabSz="914400" rtl="0" eaLnBrk="1" latinLnBrk="0" hangingPunct="1">
+              <a:lnSpc>
+                <a:spcPct val="90000"/>
+              </a:lnSpc>
+              <a:spcBef>
+                <a:spcPts val="400"/>
+              </a:spcBef>
+              <a:spcAft>
+                <a:spcPts val="200"/>
+              </a:spcAft>
+              <a:buClr>
+                <a:schemeClr val="accent1">
+                  <a:lumMod val="75000"/>
+                </a:schemeClr>
+              </a:buClr>
+              <a:buSzPct val="85000"/>
+              <a:buFont typeface="Wingdings" pitchFamily="2" charset="2"/>
+              <a:buChar char="§"/>
+              <a:defRPr sz="1600" kern="1200">
+                <a:solidFill>
+                  <a:schemeClr val="tx1"/>
+                </a:solidFill>
+                <a:latin typeface="+mn-lt"/>
+                <a:ea typeface="+mn-ea"/>
+                <a:cs typeface="+mn-cs"/>
+              </a:defRPr>
+            </a:lvl8pPr>
+            <a:lvl9pPr marL="2500000" indent="-228600" algn="l" defTabSz="914400" rtl="0" eaLnBrk="1" latinLnBrk="0" hangingPunct="1">
+              <a:lnSpc>
+                <a:spcPct val="90000"/>
+              </a:lnSpc>
+              <a:spcBef>
+                <a:spcPts val="400"/>
+              </a:spcBef>
+              <a:spcAft>
+                <a:spcPts val="200"/>
+              </a:spcAft>
+              <a:buClr>
+                <a:schemeClr val="accent1">
+                  <a:lumMod val="75000"/>
+                </a:schemeClr>
+              </a:buClr>
+              <a:buSzPct val="85000"/>
+              <a:buFont typeface="Wingdings" pitchFamily="2" charset="2"/>
+              <a:buChar char="§"/>
+              <a:defRPr sz="1600" kern="1200">
+                <a:solidFill>
+                  <a:schemeClr val="tx1"/>
+                </a:solidFill>
+                <a:latin typeface="+mn-lt"/>
+                <a:ea typeface="+mn-ea"/>
+                <a:cs typeface="+mn-cs"/>
+              </a:defRPr>
+            </a:lvl9pPr>
+          </a:lstStyle>
+          <a:p>
+            <a:pPr marL="0" indent="0">
+              <a:buFont typeface="Wingdings" pitchFamily="2" charset="2"/>
+              <a:buNone/>
+            </a:pPr>
+            <a:r>
+              <a:rPr lang="en-US" b="1" dirty="0"/>
+              <a:t>Task</a:t>
+            </a:r>
+          </a:p>
+          <a:p>
+            <a:pPr marL="0" indent="0">
+              <a:buFont typeface="Wingdings" pitchFamily="2" charset="2"/>
+              <a:buNone/>
+            </a:pPr>
+            <a:r>
+              <a:rPr lang="en-US" dirty="0" err="1"/>
+              <a:t>Day_ID</a:t>
+            </a:r>
+            <a:r>
+              <a:rPr lang="en-US" dirty="0"/>
+              <a:t>: Int FK</a:t>
+            </a:r>
+          </a:p>
+          <a:p>
+            <a:pPr marL="0" indent="0">
+              <a:buFont typeface="Wingdings" pitchFamily="2" charset="2"/>
+              <a:buNone/>
+            </a:pPr>
+            <a:r>
+              <a:rPr lang="en-US" dirty="0"/>
+              <a:t>Task#: Int PK</a:t>
+            </a:r>
+          </a:p>
+          <a:p>
+            <a:pPr marL="0" indent="0">
+              <a:buFont typeface="Wingdings" pitchFamily="2" charset="2"/>
+              <a:buNone/>
+            </a:pPr>
+            <a:r>
+              <a:rPr lang="en-US" dirty="0"/>
+              <a:t>Date: </a:t>
+            </a:r>
+            <a:r>
+              <a:rPr lang="en-US" dirty="0" err="1"/>
+              <a:t>DateTime</a:t>
+            </a:r>
+            <a:endParaRPr lang="en-US" dirty="0"/>
+          </a:p>
+          <a:p>
+            <a:pPr marL="0" indent="0">
+              <a:buFont typeface="Wingdings" pitchFamily="2" charset="2"/>
+              <a:buNone/>
+            </a:pPr>
+            <a:r>
+              <a:rPr lang="en-US" dirty="0"/>
+              <a:t>Start Time</a:t>
+            </a:r>
+          </a:p>
+          <a:p>
+            <a:pPr marL="0" indent="0">
+              <a:buFont typeface="Wingdings" pitchFamily="2" charset="2"/>
+              <a:buNone/>
+            </a:pPr>
+            <a:r>
+              <a:rPr lang="en-US" dirty="0"/>
+              <a:t>End Time</a:t>
+            </a:r>
+          </a:p>
+          <a:p>
+            <a:pPr marL="0" indent="0">
+              <a:buFont typeface="Wingdings" pitchFamily="2" charset="2"/>
+              <a:buNone/>
+            </a:pPr>
+            <a:r>
+              <a:rPr lang="en-US" dirty="0" err="1"/>
+              <a:t>Type_ID</a:t>
+            </a:r>
+            <a:r>
+              <a:rPr lang="en-US" dirty="0"/>
+              <a:t> FK</a:t>
+            </a:r>
+          </a:p>
+          <a:p>
+            <a:pPr marL="0" indent="0">
+              <a:buFont typeface="Wingdings" pitchFamily="2" charset="2"/>
+              <a:buNone/>
+            </a:pPr>
+            <a:r>
+              <a:rPr lang="en-US" dirty="0"/>
+              <a:t>Description</a:t>
+            </a:r>
+          </a:p>
+        </p:txBody>
+      </p:sp>
+      <p:sp>
+        <p:nvSpPr>
+          <p:cNvPr id="10" name="Content Placeholder 2">
+            <a:extLst>
+              <a:ext uri="{FF2B5EF4-FFF2-40B4-BE49-F238E27FC236}">
+                <a16:creationId xmlns:a16="http://schemas.microsoft.com/office/drawing/2014/main" id="{D6B4C912-5E8B-45A7-BB01-FAD612D119E4}"/>
+              </a:ext>
+            </a:extLst>
+          </p:cNvPr>
+          <p:cNvSpPr txBox="1">
+            <a:spLocks/>
+          </p:cNvSpPr>
+          <p:nvPr/>
+        </p:nvSpPr>
+        <p:spPr>
+          <a:xfrm>
+            <a:off x="4360433" y="4223990"/>
+            <a:ext cx="2394115" cy="2352698"/>
+          </a:xfrm>
+          <a:prstGeom prst="rect">
+            <a:avLst/>
+          </a:prstGeom>
+        </p:spPr>
+        <p:txBody>
+          <a:bodyPr vert="horz" lIns="91440" tIns="45720" rIns="91440" bIns="45720" rtlCol="0">
+            <a:normAutofit lnSpcReduction="10000"/>
+          </a:bodyPr>
+          <a:lstStyle>
+            <a:lvl1pPr marL="182880" indent="-182880" algn="l" defTabSz="914400" rtl="0" eaLnBrk="1" latinLnBrk="0" hangingPunct="1">
+              <a:lnSpc>
+                <a:spcPct val="90000"/>
+              </a:lnSpc>
+              <a:spcBef>
+                <a:spcPts val="1200"/>
+              </a:spcBef>
+              <a:buClr>
+                <a:schemeClr val="accent1">
+                  <a:lumMod val="75000"/>
+                </a:schemeClr>
+              </a:buClr>
+              <a:buSzPct val="85000"/>
+              <a:buFont typeface="Wingdings" pitchFamily="2" charset="2"/>
+              <a:buChar char="§"/>
+              <a:defRPr sz="2000" kern="1200">
+                <a:solidFill>
+                  <a:schemeClr val="tx1"/>
+                </a:solidFill>
+                <a:latin typeface="+mn-lt"/>
+                <a:ea typeface="+mn-ea"/>
+                <a:cs typeface="+mn-cs"/>
+              </a:defRPr>
+            </a:lvl1pPr>
+            <a:lvl2pPr marL="457200" indent="-182880" algn="l" defTabSz="914400" rtl="0" eaLnBrk="1" latinLnBrk="0" hangingPunct="1">
+              <a:lnSpc>
+                <a:spcPct val="90000"/>
+              </a:lnSpc>
+              <a:spcBef>
+                <a:spcPts val="400"/>
+              </a:spcBef>
+              <a:spcAft>
+                <a:spcPts val="200"/>
+              </a:spcAft>
+              <a:buClr>
+                <a:schemeClr val="accent1">
+                  <a:lumMod val="75000"/>
+                </a:schemeClr>
+              </a:buClr>
+              <a:buSzPct val="85000"/>
+              <a:buFont typeface="Wingdings" pitchFamily="2" charset="2"/>
+              <a:buChar char="§"/>
+              <a:defRPr sz="1800" kern="1200">
+                <a:solidFill>
+                  <a:schemeClr val="tx1"/>
+                </a:solidFill>
+                <a:latin typeface="+mn-lt"/>
+                <a:ea typeface="+mn-ea"/>
+                <a:cs typeface="+mn-cs"/>
+              </a:defRPr>
+            </a:lvl2pPr>
+            <a:lvl3pPr marL="731520" indent="-182880" algn="l" defTabSz="914400" rtl="0" eaLnBrk="1" latinLnBrk="0" hangingPunct="1">
+              <a:lnSpc>
+                <a:spcPct val="90000"/>
+              </a:lnSpc>
+              <a:spcBef>
+                <a:spcPts val="400"/>
+              </a:spcBef>
+              <a:spcAft>
+                <a:spcPts val="200"/>
+              </a:spcAft>
+              <a:buClr>
+                <a:schemeClr val="accent1">
+                  <a:lumMod val="75000"/>
+                </a:schemeClr>
+              </a:buClr>
+              <a:buSzPct val="85000"/>
+              <a:buFont typeface="Wingdings" pitchFamily="2" charset="2"/>
+              <a:buChar char="§"/>
+              <a:defRPr sz="1600" kern="1200">
+                <a:solidFill>
+                  <a:schemeClr val="tx1"/>
+                </a:solidFill>
+                <a:latin typeface="+mn-lt"/>
+                <a:ea typeface="+mn-ea"/>
+                <a:cs typeface="+mn-cs"/>
+              </a:defRPr>
+            </a:lvl3pPr>
+            <a:lvl4pPr marL="1005840" indent="-182880" algn="l" defTabSz="914400" rtl="0" eaLnBrk="1" latinLnBrk="0" hangingPunct="1">
+              <a:lnSpc>
+                <a:spcPct val="90000"/>
+              </a:lnSpc>
+              <a:spcBef>
+                <a:spcPts val="400"/>
+              </a:spcBef>
+              <a:spcAft>
+                <a:spcPts val="200"/>
+              </a:spcAft>
+              <a:buClr>
+                <a:schemeClr val="accent1">
+                  <a:lumMod val="75000"/>
+                </a:schemeClr>
+              </a:buClr>
+              <a:buSzPct val="85000"/>
+              <a:buFont typeface="Wingdings" pitchFamily="2" charset="2"/>
+              <a:buChar char="§"/>
+              <a:defRPr sz="1600" kern="1200">
+                <a:solidFill>
+                  <a:schemeClr val="tx1"/>
+                </a:solidFill>
+                <a:latin typeface="+mn-lt"/>
+                <a:ea typeface="+mn-ea"/>
+                <a:cs typeface="+mn-cs"/>
+              </a:defRPr>
+            </a:lvl4pPr>
+            <a:lvl5pPr marL="1280160" indent="-182880" algn="l" defTabSz="914400" rtl="0" eaLnBrk="1" latinLnBrk="0" hangingPunct="1">
+              <a:lnSpc>
+                <a:spcPct val="90000"/>
+              </a:lnSpc>
+              <a:spcBef>
+                <a:spcPts val="400"/>
+              </a:spcBef>
+              <a:spcAft>
+                <a:spcPts val="200"/>
+              </a:spcAft>
+              <a:buClr>
+                <a:schemeClr val="accent1">
+                  <a:lumMod val="75000"/>
+                </a:schemeClr>
+              </a:buClr>
+              <a:buSzPct val="85000"/>
+              <a:buFont typeface="Wingdings" pitchFamily="2" charset="2"/>
+              <a:buChar char="§"/>
+              <a:defRPr sz="1600" kern="1200">
+                <a:solidFill>
+                  <a:schemeClr val="tx1"/>
+                </a:solidFill>
+                <a:latin typeface="+mn-lt"/>
+                <a:ea typeface="+mn-ea"/>
+                <a:cs typeface="+mn-cs"/>
+              </a:defRPr>
+            </a:lvl5pPr>
+            <a:lvl6pPr marL="1600000" indent="-228600" algn="l" defTabSz="914400" rtl="0" eaLnBrk="1" latinLnBrk="0" hangingPunct="1">
+              <a:lnSpc>
+                <a:spcPct val="90000"/>
+              </a:lnSpc>
+              <a:spcBef>
+                <a:spcPts val="400"/>
+              </a:spcBef>
+              <a:spcAft>
+                <a:spcPts val="200"/>
+              </a:spcAft>
+              <a:buClr>
+                <a:schemeClr val="accent1">
+                  <a:lumMod val="75000"/>
+                </a:schemeClr>
+              </a:buClr>
+              <a:buSzPct val="85000"/>
+              <a:buFont typeface="Wingdings" pitchFamily="2" charset="2"/>
+              <a:buChar char="§"/>
+              <a:defRPr sz="1600" kern="1200">
+                <a:solidFill>
+                  <a:schemeClr val="tx1"/>
+                </a:solidFill>
+                <a:latin typeface="+mn-lt"/>
+                <a:ea typeface="+mn-ea"/>
+                <a:cs typeface="+mn-cs"/>
+              </a:defRPr>
+            </a:lvl6pPr>
+            <a:lvl7pPr marL="1900000" indent="-228600" algn="l" defTabSz="914400" rtl="0" eaLnBrk="1" latinLnBrk="0" hangingPunct="1">
+              <a:lnSpc>
+                <a:spcPct val="90000"/>
+              </a:lnSpc>
+              <a:spcBef>
+                <a:spcPts val="400"/>
+              </a:spcBef>
+              <a:spcAft>
+                <a:spcPts val="200"/>
+              </a:spcAft>
+              <a:buClr>
+                <a:schemeClr val="accent1">
+                  <a:lumMod val="75000"/>
+                </a:schemeClr>
+              </a:buClr>
+              <a:buSzPct val="85000"/>
+              <a:buFont typeface="Wingdings" pitchFamily="2" charset="2"/>
+              <a:buChar char="§"/>
+              <a:defRPr sz="1600" kern="1200">
+                <a:solidFill>
+                  <a:schemeClr val="tx1"/>
+                </a:solidFill>
+                <a:latin typeface="+mn-lt"/>
+                <a:ea typeface="+mn-ea"/>
+                <a:cs typeface="+mn-cs"/>
+              </a:defRPr>
+            </a:lvl7pPr>
+            <a:lvl8pPr marL="2200000" indent="-228600" algn="l" defTabSz="914400" rtl="0" eaLnBrk="1" latinLnBrk="0" hangingPunct="1">
+              <a:lnSpc>
+                <a:spcPct val="90000"/>
+              </a:lnSpc>
+              <a:spcBef>
+                <a:spcPts val="400"/>
+              </a:spcBef>
+              <a:spcAft>
+                <a:spcPts val="200"/>
+              </a:spcAft>
+              <a:buClr>
+                <a:schemeClr val="accent1">
+                  <a:lumMod val="75000"/>
+                </a:schemeClr>
+              </a:buClr>
+              <a:buSzPct val="85000"/>
+              <a:buFont typeface="Wingdings" pitchFamily="2" charset="2"/>
+              <a:buChar char="§"/>
+              <a:defRPr sz="1600" kern="1200">
+                <a:solidFill>
+                  <a:schemeClr val="tx1"/>
+                </a:solidFill>
+                <a:latin typeface="+mn-lt"/>
+                <a:ea typeface="+mn-ea"/>
+                <a:cs typeface="+mn-cs"/>
+              </a:defRPr>
+            </a:lvl8pPr>
+            <a:lvl9pPr marL="2500000" indent="-228600" algn="l" defTabSz="914400" rtl="0" eaLnBrk="1" latinLnBrk="0" hangingPunct="1">
+              <a:lnSpc>
+                <a:spcPct val="90000"/>
+              </a:lnSpc>
+              <a:spcBef>
+                <a:spcPts val="400"/>
+              </a:spcBef>
+              <a:spcAft>
+                <a:spcPts val="200"/>
+              </a:spcAft>
+              <a:buClr>
+                <a:schemeClr val="accent1">
+                  <a:lumMod val="75000"/>
+                </a:schemeClr>
+              </a:buClr>
+              <a:buSzPct val="85000"/>
+              <a:buFont typeface="Wingdings" pitchFamily="2" charset="2"/>
+              <a:buChar char="§"/>
+              <a:defRPr sz="1600" kern="1200">
+                <a:solidFill>
+                  <a:schemeClr val="tx1"/>
+                </a:solidFill>
+                <a:latin typeface="+mn-lt"/>
+                <a:ea typeface="+mn-ea"/>
+                <a:cs typeface="+mn-cs"/>
+              </a:defRPr>
+            </a:lvl9pPr>
+          </a:lstStyle>
+          <a:p>
+            <a:pPr marL="0" indent="0">
+              <a:buFont typeface="Wingdings" pitchFamily="2" charset="2"/>
+              <a:buNone/>
+            </a:pPr>
+            <a:r>
+              <a:rPr lang="en-US" b="1" dirty="0" err="1"/>
+              <a:t>UserType</a:t>
+            </a:r>
+            <a:endParaRPr lang="en-US" b="1" dirty="0"/>
+          </a:p>
+          <a:p>
+            <a:pPr marL="0" indent="0">
+              <a:buFont typeface="Wingdings" pitchFamily="2" charset="2"/>
+              <a:buNone/>
+            </a:pPr>
+            <a:r>
+              <a:rPr lang="en-US" dirty="0" err="1"/>
+              <a:t>Type_ID</a:t>
+            </a:r>
+            <a:r>
+              <a:rPr lang="en-US" dirty="0"/>
+              <a:t> int PK</a:t>
+            </a:r>
+          </a:p>
+          <a:p>
+            <a:pPr marL="0" indent="0">
+              <a:buFont typeface="Wingdings" pitchFamily="2" charset="2"/>
+              <a:buNone/>
+            </a:pPr>
+            <a:r>
+              <a:rPr lang="en-US" dirty="0"/>
+              <a:t>Desc String</a:t>
+            </a:r>
+          </a:p>
+          <a:p>
+            <a:pPr marL="0" indent="0">
+              <a:buFont typeface="Wingdings" pitchFamily="2" charset="2"/>
+              <a:buNone/>
+            </a:pPr>
+            <a:r>
+              <a:rPr lang="en-US" dirty="0"/>
+              <a:t>Charge string</a:t>
+            </a:r>
+          </a:p>
+          <a:p>
+            <a:pPr marL="0" indent="0">
+              <a:buFont typeface="Wingdings" pitchFamily="2" charset="2"/>
+              <a:buNone/>
+            </a:pPr>
+            <a:r>
+              <a:rPr lang="en-US" dirty="0"/>
+              <a:t>Comment String</a:t>
+            </a:r>
+          </a:p>
+          <a:p>
+            <a:pPr marL="0" indent="0">
+              <a:buFont typeface="Wingdings" pitchFamily="2" charset="2"/>
+              <a:buNone/>
+            </a:pPr>
+            <a:r>
+              <a:rPr lang="en-US" dirty="0" err="1"/>
+              <a:t>User_ID</a:t>
+            </a:r>
+            <a:r>
+              <a:rPr lang="en-US" dirty="0"/>
+              <a:t> int FK</a:t>
+            </a:r>
+          </a:p>
+        </p:txBody>
+      </p:sp>
+      <p:sp>
+        <p:nvSpPr>
+          <p:cNvPr id="11" name="Content Placeholder 2">
+            <a:extLst>
+              <a:ext uri="{FF2B5EF4-FFF2-40B4-BE49-F238E27FC236}">
+                <a16:creationId xmlns:a16="http://schemas.microsoft.com/office/drawing/2014/main" id="{F5701654-F157-41C0-87C3-74BE825C54B2}"/>
+              </a:ext>
+            </a:extLst>
+          </p:cNvPr>
+          <p:cNvSpPr txBox="1">
+            <a:spLocks/>
+          </p:cNvSpPr>
+          <p:nvPr/>
+        </p:nvSpPr>
+        <p:spPr>
+          <a:xfrm>
+            <a:off x="3408784" y="3010528"/>
+            <a:ext cx="8619476" cy="1213462"/>
+          </a:xfrm>
+          <a:prstGeom prst="rect">
+            <a:avLst/>
+          </a:prstGeom>
+        </p:spPr>
+        <p:txBody>
+          <a:bodyPr vert="horz" lIns="91440" tIns="45720" rIns="91440" bIns="45720" rtlCol="0">
+            <a:normAutofit/>
+          </a:bodyPr>
+          <a:lstStyle>
+            <a:lvl1pPr marL="182880" indent="-182880" algn="l" defTabSz="914400" rtl="0" eaLnBrk="1" latinLnBrk="0" hangingPunct="1">
+              <a:lnSpc>
+                <a:spcPct val="90000"/>
+              </a:lnSpc>
+              <a:spcBef>
+                <a:spcPts val="1200"/>
+              </a:spcBef>
+              <a:buClr>
+                <a:schemeClr val="accent1">
+                  <a:lumMod val="75000"/>
+                </a:schemeClr>
+              </a:buClr>
+              <a:buSzPct val="85000"/>
+              <a:buFont typeface="Wingdings" pitchFamily="2" charset="2"/>
+              <a:buChar char="§"/>
+              <a:defRPr sz="2000" kern="1200">
+                <a:solidFill>
+                  <a:schemeClr val="tx1"/>
+                </a:solidFill>
+                <a:latin typeface="+mn-lt"/>
+                <a:ea typeface="+mn-ea"/>
+                <a:cs typeface="+mn-cs"/>
+              </a:defRPr>
+            </a:lvl1pPr>
+            <a:lvl2pPr marL="457200" indent="-182880" algn="l" defTabSz="914400" rtl="0" eaLnBrk="1" latinLnBrk="0" hangingPunct="1">
+              <a:lnSpc>
+                <a:spcPct val="90000"/>
+              </a:lnSpc>
+              <a:spcBef>
+                <a:spcPts val="400"/>
+              </a:spcBef>
+              <a:spcAft>
+                <a:spcPts val="200"/>
+              </a:spcAft>
+              <a:buClr>
+                <a:schemeClr val="accent1">
+                  <a:lumMod val="75000"/>
+                </a:schemeClr>
+              </a:buClr>
+              <a:buSzPct val="85000"/>
+              <a:buFont typeface="Wingdings" pitchFamily="2" charset="2"/>
+              <a:buChar char="§"/>
+              <a:defRPr sz="1800" kern="1200">
+                <a:solidFill>
+                  <a:schemeClr val="tx1"/>
+                </a:solidFill>
+                <a:latin typeface="+mn-lt"/>
+                <a:ea typeface="+mn-ea"/>
+                <a:cs typeface="+mn-cs"/>
+              </a:defRPr>
+            </a:lvl2pPr>
+            <a:lvl3pPr marL="731520" indent="-182880" algn="l" defTabSz="914400" rtl="0" eaLnBrk="1" latinLnBrk="0" hangingPunct="1">
+              <a:lnSpc>
+                <a:spcPct val="90000"/>
+              </a:lnSpc>
+              <a:spcBef>
+                <a:spcPts val="400"/>
+              </a:spcBef>
+              <a:spcAft>
+                <a:spcPts val="200"/>
+              </a:spcAft>
+              <a:buClr>
+                <a:schemeClr val="accent1">
+                  <a:lumMod val="75000"/>
+                </a:schemeClr>
+              </a:buClr>
+              <a:buSzPct val="85000"/>
+              <a:buFont typeface="Wingdings" pitchFamily="2" charset="2"/>
+              <a:buChar char="§"/>
+              <a:defRPr sz="1600" kern="1200">
+                <a:solidFill>
+                  <a:schemeClr val="tx1"/>
+                </a:solidFill>
+                <a:latin typeface="+mn-lt"/>
+                <a:ea typeface="+mn-ea"/>
+                <a:cs typeface="+mn-cs"/>
+              </a:defRPr>
+            </a:lvl3pPr>
+            <a:lvl4pPr marL="1005840" indent="-182880" algn="l" defTabSz="914400" rtl="0" eaLnBrk="1" latinLnBrk="0" hangingPunct="1">
+              <a:lnSpc>
+                <a:spcPct val="90000"/>
+              </a:lnSpc>
+              <a:spcBef>
+                <a:spcPts val="400"/>
+              </a:spcBef>
+              <a:spcAft>
+                <a:spcPts val="200"/>
+              </a:spcAft>
+              <a:buClr>
+                <a:schemeClr val="accent1">
+                  <a:lumMod val="75000"/>
+                </a:schemeClr>
+              </a:buClr>
+              <a:buSzPct val="85000"/>
+              <a:buFont typeface="Wingdings" pitchFamily="2" charset="2"/>
+              <a:buChar char="§"/>
+              <a:defRPr sz="1600" kern="1200">
+                <a:solidFill>
+                  <a:schemeClr val="tx1"/>
+                </a:solidFill>
+                <a:latin typeface="+mn-lt"/>
+                <a:ea typeface="+mn-ea"/>
+                <a:cs typeface="+mn-cs"/>
+              </a:defRPr>
+            </a:lvl4pPr>
+            <a:lvl5pPr marL="1280160" indent="-182880" algn="l" defTabSz="914400" rtl="0" eaLnBrk="1" latinLnBrk="0" hangingPunct="1">
+              <a:lnSpc>
+                <a:spcPct val="90000"/>
+              </a:lnSpc>
+              <a:spcBef>
+                <a:spcPts val="400"/>
+              </a:spcBef>
+              <a:spcAft>
+                <a:spcPts val="200"/>
+              </a:spcAft>
+              <a:buClr>
+                <a:schemeClr val="accent1">
+                  <a:lumMod val="75000"/>
+                </a:schemeClr>
+              </a:buClr>
+              <a:buSzPct val="85000"/>
+              <a:buFont typeface="Wingdings" pitchFamily="2" charset="2"/>
+              <a:buChar char="§"/>
+              <a:defRPr sz="1600" kern="1200">
+                <a:solidFill>
+                  <a:schemeClr val="tx1"/>
+                </a:solidFill>
+                <a:latin typeface="+mn-lt"/>
+                <a:ea typeface="+mn-ea"/>
+                <a:cs typeface="+mn-cs"/>
+              </a:defRPr>
+            </a:lvl5pPr>
+            <a:lvl6pPr marL="1600000" indent="-228600" algn="l" defTabSz="914400" rtl="0" eaLnBrk="1" latinLnBrk="0" hangingPunct="1">
+              <a:lnSpc>
+                <a:spcPct val="90000"/>
+              </a:lnSpc>
+              <a:spcBef>
+                <a:spcPts val="400"/>
+              </a:spcBef>
+              <a:spcAft>
+                <a:spcPts val="200"/>
+              </a:spcAft>
+              <a:buClr>
+                <a:schemeClr val="accent1">
+                  <a:lumMod val="75000"/>
+                </a:schemeClr>
+              </a:buClr>
+              <a:buSzPct val="85000"/>
+              <a:buFont typeface="Wingdings" pitchFamily="2" charset="2"/>
+              <a:buChar char="§"/>
+              <a:defRPr sz="1600" kern="1200">
+                <a:solidFill>
+                  <a:schemeClr val="tx1"/>
+                </a:solidFill>
+                <a:latin typeface="+mn-lt"/>
+                <a:ea typeface="+mn-ea"/>
+                <a:cs typeface="+mn-cs"/>
+              </a:defRPr>
+            </a:lvl6pPr>
+            <a:lvl7pPr marL="1900000" indent="-228600" algn="l" defTabSz="914400" rtl="0" eaLnBrk="1" latinLnBrk="0" hangingPunct="1">
+              <a:lnSpc>
+                <a:spcPct val="90000"/>
+              </a:lnSpc>
+              <a:spcBef>
+                <a:spcPts val="400"/>
+              </a:spcBef>
+              <a:spcAft>
+                <a:spcPts val="200"/>
+              </a:spcAft>
+              <a:buClr>
+                <a:schemeClr val="accent1">
+                  <a:lumMod val="75000"/>
+                </a:schemeClr>
+              </a:buClr>
+              <a:buSzPct val="85000"/>
+              <a:buFont typeface="Wingdings" pitchFamily="2" charset="2"/>
+              <a:buChar char="§"/>
+              <a:defRPr sz="1600" kern="1200">
+                <a:solidFill>
+                  <a:schemeClr val="tx1"/>
+                </a:solidFill>
+                <a:latin typeface="+mn-lt"/>
+                <a:ea typeface="+mn-ea"/>
+                <a:cs typeface="+mn-cs"/>
+              </a:defRPr>
+            </a:lvl7pPr>
+            <a:lvl8pPr marL="2200000" indent="-228600" algn="l" defTabSz="914400" rtl="0" eaLnBrk="1" latinLnBrk="0" hangingPunct="1">
+              <a:lnSpc>
+                <a:spcPct val="90000"/>
+              </a:lnSpc>
+              <a:spcBef>
+                <a:spcPts val="400"/>
+              </a:spcBef>
+              <a:spcAft>
+                <a:spcPts val="200"/>
+              </a:spcAft>
+              <a:buClr>
+                <a:schemeClr val="accent1">
+                  <a:lumMod val="75000"/>
+                </a:schemeClr>
+              </a:buClr>
+              <a:buSzPct val="85000"/>
+              <a:buFont typeface="Wingdings" pitchFamily="2" charset="2"/>
+              <a:buChar char="§"/>
+              <a:defRPr sz="1600" kern="1200">
+                <a:solidFill>
+                  <a:schemeClr val="tx1"/>
+                </a:solidFill>
+                <a:latin typeface="+mn-lt"/>
+                <a:ea typeface="+mn-ea"/>
+                <a:cs typeface="+mn-cs"/>
+              </a:defRPr>
+            </a:lvl8pPr>
+            <a:lvl9pPr marL="2500000" indent="-228600" algn="l" defTabSz="914400" rtl="0" eaLnBrk="1" latinLnBrk="0" hangingPunct="1">
+              <a:lnSpc>
+                <a:spcPct val="90000"/>
+              </a:lnSpc>
+              <a:spcBef>
+                <a:spcPts val="400"/>
+              </a:spcBef>
+              <a:spcAft>
+                <a:spcPts val="200"/>
+              </a:spcAft>
+              <a:buClr>
+                <a:schemeClr val="accent1">
+                  <a:lumMod val="75000"/>
+                </a:schemeClr>
+              </a:buClr>
+              <a:buSzPct val="85000"/>
+              <a:buFont typeface="Wingdings" pitchFamily="2" charset="2"/>
+              <a:buChar char="§"/>
+              <a:defRPr sz="1600" kern="1200">
+                <a:solidFill>
+                  <a:schemeClr val="tx1"/>
+                </a:solidFill>
+                <a:latin typeface="+mn-lt"/>
+                <a:ea typeface="+mn-ea"/>
+                <a:cs typeface="+mn-cs"/>
+              </a:defRPr>
+            </a:lvl9pPr>
+          </a:lstStyle>
+          <a:p>
+            <a:pPr marL="0" indent="0">
+              <a:buFont typeface="Wingdings" pitchFamily="2" charset="2"/>
+              <a:buNone/>
+            </a:pPr>
+            <a:r>
+              <a:rPr lang="en-US" sz="1100" dirty="0"/>
+              <a:t>Def </a:t>
+            </a:r>
+            <a:r>
+              <a:rPr lang="en-US" sz="1100" dirty="0" err="1"/>
+              <a:t>find_day</a:t>
+            </a:r>
+            <a:r>
+              <a:rPr lang="en-US" sz="1100" dirty="0"/>
+              <a:t> (</a:t>
+            </a:r>
+            <a:r>
+              <a:rPr lang="en-US" sz="1100" dirty="0" err="1"/>
+              <a:t>todays_date</a:t>
+            </a:r>
+            <a:r>
+              <a:rPr lang="en-US" sz="1100" dirty="0"/>
+              <a:t>)</a:t>
+            </a:r>
+          </a:p>
+          <a:p>
+            <a:pPr marL="0" indent="0">
+              <a:buFont typeface="Wingdings" pitchFamily="2" charset="2"/>
+              <a:buNone/>
+            </a:pPr>
+            <a:r>
+              <a:rPr lang="en-US" sz="1100" dirty="0"/>
+              <a:t>	run query to find if date exists for user:</a:t>
+            </a:r>
+          </a:p>
+          <a:p>
+            <a:pPr marL="0" indent="0">
+              <a:buFont typeface="Wingdings" pitchFamily="2" charset="2"/>
+              <a:buNone/>
+            </a:pPr>
+            <a:r>
+              <a:rPr lang="en-US" sz="1100" dirty="0"/>
+              <a:t>		run query to find all tasks IDs that have matching DAY_ID FK</a:t>
+            </a:r>
+          </a:p>
+          <a:p>
+            <a:pPr marL="0" indent="0">
+              <a:buFont typeface="Wingdings" pitchFamily="2" charset="2"/>
+              <a:buNone/>
+            </a:pPr>
+            <a:r>
+              <a:rPr lang="en-US" sz="1100" dirty="0"/>
+              <a:t>		for every ID, run query to fill task object with data</a:t>
+            </a:r>
+          </a:p>
+        </p:txBody>
+      </p:sp>
+      <p:sp>
+        <p:nvSpPr>
+          <p:cNvPr id="12" name="Content Placeholder 2">
+            <a:extLst>
+              <a:ext uri="{FF2B5EF4-FFF2-40B4-BE49-F238E27FC236}">
+                <a16:creationId xmlns:a16="http://schemas.microsoft.com/office/drawing/2014/main" id="{B03B70E4-26DF-40FB-B462-B9A48A46B8E8}"/>
+              </a:ext>
+            </a:extLst>
+          </p:cNvPr>
+          <p:cNvSpPr txBox="1">
+            <a:spLocks/>
+          </p:cNvSpPr>
+          <p:nvPr/>
+        </p:nvSpPr>
+        <p:spPr>
+          <a:xfrm>
+            <a:off x="3238455" y="1872010"/>
+            <a:ext cx="8619476" cy="1213462"/>
+          </a:xfrm>
+          <a:prstGeom prst="rect">
+            <a:avLst/>
+          </a:prstGeom>
+        </p:spPr>
+        <p:txBody>
+          <a:bodyPr vert="horz" lIns="91440" tIns="45720" rIns="91440" bIns="45720" rtlCol="0">
+            <a:normAutofit/>
+          </a:bodyPr>
+          <a:lstStyle>
+            <a:lvl1pPr marL="182880" indent="-182880" algn="l" defTabSz="914400" rtl="0" eaLnBrk="1" latinLnBrk="0" hangingPunct="1">
+              <a:lnSpc>
+                <a:spcPct val="90000"/>
+              </a:lnSpc>
+              <a:spcBef>
+                <a:spcPts val="1200"/>
+              </a:spcBef>
+              <a:buClr>
+                <a:schemeClr val="accent1">
+                  <a:lumMod val="75000"/>
+                </a:schemeClr>
+              </a:buClr>
+              <a:buSzPct val="85000"/>
+              <a:buFont typeface="Wingdings" pitchFamily="2" charset="2"/>
+              <a:buChar char="§"/>
+              <a:defRPr sz="2000" kern="1200">
+                <a:solidFill>
+                  <a:schemeClr val="tx1"/>
+                </a:solidFill>
+                <a:latin typeface="+mn-lt"/>
+                <a:ea typeface="+mn-ea"/>
+                <a:cs typeface="+mn-cs"/>
+              </a:defRPr>
+            </a:lvl1pPr>
+            <a:lvl2pPr marL="457200" indent="-182880" algn="l" defTabSz="914400" rtl="0" eaLnBrk="1" latinLnBrk="0" hangingPunct="1">
+              <a:lnSpc>
+                <a:spcPct val="90000"/>
+              </a:lnSpc>
+              <a:spcBef>
+                <a:spcPts val="400"/>
+              </a:spcBef>
+              <a:spcAft>
+                <a:spcPts val="200"/>
+              </a:spcAft>
+              <a:buClr>
+                <a:schemeClr val="accent1">
+                  <a:lumMod val="75000"/>
+                </a:schemeClr>
+              </a:buClr>
+              <a:buSzPct val="85000"/>
+              <a:buFont typeface="Wingdings" pitchFamily="2" charset="2"/>
+              <a:buChar char="§"/>
+              <a:defRPr sz="1800" kern="1200">
+                <a:solidFill>
+                  <a:schemeClr val="tx1"/>
+                </a:solidFill>
+                <a:latin typeface="+mn-lt"/>
+                <a:ea typeface="+mn-ea"/>
+                <a:cs typeface="+mn-cs"/>
+              </a:defRPr>
+            </a:lvl2pPr>
+            <a:lvl3pPr marL="731520" indent="-182880" algn="l" defTabSz="914400" rtl="0" eaLnBrk="1" latinLnBrk="0" hangingPunct="1">
+              <a:lnSpc>
+                <a:spcPct val="90000"/>
+              </a:lnSpc>
+              <a:spcBef>
+                <a:spcPts val="400"/>
+              </a:spcBef>
+              <a:spcAft>
+                <a:spcPts val="200"/>
+              </a:spcAft>
+              <a:buClr>
+                <a:schemeClr val="accent1">
+                  <a:lumMod val="75000"/>
+                </a:schemeClr>
+              </a:buClr>
+              <a:buSzPct val="85000"/>
+              <a:buFont typeface="Wingdings" pitchFamily="2" charset="2"/>
+              <a:buChar char="§"/>
+              <a:defRPr sz="1600" kern="1200">
+                <a:solidFill>
+                  <a:schemeClr val="tx1"/>
+                </a:solidFill>
+                <a:latin typeface="+mn-lt"/>
+                <a:ea typeface="+mn-ea"/>
+                <a:cs typeface="+mn-cs"/>
+              </a:defRPr>
+            </a:lvl3pPr>
+            <a:lvl4pPr marL="1005840" indent="-182880" algn="l" defTabSz="914400" rtl="0" eaLnBrk="1" latinLnBrk="0" hangingPunct="1">
+              <a:lnSpc>
+                <a:spcPct val="90000"/>
+              </a:lnSpc>
+              <a:spcBef>
+                <a:spcPts val="400"/>
+              </a:spcBef>
+              <a:spcAft>
+                <a:spcPts val="200"/>
+              </a:spcAft>
+              <a:buClr>
+                <a:schemeClr val="accent1">
+                  <a:lumMod val="75000"/>
+                </a:schemeClr>
+              </a:buClr>
+              <a:buSzPct val="85000"/>
+              <a:buFont typeface="Wingdings" pitchFamily="2" charset="2"/>
+              <a:buChar char="§"/>
+              <a:defRPr sz="1600" kern="1200">
+                <a:solidFill>
+                  <a:schemeClr val="tx1"/>
+                </a:solidFill>
+                <a:latin typeface="+mn-lt"/>
+                <a:ea typeface="+mn-ea"/>
+                <a:cs typeface="+mn-cs"/>
+              </a:defRPr>
+            </a:lvl4pPr>
+            <a:lvl5pPr marL="1280160" indent="-182880" algn="l" defTabSz="914400" rtl="0" eaLnBrk="1" latinLnBrk="0" hangingPunct="1">
+              <a:lnSpc>
+                <a:spcPct val="90000"/>
+              </a:lnSpc>
+              <a:spcBef>
+                <a:spcPts val="400"/>
+              </a:spcBef>
+              <a:spcAft>
+                <a:spcPts val="200"/>
+              </a:spcAft>
+              <a:buClr>
+                <a:schemeClr val="accent1">
+                  <a:lumMod val="75000"/>
+                </a:schemeClr>
+              </a:buClr>
+              <a:buSzPct val="85000"/>
+              <a:buFont typeface="Wingdings" pitchFamily="2" charset="2"/>
+              <a:buChar char="§"/>
+              <a:defRPr sz="1600" kern="1200">
+                <a:solidFill>
+                  <a:schemeClr val="tx1"/>
+                </a:solidFill>
+                <a:latin typeface="+mn-lt"/>
+                <a:ea typeface="+mn-ea"/>
+                <a:cs typeface="+mn-cs"/>
+              </a:defRPr>
+            </a:lvl5pPr>
+            <a:lvl6pPr marL="1600000" indent="-228600" algn="l" defTabSz="914400" rtl="0" eaLnBrk="1" latinLnBrk="0" hangingPunct="1">
+              <a:lnSpc>
+                <a:spcPct val="90000"/>
+              </a:lnSpc>
+              <a:spcBef>
+                <a:spcPts val="400"/>
+              </a:spcBef>
+              <a:spcAft>
+                <a:spcPts val="200"/>
+              </a:spcAft>
+              <a:buClr>
+                <a:schemeClr val="accent1">
+                  <a:lumMod val="75000"/>
+                </a:schemeClr>
+              </a:buClr>
+              <a:buSzPct val="85000"/>
+              <a:buFont typeface="Wingdings" pitchFamily="2" charset="2"/>
+              <a:buChar char="§"/>
+              <a:defRPr sz="1600" kern="1200">
+                <a:solidFill>
+                  <a:schemeClr val="tx1"/>
+                </a:solidFill>
+                <a:latin typeface="+mn-lt"/>
+                <a:ea typeface="+mn-ea"/>
+                <a:cs typeface="+mn-cs"/>
+              </a:defRPr>
+            </a:lvl6pPr>
+            <a:lvl7pPr marL="1900000" indent="-228600" algn="l" defTabSz="914400" rtl="0" eaLnBrk="1" latinLnBrk="0" hangingPunct="1">
+              <a:lnSpc>
+                <a:spcPct val="90000"/>
+              </a:lnSpc>
+              <a:spcBef>
+                <a:spcPts val="400"/>
+              </a:spcBef>
+              <a:spcAft>
+                <a:spcPts val="200"/>
+              </a:spcAft>
+              <a:buClr>
+                <a:schemeClr val="accent1">
+                  <a:lumMod val="75000"/>
+                </a:schemeClr>
+              </a:buClr>
+              <a:buSzPct val="85000"/>
+              <a:buFont typeface="Wingdings" pitchFamily="2" charset="2"/>
+              <a:buChar char="§"/>
+              <a:defRPr sz="1600" kern="1200">
+                <a:solidFill>
+                  <a:schemeClr val="tx1"/>
+                </a:solidFill>
+                <a:latin typeface="+mn-lt"/>
+                <a:ea typeface="+mn-ea"/>
+                <a:cs typeface="+mn-cs"/>
+              </a:defRPr>
+            </a:lvl7pPr>
+            <a:lvl8pPr marL="2200000" indent="-228600" algn="l" defTabSz="914400" rtl="0" eaLnBrk="1" latinLnBrk="0" hangingPunct="1">
+              <a:lnSpc>
+                <a:spcPct val="90000"/>
+              </a:lnSpc>
+              <a:spcBef>
+                <a:spcPts val="400"/>
+              </a:spcBef>
+              <a:spcAft>
+                <a:spcPts val="200"/>
+              </a:spcAft>
+              <a:buClr>
+                <a:schemeClr val="accent1">
+                  <a:lumMod val="75000"/>
+                </a:schemeClr>
+              </a:buClr>
+              <a:buSzPct val="85000"/>
+              <a:buFont typeface="Wingdings" pitchFamily="2" charset="2"/>
+              <a:buChar char="§"/>
+              <a:defRPr sz="1600" kern="1200">
+                <a:solidFill>
+                  <a:schemeClr val="tx1"/>
+                </a:solidFill>
+                <a:latin typeface="+mn-lt"/>
+                <a:ea typeface="+mn-ea"/>
+                <a:cs typeface="+mn-cs"/>
+              </a:defRPr>
+            </a:lvl8pPr>
+            <a:lvl9pPr marL="2500000" indent="-228600" algn="l" defTabSz="914400" rtl="0" eaLnBrk="1" latinLnBrk="0" hangingPunct="1">
+              <a:lnSpc>
+                <a:spcPct val="90000"/>
+              </a:lnSpc>
+              <a:spcBef>
+                <a:spcPts val="400"/>
+              </a:spcBef>
+              <a:spcAft>
+                <a:spcPts val="200"/>
+              </a:spcAft>
+              <a:buClr>
+                <a:schemeClr val="accent1">
+                  <a:lumMod val="75000"/>
+                </a:schemeClr>
+              </a:buClr>
+              <a:buSzPct val="85000"/>
+              <a:buFont typeface="Wingdings" pitchFamily="2" charset="2"/>
+              <a:buChar char="§"/>
+              <a:defRPr sz="1600" kern="1200">
+                <a:solidFill>
+                  <a:schemeClr val="tx1"/>
+                </a:solidFill>
+                <a:latin typeface="+mn-lt"/>
+                <a:ea typeface="+mn-ea"/>
+                <a:cs typeface="+mn-cs"/>
+              </a:defRPr>
+            </a:lvl9pPr>
+          </a:lstStyle>
+          <a:p>
+            <a:pPr marL="0" indent="0">
+              <a:buFont typeface="Wingdings" pitchFamily="2" charset="2"/>
+              <a:buNone/>
+            </a:pPr>
+            <a:r>
+              <a:rPr lang="en-US" sz="1100" dirty="0"/>
+              <a:t>Def </a:t>
+            </a:r>
+            <a:r>
+              <a:rPr lang="en-US" sz="1100" dirty="0" err="1"/>
+              <a:t>fill_type</a:t>
+            </a:r>
+            <a:r>
+              <a:rPr lang="en-US" sz="1100" dirty="0"/>
+              <a:t> (</a:t>
+            </a:r>
+            <a:r>
+              <a:rPr lang="en-US" sz="1100" dirty="0" err="1"/>
+              <a:t>userID</a:t>
+            </a:r>
+            <a:r>
+              <a:rPr lang="en-US" sz="1100" dirty="0"/>
+              <a:t>)</a:t>
+            </a:r>
+          </a:p>
+          <a:p>
+            <a:pPr marL="0" indent="0">
+              <a:buFont typeface="Wingdings" pitchFamily="2" charset="2"/>
+              <a:buNone/>
+            </a:pPr>
+            <a:r>
+              <a:rPr lang="en-US" sz="1100" dirty="0"/>
+              <a:t>	run query to find if types </a:t>
+            </a:r>
+            <a:r>
+              <a:rPr lang="en-US" sz="1100" dirty="0" err="1"/>
+              <a:t>exsist</a:t>
+            </a:r>
+            <a:r>
+              <a:rPr lang="en-US" sz="1100" dirty="0"/>
+              <a:t> for user</a:t>
+            </a:r>
+          </a:p>
+          <a:p>
+            <a:pPr marL="0" indent="0">
+              <a:buFont typeface="Wingdings" pitchFamily="2" charset="2"/>
+              <a:buNone/>
+            </a:pPr>
+            <a:r>
+              <a:rPr lang="en-US" sz="1100" dirty="0"/>
+              <a:t>		run query to find all tasks IDs that have matching DAY_ID FK</a:t>
+            </a:r>
+          </a:p>
+          <a:p>
+            <a:pPr marL="0" indent="0">
+              <a:buFont typeface="Wingdings" pitchFamily="2" charset="2"/>
+              <a:buNone/>
+            </a:pPr>
+            <a:r>
+              <a:rPr lang="en-US" sz="1100" dirty="0"/>
+              <a:t>		for every ID, run query to fill task object with data</a:t>
+            </a:r>
+          </a:p>
+        </p:txBody>
+      </p:sp>
+      <p:sp>
+        <p:nvSpPr>
+          <p:cNvPr id="13" name="Content Placeholder 2">
+            <a:extLst>
+              <a:ext uri="{FF2B5EF4-FFF2-40B4-BE49-F238E27FC236}">
+                <a16:creationId xmlns:a16="http://schemas.microsoft.com/office/drawing/2014/main" id="{713B0D40-8CF6-4257-B15F-6B3FFFB32FB0}"/>
+              </a:ext>
+            </a:extLst>
+          </p:cNvPr>
+          <p:cNvSpPr txBox="1">
+            <a:spLocks/>
+          </p:cNvSpPr>
+          <p:nvPr/>
+        </p:nvSpPr>
+        <p:spPr>
+          <a:xfrm>
+            <a:off x="6754548" y="4374058"/>
+            <a:ext cx="2394115" cy="1625689"/>
+          </a:xfrm>
+          <a:prstGeom prst="rect">
+            <a:avLst/>
+          </a:prstGeom>
+        </p:spPr>
+        <p:txBody>
+          <a:bodyPr vert="horz" lIns="91440" tIns="45720" rIns="91440" bIns="45720" rtlCol="0">
+            <a:normAutofit/>
+          </a:bodyPr>
+          <a:lstStyle>
+            <a:lvl1pPr marL="182880" indent="-182880" algn="l" defTabSz="914400" rtl="0" eaLnBrk="1" latinLnBrk="0" hangingPunct="1">
+              <a:lnSpc>
+                <a:spcPct val="90000"/>
+              </a:lnSpc>
+              <a:spcBef>
+                <a:spcPts val="1200"/>
+              </a:spcBef>
+              <a:buClr>
+                <a:schemeClr val="accent1">
+                  <a:lumMod val="75000"/>
+                </a:schemeClr>
+              </a:buClr>
+              <a:buSzPct val="85000"/>
+              <a:buFont typeface="Wingdings" pitchFamily="2" charset="2"/>
+              <a:buChar char="§"/>
+              <a:defRPr sz="2000" kern="1200">
+                <a:solidFill>
+                  <a:schemeClr val="tx1"/>
+                </a:solidFill>
+                <a:latin typeface="+mn-lt"/>
+                <a:ea typeface="+mn-ea"/>
+                <a:cs typeface="+mn-cs"/>
+              </a:defRPr>
+            </a:lvl1pPr>
+            <a:lvl2pPr marL="457200" indent="-182880" algn="l" defTabSz="914400" rtl="0" eaLnBrk="1" latinLnBrk="0" hangingPunct="1">
+              <a:lnSpc>
+                <a:spcPct val="90000"/>
+              </a:lnSpc>
+              <a:spcBef>
+                <a:spcPts val="400"/>
+              </a:spcBef>
+              <a:spcAft>
+                <a:spcPts val="200"/>
+              </a:spcAft>
+              <a:buClr>
+                <a:schemeClr val="accent1">
+                  <a:lumMod val="75000"/>
+                </a:schemeClr>
+              </a:buClr>
+              <a:buSzPct val="85000"/>
+              <a:buFont typeface="Wingdings" pitchFamily="2" charset="2"/>
+              <a:buChar char="§"/>
+              <a:defRPr sz="1800" kern="1200">
+                <a:solidFill>
+                  <a:schemeClr val="tx1"/>
+                </a:solidFill>
+                <a:latin typeface="+mn-lt"/>
+                <a:ea typeface="+mn-ea"/>
+                <a:cs typeface="+mn-cs"/>
+              </a:defRPr>
+            </a:lvl2pPr>
+            <a:lvl3pPr marL="731520" indent="-182880" algn="l" defTabSz="914400" rtl="0" eaLnBrk="1" latinLnBrk="0" hangingPunct="1">
+              <a:lnSpc>
+                <a:spcPct val="90000"/>
+              </a:lnSpc>
+              <a:spcBef>
+                <a:spcPts val="400"/>
+              </a:spcBef>
+              <a:spcAft>
+                <a:spcPts val="200"/>
+              </a:spcAft>
+              <a:buClr>
+                <a:schemeClr val="accent1">
+                  <a:lumMod val="75000"/>
+                </a:schemeClr>
+              </a:buClr>
+              <a:buSzPct val="85000"/>
+              <a:buFont typeface="Wingdings" pitchFamily="2" charset="2"/>
+              <a:buChar char="§"/>
+              <a:defRPr sz="1600" kern="1200">
+                <a:solidFill>
+                  <a:schemeClr val="tx1"/>
+                </a:solidFill>
+                <a:latin typeface="+mn-lt"/>
+                <a:ea typeface="+mn-ea"/>
+                <a:cs typeface="+mn-cs"/>
+              </a:defRPr>
+            </a:lvl3pPr>
+            <a:lvl4pPr marL="1005840" indent="-182880" algn="l" defTabSz="914400" rtl="0" eaLnBrk="1" latinLnBrk="0" hangingPunct="1">
+              <a:lnSpc>
+                <a:spcPct val="90000"/>
+              </a:lnSpc>
+              <a:spcBef>
+                <a:spcPts val="400"/>
+              </a:spcBef>
+              <a:spcAft>
+                <a:spcPts val="200"/>
+              </a:spcAft>
+              <a:buClr>
+                <a:schemeClr val="accent1">
+                  <a:lumMod val="75000"/>
+                </a:schemeClr>
+              </a:buClr>
+              <a:buSzPct val="85000"/>
+              <a:buFont typeface="Wingdings" pitchFamily="2" charset="2"/>
+              <a:buChar char="§"/>
+              <a:defRPr sz="1600" kern="1200">
+                <a:solidFill>
+                  <a:schemeClr val="tx1"/>
+                </a:solidFill>
+                <a:latin typeface="+mn-lt"/>
+                <a:ea typeface="+mn-ea"/>
+                <a:cs typeface="+mn-cs"/>
+              </a:defRPr>
+            </a:lvl4pPr>
+            <a:lvl5pPr marL="1280160" indent="-182880" algn="l" defTabSz="914400" rtl="0" eaLnBrk="1" latinLnBrk="0" hangingPunct="1">
+              <a:lnSpc>
+                <a:spcPct val="90000"/>
+              </a:lnSpc>
+              <a:spcBef>
+                <a:spcPts val="400"/>
+              </a:spcBef>
+              <a:spcAft>
+                <a:spcPts val="200"/>
+              </a:spcAft>
+              <a:buClr>
+                <a:schemeClr val="accent1">
+                  <a:lumMod val="75000"/>
+                </a:schemeClr>
+              </a:buClr>
+              <a:buSzPct val="85000"/>
+              <a:buFont typeface="Wingdings" pitchFamily="2" charset="2"/>
+              <a:buChar char="§"/>
+              <a:defRPr sz="1600" kern="1200">
+                <a:solidFill>
+                  <a:schemeClr val="tx1"/>
+                </a:solidFill>
+                <a:latin typeface="+mn-lt"/>
+                <a:ea typeface="+mn-ea"/>
+                <a:cs typeface="+mn-cs"/>
+              </a:defRPr>
+            </a:lvl5pPr>
+            <a:lvl6pPr marL="1600000" indent="-228600" algn="l" defTabSz="914400" rtl="0" eaLnBrk="1" latinLnBrk="0" hangingPunct="1">
+              <a:lnSpc>
+                <a:spcPct val="90000"/>
+              </a:lnSpc>
+              <a:spcBef>
+                <a:spcPts val="400"/>
+              </a:spcBef>
+              <a:spcAft>
+                <a:spcPts val="200"/>
+              </a:spcAft>
+              <a:buClr>
+                <a:schemeClr val="accent1">
+                  <a:lumMod val="75000"/>
+                </a:schemeClr>
+              </a:buClr>
+              <a:buSzPct val="85000"/>
+              <a:buFont typeface="Wingdings" pitchFamily="2" charset="2"/>
+              <a:buChar char="§"/>
+              <a:defRPr sz="1600" kern="1200">
+                <a:solidFill>
+                  <a:schemeClr val="tx1"/>
+                </a:solidFill>
+                <a:latin typeface="+mn-lt"/>
+                <a:ea typeface="+mn-ea"/>
+                <a:cs typeface="+mn-cs"/>
+              </a:defRPr>
+            </a:lvl6pPr>
+            <a:lvl7pPr marL="1900000" indent="-228600" algn="l" defTabSz="914400" rtl="0" eaLnBrk="1" latinLnBrk="0" hangingPunct="1">
+              <a:lnSpc>
+                <a:spcPct val="90000"/>
+              </a:lnSpc>
+              <a:spcBef>
+                <a:spcPts val="400"/>
+              </a:spcBef>
+              <a:spcAft>
+                <a:spcPts val="200"/>
+              </a:spcAft>
+              <a:buClr>
+                <a:schemeClr val="accent1">
+                  <a:lumMod val="75000"/>
+                </a:schemeClr>
+              </a:buClr>
+              <a:buSzPct val="85000"/>
+              <a:buFont typeface="Wingdings" pitchFamily="2" charset="2"/>
+              <a:buChar char="§"/>
+              <a:defRPr sz="1600" kern="1200">
+                <a:solidFill>
+                  <a:schemeClr val="tx1"/>
+                </a:solidFill>
+                <a:latin typeface="+mn-lt"/>
+                <a:ea typeface="+mn-ea"/>
+                <a:cs typeface="+mn-cs"/>
+              </a:defRPr>
+            </a:lvl7pPr>
+            <a:lvl8pPr marL="2200000" indent="-228600" algn="l" defTabSz="914400" rtl="0" eaLnBrk="1" latinLnBrk="0" hangingPunct="1">
+              <a:lnSpc>
+                <a:spcPct val="90000"/>
+              </a:lnSpc>
+              <a:spcBef>
+                <a:spcPts val="400"/>
+              </a:spcBef>
+              <a:spcAft>
+                <a:spcPts val="200"/>
+              </a:spcAft>
+              <a:buClr>
+                <a:schemeClr val="accent1">
+                  <a:lumMod val="75000"/>
+                </a:schemeClr>
+              </a:buClr>
+              <a:buSzPct val="85000"/>
+              <a:buFont typeface="Wingdings" pitchFamily="2" charset="2"/>
+              <a:buChar char="§"/>
+              <a:defRPr sz="1600" kern="1200">
+                <a:solidFill>
+                  <a:schemeClr val="tx1"/>
+                </a:solidFill>
+                <a:latin typeface="+mn-lt"/>
+                <a:ea typeface="+mn-ea"/>
+                <a:cs typeface="+mn-cs"/>
+              </a:defRPr>
+            </a:lvl8pPr>
+            <a:lvl9pPr marL="2500000" indent="-228600" algn="l" defTabSz="914400" rtl="0" eaLnBrk="1" latinLnBrk="0" hangingPunct="1">
+              <a:lnSpc>
+                <a:spcPct val="90000"/>
+              </a:lnSpc>
+              <a:spcBef>
+                <a:spcPts val="400"/>
+              </a:spcBef>
+              <a:spcAft>
+                <a:spcPts val="200"/>
+              </a:spcAft>
+              <a:buClr>
+                <a:schemeClr val="accent1">
+                  <a:lumMod val="75000"/>
+                </a:schemeClr>
+              </a:buClr>
+              <a:buSzPct val="85000"/>
+              <a:buFont typeface="Wingdings" pitchFamily="2" charset="2"/>
+              <a:buChar char="§"/>
+              <a:defRPr sz="1600" kern="1200">
+                <a:solidFill>
+                  <a:schemeClr val="tx1"/>
+                </a:solidFill>
+                <a:latin typeface="+mn-lt"/>
+                <a:ea typeface="+mn-ea"/>
+                <a:cs typeface="+mn-cs"/>
+              </a:defRPr>
+            </a:lvl9pPr>
+          </a:lstStyle>
+          <a:p>
+            <a:pPr marL="0" indent="0">
+              <a:buFont typeface="Wingdings" pitchFamily="2" charset="2"/>
+              <a:buNone/>
+            </a:pPr>
+            <a:r>
+              <a:rPr lang="en-US" b="1" dirty="0" err="1"/>
+              <a:t>UserInGroup</a:t>
+            </a:r>
+            <a:r>
+              <a:rPr lang="en-US" b="1" dirty="0"/>
+              <a:t> (Future Work)</a:t>
+            </a:r>
+          </a:p>
+          <a:p>
+            <a:pPr marL="0" indent="0">
+              <a:buFont typeface="Wingdings" pitchFamily="2" charset="2"/>
+              <a:buNone/>
+            </a:pPr>
+            <a:r>
+              <a:rPr lang="en-US" dirty="0" err="1"/>
+              <a:t>UserID</a:t>
+            </a:r>
+            <a:r>
+              <a:rPr lang="en-US" dirty="0"/>
+              <a:t> FK</a:t>
+            </a:r>
+          </a:p>
+          <a:p>
+            <a:pPr marL="0" indent="0">
+              <a:buFont typeface="Wingdings" pitchFamily="2" charset="2"/>
+              <a:buNone/>
+            </a:pPr>
+            <a:r>
+              <a:rPr lang="en-US" dirty="0" err="1"/>
+              <a:t>GroupID</a:t>
+            </a:r>
+            <a:r>
+              <a:rPr lang="en-US" dirty="0"/>
+              <a:t> FK</a:t>
+            </a:r>
+          </a:p>
+        </p:txBody>
+      </p:sp>
+      <p:sp>
+        <p:nvSpPr>
+          <p:cNvPr id="14" name="Content Placeholder 2">
+            <a:extLst>
+              <a:ext uri="{FF2B5EF4-FFF2-40B4-BE49-F238E27FC236}">
+                <a16:creationId xmlns:a16="http://schemas.microsoft.com/office/drawing/2014/main" id="{B01F8DCD-A097-4539-A1F9-10B7DC5B649C}"/>
+              </a:ext>
+            </a:extLst>
+          </p:cNvPr>
+          <p:cNvSpPr txBox="1">
+            <a:spLocks/>
+          </p:cNvSpPr>
+          <p:nvPr/>
+        </p:nvSpPr>
+        <p:spPr>
+          <a:xfrm>
+            <a:off x="9797885" y="199554"/>
+            <a:ext cx="2394115" cy="2352698"/>
+          </a:xfrm>
+          <a:prstGeom prst="rect">
+            <a:avLst/>
+          </a:prstGeom>
+        </p:spPr>
+        <p:txBody>
+          <a:bodyPr vert="horz" lIns="91440" tIns="45720" rIns="91440" bIns="45720" rtlCol="0">
+            <a:normAutofit/>
+          </a:bodyPr>
+          <a:lstStyle>
+            <a:lvl1pPr marL="182880" indent="-182880" algn="l" defTabSz="914400" rtl="0" eaLnBrk="1" latinLnBrk="0" hangingPunct="1">
+              <a:lnSpc>
+                <a:spcPct val="90000"/>
+              </a:lnSpc>
+              <a:spcBef>
+                <a:spcPts val="1200"/>
+              </a:spcBef>
+              <a:buClr>
+                <a:schemeClr val="accent1">
+                  <a:lumMod val="75000"/>
+                </a:schemeClr>
+              </a:buClr>
+              <a:buSzPct val="85000"/>
+              <a:buFont typeface="Wingdings" pitchFamily="2" charset="2"/>
+              <a:buChar char="§"/>
+              <a:defRPr sz="2000" kern="1200">
+                <a:solidFill>
+                  <a:schemeClr val="tx1"/>
+                </a:solidFill>
+                <a:latin typeface="+mn-lt"/>
+                <a:ea typeface="+mn-ea"/>
+                <a:cs typeface="+mn-cs"/>
+              </a:defRPr>
+            </a:lvl1pPr>
+            <a:lvl2pPr marL="457200" indent="-182880" algn="l" defTabSz="914400" rtl="0" eaLnBrk="1" latinLnBrk="0" hangingPunct="1">
+              <a:lnSpc>
+                <a:spcPct val="90000"/>
+              </a:lnSpc>
+              <a:spcBef>
+                <a:spcPts val="400"/>
+              </a:spcBef>
+              <a:spcAft>
+                <a:spcPts val="200"/>
+              </a:spcAft>
+              <a:buClr>
+                <a:schemeClr val="accent1">
+                  <a:lumMod val="75000"/>
+                </a:schemeClr>
+              </a:buClr>
+              <a:buSzPct val="85000"/>
+              <a:buFont typeface="Wingdings" pitchFamily="2" charset="2"/>
+              <a:buChar char="§"/>
+              <a:defRPr sz="1800" kern="1200">
+                <a:solidFill>
+                  <a:schemeClr val="tx1"/>
+                </a:solidFill>
+                <a:latin typeface="+mn-lt"/>
+                <a:ea typeface="+mn-ea"/>
+                <a:cs typeface="+mn-cs"/>
+              </a:defRPr>
+            </a:lvl2pPr>
+            <a:lvl3pPr marL="731520" indent="-182880" algn="l" defTabSz="914400" rtl="0" eaLnBrk="1" latinLnBrk="0" hangingPunct="1">
+              <a:lnSpc>
+                <a:spcPct val="90000"/>
+              </a:lnSpc>
+              <a:spcBef>
+                <a:spcPts val="400"/>
+              </a:spcBef>
+              <a:spcAft>
+                <a:spcPts val="200"/>
+              </a:spcAft>
+              <a:buClr>
+                <a:schemeClr val="accent1">
+                  <a:lumMod val="75000"/>
+                </a:schemeClr>
+              </a:buClr>
+              <a:buSzPct val="85000"/>
+              <a:buFont typeface="Wingdings" pitchFamily="2" charset="2"/>
+              <a:buChar char="§"/>
+              <a:defRPr sz="1600" kern="1200">
+                <a:solidFill>
+                  <a:schemeClr val="tx1"/>
+                </a:solidFill>
+                <a:latin typeface="+mn-lt"/>
+                <a:ea typeface="+mn-ea"/>
+                <a:cs typeface="+mn-cs"/>
+              </a:defRPr>
+            </a:lvl3pPr>
+            <a:lvl4pPr marL="1005840" indent="-182880" algn="l" defTabSz="914400" rtl="0" eaLnBrk="1" latinLnBrk="0" hangingPunct="1">
+              <a:lnSpc>
+                <a:spcPct val="90000"/>
+              </a:lnSpc>
+              <a:spcBef>
+                <a:spcPts val="400"/>
+              </a:spcBef>
+              <a:spcAft>
+                <a:spcPts val="200"/>
+              </a:spcAft>
+              <a:buClr>
+                <a:schemeClr val="accent1">
+                  <a:lumMod val="75000"/>
+                </a:schemeClr>
+              </a:buClr>
+              <a:buSzPct val="85000"/>
+              <a:buFont typeface="Wingdings" pitchFamily="2" charset="2"/>
+              <a:buChar char="§"/>
+              <a:defRPr sz="1600" kern="1200">
+                <a:solidFill>
+                  <a:schemeClr val="tx1"/>
+                </a:solidFill>
+                <a:latin typeface="+mn-lt"/>
+                <a:ea typeface="+mn-ea"/>
+                <a:cs typeface="+mn-cs"/>
+              </a:defRPr>
+            </a:lvl4pPr>
+            <a:lvl5pPr marL="1280160" indent="-182880" algn="l" defTabSz="914400" rtl="0" eaLnBrk="1" latinLnBrk="0" hangingPunct="1">
+              <a:lnSpc>
+                <a:spcPct val="90000"/>
+              </a:lnSpc>
+              <a:spcBef>
+                <a:spcPts val="400"/>
+              </a:spcBef>
+              <a:spcAft>
+                <a:spcPts val="200"/>
+              </a:spcAft>
+              <a:buClr>
+                <a:schemeClr val="accent1">
+                  <a:lumMod val="75000"/>
+                </a:schemeClr>
+              </a:buClr>
+              <a:buSzPct val="85000"/>
+              <a:buFont typeface="Wingdings" pitchFamily="2" charset="2"/>
+              <a:buChar char="§"/>
+              <a:defRPr sz="1600" kern="1200">
+                <a:solidFill>
+                  <a:schemeClr val="tx1"/>
+                </a:solidFill>
+                <a:latin typeface="+mn-lt"/>
+                <a:ea typeface="+mn-ea"/>
+                <a:cs typeface="+mn-cs"/>
+              </a:defRPr>
+            </a:lvl5pPr>
+            <a:lvl6pPr marL="1600000" indent="-228600" algn="l" defTabSz="914400" rtl="0" eaLnBrk="1" latinLnBrk="0" hangingPunct="1">
+              <a:lnSpc>
+                <a:spcPct val="90000"/>
+              </a:lnSpc>
+              <a:spcBef>
+                <a:spcPts val="400"/>
+              </a:spcBef>
+              <a:spcAft>
+                <a:spcPts val="200"/>
+              </a:spcAft>
+              <a:buClr>
+                <a:schemeClr val="accent1">
+                  <a:lumMod val="75000"/>
+                </a:schemeClr>
+              </a:buClr>
+              <a:buSzPct val="85000"/>
+              <a:buFont typeface="Wingdings" pitchFamily="2" charset="2"/>
+              <a:buChar char="§"/>
+              <a:defRPr sz="1600" kern="1200">
+                <a:solidFill>
+                  <a:schemeClr val="tx1"/>
+                </a:solidFill>
+                <a:latin typeface="+mn-lt"/>
+                <a:ea typeface="+mn-ea"/>
+                <a:cs typeface="+mn-cs"/>
+              </a:defRPr>
+            </a:lvl6pPr>
+            <a:lvl7pPr marL="1900000" indent="-228600" algn="l" defTabSz="914400" rtl="0" eaLnBrk="1" latinLnBrk="0" hangingPunct="1">
+              <a:lnSpc>
+                <a:spcPct val="90000"/>
+              </a:lnSpc>
+              <a:spcBef>
+                <a:spcPts val="400"/>
+              </a:spcBef>
+              <a:spcAft>
+                <a:spcPts val="200"/>
+              </a:spcAft>
+              <a:buClr>
+                <a:schemeClr val="accent1">
+                  <a:lumMod val="75000"/>
+                </a:schemeClr>
+              </a:buClr>
+              <a:buSzPct val="85000"/>
+              <a:buFont typeface="Wingdings" pitchFamily="2" charset="2"/>
+              <a:buChar char="§"/>
+              <a:defRPr sz="1600" kern="1200">
+                <a:solidFill>
+                  <a:schemeClr val="tx1"/>
+                </a:solidFill>
+                <a:latin typeface="+mn-lt"/>
+                <a:ea typeface="+mn-ea"/>
+                <a:cs typeface="+mn-cs"/>
+              </a:defRPr>
+            </a:lvl7pPr>
+            <a:lvl8pPr marL="2200000" indent="-228600" algn="l" defTabSz="914400" rtl="0" eaLnBrk="1" latinLnBrk="0" hangingPunct="1">
+              <a:lnSpc>
+                <a:spcPct val="90000"/>
+              </a:lnSpc>
+              <a:spcBef>
+                <a:spcPts val="400"/>
+              </a:spcBef>
+              <a:spcAft>
+                <a:spcPts val="200"/>
+              </a:spcAft>
+              <a:buClr>
+                <a:schemeClr val="accent1">
+                  <a:lumMod val="75000"/>
+                </a:schemeClr>
+              </a:buClr>
+              <a:buSzPct val="85000"/>
+              <a:buFont typeface="Wingdings" pitchFamily="2" charset="2"/>
+              <a:buChar char="§"/>
+              <a:defRPr sz="1600" kern="1200">
+                <a:solidFill>
+                  <a:schemeClr val="tx1"/>
+                </a:solidFill>
+                <a:latin typeface="+mn-lt"/>
+                <a:ea typeface="+mn-ea"/>
+                <a:cs typeface="+mn-cs"/>
+              </a:defRPr>
+            </a:lvl8pPr>
+            <a:lvl9pPr marL="2500000" indent="-228600" algn="l" defTabSz="914400" rtl="0" eaLnBrk="1" latinLnBrk="0" hangingPunct="1">
+              <a:lnSpc>
+                <a:spcPct val="90000"/>
+              </a:lnSpc>
+              <a:spcBef>
+                <a:spcPts val="400"/>
+              </a:spcBef>
+              <a:spcAft>
+                <a:spcPts val="200"/>
+              </a:spcAft>
+              <a:buClr>
+                <a:schemeClr val="accent1">
+                  <a:lumMod val="75000"/>
+                </a:schemeClr>
+              </a:buClr>
+              <a:buSzPct val="85000"/>
+              <a:buFont typeface="Wingdings" pitchFamily="2" charset="2"/>
+              <a:buChar char="§"/>
+              <a:defRPr sz="1600" kern="1200">
+                <a:solidFill>
+                  <a:schemeClr val="tx1"/>
+                </a:solidFill>
+                <a:latin typeface="+mn-lt"/>
+                <a:ea typeface="+mn-ea"/>
+                <a:cs typeface="+mn-cs"/>
+              </a:defRPr>
+            </a:lvl9pPr>
+          </a:lstStyle>
+          <a:p>
+            <a:pPr marL="0" indent="0">
+              <a:buFont typeface="Wingdings" pitchFamily="2" charset="2"/>
+              <a:buNone/>
+            </a:pPr>
+            <a:r>
+              <a:rPr lang="en-US" b="1" dirty="0"/>
+              <a:t>Group (Future Work)</a:t>
+            </a:r>
+          </a:p>
+          <a:p>
+            <a:pPr marL="0" indent="0">
+              <a:buFont typeface="Wingdings" pitchFamily="2" charset="2"/>
+              <a:buNone/>
+            </a:pPr>
+            <a:r>
+              <a:rPr lang="en-US" dirty="0" err="1"/>
+              <a:t>GroupID</a:t>
+            </a:r>
+            <a:r>
+              <a:rPr lang="en-US" dirty="0"/>
+              <a:t> PK</a:t>
+            </a:r>
+          </a:p>
+          <a:p>
+            <a:pPr marL="0" indent="0">
+              <a:buFont typeface="Wingdings" pitchFamily="2" charset="2"/>
+              <a:buNone/>
+            </a:pPr>
+            <a:r>
+              <a:rPr lang="en-US" dirty="0" err="1"/>
+              <a:t>GroupName</a:t>
+            </a:r>
+            <a:r>
+              <a:rPr lang="en-US" dirty="0"/>
+              <a:t> String</a:t>
+            </a:r>
+          </a:p>
+        </p:txBody>
+      </p:sp>
+      <p:sp>
+        <p:nvSpPr>
+          <p:cNvPr id="16" name="Content Placeholder 2">
+            <a:extLst>
+              <a:ext uri="{FF2B5EF4-FFF2-40B4-BE49-F238E27FC236}">
+                <a16:creationId xmlns:a16="http://schemas.microsoft.com/office/drawing/2014/main" id="{3501460B-0666-43B9-9B44-E763416AD22C}"/>
+              </a:ext>
+            </a:extLst>
+          </p:cNvPr>
+          <p:cNvSpPr txBox="1">
+            <a:spLocks/>
+          </p:cNvSpPr>
+          <p:nvPr/>
+        </p:nvSpPr>
+        <p:spPr>
+          <a:xfrm>
+            <a:off x="8994342" y="3766432"/>
+            <a:ext cx="2394115" cy="3091568"/>
+          </a:xfrm>
+          <a:prstGeom prst="rect">
+            <a:avLst/>
+          </a:prstGeom>
+        </p:spPr>
+        <p:txBody>
+          <a:bodyPr vert="horz" lIns="91440" tIns="45720" rIns="91440" bIns="45720" rtlCol="0">
+            <a:normAutofit fontScale="85000" lnSpcReduction="10000"/>
+          </a:bodyPr>
+          <a:lstStyle>
+            <a:lvl1pPr marL="182880" indent="-182880" algn="l" defTabSz="914400" rtl="0" eaLnBrk="1" latinLnBrk="0" hangingPunct="1">
+              <a:lnSpc>
+                <a:spcPct val="90000"/>
+              </a:lnSpc>
+              <a:spcBef>
+                <a:spcPts val="1200"/>
+              </a:spcBef>
+              <a:buClr>
+                <a:schemeClr val="accent1">
+                  <a:lumMod val="75000"/>
+                </a:schemeClr>
+              </a:buClr>
+              <a:buSzPct val="85000"/>
+              <a:buFont typeface="Wingdings" pitchFamily="2" charset="2"/>
+              <a:buChar char="§"/>
+              <a:defRPr sz="2000" kern="1200">
+                <a:solidFill>
+                  <a:schemeClr val="tx1"/>
+                </a:solidFill>
+                <a:latin typeface="+mn-lt"/>
+                <a:ea typeface="+mn-ea"/>
+                <a:cs typeface="+mn-cs"/>
+              </a:defRPr>
+            </a:lvl1pPr>
+            <a:lvl2pPr marL="457200" indent="-182880" algn="l" defTabSz="914400" rtl="0" eaLnBrk="1" latinLnBrk="0" hangingPunct="1">
+              <a:lnSpc>
+                <a:spcPct val="90000"/>
+              </a:lnSpc>
+              <a:spcBef>
+                <a:spcPts val="400"/>
+              </a:spcBef>
+              <a:spcAft>
+                <a:spcPts val="200"/>
+              </a:spcAft>
+              <a:buClr>
+                <a:schemeClr val="accent1">
+                  <a:lumMod val="75000"/>
+                </a:schemeClr>
+              </a:buClr>
+              <a:buSzPct val="85000"/>
+              <a:buFont typeface="Wingdings" pitchFamily="2" charset="2"/>
+              <a:buChar char="§"/>
+              <a:defRPr sz="1800" kern="1200">
+                <a:solidFill>
+                  <a:schemeClr val="tx1"/>
+                </a:solidFill>
+                <a:latin typeface="+mn-lt"/>
+                <a:ea typeface="+mn-ea"/>
+                <a:cs typeface="+mn-cs"/>
+              </a:defRPr>
+            </a:lvl2pPr>
+            <a:lvl3pPr marL="731520" indent="-182880" algn="l" defTabSz="914400" rtl="0" eaLnBrk="1" latinLnBrk="0" hangingPunct="1">
+              <a:lnSpc>
+                <a:spcPct val="90000"/>
+              </a:lnSpc>
+              <a:spcBef>
+                <a:spcPts val="400"/>
+              </a:spcBef>
+              <a:spcAft>
+                <a:spcPts val="200"/>
+              </a:spcAft>
+              <a:buClr>
+                <a:schemeClr val="accent1">
+                  <a:lumMod val="75000"/>
+                </a:schemeClr>
+              </a:buClr>
+              <a:buSzPct val="85000"/>
+              <a:buFont typeface="Wingdings" pitchFamily="2" charset="2"/>
+              <a:buChar char="§"/>
+              <a:defRPr sz="1600" kern="1200">
+                <a:solidFill>
+                  <a:schemeClr val="tx1"/>
+                </a:solidFill>
+                <a:latin typeface="+mn-lt"/>
+                <a:ea typeface="+mn-ea"/>
+                <a:cs typeface="+mn-cs"/>
+              </a:defRPr>
+            </a:lvl3pPr>
+            <a:lvl4pPr marL="1005840" indent="-182880" algn="l" defTabSz="914400" rtl="0" eaLnBrk="1" latinLnBrk="0" hangingPunct="1">
+              <a:lnSpc>
+                <a:spcPct val="90000"/>
+              </a:lnSpc>
+              <a:spcBef>
+                <a:spcPts val="400"/>
+              </a:spcBef>
+              <a:spcAft>
+                <a:spcPts val="200"/>
+              </a:spcAft>
+              <a:buClr>
+                <a:schemeClr val="accent1">
+                  <a:lumMod val="75000"/>
+                </a:schemeClr>
+              </a:buClr>
+              <a:buSzPct val="85000"/>
+              <a:buFont typeface="Wingdings" pitchFamily="2" charset="2"/>
+              <a:buChar char="§"/>
+              <a:defRPr sz="1600" kern="1200">
+                <a:solidFill>
+                  <a:schemeClr val="tx1"/>
+                </a:solidFill>
+                <a:latin typeface="+mn-lt"/>
+                <a:ea typeface="+mn-ea"/>
+                <a:cs typeface="+mn-cs"/>
+              </a:defRPr>
+            </a:lvl4pPr>
+            <a:lvl5pPr marL="1280160" indent="-182880" algn="l" defTabSz="914400" rtl="0" eaLnBrk="1" latinLnBrk="0" hangingPunct="1">
+              <a:lnSpc>
+                <a:spcPct val="90000"/>
+              </a:lnSpc>
+              <a:spcBef>
+                <a:spcPts val="400"/>
+              </a:spcBef>
+              <a:spcAft>
+                <a:spcPts val="200"/>
+              </a:spcAft>
+              <a:buClr>
+                <a:schemeClr val="accent1">
+                  <a:lumMod val="75000"/>
+                </a:schemeClr>
+              </a:buClr>
+              <a:buSzPct val="85000"/>
+              <a:buFont typeface="Wingdings" pitchFamily="2" charset="2"/>
+              <a:buChar char="§"/>
+              <a:defRPr sz="1600" kern="1200">
+                <a:solidFill>
+                  <a:schemeClr val="tx1"/>
+                </a:solidFill>
+                <a:latin typeface="+mn-lt"/>
+                <a:ea typeface="+mn-ea"/>
+                <a:cs typeface="+mn-cs"/>
+              </a:defRPr>
+            </a:lvl5pPr>
+            <a:lvl6pPr marL="1600000" indent="-228600" algn="l" defTabSz="914400" rtl="0" eaLnBrk="1" latinLnBrk="0" hangingPunct="1">
+              <a:lnSpc>
+                <a:spcPct val="90000"/>
+              </a:lnSpc>
+              <a:spcBef>
+                <a:spcPts val="400"/>
+              </a:spcBef>
+              <a:spcAft>
+                <a:spcPts val="200"/>
+              </a:spcAft>
+              <a:buClr>
+                <a:schemeClr val="accent1">
+                  <a:lumMod val="75000"/>
+                </a:schemeClr>
+              </a:buClr>
+              <a:buSzPct val="85000"/>
+              <a:buFont typeface="Wingdings" pitchFamily="2" charset="2"/>
+              <a:buChar char="§"/>
+              <a:defRPr sz="1600" kern="1200">
+                <a:solidFill>
+                  <a:schemeClr val="tx1"/>
+                </a:solidFill>
+                <a:latin typeface="+mn-lt"/>
+                <a:ea typeface="+mn-ea"/>
+                <a:cs typeface="+mn-cs"/>
+              </a:defRPr>
+            </a:lvl6pPr>
+            <a:lvl7pPr marL="1900000" indent="-228600" algn="l" defTabSz="914400" rtl="0" eaLnBrk="1" latinLnBrk="0" hangingPunct="1">
+              <a:lnSpc>
+                <a:spcPct val="90000"/>
+              </a:lnSpc>
+              <a:spcBef>
+                <a:spcPts val="400"/>
+              </a:spcBef>
+              <a:spcAft>
+                <a:spcPts val="200"/>
+              </a:spcAft>
+              <a:buClr>
+                <a:schemeClr val="accent1">
+                  <a:lumMod val="75000"/>
+                </a:schemeClr>
+              </a:buClr>
+              <a:buSzPct val="85000"/>
+              <a:buFont typeface="Wingdings" pitchFamily="2" charset="2"/>
+              <a:buChar char="§"/>
+              <a:defRPr sz="1600" kern="1200">
+                <a:solidFill>
+                  <a:schemeClr val="tx1"/>
+                </a:solidFill>
+                <a:latin typeface="+mn-lt"/>
+                <a:ea typeface="+mn-ea"/>
+                <a:cs typeface="+mn-cs"/>
+              </a:defRPr>
+            </a:lvl7pPr>
+            <a:lvl8pPr marL="2200000" indent="-228600" algn="l" defTabSz="914400" rtl="0" eaLnBrk="1" latinLnBrk="0" hangingPunct="1">
+              <a:lnSpc>
+                <a:spcPct val="90000"/>
+              </a:lnSpc>
+              <a:spcBef>
+                <a:spcPts val="400"/>
+              </a:spcBef>
+              <a:spcAft>
+                <a:spcPts val="200"/>
+              </a:spcAft>
+              <a:buClr>
+                <a:schemeClr val="accent1">
+                  <a:lumMod val="75000"/>
+                </a:schemeClr>
+              </a:buClr>
+              <a:buSzPct val="85000"/>
+              <a:buFont typeface="Wingdings" pitchFamily="2" charset="2"/>
+              <a:buChar char="§"/>
+              <a:defRPr sz="1600" kern="1200">
+                <a:solidFill>
+                  <a:schemeClr val="tx1"/>
+                </a:solidFill>
+                <a:latin typeface="+mn-lt"/>
+                <a:ea typeface="+mn-ea"/>
+                <a:cs typeface="+mn-cs"/>
+              </a:defRPr>
+            </a:lvl8pPr>
+            <a:lvl9pPr marL="2500000" indent="-228600" algn="l" defTabSz="914400" rtl="0" eaLnBrk="1" latinLnBrk="0" hangingPunct="1">
+              <a:lnSpc>
+                <a:spcPct val="90000"/>
+              </a:lnSpc>
+              <a:spcBef>
+                <a:spcPts val="400"/>
+              </a:spcBef>
+              <a:spcAft>
+                <a:spcPts val="200"/>
+              </a:spcAft>
+              <a:buClr>
+                <a:schemeClr val="accent1">
+                  <a:lumMod val="75000"/>
+                </a:schemeClr>
+              </a:buClr>
+              <a:buSzPct val="85000"/>
+              <a:buFont typeface="Wingdings" pitchFamily="2" charset="2"/>
+              <a:buChar char="§"/>
+              <a:defRPr sz="1600" kern="1200">
+                <a:solidFill>
+                  <a:schemeClr val="tx1"/>
+                </a:solidFill>
+                <a:latin typeface="+mn-lt"/>
+                <a:ea typeface="+mn-ea"/>
+                <a:cs typeface="+mn-cs"/>
+              </a:defRPr>
+            </a:lvl9pPr>
+          </a:lstStyle>
+          <a:p>
+            <a:pPr marL="0" indent="0">
+              <a:buFont typeface="Wingdings" pitchFamily="2" charset="2"/>
+              <a:buNone/>
+            </a:pPr>
+            <a:r>
+              <a:rPr lang="en-US" b="1" dirty="0" err="1"/>
+              <a:t>TypeInGroup</a:t>
+            </a:r>
+            <a:r>
+              <a:rPr lang="en-US" b="1" dirty="0"/>
+              <a:t> (Future Work)</a:t>
+            </a:r>
+          </a:p>
+          <a:p>
+            <a:pPr marL="0" indent="0">
+              <a:buFont typeface="Wingdings" pitchFamily="2" charset="2"/>
+              <a:buNone/>
+            </a:pPr>
+            <a:r>
+              <a:rPr lang="en-US" dirty="0" err="1"/>
+              <a:t>TypeID</a:t>
+            </a:r>
+            <a:r>
+              <a:rPr lang="en-US" dirty="0"/>
+              <a:t> FK</a:t>
+            </a:r>
+          </a:p>
+          <a:p>
+            <a:pPr marL="0" indent="0">
+              <a:buFont typeface="Wingdings" pitchFamily="2" charset="2"/>
+              <a:buNone/>
+            </a:pPr>
+            <a:r>
+              <a:rPr lang="en-US" dirty="0" err="1"/>
+              <a:t>GroupID</a:t>
+            </a:r>
+            <a:r>
+              <a:rPr lang="en-US" dirty="0"/>
+              <a:t> FK</a:t>
+            </a:r>
+          </a:p>
+          <a:p>
+            <a:pPr marL="0" indent="0">
+              <a:buFont typeface="Wingdings" pitchFamily="2" charset="2"/>
+              <a:buNone/>
+            </a:pPr>
+            <a:r>
+              <a:rPr lang="en-US" dirty="0"/>
+              <a:t>(create procedure to copy Types to create new items for user in group, this allows user to add custom comments vs editing master reference) </a:t>
+            </a:r>
+          </a:p>
+        </p:txBody>
+      </p:sp>
+    </p:spTree>
+    <p:extLst>
+      <p:ext uri="{BB962C8B-B14F-4D97-AF65-F5344CB8AC3E}">
+        <p14:creationId xmlns:p14="http://schemas.microsoft.com/office/powerpoint/2010/main" val="392392429"/>
+      </p:ext>
+    </p:extLst>
+  </p:cSld>
+  <p:clrMapOvr>
+    <a:masterClrMapping/>
+  </p:clrMapOvr>
+</p:sld>
+</file>
+
+<file path=ppt/slides/slide12.xml><?xml version="1.0" encoding="utf-8"?>
+<p:sld xmlns:a="http://schemas.openxmlformats.org/drawingml/2006/main" xmlns:r="http://schemas.openxmlformats.org/officeDocument/2006/relationships" xmlns:p="http://schemas.openxmlformats.org/presentationml/2006/main">
+  <p:cSld>
+    <p:spTree>
+      <p:nvGrpSpPr>
+        <p:cNvPr id="1" name=""/>
+        <p:cNvGrpSpPr/>
+        <p:nvPr/>
+      </p:nvGrpSpPr>
+      <p:grpSpPr>
+        <a:xfrm>
+          <a:off x="0" y="0"/>
+          <a:ext cx="0" cy="0"/>
+          <a:chOff x="0" y="0"/>
+          <a:chExt cx="0" cy="0"/>
+        </a:xfrm>
+      </p:grpSpPr>
+      <p:sp>
+        <p:nvSpPr>
+          <p:cNvPr id="2" name="Title 1">
+            <a:extLst>
+              <a:ext uri="{FF2B5EF4-FFF2-40B4-BE49-F238E27FC236}">
+                <a16:creationId xmlns:a16="http://schemas.microsoft.com/office/drawing/2014/main" id="{A2CAACA4-7E67-4EBD-AEC3-8FE323C52550}"/>
+              </a:ext>
+            </a:extLst>
+          </p:cNvPr>
+          <p:cNvSpPr>
+            <a:spLocks noGrp="1"/>
+          </p:cNvSpPr>
+          <p:nvPr>
+            <p:ph type="title"/>
+          </p:nvPr>
+        </p:nvSpPr>
+        <p:spPr>
+          <a:xfrm>
+            <a:off x="1844398" y="129630"/>
+            <a:ext cx="10058400" cy="1609344"/>
+          </a:xfrm>
+        </p:spPr>
+        <p:txBody>
+          <a:bodyPr/>
+          <a:lstStyle/>
+          <a:p>
+            <a:r>
+              <a:rPr lang="en-US" dirty="0"/>
+              <a:t>DATABASE NOTES</a:t>
+            </a:r>
+          </a:p>
+        </p:txBody>
+      </p:sp>
+      <p:sp>
+        <p:nvSpPr>
+          <p:cNvPr id="4" name="Content Placeholder 3">
+            <a:extLst>
+              <a:ext uri="{FF2B5EF4-FFF2-40B4-BE49-F238E27FC236}">
+                <a16:creationId xmlns:a16="http://schemas.microsoft.com/office/drawing/2014/main" id="{2D16D9CE-6EB0-423F-BDE5-410123220D3E}"/>
+              </a:ext>
+            </a:extLst>
+          </p:cNvPr>
+          <p:cNvSpPr txBox="1">
+            <a:spLocks noGrp="1"/>
+          </p:cNvSpPr>
+          <p:nvPr>
+            <p:ph idx="1"/>
+          </p:nvPr>
+        </p:nvSpPr>
+        <p:spPr>
+          <a:xfrm>
+            <a:off x="575123" y="1289304"/>
+            <a:ext cx="10058400" cy="5144485"/>
+          </a:xfrm>
+          <a:prstGeom prst="rect">
+            <a:avLst/>
+          </a:prstGeom>
+          <a:noFill/>
+        </p:spPr>
+        <p:txBody>
+          <a:bodyPr wrap="square">
+            <a:spAutoFit/>
+          </a:bodyPr>
+          <a:lstStyle/>
+          <a:p>
+            <a:pPr algn="l"/>
+            <a:r>
+              <a:rPr lang="en-US" sz="1100" b="0" i="0" dirty="0">
+                <a:solidFill>
+                  <a:srgbClr val="222222"/>
+                </a:solidFill>
+                <a:effectLst/>
+                <a:latin typeface="Arial" panose="020B0604020202020204" pitchFamily="34" charset="0"/>
+              </a:rPr>
+              <a:t>Tables</a:t>
+            </a:r>
+          </a:p>
+          <a:p>
+            <a:pPr algn="l"/>
+            <a:r>
+              <a:rPr lang="en-US" sz="1100" b="0" i="0" dirty="0">
+                <a:solidFill>
+                  <a:srgbClr val="222222"/>
+                </a:solidFill>
+                <a:effectLst/>
+                <a:latin typeface="Arial" panose="020B0604020202020204" pitchFamily="34" charset="0"/>
+              </a:rPr>
+              <a:t>User -&gt; Day -&gt; Task</a:t>
+            </a:r>
+          </a:p>
+          <a:p>
+            <a:pPr algn="l"/>
+            <a:endParaRPr lang="en-US" sz="1100" b="0" i="0" dirty="0">
+              <a:solidFill>
+                <a:srgbClr val="222222"/>
+              </a:solidFill>
+              <a:effectLst/>
+              <a:latin typeface="Arial" panose="020B0604020202020204" pitchFamily="34" charset="0"/>
+            </a:endParaRPr>
+          </a:p>
+          <a:p>
+            <a:pPr algn="l"/>
+            <a:r>
+              <a:rPr lang="en-US" sz="1100" b="0" i="0" dirty="0">
+                <a:solidFill>
+                  <a:srgbClr val="222222"/>
+                </a:solidFill>
+                <a:effectLst/>
+                <a:latin typeface="Arial" panose="020B0604020202020204" pitchFamily="34" charset="0"/>
+              </a:rPr>
+              <a:t>Create queries to address below with ability to input parameters.</a:t>
+            </a:r>
+          </a:p>
+          <a:p>
+            <a:pPr algn="l"/>
+            <a:endParaRPr lang="en-US" sz="1100" b="0" i="0" dirty="0">
+              <a:solidFill>
+                <a:srgbClr val="222222"/>
+              </a:solidFill>
+              <a:effectLst/>
+              <a:latin typeface="Arial" panose="020B0604020202020204" pitchFamily="34" charset="0"/>
+            </a:endParaRPr>
+          </a:p>
+          <a:p>
+            <a:pPr algn="l"/>
+            <a:r>
+              <a:rPr lang="en-US" sz="1100" b="0" i="0" dirty="0">
+                <a:solidFill>
+                  <a:srgbClr val="222222"/>
+                </a:solidFill>
+                <a:effectLst/>
+                <a:latin typeface="Arial" panose="020B0604020202020204" pitchFamily="34" charset="0"/>
+              </a:rPr>
+              <a:t>Login</a:t>
+            </a:r>
+          </a:p>
+          <a:p>
+            <a:pPr algn="l"/>
+            <a:r>
+              <a:rPr lang="en-US" sz="1100" b="0" i="0" dirty="0">
+                <a:solidFill>
+                  <a:srgbClr val="222222"/>
+                </a:solidFill>
+                <a:effectLst/>
+                <a:latin typeface="Arial" panose="020B0604020202020204" pitchFamily="34" charset="0"/>
+              </a:rPr>
+              <a:t>Verify Username SHA256 exists</a:t>
+            </a:r>
+          </a:p>
+          <a:p>
+            <a:pPr algn="l"/>
+            <a:r>
+              <a:rPr lang="en-US" sz="1100" b="0" i="0" dirty="0">
+                <a:solidFill>
+                  <a:srgbClr val="222222"/>
+                </a:solidFill>
+                <a:effectLst/>
+                <a:latin typeface="Arial" panose="020B0604020202020204" pitchFamily="34" charset="0"/>
+              </a:rPr>
+              <a:t>Does Password SHA256 Match corresponding SHA256 for username</a:t>
+            </a:r>
+          </a:p>
+          <a:p>
+            <a:pPr algn="l"/>
+            <a:endParaRPr lang="en-US" sz="1100" b="0" i="0" dirty="0">
+              <a:solidFill>
+                <a:srgbClr val="222222"/>
+              </a:solidFill>
+              <a:effectLst/>
+              <a:latin typeface="Arial" panose="020B0604020202020204" pitchFamily="34" charset="0"/>
+            </a:endParaRPr>
+          </a:p>
+          <a:p>
+            <a:pPr algn="l"/>
+            <a:r>
+              <a:rPr lang="en-US" sz="1100" b="0" i="0" dirty="0">
+                <a:solidFill>
+                  <a:srgbClr val="222222"/>
+                </a:solidFill>
+                <a:effectLst/>
+                <a:latin typeface="Arial" panose="020B0604020202020204" pitchFamily="34" charset="0"/>
+              </a:rPr>
+              <a:t>For User, Is there a day matching today’s date?</a:t>
+            </a:r>
+          </a:p>
+          <a:p>
+            <a:pPr algn="l"/>
+            <a:r>
+              <a:rPr lang="en-US" sz="1100" b="0" i="0" dirty="0">
+                <a:solidFill>
+                  <a:srgbClr val="222222"/>
+                </a:solidFill>
+                <a:effectLst/>
+                <a:latin typeface="Arial" panose="020B0604020202020204" pitchFamily="34" charset="0"/>
+              </a:rPr>
+              <a:t>If so then pull tasks corresponding to that day</a:t>
+            </a:r>
+          </a:p>
+          <a:p>
+            <a:pPr algn="l"/>
+            <a:r>
+              <a:rPr lang="en-US" sz="1100" b="0" i="0" dirty="0">
+                <a:solidFill>
+                  <a:srgbClr val="222222"/>
+                </a:solidFill>
+                <a:effectLst/>
+                <a:latin typeface="Arial" panose="020B0604020202020204" pitchFamily="34" charset="0"/>
+              </a:rPr>
+              <a:t>SW creating tasks and filling day</a:t>
+            </a:r>
+          </a:p>
+          <a:p>
+            <a:pPr algn="l"/>
+            <a:endParaRPr lang="en-US" sz="1100" b="0" i="0" dirty="0">
+              <a:solidFill>
+                <a:srgbClr val="222222"/>
+              </a:solidFill>
+              <a:effectLst/>
+              <a:latin typeface="Arial" panose="020B0604020202020204" pitchFamily="34" charset="0"/>
+            </a:endParaRPr>
+          </a:p>
+          <a:p>
+            <a:pPr algn="l"/>
+            <a:r>
+              <a:rPr lang="en-US" sz="1100" b="0" i="0" dirty="0">
+                <a:solidFill>
+                  <a:srgbClr val="222222"/>
+                </a:solidFill>
+                <a:effectLst/>
+                <a:latin typeface="Arial" panose="020B0604020202020204" pitchFamily="34" charset="0"/>
+              </a:rPr>
+              <a:t>Runtime</a:t>
+            </a:r>
+          </a:p>
+          <a:p>
+            <a:pPr algn="l"/>
+            <a:r>
+              <a:rPr lang="en-US" sz="1100" b="0" i="0" dirty="0">
+                <a:solidFill>
+                  <a:srgbClr val="222222"/>
+                </a:solidFill>
+                <a:effectLst/>
+                <a:latin typeface="Arial" panose="020B0604020202020204" pitchFamily="34" charset="0"/>
+              </a:rPr>
+              <a:t>Periodically check and push day and tasks to database</a:t>
+            </a:r>
+          </a:p>
+          <a:p>
+            <a:pPr algn="l"/>
+            <a:r>
+              <a:rPr lang="en-US" sz="1100" b="0" i="0" dirty="0">
+                <a:solidFill>
+                  <a:srgbClr val="222222"/>
+                </a:solidFill>
+                <a:effectLst/>
+                <a:latin typeface="Arial" panose="020B0604020202020204" pitchFamily="34" charset="0"/>
+              </a:rPr>
+              <a:t>When update, update database (example change start time)</a:t>
+            </a:r>
+          </a:p>
+          <a:p>
+            <a:pPr algn="l"/>
+            <a:r>
+              <a:rPr lang="en-US" sz="1100" b="0" i="0" dirty="0">
+                <a:solidFill>
+                  <a:srgbClr val="222222"/>
+                </a:solidFill>
+                <a:effectLst/>
+                <a:latin typeface="Arial" panose="020B0604020202020204" pitchFamily="34" charset="0"/>
+              </a:rPr>
+              <a:t>When create task/day then update database</a:t>
+            </a:r>
+          </a:p>
+        </p:txBody>
+      </p:sp>
+    </p:spTree>
+    <p:extLst>
+      <p:ext uri="{BB962C8B-B14F-4D97-AF65-F5344CB8AC3E}">
+        <p14:creationId xmlns:p14="http://schemas.microsoft.com/office/powerpoint/2010/main" val="4039077667"/>
+      </p:ext>
+    </p:extLst>
+  </p:cSld>
+  <p:clrMapOvr>
+    <a:masterClrMapping/>
+  </p:clrMapOvr>
+</p:sld>
+</file>
+
 <file path=ppt/slides/slide2.xml><?xml version="1.0" encoding="utf-8"?>
 <p:sld xmlns:a="http://schemas.openxmlformats.org/drawingml/2006/main" xmlns:r="http://schemas.openxmlformats.org/officeDocument/2006/relationships" xmlns:p="http://schemas.openxmlformats.org/presentationml/2006/main">
   <p:cSld>
